--- a/doc/AuthoringTool Design.pptx
+++ b/doc/AuthoringTool Design.pptx
@@ -106,6 +106,11 @@
       </a:defRPr>
     </a:lvl9pPr>
   </p:defaultTextStyle>
+  <p:extLst>
+    <p:ext uri="{EFAFB233-063F-42B5-8137-9DF3F51BA10A}">
+      <p15:sldGuideLst xmlns:p15="http://schemas.microsoft.com/office/powerpoint/2012/main"/>
+    </p:ext>
+  </p:extLst>
 </p:presentation>
 </file>
 
@@ -240,7 +245,7 @@
           <a:p>
             <a:fld id="{C2505B22-9FD8-4356-A0AB-8C46EF77DAF8}" type="datetimeFigureOut">
               <a:rPr lang="zh-CN" altLang="en-US" smtClean="0"/>
-              <a:t>2016/2/25</a:t>
+              <a:t>2016/2/29</a:t>
             </a:fld>
             <a:endParaRPr lang="zh-CN" altLang="en-US"/>
           </a:p>
@@ -410,7 +415,7 @@
           <a:p>
             <a:fld id="{C2505B22-9FD8-4356-A0AB-8C46EF77DAF8}" type="datetimeFigureOut">
               <a:rPr lang="zh-CN" altLang="en-US" smtClean="0"/>
-              <a:t>2016/2/25</a:t>
+              <a:t>2016/2/29</a:t>
             </a:fld>
             <a:endParaRPr lang="zh-CN" altLang="en-US"/>
           </a:p>
@@ -590,7 +595,7 @@
           <a:p>
             <a:fld id="{C2505B22-9FD8-4356-A0AB-8C46EF77DAF8}" type="datetimeFigureOut">
               <a:rPr lang="zh-CN" altLang="en-US" smtClean="0"/>
-              <a:t>2016/2/25</a:t>
+              <a:t>2016/2/29</a:t>
             </a:fld>
             <a:endParaRPr lang="zh-CN" altLang="en-US"/>
           </a:p>
@@ -760,7 +765,7 @@
           <a:p>
             <a:fld id="{C2505B22-9FD8-4356-A0AB-8C46EF77DAF8}" type="datetimeFigureOut">
               <a:rPr lang="zh-CN" altLang="en-US" smtClean="0"/>
-              <a:t>2016/2/25</a:t>
+              <a:t>2016/2/29</a:t>
             </a:fld>
             <a:endParaRPr lang="zh-CN" altLang="en-US"/>
           </a:p>
@@ -1006,7 +1011,7 @@
           <a:p>
             <a:fld id="{C2505B22-9FD8-4356-A0AB-8C46EF77DAF8}" type="datetimeFigureOut">
               <a:rPr lang="zh-CN" altLang="en-US" smtClean="0"/>
-              <a:t>2016/2/25</a:t>
+              <a:t>2016/2/29</a:t>
             </a:fld>
             <a:endParaRPr lang="zh-CN" altLang="en-US"/>
           </a:p>
@@ -1238,7 +1243,7 @@
           <a:p>
             <a:fld id="{C2505B22-9FD8-4356-A0AB-8C46EF77DAF8}" type="datetimeFigureOut">
               <a:rPr lang="zh-CN" altLang="en-US" smtClean="0"/>
-              <a:t>2016/2/25</a:t>
+              <a:t>2016/2/29</a:t>
             </a:fld>
             <a:endParaRPr lang="zh-CN" altLang="en-US"/>
           </a:p>
@@ -1605,7 +1610,7 @@
           <a:p>
             <a:fld id="{C2505B22-9FD8-4356-A0AB-8C46EF77DAF8}" type="datetimeFigureOut">
               <a:rPr lang="zh-CN" altLang="en-US" smtClean="0"/>
-              <a:t>2016/2/25</a:t>
+              <a:t>2016/2/29</a:t>
             </a:fld>
             <a:endParaRPr lang="zh-CN" altLang="en-US"/>
           </a:p>
@@ -1723,7 +1728,7 @@
           <a:p>
             <a:fld id="{C2505B22-9FD8-4356-A0AB-8C46EF77DAF8}" type="datetimeFigureOut">
               <a:rPr lang="zh-CN" altLang="en-US" smtClean="0"/>
-              <a:t>2016/2/25</a:t>
+              <a:t>2016/2/29</a:t>
             </a:fld>
             <a:endParaRPr lang="zh-CN" altLang="en-US"/>
           </a:p>
@@ -1818,7 +1823,7 @@
           <a:p>
             <a:fld id="{C2505B22-9FD8-4356-A0AB-8C46EF77DAF8}" type="datetimeFigureOut">
               <a:rPr lang="zh-CN" altLang="en-US" smtClean="0"/>
-              <a:t>2016/2/25</a:t>
+              <a:t>2016/2/29</a:t>
             </a:fld>
             <a:endParaRPr lang="zh-CN" altLang="en-US"/>
           </a:p>
@@ -2095,7 +2100,7 @@
           <a:p>
             <a:fld id="{C2505B22-9FD8-4356-A0AB-8C46EF77DAF8}" type="datetimeFigureOut">
               <a:rPr lang="zh-CN" altLang="en-US" smtClean="0"/>
-              <a:t>2016/2/25</a:t>
+              <a:t>2016/2/29</a:t>
             </a:fld>
             <a:endParaRPr lang="zh-CN" altLang="en-US"/>
           </a:p>
@@ -2348,7 +2353,7 @@
           <a:p>
             <a:fld id="{C2505B22-9FD8-4356-A0AB-8C46EF77DAF8}" type="datetimeFigureOut">
               <a:rPr lang="zh-CN" altLang="en-US" smtClean="0"/>
-              <a:t>2016/2/25</a:t>
+              <a:t>2016/2/29</a:t>
             </a:fld>
             <a:endParaRPr lang="zh-CN" altLang="en-US"/>
           </a:p>
@@ -2561,7 +2566,7 @@
           <a:p>
             <a:fld id="{C2505B22-9FD8-4356-A0AB-8C46EF77DAF8}" type="datetimeFigureOut">
               <a:rPr lang="zh-CN" altLang="en-US" smtClean="0"/>
-              <a:t>2016/2/25</a:t>
+              <a:t>2016/2/29</a:t>
             </a:fld>
             <a:endParaRPr lang="zh-CN" altLang="en-US"/>
           </a:p>
@@ -4008,6 +4013,914 @@
           <a:chExt cx="0" cy="0"/>
         </a:xfrm>
       </p:grpSpPr>
+      <p:sp>
+        <p:nvSpPr>
+          <p:cNvPr id="2" name="矩形 1"/>
+          <p:cNvSpPr/>
+          <p:nvPr/>
+        </p:nvSpPr>
+        <p:spPr>
+          <a:xfrm>
+            <a:off x="1445623" y="849085"/>
+            <a:ext cx="2151017" cy="962298"/>
+          </a:xfrm>
+          <a:prstGeom prst="rect">
+            <a:avLst/>
+          </a:prstGeom>
+        </p:spPr>
+        <p:style>
+          <a:lnRef idx="2">
+            <a:schemeClr val="accent1">
+              <a:shade val="50000"/>
+            </a:schemeClr>
+          </a:lnRef>
+          <a:fillRef idx="1">
+            <a:schemeClr val="accent1"/>
+          </a:fillRef>
+          <a:effectRef idx="0">
+            <a:schemeClr val="accent1"/>
+          </a:effectRef>
+          <a:fontRef idx="minor">
+            <a:schemeClr val="lt1"/>
+          </a:fontRef>
+        </p:style>
+        <p:txBody>
+          <a:bodyPr rtlCol="0" anchor="ctr"/>
+          <a:lstStyle/>
+          <a:p>
+            <a:pPr algn="ctr"/>
+            <a:endParaRPr lang="zh-CN" altLang="en-US" sz="1400" dirty="0"/>
+          </a:p>
+        </p:txBody>
+      </p:sp>
+      <p:sp>
+        <p:nvSpPr>
+          <p:cNvPr id="3" name="矩形 2"/>
+          <p:cNvSpPr/>
+          <p:nvPr/>
+        </p:nvSpPr>
+        <p:spPr>
+          <a:xfrm>
+            <a:off x="992777" y="940524"/>
+            <a:ext cx="679269" cy="304801"/>
+          </a:xfrm>
+          <a:prstGeom prst="rect">
+            <a:avLst/>
+          </a:prstGeom>
+        </p:spPr>
+        <p:style>
+          <a:lnRef idx="2">
+            <a:schemeClr val="accent4">
+              <a:shade val="50000"/>
+            </a:schemeClr>
+          </a:lnRef>
+          <a:fillRef idx="1">
+            <a:schemeClr val="accent4"/>
+          </a:fillRef>
+          <a:effectRef idx="0">
+            <a:schemeClr val="accent4"/>
+          </a:effectRef>
+          <a:fontRef idx="minor">
+            <a:schemeClr val="lt1"/>
+          </a:fontRef>
+        </p:style>
+        <p:txBody>
+          <a:bodyPr rtlCol="0" anchor="ctr"/>
+          <a:lstStyle/>
+          <a:p>
+            <a:pPr algn="ctr"/>
+            <a:r>
+              <a:rPr lang="en-US" altLang="zh-CN" sz="1400" dirty="0" smtClean="0"/>
+              <a:t>data</a:t>
+            </a:r>
+            <a:endParaRPr lang="zh-CN" altLang="en-US" dirty="0"/>
+          </a:p>
+        </p:txBody>
+      </p:sp>
+      <p:sp>
+        <p:nvSpPr>
+          <p:cNvPr id="4" name="矩形 3"/>
+          <p:cNvSpPr/>
+          <p:nvPr/>
+        </p:nvSpPr>
+        <p:spPr>
+          <a:xfrm>
+            <a:off x="4637312" y="326569"/>
+            <a:ext cx="2151017" cy="792480"/>
+          </a:xfrm>
+          <a:prstGeom prst="rect">
+            <a:avLst/>
+          </a:prstGeom>
+        </p:spPr>
+        <p:style>
+          <a:lnRef idx="2">
+            <a:schemeClr val="accent1">
+              <a:shade val="50000"/>
+            </a:schemeClr>
+          </a:lnRef>
+          <a:fillRef idx="1">
+            <a:schemeClr val="accent1"/>
+          </a:fillRef>
+          <a:effectRef idx="0">
+            <a:schemeClr val="accent1"/>
+          </a:effectRef>
+          <a:fontRef idx="minor">
+            <a:schemeClr val="lt1"/>
+          </a:fontRef>
+        </p:style>
+        <p:txBody>
+          <a:bodyPr rtlCol="0" anchor="ctr"/>
+          <a:lstStyle/>
+          <a:p>
+            <a:pPr algn="ctr"/>
+            <a:r>
+              <a:rPr lang="en-US" altLang="zh-CN" sz="1400" dirty="0" err="1" smtClean="0"/>
+              <a:t>LeftMenu</a:t>
+            </a:r>
+            <a:endParaRPr lang="zh-CN" altLang="en-US" sz="1400" dirty="0"/>
+          </a:p>
+        </p:txBody>
+      </p:sp>
+      <p:sp>
+        <p:nvSpPr>
+          <p:cNvPr id="6" name="矩形 5"/>
+          <p:cNvSpPr/>
+          <p:nvPr/>
+        </p:nvSpPr>
+        <p:spPr>
+          <a:xfrm>
+            <a:off x="4602476" y="1323701"/>
+            <a:ext cx="2151017" cy="792480"/>
+          </a:xfrm>
+          <a:prstGeom prst="rect">
+            <a:avLst/>
+          </a:prstGeom>
+        </p:spPr>
+        <p:style>
+          <a:lnRef idx="2">
+            <a:schemeClr val="accent1">
+              <a:shade val="50000"/>
+            </a:schemeClr>
+          </a:lnRef>
+          <a:fillRef idx="1">
+            <a:schemeClr val="accent1"/>
+          </a:fillRef>
+          <a:effectRef idx="0">
+            <a:schemeClr val="accent1"/>
+          </a:effectRef>
+          <a:fontRef idx="minor">
+            <a:schemeClr val="lt1"/>
+          </a:fontRef>
+        </p:style>
+        <p:txBody>
+          <a:bodyPr rtlCol="0" anchor="ctr"/>
+          <a:lstStyle/>
+          <a:p>
+            <a:pPr algn="ctr"/>
+            <a:r>
+              <a:rPr lang="en-US" altLang="zh-CN" sz="1400" dirty="0" err="1" smtClean="0"/>
+              <a:t>ThemedPage</a:t>
+            </a:r>
+            <a:endParaRPr lang="zh-CN" altLang="en-US" sz="1400" dirty="0"/>
+          </a:p>
+        </p:txBody>
+      </p:sp>
+      <p:sp>
+        <p:nvSpPr>
+          <p:cNvPr id="7" name="矩形 6"/>
+          <p:cNvSpPr/>
+          <p:nvPr/>
+        </p:nvSpPr>
+        <p:spPr>
+          <a:xfrm>
+            <a:off x="4580709" y="2804158"/>
+            <a:ext cx="2151017" cy="792480"/>
+          </a:xfrm>
+          <a:prstGeom prst="rect">
+            <a:avLst/>
+          </a:prstGeom>
+        </p:spPr>
+        <p:style>
+          <a:lnRef idx="2">
+            <a:schemeClr val="accent1">
+              <a:shade val="50000"/>
+            </a:schemeClr>
+          </a:lnRef>
+          <a:fillRef idx="1">
+            <a:schemeClr val="accent1"/>
+          </a:fillRef>
+          <a:effectRef idx="0">
+            <a:schemeClr val="accent1"/>
+          </a:effectRef>
+          <a:fontRef idx="minor">
+            <a:schemeClr val="lt1"/>
+          </a:fontRef>
+        </p:style>
+        <p:txBody>
+          <a:bodyPr rtlCol="0" anchor="ctr"/>
+          <a:lstStyle/>
+          <a:p>
+            <a:pPr algn="ctr"/>
+            <a:r>
+              <a:rPr lang="en-US" altLang="zh-CN" sz="1400" dirty="0" err="1" smtClean="0"/>
+              <a:t>RightPanel</a:t>
+            </a:r>
+            <a:endParaRPr lang="zh-CN" altLang="en-US" sz="1400" dirty="0"/>
+          </a:p>
+        </p:txBody>
+      </p:sp>
+      <p:sp>
+        <p:nvSpPr>
+          <p:cNvPr id="9" name="矩形 8"/>
+          <p:cNvSpPr/>
+          <p:nvPr/>
+        </p:nvSpPr>
+        <p:spPr>
+          <a:xfrm>
+            <a:off x="4580708" y="3888375"/>
+            <a:ext cx="2151017" cy="1393372"/>
+          </a:xfrm>
+          <a:prstGeom prst="rect">
+            <a:avLst/>
+          </a:prstGeom>
+        </p:spPr>
+        <p:style>
+          <a:lnRef idx="2">
+            <a:schemeClr val="accent1">
+              <a:shade val="50000"/>
+            </a:schemeClr>
+          </a:lnRef>
+          <a:fillRef idx="1">
+            <a:schemeClr val="accent1"/>
+          </a:fillRef>
+          <a:effectRef idx="0">
+            <a:schemeClr val="accent1"/>
+          </a:effectRef>
+          <a:fontRef idx="minor">
+            <a:schemeClr val="lt1"/>
+          </a:fontRef>
+        </p:style>
+        <p:txBody>
+          <a:bodyPr rtlCol="0" anchor="ctr"/>
+          <a:lstStyle/>
+          <a:p>
+            <a:pPr algn="ctr"/>
+            <a:r>
+              <a:rPr lang="en-US" altLang="zh-CN" sz="1400" dirty="0" err="1" smtClean="0"/>
+              <a:t>AxisLines</a:t>
+            </a:r>
+            <a:endParaRPr lang="zh-CN" altLang="en-US" sz="1400" dirty="0"/>
+          </a:p>
+        </p:txBody>
+      </p:sp>
+      <p:sp>
+        <p:nvSpPr>
+          <p:cNvPr id="10" name="矩形 9"/>
+          <p:cNvSpPr/>
+          <p:nvPr/>
+        </p:nvSpPr>
+        <p:spPr>
+          <a:xfrm>
+            <a:off x="2608217" y="1389015"/>
+            <a:ext cx="905692" cy="330926"/>
+          </a:xfrm>
+          <a:prstGeom prst="rect">
+            <a:avLst/>
+          </a:prstGeom>
+          <a:solidFill>
+            <a:srgbClr val="00B050"/>
+          </a:solidFill>
+        </p:spPr>
+        <p:style>
+          <a:lnRef idx="1">
+            <a:schemeClr val="accent4"/>
+          </a:lnRef>
+          <a:fillRef idx="1002">
+            <a:schemeClr val="dk1"/>
+          </a:fillRef>
+          <a:effectRef idx="2">
+            <a:schemeClr val="accent4"/>
+          </a:effectRef>
+          <a:fontRef idx="minor">
+            <a:schemeClr val="lt1"/>
+          </a:fontRef>
+        </p:style>
+        <p:txBody>
+          <a:bodyPr rtlCol="0" anchor="ctr"/>
+          <a:lstStyle/>
+          <a:p>
+            <a:pPr algn="ctr"/>
+            <a:r>
+              <a:rPr lang="en-US" altLang="zh-CN" sz="1100" dirty="0" err="1" smtClean="0"/>
+              <a:t>themeName</a:t>
+            </a:r>
+            <a:endParaRPr lang="zh-CN" altLang="en-US" dirty="0"/>
+          </a:p>
+        </p:txBody>
+      </p:sp>
+      <p:sp>
+        <p:nvSpPr>
+          <p:cNvPr id="11" name="矩形 10"/>
+          <p:cNvSpPr/>
+          <p:nvPr/>
+        </p:nvSpPr>
+        <p:spPr>
+          <a:xfrm>
+            <a:off x="2608217" y="949232"/>
+            <a:ext cx="905692" cy="330926"/>
+          </a:xfrm>
+          <a:prstGeom prst="rect">
+            <a:avLst/>
+          </a:prstGeom>
+          <a:solidFill>
+            <a:srgbClr val="00B050"/>
+          </a:solidFill>
+        </p:spPr>
+        <p:style>
+          <a:lnRef idx="1">
+            <a:schemeClr val="accent4"/>
+          </a:lnRef>
+          <a:fillRef idx="1002">
+            <a:schemeClr val="dk1"/>
+          </a:fillRef>
+          <a:effectRef idx="2">
+            <a:schemeClr val="accent4"/>
+          </a:effectRef>
+          <a:fontRef idx="minor">
+            <a:schemeClr val="lt1"/>
+          </a:fontRef>
+        </p:style>
+        <p:txBody>
+          <a:bodyPr rtlCol="0" anchor="ctr"/>
+          <a:lstStyle/>
+          <a:p>
+            <a:pPr algn="ctr"/>
+            <a:r>
+              <a:rPr lang="en-US" altLang="zh-CN" sz="1100" dirty="0" err="1" smtClean="0"/>
+              <a:t>pageSetting</a:t>
+            </a:r>
+            <a:endParaRPr lang="zh-CN" altLang="en-US" dirty="0"/>
+          </a:p>
+        </p:txBody>
+      </p:sp>
+      <p:sp>
+        <p:nvSpPr>
+          <p:cNvPr id="12" name="矩形 11"/>
+          <p:cNvSpPr/>
+          <p:nvPr/>
+        </p:nvSpPr>
+        <p:spPr>
+          <a:xfrm>
+            <a:off x="1403573" y="1280158"/>
+            <a:ext cx="1346843" cy="261610"/>
+          </a:xfrm>
+          <a:prstGeom prst="rect">
+            <a:avLst/>
+          </a:prstGeom>
+        </p:spPr>
+        <p:txBody>
+          <a:bodyPr wrap="none">
+            <a:spAutoFit/>
+          </a:bodyPr>
+          <a:lstStyle/>
+          <a:p>
+            <a:pPr algn="ctr"/>
+            <a:r>
+              <a:rPr lang="en-US" altLang="zh-CN" sz="1100" dirty="0" err="1">
+                <a:solidFill>
+                  <a:schemeClr val="bg1"/>
+                </a:solidFill>
+              </a:rPr>
+              <a:t>PageToolWorkspace</a:t>
+            </a:r>
+            <a:endParaRPr lang="zh-CN" altLang="en-US" sz="1200" dirty="0">
+              <a:solidFill>
+                <a:schemeClr val="bg1"/>
+              </a:solidFill>
+            </a:endParaRPr>
+          </a:p>
+        </p:txBody>
+      </p:sp>
+      <p:sp>
+        <p:nvSpPr>
+          <p:cNvPr id="13" name="矩形 12"/>
+          <p:cNvSpPr/>
+          <p:nvPr/>
+        </p:nvSpPr>
+        <p:spPr>
+          <a:xfrm>
+            <a:off x="4123508" y="3984520"/>
+            <a:ext cx="679269" cy="204304"/>
+          </a:xfrm>
+          <a:prstGeom prst="rect">
+            <a:avLst/>
+          </a:prstGeom>
+        </p:spPr>
+        <p:style>
+          <a:lnRef idx="2">
+            <a:schemeClr val="accent4">
+              <a:shade val="50000"/>
+            </a:schemeClr>
+          </a:lnRef>
+          <a:fillRef idx="1">
+            <a:schemeClr val="accent4"/>
+          </a:fillRef>
+          <a:effectRef idx="0">
+            <a:schemeClr val="accent4"/>
+          </a:effectRef>
+          <a:fontRef idx="minor">
+            <a:schemeClr val="lt1"/>
+          </a:fontRef>
+        </p:style>
+        <p:txBody>
+          <a:bodyPr rtlCol="0" anchor="ctr"/>
+          <a:lstStyle/>
+          <a:p>
+            <a:pPr algn="ctr"/>
+            <a:r>
+              <a:rPr lang="en-US" altLang="zh-CN" sz="1100" dirty="0" smtClean="0"/>
+              <a:t>width</a:t>
+            </a:r>
+            <a:endParaRPr lang="zh-CN" altLang="en-US" dirty="0"/>
+          </a:p>
+        </p:txBody>
+      </p:sp>
+      <p:sp>
+        <p:nvSpPr>
+          <p:cNvPr id="14" name="矩形 13"/>
+          <p:cNvSpPr/>
+          <p:nvPr/>
+        </p:nvSpPr>
+        <p:spPr>
+          <a:xfrm>
+            <a:off x="4123508" y="4249780"/>
+            <a:ext cx="679269" cy="195946"/>
+          </a:xfrm>
+          <a:prstGeom prst="rect">
+            <a:avLst/>
+          </a:prstGeom>
+        </p:spPr>
+        <p:style>
+          <a:lnRef idx="2">
+            <a:schemeClr val="accent4">
+              <a:shade val="50000"/>
+            </a:schemeClr>
+          </a:lnRef>
+          <a:fillRef idx="1">
+            <a:schemeClr val="accent4"/>
+          </a:fillRef>
+          <a:effectRef idx="0">
+            <a:schemeClr val="accent4"/>
+          </a:effectRef>
+          <a:fontRef idx="minor">
+            <a:schemeClr val="lt1"/>
+          </a:fontRef>
+        </p:style>
+        <p:txBody>
+          <a:bodyPr rtlCol="0" anchor="ctr"/>
+          <a:lstStyle/>
+          <a:p>
+            <a:pPr algn="ctr"/>
+            <a:r>
+              <a:rPr lang="en-US" altLang="zh-CN" sz="1100" dirty="0" smtClean="0"/>
+              <a:t>height</a:t>
+            </a:r>
+            <a:endParaRPr lang="zh-CN" altLang="en-US" dirty="0"/>
+          </a:p>
+        </p:txBody>
+      </p:sp>
+      <p:sp>
+        <p:nvSpPr>
+          <p:cNvPr id="15" name="矩形 14"/>
+          <p:cNvSpPr/>
+          <p:nvPr/>
+        </p:nvSpPr>
+        <p:spPr>
+          <a:xfrm>
+            <a:off x="4123507" y="4507034"/>
+            <a:ext cx="679270" cy="317511"/>
+          </a:xfrm>
+          <a:prstGeom prst="rect">
+            <a:avLst/>
+          </a:prstGeom>
+        </p:spPr>
+        <p:style>
+          <a:lnRef idx="2">
+            <a:schemeClr val="accent4">
+              <a:shade val="50000"/>
+            </a:schemeClr>
+          </a:lnRef>
+          <a:fillRef idx="1">
+            <a:schemeClr val="accent4"/>
+          </a:fillRef>
+          <a:effectRef idx="0">
+            <a:schemeClr val="accent4"/>
+          </a:effectRef>
+          <a:fontRef idx="minor">
+            <a:schemeClr val="lt1"/>
+          </a:fontRef>
+        </p:style>
+        <p:txBody>
+          <a:bodyPr rtlCol="0" anchor="ctr"/>
+          <a:lstStyle/>
+          <a:p>
+            <a:pPr algn="ctr"/>
+            <a:r>
+              <a:rPr lang="en-US" altLang="zh-CN" sz="1100" dirty="0" err="1" smtClean="0"/>
+              <a:t>doubleScreen</a:t>
+            </a:r>
+            <a:endParaRPr lang="zh-CN" altLang="en-US" dirty="0"/>
+          </a:p>
+        </p:txBody>
+      </p:sp>
+      <p:sp>
+        <p:nvSpPr>
+          <p:cNvPr id="17" name="矩形 16"/>
+          <p:cNvSpPr/>
+          <p:nvPr/>
+        </p:nvSpPr>
+        <p:spPr>
+          <a:xfrm>
+            <a:off x="4123508" y="4900745"/>
+            <a:ext cx="679269" cy="304801"/>
+          </a:xfrm>
+          <a:prstGeom prst="rect">
+            <a:avLst/>
+          </a:prstGeom>
+        </p:spPr>
+        <p:style>
+          <a:lnRef idx="2">
+            <a:schemeClr val="accent4">
+              <a:shade val="50000"/>
+            </a:schemeClr>
+          </a:lnRef>
+          <a:fillRef idx="1">
+            <a:schemeClr val="accent4"/>
+          </a:fillRef>
+          <a:effectRef idx="0">
+            <a:schemeClr val="accent4"/>
+          </a:effectRef>
+          <a:fontRef idx="minor">
+            <a:schemeClr val="lt1"/>
+          </a:fontRef>
+        </p:style>
+        <p:txBody>
+          <a:bodyPr rtlCol="0" anchor="ctr"/>
+          <a:lstStyle/>
+          <a:p>
+            <a:pPr algn="ctr"/>
+            <a:r>
+              <a:rPr lang="en-US" altLang="zh-CN" sz="1100" dirty="0" err="1" smtClean="0"/>
+              <a:t>expandMode</a:t>
+            </a:r>
+            <a:endParaRPr lang="en-US" altLang="zh-CN" sz="1100" dirty="0" smtClean="0"/>
+          </a:p>
+        </p:txBody>
+      </p:sp>
+      <p:cxnSp>
+        <p:nvCxnSpPr>
+          <p:cNvPr id="19" name="肘形连接符 18"/>
+          <p:cNvCxnSpPr>
+            <a:stCxn id="10" idx="2"/>
+            <a:endCxn id="15" idx="1"/>
+          </p:cNvCxnSpPr>
+          <p:nvPr/>
+        </p:nvCxnSpPr>
+        <p:spPr>
+          <a:xfrm rot="16200000" flipH="1">
+            <a:off x="2119361" y="2661643"/>
+            <a:ext cx="2945849" cy="1062444"/>
+          </a:xfrm>
+          <a:prstGeom prst="bentConnector2">
+            <a:avLst/>
+          </a:prstGeom>
+          <a:ln>
+            <a:tailEnd type="triangle"/>
+          </a:ln>
+        </p:spPr>
+        <p:style>
+          <a:lnRef idx="1">
+            <a:schemeClr val="accent1"/>
+          </a:lnRef>
+          <a:fillRef idx="0">
+            <a:schemeClr val="accent1"/>
+          </a:fillRef>
+          <a:effectRef idx="0">
+            <a:schemeClr val="accent1"/>
+          </a:effectRef>
+          <a:fontRef idx="minor">
+            <a:schemeClr val="tx1"/>
+          </a:fontRef>
+        </p:style>
+      </p:cxnSp>
+      <p:sp>
+        <p:nvSpPr>
+          <p:cNvPr id="20" name="矩形 19"/>
+          <p:cNvSpPr/>
+          <p:nvPr/>
+        </p:nvSpPr>
+        <p:spPr>
+          <a:xfrm>
+            <a:off x="3931916" y="1410611"/>
+            <a:ext cx="927463" cy="265259"/>
+          </a:xfrm>
+          <a:prstGeom prst="rect">
+            <a:avLst/>
+          </a:prstGeom>
+        </p:spPr>
+        <p:style>
+          <a:lnRef idx="2">
+            <a:schemeClr val="accent4">
+              <a:shade val="50000"/>
+            </a:schemeClr>
+          </a:lnRef>
+          <a:fillRef idx="1">
+            <a:schemeClr val="accent4"/>
+          </a:fillRef>
+          <a:effectRef idx="0">
+            <a:schemeClr val="accent4"/>
+          </a:effectRef>
+          <a:fontRef idx="minor">
+            <a:schemeClr val="lt1"/>
+          </a:fontRef>
+        </p:style>
+        <p:txBody>
+          <a:bodyPr rtlCol="0" anchor="ctr"/>
+          <a:lstStyle/>
+          <a:p>
+            <a:pPr algn="ctr"/>
+            <a:r>
+              <a:rPr lang="en-US" altLang="zh-CN" sz="1100" dirty="0" err="1" smtClean="0"/>
+              <a:t>pageSetting</a:t>
+            </a:r>
+            <a:endParaRPr lang="zh-CN" altLang="en-US" dirty="0"/>
+          </a:p>
+        </p:txBody>
+      </p:sp>
+      <p:sp>
+        <p:nvSpPr>
+          <p:cNvPr id="21" name="矩形 20"/>
+          <p:cNvSpPr/>
+          <p:nvPr/>
+        </p:nvSpPr>
+        <p:spPr>
+          <a:xfrm>
+            <a:off x="3931917" y="1752862"/>
+            <a:ext cx="927463" cy="256903"/>
+          </a:xfrm>
+          <a:prstGeom prst="rect">
+            <a:avLst/>
+          </a:prstGeom>
+        </p:spPr>
+        <p:style>
+          <a:lnRef idx="2">
+            <a:schemeClr val="accent4">
+              <a:shade val="50000"/>
+            </a:schemeClr>
+          </a:lnRef>
+          <a:fillRef idx="1">
+            <a:schemeClr val="accent4"/>
+          </a:fillRef>
+          <a:effectRef idx="0">
+            <a:schemeClr val="accent4"/>
+          </a:effectRef>
+          <a:fontRef idx="minor">
+            <a:schemeClr val="lt1"/>
+          </a:fontRef>
+        </p:style>
+        <p:txBody>
+          <a:bodyPr rtlCol="0" anchor="ctr"/>
+          <a:lstStyle/>
+          <a:p>
+            <a:pPr algn="ctr"/>
+            <a:r>
+              <a:rPr lang="en-US" altLang="zh-CN" sz="1100" dirty="0" err="1"/>
+              <a:t>themeName</a:t>
+            </a:r>
+            <a:endParaRPr lang="zh-CN" altLang="en-US" dirty="0"/>
+          </a:p>
+        </p:txBody>
+      </p:sp>
+      <p:sp>
+        <p:nvSpPr>
+          <p:cNvPr id="22" name="矩形 21"/>
+          <p:cNvSpPr/>
+          <p:nvPr/>
+        </p:nvSpPr>
+        <p:spPr>
+          <a:xfrm>
+            <a:off x="7881254" y="1323700"/>
+            <a:ext cx="2151017" cy="1759134"/>
+          </a:xfrm>
+          <a:prstGeom prst="rect">
+            <a:avLst/>
+          </a:prstGeom>
+        </p:spPr>
+        <p:style>
+          <a:lnRef idx="2">
+            <a:schemeClr val="accent1">
+              <a:shade val="50000"/>
+            </a:schemeClr>
+          </a:lnRef>
+          <a:fillRef idx="1">
+            <a:schemeClr val="accent1"/>
+          </a:fillRef>
+          <a:effectRef idx="0">
+            <a:schemeClr val="accent1"/>
+          </a:effectRef>
+          <a:fontRef idx="minor">
+            <a:schemeClr val="lt1"/>
+          </a:fontRef>
+        </p:style>
+        <p:txBody>
+          <a:bodyPr rtlCol="0" anchor="ctr"/>
+          <a:lstStyle/>
+          <a:p>
+            <a:pPr algn="ctr"/>
+            <a:r>
+              <a:rPr lang="en-US" altLang="zh-CN" sz="1400" dirty="0" err="1" smtClean="0"/>
+              <a:t>GridLayout</a:t>
+            </a:r>
+            <a:endParaRPr lang="zh-CN" altLang="en-US" sz="1400" dirty="0"/>
+          </a:p>
+        </p:txBody>
+      </p:sp>
+      <p:sp>
+        <p:nvSpPr>
+          <p:cNvPr id="24" name="矩形 23"/>
+          <p:cNvSpPr/>
+          <p:nvPr/>
+        </p:nvSpPr>
+        <p:spPr>
+          <a:xfrm>
+            <a:off x="7334791" y="1408344"/>
+            <a:ext cx="927463" cy="265259"/>
+          </a:xfrm>
+          <a:prstGeom prst="rect">
+            <a:avLst/>
+          </a:prstGeom>
+        </p:spPr>
+        <p:style>
+          <a:lnRef idx="2">
+            <a:schemeClr val="accent4">
+              <a:shade val="50000"/>
+            </a:schemeClr>
+          </a:lnRef>
+          <a:fillRef idx="1">
+            <a:schemeClr val="accent4"/>
+          </a:fillRef>
+          <a:effectRef idx="0">
+            <a:schemeClr val="accent4"/>
+          </a:effectRef>
+          <a:fontRef idx="minor">
+            <a:schemeClr val="lt1"/>
+          </a:fontRef>
+        </p:style>
+        <p:txBody>
+          <a:bodyPr rtlCol="0" anchor="ctr"/>
+          <a:lstStyle/>
+          <a:p>
+            <a:pPr algn="ctr"/>
+            <a:r>
+              <a:rPr lang="en-US" altLang="zh-CN" sz="1100" dirty="0" smtClean="0"/>
+              <a:t>width</a:t>
+            </a:r>
+            <a:endParaRPr lang="zh-CN" altLang="en-US" dirty="0"/>
+          </a:p>
+        </p:txBody>
+      </p:sp>
+      <p:sp>
+        <p:nvSpPr>
+          <p:cNvPr id="25" name="矩形 24"/>
+          <p:cNvSpPr/>
+          <p:nvPr/>
+        </p:nvSpPr>
+        <p:spPr>
+          <a:xfrm>
+            <a:off x="7341319" y="1718703"/>
+            <a:ext cx="927463" cy="265259"/>
+          </a:xfrm>
+          <a:prstGeom prst="rect">
+            <a:avLst/>
+          </a:prstGeom>
+        </p:spPr>
+        <p:style>
+          <a:lnRef idx="2">
+            <a:schemeClr val="accent4">
+              <a:shade val="50000"/>
+            </a:schemeClr>
+          </a:lnRef>
+          <a:fillRef idx="1">
+            <a:schemeClr val="accent4"/>
+          </a:fillRef>
+          <a:effectRef idx="0">
+            <a:schemeClr val="accent4"/>
+          </a:effectRef>
+          <a:fontRef idx="minor">
+            <a:schemeClr val="lt1"/>
+          </a:fontRef>
+        </p:style>
+        <p:txBody>
+          <a:bodyPr rtlCol="0" anchor="ctr"/>
+          <a:lstStyle/>
+          <a:p>
+            <a:pPr algn="ctr"/>
+            <a:r>
+              <a:rPr lang="en-US" altLang="zh-CN" sz="1100" dirty="0" smtClean="0"/>
+              <a:t>height</a:t>
+            </a:r>
+            <a:endParaRPr lang="zh-CN" altLang="en-US" dirty="0"/>
+          </a:p>
+        </p:txBody>
+      </p:sp>
+      <p:sp>
+        <p:nvSpPr>
+          <p:cNvPr id="26" name="矩形 25"/>
+          <p:cNvSpPr/>
+          <p:nvPr/>
+        </p:nvSpPr>
+        <p:spPr>
+          <a:xfrm>
+            <a:off x="7341319" y="2029062"/>
+            <a:ext cx="927463" cy="265259"/>
+          </a:xfrm>
+          <a:prstGeom prst="rect">
+            <a:avLst/>
+          </a:prstGeom>
+        </p:spPr>
+        <p:style>
+          <a:lnRef idx="2">
+            <a:schemeClr val="accent4">
+              <a:shade val="50000"/>
+            </a:schemeClr>
+          </a:lnRef>
+          <a:fillRef idx="1">
+            <a:schemeClr val="accent4"/>
+          </a:fillRef>
+          <a:effectRef idx="0">
+            <a:schemeClr val="accent4"/>
+          </a:effectRef>
+          <a:fontRef idx="minor">
+            <a:schemeClr val="lt1"/>
+          </a:fontRef>
+        </p:style>
+        <p:txBody>
+          <a:bodyPr rtlCol="0" anchor="ctr"/>
+          <a:lstStyle/>
+          <a:p>
+            <a:pPr algn="ctr"/>
+            <a:r>
+              <a:rPr lang="en-US" altLang="zh-CN" sz="1100" dirty="0" smtClean="0"/>
+              <a:t>double</a:t>
+            </a:r>
+            <a:endParaRPr lang="zh-CN" altLang="en-US" dirty="0"/>
+          </a:p>
+        </p:txBody>
+      </p:sp>
+      <p:sp>
+        <p:nvSpPr>
+          <p:cNvPr id="27" name="矩形 26"/>
+          <p:cNvSpPr/>
+          <p:nvPr/>
+        </p:nvSpPr>
+        <p:spPr>
+          <a:xfrm>
+            <a:off x="7219407" y="2339421"/>
+            <a:ext cx="1049376" cy="265259"/>
+          </a:xfrm>
+          <a:prstGeom prst="rect">
+            <a:avLst/>
+          </a:prstGeom>
+        </p:spPr>
+        <p:style>
+          <a:lnRef idx="2">
+            <a:schemeClr val="accent4">
+              <a:shade val="50000"/>
+            </a:schemeClr>
+          </a:lnRef>
+          <a:fillRef idx="1">
+            <a:schemeClr val="accent4"/>
+          </a:fillRef>
+          <a:effectRef idx="0">
+            <a:schemeClr val="accent4"/>
+          </a:effectRef>
+          <a:fontRef idx="minor">
+            <a:schemeClr val="lt1"/>
+          </a:fontRef>
+        </p:style>
+        <p:txBody>
+          <a:bodyPr rtlCol="0" anchor="ctr"/>
+          <a:lstStyle/>
+          <a:p>
+            <a:pPr algn="ctr"/>
+            <a:r>
+              <a:rPr lang="en-US" altLang="zh-CN" sz="1100" dirty="0" err="1" smtClean="0"/>
+              <a:t>expandMode</a:t>
+            </a:r>
+            <a:endParaRPr lang="zh-CN" altLang="en-US" dirty="0"/>
+          </a:p>
+        </p:txBody>
+      </p:sp>
     </p:spTree>
     <p:extLst>
       <p:ext uri="{BB962C8B-B14F-4D97-AF65-F5344CB8AC3E}">

--- a/doc/AuthoringTool Design.pptx
+++ b/doc/AuthoringTool Design.pptx
@@ -245,7 +245,7 @@
           <a:p>
             <a:fld id="{C2505B22-9FD8-4356-A0AB-8C46EF77DAF8}" type="datetimeFigureOut">
               <a:rPr lang="zh-CN" altLang="en-US" smtClean="0"/>
-              <a:t>2016/2/29</a:t>
+              <a:t>2016/3/2</a:t>
             </a:fld>
             <a:endParaRPr lang="zh-CN" altLang="en-US"/>
           </a:p>
@@ -415,7 +415,7 @@
           <a:p>
             <a:fld id="{C2505B22-9FD8-4356-A0AB-8C46EF77DAF8}" type="datetimeFigureOut">
               <a:rPr lang="zh-CN" altLang="en-US" smtClean="0"/>
-              <a:t>2016/2/29</a:t>
+              <a:t>2016/3/2</a:t>
             </a:fld>
             <a:endParaRPr lang="zh-CN" altLang="en-US"/>
           </a:p>
@@ -595,7 +595,7 @@
           <a:p>
             <a:fld id="{C2505B22-9FD8-4356-A0AB-8C46EF77DAF8}" type="datetimeFigureOut">
               <a:rPr lang="zh-CN" altLang="en-US" smtClean="0"/>
-              <a:t>2016/2/29</a:t>
+              <a:t>2016/3/2</a:t>
             </a:fld>
             <a:endParaRPr lang="zh-CN" altLang="en-US"/>
           </a:p>
@@ -765,7 +765,7 @@
           <a:p>
             <a:fld id="{C2505B22-9FD8-4356-A0AB-8C46EF77DAF8}" type="datetimeFigureOut">
               <a:rPr lang="zh-CN" altLang="en-US" smtClean="0"/>
-              <a:t>2016/2/29</a:t>
+              <a:t>2016/3/2</a:t>
             </a:fld>
             <a:endParaRPr lang="zh-CN" altLang="en-US"/>
           </a:p>
@@ -1011,7 +1011,7 @@
           <a:p>
             <a:fld id="{C2505B22-9FD8-4356-A0AB-8C46EF77DAF8}" type="datetimeFigureOut">
               <a:rPr lang="zh-CN" altLang="en-US" smtClean="0"/>
-              <a:t>2016/2/29</a:t>
+              <a:t>2016/3/2</a:t>
             </a:fld>
             <a:endParaRPr lang="zh-CN" altLang="en-US"/>
           </a:p>
@@ -1243,7 +1243,7 @@
           <a:p>
             <a:fld id="{C2505B22-9FD8-4356-A0AB-8C46EF77DAF8}" type="datetimeFigureOut">
               <a:rPr lang="zh-CN" altLang="en-US" smtClean="0"/>
-              <a:t>2016/2/29</a:t>
+              <a:t>2016/3/2</a:t>
             </a:fld>
             <a:endParaRPr lang="zh-CN" altLang="en-US"/>
           </a:p>
@@ -1610,7 +1610,7 @@
           <a:p>
             <a:fld id="{C2505B22-9FD8-4356-A0AB-8C46EF77DAF8}" type="datetimeFigureOut">
               <a:rPr lang="zh-CN" altLang="en-US" smtClean="0"/>
-              <a:t>2016/2/29</a:t>
+              <a:t>2016/3/2</a:t>
             </a:fld>
             <a:endParaRPr lang="zh-CN" altLang="en-US"/>
           </a:p>
@@ -1728,7 +1728,7 @@
           <a:p>
             <a:fld id="{C2505B22-9FD8-4356-A0AB-8C46EF77DAF8}" type="datetimeFigureOut">
               <a:rPr lang="zh-CN" altLang="en-US" smtClean="0"/>
-              <a:t>2016/2/29</a:t>
+              <a:t>2016/3/2</a:t>
             </a:fld>
             <a:endParaRPr lang="zh-CN" altLang="en-US"/>
           </a:p>
@@ -1823,7 +1823,7 @@
           <a:p>
             <a:fld id="{C2505B22-9FD8-4356-A0AB-8C46EF77DAF8}" type="datetimeFigureOut">
               <a:rPr lang="zh-CN" altLang="en-US" smtClean="0"/>
-              <a:t>2016/2/29</a:t>
+              <a:t>2016/3/2</a:t>
             </a:fld>
             <a:endParaRPr lang="zh-CN" altLang="en-US"/>
           </a:p>
@@ -2100,7 +2100,7 @@
           <a:p>
             <a:fld id="{C2505B22-9FD8-4356-A0AB-8C46EF77DAF8}" type="datetimeFigureOut">
               <a:rPr lang="zh-CN" altLang="en-US" smtClean="0"/>
-              <a:t>2016/2/29</a:t>
+              <a:t>2016/3/2</a:t>
             </a:fld>
             <a:endParaRPr lang="zh-CN" altLang="en-US"/>
           </a:p>
@@ -2353,7 +2353,7 @@
           <a:p>
             <a:fld id="{C2505B22-9FD8-4356-A0AB-8C46EF77DAF8}" type="datetimeFigureOut">
               <a:rPr lang="zh-CN" altLang="en-US" smtClean="0"/>
-              <a:t>2016/2/29</a:t>
+              <a:t>2016/3/2</a:t>
             </a:fld>
             <a:endParaRPr lang="zh-CN" altLang="en-US"/>
           </a:p>
@@ -2566,7 +2566,7 @@
           <a:p>
             <a:fld id="{C2505B22-9FD8-4356-A0AB-8C46EF77DAF8}" type="datetimeFigureOut">
               <a:rPr lang="zh-CN" altLang="en-US" smtClean="0"/>
-              <a:t>2016/2/29</a:t>
+              <a:t>2016/3/2</a:t>
             </a:fld>
             <a:endParaRPr lang="zh-CN" altLang="en-US"/>
           </a:p>
@@ -3510,7 +3510,7 @@
         <p:spPr>
           <a:xfrm>
             <a:off x="2678797" y="1720339"/>
-            <a:ext cx="4360178" cy="3270762"/>
+            <a:ext cx="1867077" cy="3356758"/>
           </a:xfrm>
           <a:prstGeom prst="rect">
             <a:avLst/>
@@ -3584,8 +3584,8 @@
         </p:nvSpPr>
         <p:spPr>
           <a:xfrm>
-            <a:off x="4270167" y="1966004"/>
-            <a:ext cx="1096967" cy="338554"/>
+            <a:off x="3063851" y="2120755"/>
+            <a:ext cx="651140" cy="261610"/>
           </a:xfrm>
           <a:prstGeom prst="rect">
             <a:avLst/>
@@ -3598,14 +3598,14 @@
           <a:lstStyle/>
           <a:p>
             <a:r>
-              <a:rPr lang="en-US" altLang="zh-CN" sz="1600" dirty="0" err="1" smtClean="0">
+              <a:rPr lang="en-US" altLang="zh-CN" sz="1100" dirty="0" err="1" smtClean="0">
                 <a:solidFill>
                   <a:schemeClr val="bg1"/>
                 </a:solidFill>
               </a:rPr>
-              <a:t>GridLayout</a:t>
-            </a:r>
-            <a:endParaRPr lang="zh-CN" altLang="en-US" sz="1600" dirty="0">
+              <a:t>Gridster</a:t>
+            </a:r>
+            <a:endParaRPr lang="zh-CN" altLang="en-US" sz="1100" dirty="0">
               <a:solidFill>
                 <a:schemeClr val="bg1"/>
               </a:solidFill>
@@ -3681,81 +3681,6 @@
               <a:t>RightPanel</a:t>
             </a:r>
             <a:endParaRPr lang="zh-CN" altLang="en-US" sz="1600" dirty="0">
-              <a:solidFill>
-                <a:schemeClr val="bg1"/>
-              </a:solidFill>
-            </a:endParaRPr>
-          </a:p>
-        </p:txBody>
-      </p:sp>
-      <p:sp>
-        <p:nvSpPr>
-          <p:cNvPr id="19" name="矩形 18"/>
-          <p:cNvSpPr/>
-          <p:nvPr/>
-        </p:nvSpPr>
-        <p:spPr>
-          <a:xfrm>
-            <a:off x="1819564" y="3870036"/>
-            <a:ext cx="7324435" cy="893750"/>
-          </a:xfrm>
-          <a:prstGeom prst="rect">
-            <a:avLst/>
-          </a:prstGeom>
-        </p:spPr>
-        <p:style>
-          <a:lnRef idx="3">
-            <a:schemeClr val="lt1"/>
-          </a:lnRef>
-          <a:fillRef idx="1">
-            <a:schemeClr val="accent4"/>
-          </a:fillRef>
-          <a:effectRef idx="1">
-            <a:schemeClr val="accent4"/>
-          </a:effectRef>
-          <a:fontRef idx="minor">
-            <a:schemeClr val="lt1"/>
-          </a:fontRef>
-        </p:style>
-        <p:txBody>
-          <a:bodyPr rtlCol="0" anchor="ctr"/>
-          <a:lstStyle/>
-          <a:p>
-            <a:pPr algn="ctr"/>
-            <a:endParaRPr lang="zh-CN" altLang="en-US"/>
-          </a:p>
-        </p:txBody>
-      </p:sp>
-      <p:sp>
-        <p:nvSpPr>
-          <p:cNvPr id="20" name="矩形 19"/>
-          <p:cNvSpPr/>
-          <p:nvPr/>
-        </p:nvSpPr>
-        <p:spPr>
-          <a:xfrm>
-            <a:off x="5134461" y="4172461"/>
-            <a:ext cx="941283" cy="338554"/>
-          </a:xfrm>
-          <a:prstGeom prst="rect">
-            <a:avLst/>
-          </a:prstGeom>
-        </p:spPr>
-        <p:txBody>
-          <a:bodyPr wrap="none">
-            <a:spAutoFit/>
-          </a:bodyPr>
-          <a:lstStyle/>
-          <a:p>
-            <a:r>
-              <a:rPr lang="en-US" altLang="zh-CN" sz="1600" dirty="0" err="1" smtClean="0">
-                <a:solidFill>
-                  <a:schemeClr val="bg1"/>
-                </a:solidFill>
-              </a:rPr>
-              <a:t>AxisLines</a:t>
-            </a:r>
-            <a:endParaRPr lang="zh-CN" altLang="en-US" dirty="0">
               <a:solidFill>
                 <a:schemeClr val="bg1"/>
               </a:solidFill>
@@ -3954,7 +3879,7 @@
         </p:nvSpPr>
         <p:spPr>
           <a:xfrm>
-            <a:off x="5977411" y="4988888"/>
+            <a:off x="6021835" y="5050238"/>
             <a:ext cx="1133131" cy="307777"/>
           </a:xfrm>
           <a:prstGeom prst="rect">
@@ -3974,6 +3899,180 @@
                 </a:solidFill>
               </a:rPr>
               <a:t>ThemedPage</a:t>
+            </a:r>
+            <a:endParaRPr lang="zh-CN" altLang="en-US" dirty="0">
+              <a:solidFill>
+                <a:schemeClr val="bg1"/>
+              </a:solidFill>
+            </a:endParaRPr>
+          </a:p>
+        </p:txBody>
+      </p:sp>
+      <p:sp>
+        <p:nvSpPr>
+          <p:cNvPr id="25" name="矩形 24"/>
+          <p:cNvSpPr/>
+          <p:nvPr/>
+        </p:nvSpPr>
+        <p:spPr>
+          <a:xfrm>
+            <a:off x="4868117" y="1734387"/>
+            <a:ext cx="1867077" cy="3356758"/>
+          </a:xfrm>
+          <a:prstGeom prst="rect">
+            <a:avLst/>
+          </a:prstGeom>
+        </p:spPr>
+        <p:style>
+          <a:lnRef idx="1">
+            <a:schemeClr val="accent3"/>
+          </a:lnRef>
+          <a:fillRef idx="3">
+            <a:schemeClr val="accent3"/>
+          </a:fillRef>
+          <a:effectRef idx="2">
+            <a:schemeClr val="accent3"/>
+          </a:effectRef>
+          <a:fontRef idx="minor">
+            <a:schemeClr val="lt1"/>
+          </a:fontRef>
+        </p:style>
+        <p:txBody>
+          <a:bodyPr rtlCol="0" anchor="ctr"/>
+          <a:lstStyle/>
+          <a:p>
+            <a:pPr algn="ctr"/>
+            <a:endParaRPr lang="zh-CN" altLang="en-US"/>
+          </a:p>
+        </p:txBody>
+      </p:sp>
+      <p:sp>
+        <p:nvSpPr>
+          <p:cNvPr id="27" name="矩形 26"/>
+          <p:cNvSpPr/>
+          <p:nvPr/>
+        </p:nvSpPr>
+        <p:spPr>
+          <a:xfrm>
+            <a:off x="5149205" y="2120755"/>
+            <a:ext cx="1321196" cy="261610"/>
+          </a:xfrm>
+          <a:prstGeom prst="rect">
+            <a:avLst/>
+          </a:prstGeom>
+        </p:spPr>
+        <p:txBody>
+          <a:bodyPr wrap="none">
+            <a:spAutoFit/>
+          </a:bodyPr>
+          <a:lstStyle/>
+          <a:p>
+            <a:r>
+              <a:rPr lang="en-US" altLang="zh-CN" sz="1100" dirty="0" err="1" smtClean="0">
+                <a:solidFill>
+                  <a:schemeClr val="bg1"/>
+                </a:solidFill>
+              </a:rPr>
+              <a:t>Gridster</a:t>
+            </a:r>
+            <a:r>
+              <a:rPr lang="en-US" altLang="zh-CN" sz="1100" dirty="0" smtClean="0">
+                <a:solidFill>
+                  <a:schemeClr val="bg1"/>
+                </a:solidFill>
+              </a:rPr>
+              <a:t>(option </a:t>
+            </a:r>
+            <a:r>
+              <a:rPr lang="en-US" altLang="zh-CN" sz="1100" dirty="0" err="1" smtClean="0">
+                <a:solidFill>
+                  <a:schemeClr val="bg1"/>
+                </a:solidFill>
+              </a:rPr>
+              <a:t>ext</a:t>
+            </a:r>
+            <a:r>
+              <a:rPr lang="en-US" altLang="zh-CN" sz="1100" dirty="0" smtClean="0">
+                <a:solidFill>
+                  <a:schemeClr val="bg1"/>
+                </a:solidFill>
+              </a:rPr>
+              <a:t>)</a:t>
+            </a:r>
+            <a:endParaRPr lang="zh-CN" altLang="en-US" sz="1100" dirty="0">
+              <a:solidFill>
+                <a:schemeClr val="bg1"/>
+              </a:solidFill>
+            </a:endParaRPr>
+          </a:p>
+        </p:txBody>
+      </p:sp>
+      <p:sp>
+        <p:nvSpPr>
+          <p:cNvPr id="19" name="矩形 18"/>
+          <p:cNvSpPr/>
+          <p:nvPr/>
+        </p:nvSpPr>
+        <p:spPr>
+          <a:xfrm>
+            <a:off x="1948611" y="3952231"/>
+            <a:ext cx="6942694" cy="761456"/>
+          </a:xfrm>
+          <a:prstGeom prst="rect">
+            <a:avLst/>
+          </a:prstGeom>
+        </p:spPr>
+        <p:style>
+          <a:lnRef idx="3">
+            <a:schemeClr val="lt1"/>
+          </a:lnRef>
+          <a:fillRef idx="1">
+            <a:schemeClr val="accent4"/>
+          </a:fillRef>
+          <a:effectRef idx="1">
+            <a:schemeClr val="accent4"/>
+          </a:effectRef>
+          <a:fontRef idx="minor">
+            <a:schemeClr val="lt1"/>
+          </a:fontRef>
+        </p:style>
+        <p:txBody>
+          <a:bodyPr rtlCol="0" anchor="ctr"/>
+          <a:lstStyle/>
+          <a:p>
+            <a:pPr algn="ctr"/>
+            <a:endParaRPr lang="zh-CN" altLang="en-US"/>
+          </a:p>
+        </p:txBody>
+      </p:sp>
+      <p:sp>
+        <p:nvSpPr>
+          <p:cNvPr id="20" name="矩形 19"/>
+          <p:cNvSpPr/>
+          <p:nvPr/>
+        </p:nvSpPr>
+        <p:spPr>
+          <a:xfrm>
+            <a:off x="5134461" y="4172461"/>
+            <a:ext cx="941283" cy="338554"/>
+          </a:xfrm>
+          <a:prstGeom prst="rect">
+            <a:avLst/>
+          </a:prstGeom>
+        </p:spPr>
+        <p:txBody>
+          <a:bodyPr wrap="none">
+            <a:spAutoFit/>
+          </a:bodyPr>
+          <a:lstStyle/>
+          <a:p>
+            <a:r>
+              <a:rPr lang="en-US" altLang="zh-CN" sz="1600" dirty="0" err="1" smtClean="0">
+                <a:solidFill>
+                  <a:schemeClr val="bg1"/>
+                </a:solidFill>
+              </a:rPr>
+              <a:t>AxisLines</a:t>
             </a:r>
             <a:endParaRPr lang="zh-CN" altLang="en-US" dirty="0">
               <a:solidFill>
@@ -4021,7 +4120,7 @@
         </p:nvSpPr>
         <p:spPr>
           <a:xfrm>
-            <a:off x="1445623" y="849085"/>
+            <a:off x="1445623" y="1737358"/>
             <a:ext cx="2151017" cy="962298"/>
           </a:xfrm>
           <a:prstGeom prst="rect">
@@ -4061,7 +4160,7 @@
         </p:nvSpPr>
         <p:spPr>
           <a:xfrm>
-            <a:off x="992777" y="940524"/>
+            <a:off x="992777" y="1828797"/>
             <a:ext cx="679269" cy="304801"/>
           </a:xfrm>
           <a:prstGeom prst="rect">
@@ -4105,7 +4204,7 @@
         </p:nvSpPr>
         <p:spPr>
           <a:xfrm>
-            <a:off x="4637312" y="326569"/>
+            <a:off x="4586143" y="895584"/>
             <a:ext cx="2151017" cy="792480"/>
           </a:xfrm>
           <a:prstGeom prst="rect">
@@ -4149,7 +4248,7 @@
         </p:nvSpPr>
         <p:spPr>
           <a:xfrm>
-            <a:off x="4602476" y="1323701"/>
+            <a:off x="4602476" y="2211974"/>
             <a:ext cx="2151017" cy="792480"/>
           </a:xfrm>
           <a:prstGeom prst="rect">
@@ -4193,7 +4292,7 @@
         </p:nvSpPr>
         <p:spPr>
           <a:xfrm>
-            <a:off x="4580709" y="2804158"/>
+            <a:off x="4586143" y="3524968"/>
             <a:ext cx="2151017" cy="792480"/>
           </a:xfrm>
           <a:prstGeom prst="rect">
@@ -4237,7 +4336,7 @@
         </p:nvSpPr>
         <p:spPr>
           <a:xfrm>
-            <a:off x="4580708" y="3888375"/>
+            <a:off x="4602475" y="4837962"/>
             <a:ext cx="2151017" cy="1393372"/>
           </a:xfrm>
           <a:prstGeom prst="rect">
@@ -4281,7 +4380,7 @@
         </p:nvSpPr>
         <p:spPr>
           <a:xfrm>
-            <a:off x="2608217" y="1389015"/>
+            <a:off x="2608217" y="2277288"/>
             <a:ext cx="905692" cy="330926"/>
           </a:xfrm>
           <a:prstGeom prst="rect">
@@ -4326,7 +4425,7 @@
         </p:nvSpPr>
         <p:spPr>
           <a:xfrm>
-            <a:off x="2608217" y="949232"/>
+            <a:off x="2608217" y="1837505"/>
             <a:ext cx="905692" cy="330926"/>
           </a:xfrm>
           <a:prstGeom prst="rect">
@@ -4371,7 +4470,7 @@
         </p:nvSpPr>
         <p:spPr>
           <a:xfrm>
-            <a:off x="1403573" y="1280158"/>
+            <a:off x="1403573" y="2168431"/>
             <a:ext cx="1346843" cy="261610"/>
           </a:xfrm>
           <a:prstGeom prst="rect">
@@ -4409,7 +4508,7 @@
         </p:nvSpPr>
         <p:spPr>
           <a:xfrm>
-            <a:off x="4123508" y="3984520"/>
+            <a:off x="4123508" y="4872793"/>
             <a:ext cx="679269" cy="204304"/>
           </a:xfrm>
           <a:prstGeom prst="rect">
@@ -4453,7 +4552,7 @@
         </p:nvSpPr>
         <p:spPr>
           <a:xfrm>
-            <a:off x="4123508" y="4249780"/>
+            <a:off x="4123508" y="5138053"/>
             <a:ext cx="679269" cy="195946"/>
           </a:xfrm>
           <a:prstGeom prst="rect">
@@ -4497,7 +4596,7 @@
         </p:nvSpPr>
         <p:spPr>
           <a:xfrm>
-            <a:off x="4123507" y="4507034"/>
+            <a:off x="4123507" y="5395307"/>
             <a:ext cx="679270" cy="317511"/>
           </a:xfrm>
           <a:prstGeom prst="rect">
@@ -4541,7 +4640,7 @@
         </p:nvSpPr>
         <p:spPr>
           <a:xfrm>
-            <a:off x="4123508" y="4900745"/>
+            <a:off x="4123508" y="5789018"/>
             <a:ext cx="679269" cy="304801"/>
           </a:xfrm>
           <a:prstGeom prst="rect">
@@ -4588,7 +4687,7 @@
         </p:nvCxnSpPr>
         <p:spPr>
           <a:xfrm rot="16200000" flipH="1">
-            <a:off x="2119361" y="2661643"/>
+            <a:off x="2119361" y="3549916"/>
             <a:ext cx="2945849" cy="1062444"/>
           </a:xfrm>
           <a:prstGeom prst="bentConnector2">
@@ -4621,7 +4720,7 @@
         </p:nvSpPr>
         <p:spPr>
           <a:xfrm>
-            <a:off x="3931916" y="1410611"/>
+            <a:off x="3931916" y="2298884"/>
             <a:ext cx="927463" cy="265259"/>
           </a:xfrm>
           <a:prstGeom prst="rect">
@@ -4665,7 +4764,7 @@
         </p:nvSpPr>
         <p:spPr>
           <a:xfrm>
-            <a:off x="3931917" y="1752862"/>
+            <a:off x="3931917" y="2641135"/>
             <a:ext cx="927463" cy="256903"/>
           </a:xfrm>
           <a:prstGeom prst="rect">
@@ -4709,8 +4808,8 @@
         </p:nvSpPr>
         <p:spPr>
           <a:xfrm>
-            <a:off x="7881254" y="1323700"/>
-            <a:ext cx="2151017" cy="1759134"/>
+            <a:off x="8085900" y="1628503"/>
+            <a:ext cx="1987737" cy="801538"/>
           </a:xfrm>
           <a:prstGeom prst="rect">
             <a:avLst/>
@@ -4739,7 +4838,7 @@
             <a:pPr algn="ctr"/>
             <a:r>
               <a:rPr lang="en-US" altLang="zh-CN" sz="1400" dirty="0" err="1" smtClean="0"/>
-              <a:t>GridLayout</a:t>
+              <a:t>Gridster</a:t>
             </a:r>
             <a:endParaRPr lang="zh-CN" altLang="en-US" sz="1400" dirty="0"/>
           </a:p>
@@ -4753,7 +4852,7 @@
         </p:nvSpPr>
         <p:spPr>
           <a:xfrm>
-            <a:off x="7334791" y="1408344"/>
+            <a:off x="7539437" y="1708260"/>
             <a:ext cx="927463" cy="265259"/>
           </a:xfrm>
           <a:prstGeom prst="rect">
@@ -4783,7 +4882,7 @@
             <a:pPr algn="ctr"/>
             <a:r>
               <a:rPr lang="en-US" altLang="zh-CN" sz="1100" dirty="0" smtClean="0"/>
-              <a:t>width</a:t>
+              <a:t>Id/ref</a:t>
             </a:r>
             <a:endParaRPr lang="zh-CN" altLang="en-US" dirty="0"/>
           </a:p>
@@ -4797,7 +4896,7 @@
         </p:nvSpPr>
         <p:spPr>
           <a:xfrm>
-            <a:off x="7341319" y="1718703"/>
+            <a:off x="7545965" y="2018619"/>
             <a:ext cx="927463" cy="265259"/>
           </a:xfrm>
           <a:prstGeom prst="rect">
@@ -4827,7 +4926,7 @@
             <a:pPr algn="ctr"/>
             <a:r>
               <a:rPr lang="en-US" altLang="zh-CN" sz="1100" dirty="0" smtClean="0"/>
-              <a:t>height</a:t>
+              <a:t>styles</a:t>
             </a:r>
             <a:endParaRPr lang="zh-CN" altLang="en-US" dirty="0"/>
           </a:p>
@@ -4835,13 +4934,57 @@
       </p:sp>
       <p:sp>
         <p:nvSpPr>
-          <p:cNvPr id="26" name="矩形 25"/>
+          <p:cNvPr id="23" name="矩形 22"/>
           <p:cNvSpPr/>
           <p:nvPr/>
         </p:nvSpPr>
         <p:spPr>
           <a:xfrm>
-            <a:off x="7341319" y="2029062"/>
+            <a:off x="8092428" y="2595652"/>
+            <a:ext cx="1981209" cy="806425"/>
+          </a:xfrm>
+          <a:prstGeom prst="rect">
+            <a:avLst/>
+          </a:prstGeom>
+        </p:spPr>
+        <p:style>
+          <a:lnRef idx="2">
+            <a:schemeClr val="accent1">
+              <a:shade val="50000"/>
+            </a:schemeClr>
+          </a:lnRef>
+          <a:fillRef idx="1">
+            <a:schemeClr val="accent1"/>
+          </a:fillRef>
+          <a:effectRef idx="0">
+            <a:schemeClr val="accent1"/>
+          </a:effectRef>
+          <a:fontRef idx="minor">
+            <a:schemeClr val="lt1"/>
+          </a:fontRef>
+        </p:style>
+        <p:txBody>
+          <a:bodyPr rtlCol="0" anchor="ctr"/>
+          <a:lstStyle/>
+          <a:p>
+            <a:pPr algn="ctr"/>
+            <a:r>
+              <a:rPr lang="en-US" altLang="zh-CN" sz="1400" dirty="0" err="1" smtClean="0"/>
+              <a:t>Gridster</a:t>
+            </a:r>
+            <a:endParaRPr lang="zh-CN" altLang="en-US" sz="1400" dirty="0"/>
+          </a:p>
+        </p:txBody>
+      </p:sp>
+      <p:sp>
+        <p:nvSpPr>
+          <p:cNvPr id="28" name="矩形 27"/>
+          <p:cNvSpPr/>
+          <p:nvPr/>
+        </p:nvSpPr>
+        <p:spPr>
+          <a:xfrm>
+            <a:off x="7545965" y="2680296"/>
             <a:ext cx="927463" cy="265259"/>
           </a:xfrm>
           <a:prstGeom prst="rect">
@@ -4871,7 +5014,7 @@
             <a:pPr algn="ctr"/>
             <a:r>
               <a:rPr lang="en-US" altLang="zh-CN" sz="1100" dirty="0" smtClean="0"/>
-              <a:t>double</a:t>
+              <a:t>Id/ref</a:t>
             </a:r>
             <a:endParaRPr lang="zh-CN" altLang="en-US" dirty="0"/>
           </a:p>
@@ -4879,14 +5022,14 @@
       </p:sp>
       <p:sp>
         <p:nvSpPr>
-          <p:cNvPr id="27" name="矩形 26"/>
+          <p:cNvPr id="29" name="矩形 28"/>
           <p:cNvSpPr/>
           <p:nvPr/>
         </p:nvSpPr>
         <p:spPr>
           <a:xfrm>
-            <a:off x="7219407" y="2339421"/>
-            <a:ext cx="1049376" cy="265259"/>
+            <a:off x="7552493" y="2990655"/>
+            <a:ext cx="927463" cy="265259"/>
           </a:xfrm>
           <a:prstGeom prst="rect">
             <a:avLst/>
@@ -4914,8 +5057,8 @@
           <a:p>
             <a:pPr algn="ctr"/>
             <a:r>
-              <a:rPr lang="en-US" altLang="zh-CN" sz="1100" dirty="0" err="1" smtClean="0"/>
-              <a:t>expandMode</a:t>
+              <a:rPr lang="en-US" altLang="zh-CN" sz="1100" dirty="0" smtClean="0"/>
+              <a:t>styles</a:t>
             </a:r>
             <a:endParaRPr lang="zh-CN" altLang="en-US" dirty="0"/>
           </a:p>

--- a/doc/AuthoringTool Design.pptx
+++ b/doc/AuthoringTool Design.pptx
@@ -8,6 +8,7 @@
     <p:sldId id="256" r:id="rId2"/>
     <p:sldId id="257" r:id="rId3"/>
     <p:sldId id="258" r:id="rId4"/>
+    <p:sldId id="259" r:id="rId5"/>
   </p:sldIdLst>
   <p:sldSz cx="12192000" cy="6858000"/>
   <p:notesSz cx="6858000" cy="9144000"/>
@@ -245,7 +246,7 @@
           <a:p>
             <a:fld id="{C2505B22-9FD8-4356-A0AB-8C46EF77DAF8}" type="datetimeFigureOut">
               <a:rPr lang="zh-CN" altLang="en-US" smtClean="0"/>
-              <a:t>2016/3/2</a:t>
+              <a:t>2016/3/10</a:t>
             </a:fld>
             <a:endParaRPr lang="zh-CN" altLang="en-US"/>
           </a:p>
@@ -415,7 +416,7 @@
           <a:p>
             <a:fld id="{C2505B22-9FD8-4356-A0AB-8C46EF77DAF8}" type="datetimeFigureOut">
               <a:rPr lang="zh-CN" altLang="en-US" smtClean="0"/>
-              <a:t>2016/3/2</a:t>
+              <a:t>2016/3/10</a:t>
             </a:fld>
             <a:endParaRPr lang="zh-CN" altLang="en-US"/>
           </a:p>
@@ -595,7 +596,7 @@
           <a:p>
             <a:fld id="{C2505B22-9FD8-4356-A0AB-8C46EF77DAF8}" type="datetimeFigureOut">
               <a:rPr lang="zh-CN" altLang="en-US" smtClean="0"/>
-              <a:t>2016/3/2</a:t>
+              <a:t>2016/3/10</a:t>
             </a:fld>
             <a:endParaRPr lang="zh-CN" altLang="en-US"/>
           </a:p>
@@ -765,7 +766,7 @@
           <a:p>
             <a:fld id="{C2505B22-9FD8-4356-A0AB-8C46EF77DAF8}" type="datetimeFigureOut">
               <a:rPr lang="zh-CN" altLang="en-US" smtClean="0"/>
-              <a:t>2016/3/2</a:t>
+              <a:t>2016/3/10</a:t>
             </a:fld>
             <a:endParaRPr lang="zh-CN" altLang="en-US"/>
           </a:p>
@@ -1011,7 +1012,7 @@
           <a:p>
             <a:fld id="{C2505B22-9FD8-4356-A0AB-8C46EF77DAF8}" type="datetimeFigureOut">
               <a:rPr lang="zh-CN" altLang="en-US" smtClean="0"/>
-              <a:t>2016/3/2</a:t>
+              <a:t>2016/3/10</a:t>
             </a:fld>
             <a:endParaRPr lang="zh-CN" altLang="en-US"/>
           </a:p>
@@ -1243,7 +1244,7 @@
           <a:p>
             <a:fld id="{C2505B22-9FD8-4356-A0AB-8C46EF77DAF8}" type="datetimeFigureOut">
               <a:rPr lang="zh-CN" altLang="en-US" smtClean="0"/>
-              <a:t>2016/3/2</a:t>
+              <a:t>2016/3/10</a:t>
             </a:fld>
             <a:endParaRPr lang="zh-CN" altLang="en-US"/>
           </a:p>
@@ -1610,7 +1611,7 @@
           <a:p>
             <a:fld id="{C2505B22-9FD8-4356-A0AB-8C46EF77DAF8}" type="datetimeFigureOut">
               <a:rPr lang="zh-CN" altLang="en-US" smtClean="0"/>
-              <a:t>2016/3/2</a:t>
+              <a:t>2016/3/10</a:t>
             </a:fld>
             <a:endParaRPr lang="zh-CN" altLang="en-US"/>
           </a:p>
@@ -1728,7 +1729,7 @@
           <a:p>
             <a:fld id="{C2505B22-9FD8-4356-A0AB-8C46EF77DAF8}" type="datetimeFigureOut">
               <a:rPr lang="zh-CN" altLang="en-US" smtClean="0"/>
-              <a:t>2016/3/2</a:t>
+              <a:t>2016/3/10</a:t>
             </a:fld>
             <a:endParaRPr lang="zh-CN" altLang="en-US"/>
           </a:p>
@@ -1823,7 +1824,7 @@
           <a:p>
             <a:fld id="{C2505B22-9FD8-4356-A0AB-8C46EF77DAF8}" type="datetimeFigureOut">
               <a:rPr lang="zh-CN" altLang="en-US" smtClean="0"/>
-              <a:t>2016/3/2</a:t>
+              <a:t>2016/3/10</a:t>
             </a:fld>
             <a:endParaRPr lang="zh-CN" altLang="en-US"/>
           </a:p>
@@ -2100,7 +2101,7 @@
           <a:p>
             <a:fld id="{C2505B22-9FD8-4356-A0AB-8C46EF77DAF8}" type="datetimeFigureOut">
               <a:rPr lang="zh-CN" altLang="en-US" smtClean="0"/>
-              <a:t>2016/3/2</a:t>
+              <a:t>2016/3/10</a:t>
             </a:fld>
             <a:endParaRPr lang="zh-CN" altLang="en-US"/>
           </a:p>
@@ -2353,7 +2354,7 @@
           <a:p>
             <a:fld id="{C2505B22-9FD8-4356-A0AB-8C46EF77DAF8}" type="datetimeFigureOut">
               <a:rPr lang="zh-CN" altLang="en-US" smtClean="0"/>
-              <a:t>2016/3/2</a:t>
+              <a:t>2016/3/10</a:t>
             </a:fld>
             <a:endParaRPr lang="zh-CN" altLang="en-US"/>
           </a:p>
@@ -2566,7 +2567,7 @@
           <a:p>
             <a:fld id="{C2505B22-9FD8-4356-A0AB-8C46EF77DAF8}" type="datetimeFigureOut">
               <a:rPr lang="zh-CN" altLang="en-US" smtClean="0"/>
-              <a:t>2016/3/2</a:t>
+              <a:t>2016/3/10</a:t>
             </a:fld>
             <a:endParaRPr lang="zh-CN" altLang="en-US"/>
           </a:p>
@@ -4676,42 +4677,6 @@
           </a:p>
         </p:txBody>
       </p:sp>
-      <p:cxnSp>
-        <p:nvCxnSpPr>
-          <p:cNvPr id="19" name="肘形连接符 18"/>
-          <p:cNvCxnSpPr>
-            <a:stCxn id="10" idx="2"/>
-            <a:endCxn id="15" idx="1"/>
-          </p:cNvCxnSpPr>
-          <p:nvPr/>
-        </p:nvCxnSpPr>
-        <p:spPr>
-          <a:xfrm rot="16200000" flipH="1">
-            <a:off x="2119361" y="3549916"/>
-            <a:ext cx="2945849" cy="1062444"/>
-          </a:xfrm>
-          <a:prstGeom prst="bentConnector2">
-            <a:avLst/>
-          </a:prstGeom>
-          <a:ln>
-            <a:tailEnd type="triangle"/>
-          </a:ln>
-        </p:spPr>
-        <p:style>
-          <a:lnRef idx="1">
-            <a:schemeClr val="accent1"/>
-          </a:lnRef>
-          <a:fillRef idx="0">
-            <a:schemeClr val="accent1"/>
-          </a:fillRef>
-          <a:effectRef idx="0">
-            <a:schemeClr val="accent1"/>
-          </a:effectRef>
-          <a:fontRef idx="minor">
-            <a:schemeClr val="tx1"/>
-          </a:fontRef>
-        </p:style>
-      </p:cxnSp>
       <p:sp>
         <p:nvSpPr>
           <p:cNvPr id="20" name="矩形 19"/>
@@ -4808,7 +4773,7 @@
         </p:nvSpPr>
         <p:spPr>
           <a:xfrm>
-            <a:off x="8085900" y="1628503"/>
+            <a:off x="7759329" y="1592612"/>
             <a:ext cx="1987737" cy="801538"/>
           </a:xfrm>
           <a:prstGeom prst="rect">
@@ -4852,7 +4817,7 @@
         </p:nvSpPr>
         <p:spPr>
           <a:xfrm>
-            <a:off x="7539437" y="1708260"/>
+            <a:off x="7212866" y="1672369"/>
             <a:ext cx="927463" cy="265259"/>
           </a:xfrm>
           <a:prstGeom prst="rect">
@@ -4896,7 +4861,7 @@
         </p:nvSpPr>
         <p:spPr>
           <a:xfrm>
-            <a:off x="7545965" y="2018619"/>
+            <a:off x="7219394" y="1982728"/>
             <a:ext cx="927463" cy="265259"/>
           </a:xfrm>
           <a:prstGeom prst="rect">
@@ -4940,7 +4905,7 @@
         </p:nvSpPr>
         <p:spPr>
           <a:xfrm>
-            <a:off x="8092428" y="2595652"/>
+            <a:off x="7765857" y="2559761"/>
             <a:ext cx="1981209" cy="806425"/>
           </a:xfrm>
           <a:prstGeom prst="rect">
@@ -4984,7 +4949,7 @@
         </p:nvSpPr>
         <p:spPr>
           <a:xfrm>
-            <a:off x="7545965" y="2680296"/>
+            <a:off x="7219394" y="2644405"/>
             <a:ext cx="927463" cy="265259"/>
           </a:xfrm>
           <a:prstGeom prst="rect">
@@ -5028,7 +4993,7 @@
         </p:nvSpPr>
         <p:spPr>
           <a:xfrm>
-            <a:off x="7552493" y="2990655"/>
+            <a:off x="7225922" y="2954764"/>
             <a:ext cx="927463" cy="265259"/>
           </a:xfrm>
           <a:prstGeom prst="rect">
@@ -5064,10 +5029,308 @@
           </a:p>
         </p:txBody>
       </p:sp>
+      <p:sp>
+        <p:nvSpPr>
+          <p:cNvPr id="5" name="矩形 4"/>
+          <p:cNvSpPr/>
+          <p:nvPr/>
+        </p:nvSpPr>
+        <p:spPr>
+          <a:xfrm>
+            <a:off x="3400698" y="959943"/>
+            <a:ext cx="1676400" cy="322217"/>
+          </a:xfrm>
+          <a:prstGeom prst="rect">
+            <a:avLst/>
+          </a:prstGeom>
+        </p:spPr>
+        <p:style>
+          <a:lnRef idx="2">
+            <a:schemeClr val="accent3">
+              <a:shade val="50000"/>
+            </a:schemeClr>
+          </a:lnRef>
+          <a:fillRef idx="1">
+            <a:schemeClr val="accent3"/>
+          </a:fillRef>
+          <a:effectRef idx="0">
+            <a:schemeClr val="accent3"/>
+          </a:effectRef>
+          <a:fontRef idx="minor">
+            <a:schemeClr val="lt1"/>
+          </a:fontRef>
+        </p:style>
+        <p:txBody>
+          <a:bodyPr rtlCol="0" anchor="ctr"/>
+          <a:lstStyle/>
+          <a:p>
+            <a:pPr algn="ctr"/>
+            <a:r>
+              <a:rPr lang="en-US" altLang="zh-CN" sz="1100" dirty="0" err="1"/>
+              <a:t>configurationChangedCallback</a:t>
+            </a:r>
+            <a:endParaRPr lang="zh-CN" altLang="en-US" sz="1100" dirty="0"/>
+          </a:p>
+        </p:txBody>
+      </p:sp>
+      <p:sp>
+        <p:nvSpPr>
+          <p:cNvPr id="26" name="矩形 25"/>
+          <p:cNvSpPr/>
+          <p:nvPr/>
+        </p:nvSpPr>
+        <p:spPr>
+          <a:xfrm>
+            <a:off x="3999410" y="1337460"/>
+            <a:ext cx="927463" cy="265259"/>
+          </a:xfrm>
+          <a:prstGeom prst="rect">
+            <a:avLst/>
+          </a:prstGeom>
+        </p:spPr>
+        <p:style>
+          <a:lnRef idx="2">
+            <a:schemeClr val="accent4">
+              <a:shade val="50000"/>
+            </a:schemeClr>
+          </a:lnRef>
+          <a:fillRef idx="1">
+            <a:schemeClr val="accent4"/>
+          </a:fillRef>
+          <a:effectRef idx="0">
+            <a:schemeClr val="accent4"/>
+          </a:effectRef>
+          <a:fontRef idx="minor">
+            <a:schemeClr val="lt1"/>
+          </a:fontRef>
+        </p:style>
+        <p:txBody>
+          <a:bodyPr rtlCol="0" anchor="ctr"/>
+          <a:lstStyle/>
+          <a:p>
+            <a:pPr algn="ctr"/>
+            <a:r>
+              <a:rPr lang="en-US" altLang="zh-CN" sz="1100" dirty="0" err="1" smtClean="0"/>
+              <a:t>pageSetting</a:t>
+            </a:r>
+            <a:endParaRPr lang="zh-CN" altLang="en-US" dirty="0"/>
+          </a:p>
+        </p:txBody>
+      </p:sp>
+      <p:sp>
+        <p:nvSpPr>
+          <p:cNvPr id="35" name="矩形 34"/>
+          <p:cNvSpPr/>
+          <p:nvPr/>
+        </p:nvSpPr>
+        <p:spPr>
+          <a:xfrm>
+            <a:off x="7765857" y="3706389"/>
+            <a:ext cx="1981209" cy="429637"/>
+          </a:xfrm>
+          <a:prstGeom prst="rect">
+            <a:avLst/>
+          </a:prstGeom>
+        </p:spPr>
+        <p:style>
+          <a:lnRef idx="2">
+            <a:schemeClr val="accent1">
+              <a:shade val="50000"/>
+            </a:schemeClr>
+          </a:lnRef>
+          <a:fillRef idx="1">
+            <a:schemeClr val="accent1"/>
+          </a:fillRef>
+          <a:effectRef idx="0">
+            <a:schemeClr val="accent1"/>
+          </a:effectRef>
+          <a:fontRef idx="minor">
+            <a:schemeClr val="lt1"/>
+          </a:fontRef>
+        </p:style>
+        <p:txBody>
+          <a:bodyPr rtlCol="0" anchor="ctr"/>
+          <a:lstStyle/>
+          <a:p>
+            <a:pPr algn="ctr"/>
+            <a:r>
+              <a:rPr lang="en-US" altLang="zh-CN" sz="1400" dirty="0" err="1"/>
+              <a:t>EditTextPanel</a:t>
+            </a:r>
+            <a:endParaRPr lang="zh-CN" altLang="en-US" sz="1400" dirty="0"/>
+          </a:p>
+        </p:txBody>
+      </p:sp>
+      <p:sp>
+        <p:nvSpPr>
+          <p:cNvPr id="37" name="矩形 36"/>
+          <p:cNvSpPr/>
+          <p:nvPr/>
+        </p:nvSpPr>
+        <p:spPr>
+          <a:xfrm>
+            <a:off x="7772385" y="4262969"/>
+            <a:ext cx="1981209" cy="429637"/>
+          </a:xfrm>
+          <a:prstGeom prst="rect">
+            <a:avLst/>
+          </a:prstGeom>
+        </p:spPr>
+        <p:style>
+          <a:lnRef idx="2">
+            <a:schemeClr val="accent1">
+              <a:shade val="50000"/>
+            </a:schemeClr>
+          </a:lnRef>
+          <a:fillRef idx="1">
+            <a:schemeClr val="accent1"/>
+          </a:fillRef>
+          <a:effectRef idx="0">
+            <a:schemeClr val="accent1"/>
+          </a:effectRef>
+          <a:fontRef idx="minor">
+            <a:schemeClr val="lt1"/>
+          </a:fontRef>
+        </p:style>
+        <p:txBody>
+          <a:bodyPr rtlCol="0" anchor="ctr"/>
+          <a:lstStyle/>
+          <a:p>
+            <a:pPr algn="ctr"/>
+            <a:r>
+              <a:rPr lang="en-US" altLang="zh-CN" sz="1400" dirty="0" err="1" smtClean="0"/>
+              <a:t>SIngleChoicePanel</a:t>
+            </a:r>
+            <a:endParaRPr lang="zh-CN" altLang="en-US" sz="1400" dirty="0"/>
+          </a:p>
+        </p:txBody>
+      </p:sp>
     </p:spTree>
     <p:extLst>
       <p:ext uri="{BB962C8B-B14F-4D97-AF65-F5344CB8AC3E}">
         <p14:creationId xmlns:p14="http://schemas.microsoft.com/office/powerpoint/2010/main" val="3382136128"/>
+      </p:ext>
+    </p:extLst>
+  </p:cSld>
+  <p:clrMapOvr>
+    <a:masterClrMapping/>
+  </p:clrMapOvr>
+</p:sld>
+</file>
+
+<file path=ppt/slides/slide4.xml><?xml version="1.0" encoding="utf-8"?>
+<p:sld xmlns:a="http://schemas.openxmlformats.org/drawingml/2006/main" xmlns:r="http://schemas.openxmlformats.org/officeDocument/2006/relationships" xmlns:p="http://schemas.openxmlformats.org/presentationml/2006/main">
+  <p:cSld>
+    <p:spTree>
+      <p:nvGrpSpPr>
+        <p:cNvPr id="1" name=""/>
+        <p:cNvGrpSpPr/>
+        <p:nvPr/>
+      </p:nvGrpSpPr>
+      <p:grpSpPr>
+        <a:xfrm>
+          <a:off x="0" y="0"/>
+          <a:ext cx="0" cy="0"/>
+          <a:chOff x="0" y="0"/>
+          <a:chExt cx="0" cy="0"/>
+        </a:xfrm>
+      </p:grpSpPr>
+      <p:sp>
+        <p:nvSpPr>
+          <p:cNvPr id="2" name="标题 1"/>
+          <p:cNvSpPr>
+            <a:spLocks noGrp="1"/>
+          </p:cNvSpPr>
+          <p:nvPr>
+            <p:ph type="title"/>
+          </p:nvPr>
+        </p:nvSpPr>
+        <p:spPr>
+          <a:xfrm>
+            <a:off x="838200" y="312873"/>
+            <a:ext cx="10515600" cy="584109"/>
+          </a:xfrm>
+        </p:spPr>
+        <p:txBody>
+          <a:bodyPr>
+            <a:normAutofit/>
+          </a:bodyPr>
+          <a:lstStyle/>
+          <a:p>
+            <a:r>
+              <a:rPr lang="zh-CN" altLang="en-US" sz="2800" dirty="0" smtClean="0"/>
+              <a:t>组件规格描述</a:t>
+            </a:r>
+            <a:endParaRPr lang="zh-CN" altLang="en-US" sz="2800" dirty="0"/>
+          </a:p>
+        </p:txBody>
+      </p:sp>
+      <p:sp>
+        <p:nvSpPr>
+          <p:cNvPr id="3" name="内容占位符 2"/>
+          <p:cNvSpPr>
+            <a:spLocks noGrp="1"/>
+          </p:cNvSpPr>
+          <p:nvPr>
+            <p:ph idx="1"/>
+          </p:nvPr>
+        </p:nvSpPr>
+        <p:spPr>
+          <a:xfrm>
+            <a:off x="838200" y="1033145"/>
+            <a:ext cx="10515600" cy="4351338"/>
+          </a:xfrm>
+        </p:spPr>
+        <p:txBody>
+          <a:bodyPr/>
+          <a:lstStyle/>
+          <a:p>
+            <a:r>
+              <a:rPr lang="en-US" altLang="zh-CN" dirty="0" err="1" smtClean="0"/>
+              <a:t>AuthoringTool</a:t>
+            </a:r>
+            <a:r>
+              <a:rPr lang="en-US" altLang="zh-CN" dirty="0" smtClean="0"/>
+              <a:t> </a:t>
+            </a:r>
+          </a:p>
+          <a:p>
+            <a:pPr lvl="1"/>
+            <a:r>
+              <a:rPr lang="zh-CN" altLang="en-US" dirty="0" smtClean="0"/>
+              <a:t>根组件，表示整个页面</a:t>
+            </a:r>
+            <a:endParaRPr lang="en-US" altLang="zh-CN" dirty="0" smtClean="0"/>
+          </a:p>
+          <a:p>
+            <a:pPr lvl="1"/>
+            <a:r>
+              <a:rPr lang="zh-CN" altLang="en-US" dirty="0" smtClean="0"/>
+              <a:t>子元素包括状态栏、工作区、弹出框等</a:t>
+            </a:r>
+            <a:endParaRPr lang="en-US" altLang="zh-CN" dirty="0" smtClean="0"/>
+          </a:p>
+          <a:p>
+            <a:r>
+              <a:rPr lang="en-US" altLang="zh-CN" dirty="0" err="1" smtClean="0"/>
+              <a:t>NavBar</a:t>
+            </a:r>
+            <a:endParaRPr lang="en-US" altLang="zh-CN" dirty="0" smtClean="0"/>
+          </a:p>
+          <a:p>
+            <a:pPr lvl="1"/>
+            <a:r>
+              <a:rPr lang="zh-CN" altLang="en-US" dirty="0" smtClean="0"/>
+              <a:t>状态栏组件</a:t>
+            </a:r>
+            <a:endParaRPr lang="zh-CN" altLang="en-US" dirty="0"/>
+          </a:p>
+        </p:txBody>
+      </p:sp>
+    </p:spTree>
+    <p:extLst>
+      <p:ext uri="{BB962C8B-B14F-4D97-AF65-F5344CB8AC3E}">
+        <p14:creationId xmlns:p14="http://schemas.microsoft.com/office/powerpoint/2010/main" val="3176967318"/>
       </p:ext>
     </p:extLst>
   </p:cSld>

--- a/doc/AuthoringTool Design.pptx
+++ b/doc/AuthoringTool Design.pptx
@@ -9,6 +9,7 @@
     <p:sldId id="257" r:id="rId3"/>
     <p:sldId id="258" r:id="rId4"/>
     <p:sldId id="259" r:id="rId5"/>
+    <p:sldId id="260" r:id="rId6"/>
   </p:sldIdLst>
   <p:sldSz cx="12192000" cy="6858000"/>
   <p:notesSz cx="6858000" cy="9144000"/>
@@ -115,6 +116,3726 @@
 </p:presentation>
 </file>
 
+<file path=ppt/diagrams/colors1.xml><?xml version="1.0" encoding="utf-8"?>
+<dgm:colorsDef xmlns:dgm="http://schemas.openxmlformats.org/drawingml/2006/diagram" xmlns:a="http://schemas.openxmlformats.org/drawingml/2006/main" uniqueId="urn:microsoft.com/office/officeart/2005/8/colors/accent1_2">
+  <dgm:title val=""/>
+  <dgm:desc val=""/>
+  <dgm:catLst>
+    <dgm:cat type="accent1" pri="11200"/>
+  </dgm:catLst>
+  <dgm:styleLbl name="node0">
+    <dgm:fillClrLst meth="repeat">
+      <a:schemeClr val="accent1"/>
+    </dgm:fillClrLst>
+    <dgm:linClrLst meth="repeat">
+      <a:schemeClr val="lt1"/>
+    </dgm:linClrLst>
+    <dgm:effectClrLst/>
+    <dgm:txLinClrLst/>
+    <dgm:txFillClrLst/>
+    <dgm:txEffectClrLst/>
+  </dgm:styleLbl>
+  <dgm:styleLbl name="alignNode1">
+    <dgm:fillClrLst meth="repeat">
+      <a:schemeClr val="accent1"/>
+    </dgm:fillClrLst>
+    <dgm:linClrLst meth="repeat">
+      <a:schemeClr val="accent1"/>
+    </dgm:linClrLst>
+    <dgm:effectClrLst/>
+    <dgm:txLinClrLst/>
+    <dgm:txFillClrLst/>
+    <dgm:txEffectClrLst/>
+  </dgm:styleLbl>
+  <dgm:styleLbl name="node1">
+    <dgm:fillClrLst meth="repeat">
+      <a:schemeClr val="accent1"/>
+    </dgm:fillClrLst>
+    <dgm:linClrLst meth="repeat">
+      <a:schemeClr val="lt1"/>
+    </dgm:linClrLst>
+    <dgm:effectClrLst/>
+    <dgm:txLinClrLst/>
+    <dgm:txFillClrLst/>
+    <dgm:txEffectClrLst/>
+  </dgm:styleLbl>
+  <dgm:styleLbl name="lnNode1">
+    <dgm:fillClrLst meth="repeat">
+      <a:schemeClr val="accent1"/>
+    </dgm:fillClrLst>
+    <dgm:linClrLst meth="repeat">
+      <a:schemeClr val="lt1"/>
+    </dgm:linClrLst>
+    <dgm:effectClrLst/>
+    <dgm:txLinClrLst/>
+    <dgm:txFillClrLst/>
+    <dgm:txEffectClrLst/>
+  </dgm:styleLbl>
+  <dgm:styleLbl name="vennNode1">
+    <dgm:fillClrLst meth="repeat">
+      <a:schemeClr val="accent1">
+        <a:alpha val="50000"/>
+      </a:schemeClr>
+    </dgm:fillClrLst>
+    <dgm:linClrLst meth="repeat">
+      <a:schemeClr val="lt1"/>
+    </dgm:linClrLst>
+    <dgm:effectClrLst/>
+    <dgm:txLinClrLst/>
+    <dgm:txFillClrLst/>
+    <dgm:txEffectClrLst/>
+  </dgm:styleLbl>
+  <dgm:styleLbl name="node2">
+    <dgm:fillClrLst meth="repeat">
+      <a:schemeClr val="accent1"/>
+    </dgm:fillClrLst>
+    <dgm:linClrLst meth="repeat">
+      <a:schemeClr val="lt1"/>
+    </dgm:linClrLst>
+    <dgm:effectClrLst/>
+    <dgm:txLinClrLst/>
+    <dgm:txFillClrLst/>
+    <dgm:txEffectClrLst/>
+  </dgm:styleLbl>
+  <dgm:styleLbl name="node3">
+    <dgm:fillClrLst meth="repeat">
+      <a:schemeClr val="accent1"/>
+    </dgm:fillClrLst>
+    <dgm:linClrLst meth="repeat">
+      <a:schemeClr val="lt1"/>
+    </dgm:linClrLst>
+    <dgm:effectClrLst/>
+    <dgm:txLinClrLst/>
+    <dgm:txFillClrLst/>
+    <dgm:txEffectClrLst/>
+  </dgm:styleLbl>
+  <dgm:styleLbl name="node4">
+    <dgm:fillClrLst meth="repeat">
+      <a:schemeClr val="accent1"/>
+    </dgm:fillClrLst>
+    <dgm:linClrLst meth="repeat">
+      <a:schemeClr val="lt1"/>
+    </dgm:linClrLst>
+    <dgm:effectClrLst/>
+    <dgm:txLinClrLst/>
+    <dgm:txFillClrLst/>
+    <dgm:txEffectClrLst/>
+  </dgm:styleLbl>
+  <dgm:styleLbl name="fgImgPlace1">
+    <dgm:fillClrLst meth="repeat">
+      <a:schemeClr val="accent1">
+        <a:tint val="50000"/>
+      </a:schemeClr>
+    </dgm:fillClrLst>
+    <dgm:linClrLst meth="repeat">
+      <a:schemeClr val="lt1"/>
+    </dgm:linClrLst>
+    <dgm:effectClrLst/>
+    <dgm:txLinClrLst/>
+    <dgm:txFillClrLst meth="repeat">
+      <a:schemeClr val="lt1"/>
+    </dgm:txFillClrLst>
+    <dgm:txEffectClrLst/>
+  </dgm:styleLbl>
+  <dgm:styleLbl name="alignImgPlace1">
+    <dgm:fillClrLst meth="repeat">
+      <a:schemeClr val="accent1">
+        <a:tint val="50000"/>
+      </a:schemeClr>
+    </dgm:fillClrLst>
+    <dgm:linClrLst meth="repeat">
+      <a:schemeClr val="lt1"/>
+    </dgm:linClrLst>
+    <dgm:effectClrLst/>
+    <dgm:txLinClrLst/>
+    <dgm:txFillClrLst meth="repeat">
+      <a:schemeClr val="lt1"/>
+    </dgm:txFillClrLst>
+    <dgm:txEffectClrLst/>
+  </dgm:styleLbl>
+  <dgm:styleLbl name="bgImgPlace1">
+    <dgm:fillClrLst meth="repeat">
+      <a:schemeClr val="accent1">
+        <a:tint val="50000"/>
+      </a:schemeClr>
+    </dgm:fillClrLst>
+    <dgm:linClrLst meth="repeat">
+      <a:schemeClr val="lt1"/>
+    </dgm:linClrLst>
+    <dgm:effectClrLst/>
+    <dgm:txLinClrLst/>
+    <dgm:txFillClrLst meth="repeat">
+      <a:schemeClr val="lt1"/>
+    </dgm:txFillClrLst>
+    <dgm:txEffectClrLst/>
+  </dgm:styleLbl>
+  <dgm:styleLbl name="sibTrans2D1">
+    <dgm:fillClrLst meth="repeat">
+      <a:schemeClr val="accent1">
+        <a:tint val="60000"/>
+      </a:schemeClr>
+    </dgm:fillClrLst>
+    <dgm:linClrLst meth="repeat">
+      <a:schemeClr val="accent1">
+        <a:tint val="60000"/>
+      </a:schemeClr>
+    </dgm:linClrLst>
+    <dgm:effectClrLst/>
+    <dgm:txLinClrLst/>
+    <dgm:txFillClrLst/>
+    <dgm:txEffectClrLst/>
+  </dgm:styleLbl>
+  <dgm:styleLbl name="fgSibTrans2D1">
+    <dgm:fillClrLst meth="repeat">
+      <a:schemeClr val="accent1">
+        <a:tint val="60000"/>
+      </a:schemeClr>
+    </dgm:fillClrLst>
+    <dgm:linClrLst meth="repeat">
+      <a:schemeClr val="accent1">
+        <a:tint val="60000"/>
+      </a:schemeClr>
+    </dgm:linClrLst>
+    <dgm:effectClrLst/>
+    <dgm:txLinClrLst/>
+    <dgm:txFillClrLst/>
+    <dgm:txEffectClrLst/>
+  </dgm:styleLbl>
+  <dgm:styleLbl name="bgSibTrans2D1">
+    <dgm:fillClrLst meth="repeat">
+      <a:schemeClr val="accent1">
+        <a:tint val="60000"/>
+      </a:schemeClr>
+    </dgm:fillClrLst>
+    <dgm:linClrLst meth="repeat">
+      <a:schemeClr val="accent1">
+        <a:tint val="60000"/>
+      </a:schemeClr>
+    </dgm:linClrLst>
+    <dgm:effectClrLst/>
+    <dgm:txLinClrLst/>
+    <dgm:txFillClrLst/>
+    <dgm:txEffectClrLst/>
+  </dgm:styleLbl>
+  <dgm:styleLbl name="sibTrans1D1">
+    <dgm:fillClrLst meth="repeat">
+      <a:schemeClr val="accent1"/>
+    </dgm:fillClrLst>
+    <dgm:linClrLst meth="repeat">
+      <a:schemeClr val="accent1"/>
+    </dgm:linClrLst>
+    <dgm:effectClrLst/>
+    <dgm:txLinClrLst/>
+    <dgm:txFillClrLst meth="repeat">
+      <a:schemeClr val="tx1"/>
+    </dgm:txFillClrLst>
+    <dgm:txEffectClrLst/>
+  </dgm:styleLbl>
+  <dgm:styleLbl name="callout">
+    <dgm:fillClrLst meth="repeat">
+      <a:schemeClr val="accent1"/>
+    </dgm:fillClrLst>
+    <dgm:linClrLst meth="repeat">
+      <a:schemeClr val="accent1">
+        <a:tint val="50000"/>
+      </a:schemeClr>
+    </dgm:linClrLst>
+    <dgm:effectClrLst/>
+    <dgm:txLinClrLst/>
+    <dgm:txFillClrLst meth="repeat">
+      <a:schemeClr val="tx1"/>
+    </dgm:txFillClrLst>
+    <dgm:txEffectClrLst/>
+  </dgm:styleLbl>
+  <dgm:styleLbl name="asst0">
+    <dgm:fillClrLst meth="repeat">
+      <a:schemeClr val="accent1"/>
+    </dgm:fillClrLst>
+    <dgm:linClrLst meth="repeat">
+      <a:schemeClr val="lt1"/>
+    </dgm:linClrLst>
+    <dgm:effectClrLst/>
+    <dgm:txLinClrLst/>
+    <dgm:txFillClrLst/>
+    <dgm:txEffectClrLst/>
+  </dgm:styleLbl>
+  <dgm:styleLbl name="asst1">
+    <dgm:fillClrLst meth="repeat">
+      <a:schemeClr val="accent1"/>
+    </dgm:fillClrLst>
+    <dgm:linClrLst meth="repeat">
+      <a:schemeClr val="lt1"/>
+    </dgm:linClrLst>
+    <dgm:effectClrLst/>
+    <dgm:txLinClrLst/>
+    <dgm:txFillClrLst/>
+    <dgm:txEffectClrLst/>
+  </dgm:styleLbl>
+  <dgm:styleLbl name="asst2">
+    <dgm:fillClrLst meth="repeat">
+      <a:schemeClr val="accent1"/>
+    </dgm:fillClrLst>
+    <dgm:linClrLst meth="repeat">
+      <a:schemeClr val="lt1"/>
+    </dgm:linClrLst>
+    <dgm:effectClrLst/>
+    <dgm:txLinClrLst/>
+    <dgm:txFillClrLst/>
+    <dgm:txEffectClrLst/>
+  </dgm:styleLbl>
+  <dgm:styleLbl name="asst3">
+    <dgm:fillClrLst meth="repeat">
+      <a:schemeClr val="accent1"/>
+    </dgm:fillClrLst>
+    <dgm:linClrLst meth="repeat">
+      <a:schemeClr val="lt1"/>
+    </dgm:linClrLst>
+    <dgm:effectClrLst/>
+    <dgm:txLinClrLst/>
+    <dgm:txFillClrLst/>
+    <dgm:txEffectClrLst/>
+  </dgm:styleLbl>
+  <dgm:styleLbl name="asst4">
+    <dgm:fillClrLst meth="repeat">
+      <a:schemeClr val="accent1"/>
+    </dgm:fillClrLst>
+    <dgm:linClrLst meth="repeat">
+      <a:schemeClr val="lt1"/>
+    </dgm:linClrLst>
+    <dgm:effectClrLst/>
+    <dgm:txLinClrLst/>
+    <dgm:txFillClrLst/>
+    <dgm:txEffectClrLst/>
+  </dgm:styleLbl>
+  <dgm:styleLbl name="parChTrans2D1">
+    <dgm:fillClrLst meth="repeat">
+      <a:schemeClr val="accent1">
+        <a:tint val="60000"/>
+      </a:schemeClr>
+    </dgm:fillClrLst>
+    <dgm:linClrLst meth="repeat">
+      <a:schemeClr val="accent1">
+        <a:tint val="60000"/>
+      </a:schemeClr>
+    </dgm:linClrLst>
+    <dgm:effectClrLst/>
+    <dgm:txLinClrLst/>
+    <dgm:txFillClrLst meth="repeat">
+      <a:schemeClr val="lt1"/>
+    </dgm:txFillClrLst>
+    <dgm:txEffectClrLst/>
+  </dgm:styleLbl>
+  <dgm:styleLbl name="parChTrans2D2">
+    <dgm:fillClrLst meth="repeat">
+      <a:schemeClr val="accent1"/>
+    </dgm:fillClrLst>
+    <dgm:linClrLst meth="repeat">
+      <a:schemeClr val="accent1"/>
+    </dgm:linClrLst>
+    <dgm:effectClrLst/>
+    <dgm:txLinClrLst/>
+    <dgm:txFillClrLst meth="repeat">
+      <a:schemeClr val="lt1"/>
+    </dgm:txFillClrLst>
+    <dgm:txEffectClrLst/>
+  </dgm:styleLbl>
+  <dgm:styleLbl name="parChTrans2D3">
+    <dgm:fillClrLst meth="repeat">
+      <a:schemeClr val="accent1"/>
+    </dgm:fillClrLst>
+    <dgm:linClrLst meth="repeat">
+      <a:schemeClr val="accent1"/>
+    </dgm:linClrLst>
+    <dgm:effectClrLst/>
+    <dgm:txLinClrLst/>
+    <dgm:txFillClrLst meth="repeat">
+      <a:schemeClr val="lt1"/>
+    </dgm:txFillClrLst>
+    <dgm:txEffectClrLst/>
+  </dgm:styleLbl>
+  <dgm:styleLbl name="parChTrans2D4">
+    <dgm:fillClrLst meth="repeat">
+      <a:schemeClr val="accent1"/>
+    </dgm:fillClrLst>
+    <dgm:linClrLst meth="repeat">
+      <a:schemeClr val="accent1"/>
+    </dgm:linClrLst>
+    <dgm:effectClrLst/>
+    <dgm:txLinClrLst/>
+    <dgm:txFillClrLst meth="repeat">
+      <a:schemeClr val="lt1"/>
+    </dgm:txFillClrLst>
+    <dgm:txEffectClrLst/>
+  </dgm:styleLbl>
+  <dgm:styleLbl name="parChTrans1D1">
+    <dgm:fillClrLst meth="repeat">
+      <a:schemeClr val="accent1"/>
+    </dgm:fillClrLst>
+    <dgm:linClrLst meth="repeat">
+      <a:schemeClr val="accent1">
+        <a:shade val="60000"/>
+      </a:schemeClr>
+    </dgm:linClrLst>
+    <dgm:effectClrLst/>
+    <dgm:txLinClrLst/>
+    <dgm:txFillClrLst meth="repeat">
+      <a:schemeClr val="tx1"/>
+    </dgm:txFillClrLst>
+    <dgm:txEffectClrLst/>
+  </dgm:styleLbl>
+  <dgm:styleLbl name="parChTrans1D2">
+    <dgm:fillClrLst meth="repeat">
+      <a:schemeClr val="accent1"/>
+    </dgm:fillClrLst>
+    <dgm:linClrLst meth="repeat">
+      <a:schemeClr val="accent1">
+        <a:shade val="60000"/>
+      </a:schemeClr>
+    </dgm:linClrLst>
+    <dgm:effectClrLst/>
+    <dgm:txLinClrLst/>
+    <dgm:txFillClrLst meth="repeat">
+      <a:schemeClr val="tx1"/>
+    </dgm:txFillClrLst>
+    <dgm:txEffectClrLst/>
+  </dgm:styleLbl>
+  <dgm:styleLbl name="parChTrans1D3">
+    <dgm:fillClrLst meth="repeat">
+      <a:schemeClr val="accent1"/>
+    </dgm:fillClrLst>
+    <dgm:linClrLst meth="repeat">
+      <a:schemeClr val="accent1">
+        <a:shade val="80000"/>
+      </a:schemeClr>
+    </dgm:linClrLst>
+    <dgm:effectClrLst/>
+    <dgm:txLinClrLst/>
+    <dgm:txFillClrLst meth="repeat">
+      <a:schemeClr val="tx1"/>
+    </dgm:txFillClrLst>
+    <dgm:txEffectClrLst/>
+  </dgm:styleLbl>
+  <dgm:styleLbl name="parChTrans1D4">
+    <dgm:fillClrLst meth="repeat">
+      <a:schemeClr val="accent1"/>
+    </dgm:fillClrLst>
+    <dgm:linClrLst meth="repeat">
+      <a:schemeClr val="accent1">
+        <a:shade val="80000"/>
+      </a:schemeClr>
+    </dgm:linClrLst>
+    <dgm:effectClrLst/>
+    <dgm:txLinClrLst/>
+    <dgm:txFillClrLst meth="repeat">
+      <a:schemeClr val="tx1"/>
+    </dgm:txFillClrLst>
+    <dgm:txEffectClrLst/>
+  </dgm:styleLbl>
+  <dgm:styleLbl name="fgAcc1">
+    <dgm:fillClrLst meth="repeat">
+      <a:schemeClr val="lt1">
+        <a:alpha val="90000"/>
+      </a:schemeClr>
+    </dgm:fillClrLst>
+    <dgm:linClrLst meth="repeat">
+      <a:schemeClr val="accent1"/>
+    </dgm:linClrLst>
+    <dgm:effectClrLst/>
+    <dgm:txLinClrLst/>
+    <dgm:txFillClrLst meth="repeat">
+      <a:schemeClr val="dk1"/>
+    </dgm:txFillClrLst>
+    <dgm:txEffectClrLst/>
+  </dgm:styleLbl>
+  <dgm:styleLbl name="conFgAcc1">
+    <dgm:fillClrLst meth="repeat">
+      <a:schemeClr val="lt1">
+        <a:alpha val="90000"/>
+      </a:schemeClr>
+    </dgm:fillClrLst>
+    <dgm:linClrLst meth="repeat">
+      <a:schemeClr val="accent1"/>
+    </dgm:linClrLst>
+    <dgm:effectClrLst/>
+    <dgm:txLinClrLst/>
+    <dgm:txFillClrLst meth="repeat">
+      <a:schemeClr val="dk1"/>
+    </dgm:txFillClrLst>
+    <dgm:txEffectClrLst/>
+  </dgm:styleLbl>
+  <dgm:styleLbl name="alignAcc1">
+    <dgm:fillClrLst meth="repeat">
+      <a:schemeClr val="lt1">
+        <a:alpha val="90000"/>
+      </a:schemeClr>
+    </dgm:fillClrLst>
+    <dgm:linClrLst meth="repeat">
+      <a:schemeClr val="accent1"/>
+    </dgm:linClrLst>
+    <dgm:effectClrLst/>
+    <dgm:txLinClrLst/>
+    <dgm:txFillClrLst meth="repeat">
+      <a:schemeClr val="dk1"/>
+    </dgm:txFillClrLst>
+    <dgm:txEffectClrLst/>
+  </dgm:styleLbl>
+  <dgm:styleLbl name="trAlignAcc1">
+    <dgm:fillClrLst meth="repeat">
+      <a:schemeClr val="lt1">
+        <a:alpha val="40000"/>
+      </a:schemeClr>
+    </dgm:fillClrLst>
+    <dgm:linClrLst meth="repeat">
+      <a:schemeClr val="accent1"/>
+    </dgm:linClrLst>
+    <dgm:effectClrLst/>
+    <dgm:txLinClrLst/>
+    <dgm:txFillClrLst meth="repeat">
+      <a:schemeClr val="dk1"/>
+    </dgm:txFillClrLst>
+    <dgm:txEffectClrLst/>
+  </dgm:styleLbl>
+  <dgm:styleLbl name="bgAcc1">
+    <dgm:fillClrLst meth="repeat">
+      <a:schemeClr val="lt1">
+        <a:alpha val="90000"/>
+      </a:schemeClr>
+    </dgm:fillClrLst>
+    <dgm:linClrLst meth="repeat">
+      <a:schemeClr val="accent1"/>
+    </dgm:linClrLst>
+    <dgm:effectClrLst/>
+    <dgm:txLinClrLst/>
+    <dgm:txFillClrLst meth="repeat">
+      <a:schemeClr val="dk1"/>
+    </dgm:txFillClrLst>
+    <dgm:txEffectClrLst/>
+  </dgm:styleLbl>
+  <dgm:styleLbl name="solidFgAcc1">
+    <dgm:fillClrLst meth="repeat">
+      <a:schemeClr val="lt1"/>
+    </dgm:fillClrLst>
+    <dgm:linClrLst meth="repeat">
+      <a:schemeClr val="accent1"/>
+    </dgm:linClrLst>
+    <dgm:effectClrLst/>
+    <dgm:txLinClrLst/>
+    <dgm:txFillClrLst meth="repeat">
+      <a:schemeClr val="dk1"/>
+    </dgm:txFillClrLst>
+    <dgm:txEffectClrLst/>
+  </dgm:styleLbl>
+  <dgm:styleLbl name="solidAlignAcc1">
+    <dgm:fillClrLst meth="repeat">
+      <a:schemeClr val="lt1"/>
+    </dgm:fillClrLst>
+    <dgm:linClrLst meth="repeat">
+      <a:schemeClr val="accent1"/>
+    </dgm:linClrLst>
+    <dgm:effectClrLst/>
+    <dgm:txLinClrLst/>
+    <dgm:txFillClrLst meth="repeat">
+      <a:schemeClr val="dk1"/>
+    </dgm:txFillClrLst>
+    <dgm:txEffectClrLst/>
+  </dgm:styleLbl>
+  <dgm:styleLbl name="solidBgAcc1">
+    <dgm:fillClrLst meth="repeat">
+      <a:schemeClr val="lt1"/>
+    </dgm:fillClrLst>
+    <dgm:linClrLst meth="repeat">
+      <a:schemeClr val="accent1"/>
+    </dgm:linClrLst>
+    <dgm:effectClrLst/>
+    <dgm:txLinClrLst/>
+    <dgm:txFillClrLst meth="repeat">
+      <a:schemeClr val="dk1"/>
+    </dgm:txFillClrLst>
+    <dgm:txEffectClrLst/>
+  </dgm:styleLbl>
+  <dgm:styleLbl name="fgAccFollowNode1">
+    <dgm:fillClrLst meth="repeat">
+      <a:schemeClr val="accent1">
+        <a:alpha val="90000"/>
+        <a:tint val="40000"/>
+      </a:schemeClr>
+    </dgm:fillClrLst>
+    <dgm:linClrLst meth="repeat">
+      <a:schemeClr val="accent1">
+        <a:alpha val="90000"/>
+        <a:tint val="40000"/>
+      </a:schemeClr>
+    </dgm:linClrLst>
+    <dgm:effectClrLst/>
+    <dgm:txLinClrLst/>
+    <dgm:txFillClrLst meth="repeat">
+      <a:schemeClr val="dk1"/>
+    </dgm:txFillClrLst>
+    <dgm:txEffectClrLst/>
+  </dgm:styleLbl>
+  <dgm:styleLbl name="alignAccFollowNode1">
+    <dgm:fillClrLst meth="repeat">
+      <a:schemeClr val="accent1">
+        <a:alpha val="90000"/>
+        <a:tint val="40000"/>
+      </a:schemeClr>
+    </dgm:fillClrLst>
+    <dgm:linClrLst meth="repeat">
+      <a:schemeClr val="accent1">
+        <a:alpha val="90000"/>
+        <a:tint val="40000"/>
+      </a:schemeClr>
+    </dgm:linClrLst>
+    <dgm:effectClrLst/>
+    <dgm:txLinClrLst/>
+    <dgm:txFillClrLst meth="repeat">
+      <a:schemeClr val="dk1"/>
+    </dgm:txFillClrLst>
+    <dgm:txEffectClrLst/>
+  </dgm:styleLbl>
+  <dgm:styleLbl name="bgAccFollowNode1">
+    <dgm:fillClrLst meth="repeat">
+      <a:schemeClr val="accent1">
+        <a:alpha val="90000"/>
+        <a:tint val="40000"/>
+      </a:schemeClr>
+    </dgm:fillClrLst>
+    <dgm:linClrLst meth="repeat">
+      <a:schemeClr val="accent1">
+        <a:alpha val="90000"/>
+        <a:tint val="40000"/>
+      </a:schemeClr>
+    </dgm:linClrLst>
+    <dgm:effectClrLst/>
+    <dgm:txLinClrLst/>
+    <dgm:txFillClrLst meth="repeat">
+      <a:schemeClr val="dk1"/>
+    </dgm:txFillClrLst>
+    <dgm:txEffectClrLst/>
+  </dgm:styleLbl>
+  <dgm:styleLbl name="fgAcc0">
+    <dgm:fillClrLst meth="repeat">
+      <a:schemeClr val="lt1">
+        <a:alpha val="90000"/>
+      </a:schemeClr>
+    </dgm:fillClrLst>
+    <dgm:linClrLst meth="repeat">
+      <a:schemeClr val="accent1"/>
+    </dgm:linClrLst>
+    <dgm:effectClrLst/>
+    <dgm:txLinClrLst/>
+    <dgm:txFillClrLst meth="repeat">
+      <a:schemeClr val="dk1"/>
+    </dgm:txFillClrLst>
+    <dgm:txEffectClrLst/>
+  </dgm:styleLbl>
+  <dgm:styleLbl name="fgAcc2">
+    <dgm:fillClrLst meth="repeat">
+      <a:schemeClr val="lt1">
+        <a:alpha val="90000"/>
+      </a:schemeClr>
+    </dgm:fillClrLst>
+    <dgm:linClrLst meth="repeat">
+      <a:schemeClr val="accent1"/>
+    </dgm:linClrLst>
+    <dgm:effectClrLst/>
+    <dgm:txLinClrLst/>
+    <dgm:txFillClrLst meth="repeat">
+      <a:schemeClr val="dk1"/>
+    </dgm:txFillClrLst>
+    <dgm:txEffectClrLst/>
+  </dgm:styleLbl>
+  <dgm:styleLbl name="fgAcc3">
+    <dgm:fillClrLst meth="repeat">
+      <a:schemeClr val="lt1">
+        <a:alpha val="90000"/>
+      </a:schemeClr>
+    </dgm:fillClrLst>
+    <dgm:linClrLst meth="repeat">
+      <a:schemeClr val="accent1"/>
+    </dgm:linClrLst>
+    <dgm:effectClrLst/>
+    <dgm:txLinClrLst/>
+    <dgm:txFillClrLst meth="repeat">
+      <a:schemeClr val="dk1"/>
+    </dgm:txFillClrLst>
+    <dgm:txEffectClrLst/>
+  </dgm:styleLbl>
+  <dgm:styleLbl name="fgAcc4">
+    <dgm:fillClrLst meth="repeat">
+      <a:schemeClr val="lt1">
+        <a:alpha val="90000"/>
+      </a:schemeClr>
+    </dgm:fillClrLst>
+    <dgm:linClrLst meth="repeat">
+      <a:schemeClr val="accent1"/>
+    </dgm:linClrLst>
+    <dgm:effectClrLst/>
+    <dgm:txLinClrLst/>
+    <dgm:txFillClrLst meth="repeat">
+      <a:schemeClr val="dk1"/>
+    </dgm:txFillClrLst>
+    <dgm:txEffectClrLst/>
+  </dgm:styleLbl>
+  <dgm:styleLbl name="bgShp">
+    <dgm:fillClrLst meth="repeat">
+      <a:schemeClr val="accent1">
+        <a:tint val="40000"/>
+      </a:schemeClr>
+    </dgm:fillClrLst>
+    <dgm:linClrLst meth="repeat">
+      <a:schemeClr val="accent1"/>
+    </dgm:linClrLst>
+    <dgm:effectClrLst/>
+    <dgm:txLinClrLst/>
+    <dgm:txFillClrLst meth="repeat">
+      <a:schemeClr val="dk1"/>
+    </dgm:txFillClrLst>
+    <dgm:txEffectClrLst/>
+  </dgm:styleLbl>
+  <dgm:styleLbl name="dkBgShp">
+    <dgm:fillClrLst meth="repeat">
+      <a:schemeClr val="accent1">
+        <a:shade val="80000"/>
+      </a:schemeClr>
+    </dgm:fillClrLst>
+    <dgm:linClrLst meth="repeat">
+      <a:schemeClr val="accent1"/>
+    </dgm:linClrLst>
+    <dgm:effectClrLst/>
+    <dgm:txLinClrLst/>
+    <dgm:txFillClrLst meth="repeat">
+      <a:schemeClr val="lt1"/>
+    </dgm:txFillClrLst>
+    <dgm:txEffectClrLst/>
+  </dgm:styleLbl>
+  <dgm:styleLbl name="trBgShp">
+    <dgm:fillClrLst meth="repeat">
+      <a:schemeClr val="accent1">
+        <a:tint val="50000"/>
+        <a:alpha val="40000"/>
+      </a:schemeClr>
+    </dgm:fillClrLst>
+    <dgm:linClrLst meth="repeat">
+      <a:schemeClr val="accent1"/>
+    </dgm:linClrLst>
+    <dgm:effectClrLst/>
+    <dgm:txLinClrLst/>
+    <dgm:txFillClrLst meth="repeat">
+      <a:schemeClr val="lt1"/>
+    </dgm:txFillClrLst>
+    <dgm:txEffectClrLst/>
+  </dgm:styleLbl>
+  <dgm:styleLbl name="fgShp">
+    <dgm:fillClrLst meth="repeat">
+      <a:schemeClr val="accent1">
+        <a:tint val="60000"/>
+      </a:schemeClr>
+    </dgm:fillClrLst>
+    <dgm:linClrLst meth="repeat">
+      <a:schemeClr val="lt1"/>
+    </dgm:linClrLst>
+    <dgm:effectClrLst/>
+    <dgm:txLinClrLst/>
+    <dgm:txFillClrLst meth="repeat">
+      <a:schemeClr val="dk1"/>
+    </dgm:txFillClrLst>
+    <dgm:txEffectClrLst/>
+  </dgm:styleLbl>
+  <dgm:styleLbl name="revTx">
+    <dgm:fillClrLst meth="repeat">
+      <a:schemeClr val="lt1">
+        <a:alpha val="0"/>
+      </a:schemeClr>
+    </dgm:fillClrLst>
+    <dgm:linClrLst meth="repeat">
+      <a:schemeClr val="dk1">
+        <a:alpha val="0"/>
+      </a:schemeClr>
+    </dgm:linClrLst>
+    <dgm:effectClrLst/>
+    <dgm:txLinClrLst/>
+    <dgm:txFillClrLst meth="repeat">
+      <a:schemeClr val="tx1"/>
+    </dgm:txFillClrLst>
+    <dgm:txEffectClrLst/>
+  </dgm:styleLbl>
+</dgm:colorsDef>
+</file>
+
+<file path=ppt/diagrams/data1.xml><?xml version="1.0" encoding="utf-8"?>
+<dgm:dataModel xmlns:dgm="http://schemas.openxmlformats.org/drawingml/2006/diagram" xmlns:a="http://schemas.openxmlformats.org/drawingml/2006/main">
+  <dgm:ptLst>
+    <dgm:pt modelId="{D67D8CA1-3D22-4A34-B0E5-593168796A68}" type="doc">
+      <dgm:prSet loTypeId="urn:microsoft.com/office/officeart/2005/8/layout/hierarchy2" loCatId="hierarchy" qsTypeId="urn:microsoft.com/office/officeart/2005/8/quickstyle/simple1" qsCatId="simple" csTypeId="urn:microsoft.com/office/officeart/2005/8/colors/accent1_2" csCatId="accent1" phldr="1"/>
+      <dgm:spPr/>
+      <dgm:t>
+        <a:bodyPr/>
+        <a:lstStyle/>
+        <a:p>
+          <a:endParaRPr lang="zh-CN" altLang="en-US"/>
+        </a:p>
+      </dgm:t>
+    </dgm:pt>
+    <dgm:pt modelId="{63C89271-5FAD-4A76-B1F6-068DEA12F0B6}">
+      <dgm:prSet phldrT="[文本]" custT="1"/>
+      <dgm:spPr/>
+      <dgm:t>
+        <a:bodyPr/>
+        <a:lstStyle/>
+        <a:p>
+          <a:r>
+            <a:rPr lang="en-US" sz="1400" dirty="0" err="1" smtClean="0"/>
+            <a:t>PageOperation</a:t>
+          </a:r>
+          <a:endParaRPr lang="zh-CN" altLang="en-US" sz="1400" dirty="0"/>
+        </a:p>
+      </dgm:t>
+    </dgm:pt>
+    <dgm:pt modelId="{45308C47-C23B-4EAC-AB48-48C04FCB1939}" type="parTrans" cxnId="{8F1ACBC9-C4C8-4073-8761-DD362D1FAA02}">
+      <dgm:prSet/>
+      <dgm:spPr/>
+      <dgm:t>
+        <a:bodyPr/>
+        <a:lstStyle/>
+        <a:p>
+          <a:endParaRPr lang="zh-CN" altLang="en-US" sz="1600"/>
+        </a:p>
+      </dgm:t>
+    </dgm:pt>
+    <dgm:pt modelId="{C08920CB-2FED-4EE6-BC3D-9AF31905E41D}" type="sibTrans" cxnId="{8F1ACBC9-C4C8-4073-8761-DD362D1FAA02}">
+      <dgm:prSet/>
+      <dgm:spPr/>
+      <dgm:t>
+        <a:bodyPr/>
+        <a:lstStyle/>
+        <a:p>
+          <a:endParaRPr lang="zh-CN" altLang="en-US" sz="1600"/>
+        </a:p>
+      </dgm:t>
+    </dgm:pt>
+    <dgm:pt modelId="{E628FFB5-B7A0-4130-A3B0-CFF086973D85}">
+      <dgm:prSet phldrT="[文本]" custT="1"/>
+      <dgm:spPr/>
+      <dgm:t>
+        <a:bodyPr/>
+        <a:lstStyle/>
+        <a:p>
+          <a:r>
+            <a:rPr lang="en-US" sz="1400" dirty="0" smtClean="0"/>
+            <a:t>dragging</a:t>
+          </a:r>
+          <a:endParaRPr lang="zh-CN" altLang="en-US" sz="1400" dirty="0"/>
+        </a:p>
+      </dgm:t>
+    </dgm:pt>
+    <dgm:pt modelId="{78A757D2-9A0E-4E02-AD33-DDFC91514C87}" type="parTrans" cxnId="{364BED40-88FF-4F13-9D99-5064D64EF027}">
+      <dgm:prSet custT="1"/>
+      <dgm:spPr/>
+      <dgm:t>
+        <a:bodyPr/>
+        <a:lstStyle/>
+        <a:p>
+          <a:endParaRPr lang="zh-CN" altLang="en-US" sz="400"/>
+        </a:p>
+      </dgm:t>
+    </dgm:pt>
+    <dgm:pt modelId="{4F14CF85-54EC-49ED-A707-8260603C22C1}" type="sibTrans" cxnId="{364BED40-88FF-4F13-9D99-5064D64EF027}">
+      <dgm:prSet/>
+      <dgm:spPr/>
+      <dgm:t>
+        <a:bodyPr/>
+        <a:lstStyle/>
+        <a:p>
+          <a:endParaRPr lang="zh-CN" altLang="en-US" sz="1600"/>
+        </a:p>
+      </dgm:t>
+    </dgm:pt>
+    <dgm:pt modelId="{52B335CF-BC44-480B-9786-A3628082B030}">
+      <dgm:prSet phldrT="[文本]" custT="1"/>
+      <dgm:spPr/>
+      <dgm:t>
+        <a:bodyPr/>
+        <a:lstStyle/>
+        <a:p>
+          <a:r>
+            <a:rPr lang="en-US" altLang="zh-CN" sz="1400" dirty="0" smtClean="0"/>
+            <a:t>data</a:t>
+          </a:r>
+          <a:endParaRPr lang="zh-CN" altLang="en-US" sz="1400" dirty="0"/>
+        </a:p>
+      </dgm:t>
+    </dgm:pt>
+    <dgm:pt modelId="{A80F37F6-5678-4732-A7F0-E08A9E1BE5A8}" type="parTrans" cxnId="{F4B09F4E-052F-4401-8B01-3F2278ED977A}">
+      <dgm:prSet custT="1"/>
+      <dgm:spPr/>
+      <dgm:t>
+        <a:bodyPr/>
+        <a:lstStyle/>
+        <a:p>
+          <a:endParaRPr lang="zh-CN" altLang="en-US" sz="400"/>
+        </a:p>
+      </dgm:t>
+    </dgm:pt>
+    <dgm:pt modelId="{F99BE3CD-A62C-4FDE-BFD9-E44988D2FA2C}" type="sibTrans" cxnId="{F4B09F4E-052F-4401-8B01-3F2278ED977A}">
+      <dgm:prSet/>
+      <dgm:spPr/>
+      <dgm:t>
+        <a:bodyPr/>
+        <a:lstStyle/>
+        <a:p>
+          <a:endParaRPr lang="zh-CN" altLang="en-US" sz="1600"/>
+        </a:p>
+      </dgm:t>
+    </dgm:pt>
+    <dgm:pt modelId="{1D6299FD-D5CB-4663-A458-CFA7106D19EB}">
+      <dgm:prSet phldrT="[文本]" custT="1"/>
+      <dgm:spPr/>
+      <dgm:t>
+        <a:bodyPr/>
+        <a:lstStyle/>
+        <a:p>
+          <a:r>
+            <a:rPr lang="en-US" sz="1400" dirty="0" err="1" smtClean="0"/>
+            <a:t>singleScreenWidgets</a:t>
+          </a:r>
+          <a:endParaRPr lang="zh-CN" altLang="en-US" sz="1400" dirty="0"/>
+        </a:p>
+      </dgm:t>
+    </dgm:pt>
+    <dgm:pt modelId="{279C4DC0-EF1D-47D1-B047-147AC263EF95}" type="parTrans" cxnId="{3FD8E234-9FA0-4530-95D3-8DDD6C4BD311}">
+      <dgm:prSet custT="1"/>
+      <dgm:spPr/>
+      <dgm:t>
+        <a:bodyPr/>
+        <a:lstStyle/>
+        <a:p>
+          <a:endParaRPr lang="zh-CN" altLang="en-US" sz="400"/>
+        </a:p>
+      </dgm:t>
+    </dgm:pt>
+    <dgm:pt modelId="{5D2D98E1-342E-47A6-8E27-9AED88558C72}" type="sibTrans" cxnId="{3FD8E234-9FA0-4530-95D3-8DDD6C4BD311}">
+      <dgm:prSet/>
+      <dgm:spPr/>
+      <dgm:t>
+        <a:bodyPr/>
+        <a:lstStyle/>
+        <a:p>
+          <a:endParaRPr lang="zh-CN" altLang="en-US" sz="1600"/>
+        </a:p>
+      </dgm:t>
+    </dgm:pt>
+    <dgm:pt modelId="{9FA90021-0242-47D8-89D9-25A2B5B0B79C}">
+      <dgm:prSet phldrT="[文本]" custT="1"/>
+      <dgm:spPr/>
+      <dgm:t>
+        <a:bodyPr/>
+        <a:lstStyle/>
+        <a:p>
+          <a:r>
+            <a:rPr lang="en-US" sz="1400" dirty="0" err="1" smtClean="0"/>
+            <a:t>doubleScreenLeftWidgets</a:t>
+          </a:r>
+          <a:endParaRPr lang="zh-CN" altLang="en-US" sz="1400" dirty="0"/>
+        </a:p>
+      </dgm:t>
+    </dgm:pt>
+    <dgm:pt modelId="{F220C22F-6DAE-4DFE-BDFB-73232C767F0C}" type="parTrans" cxnId="{0048A4F3-727D-4CC2-A4E8-1699A530243C}">
+      <dgm:prSet custT="1"/>
+      <dgm:spPr/>
+      <dgm:t>
+        <a:bodyPr/>
+        <a:lstStyle/>
+        <a:p>
+          <a:endParaRPr lang="zh-CN" altLang="en-US" sz="400"/>
+        </a:p>
+      </dgm:t>
+    </dgm:pt>
+    <dgm:pt modelId="{9B2AB2A4-1064-4EAA-A90B-E7BA77C73B34}" type="sibTrans" cxnId="{0048A4F3-727D-4CC2-A4E8-1699A530243C}">
+      <dgm:prSet/>
+      <dgm:spPr/>
+      <dgm:t>
+        <a:bodyPr/>
+        <a:lstStyle/>
+        <a:p>
+          <a:endParaRPr lang="zh-CN" altLang="en-US" sz="1600"/>
+        </a:p>
+      </dgm:t>
+    </dgm:pt>
+    <dgm:pt modelId="{FF5E58AE-4976-4CCE-9240-B47B480F2947}">
+      <dgm:prSet phldrT="[文本]" custT="1"/>
+      <dgm:spPr/>
+      <dgm:t>
+        <a:bodyPr/>
+        <a:lstStyle/>
+        <a:p>
+          <a:r>
+            <a:rPr lang="en-US" sz="1400" dirty="0" err="1" smtClean="0"/>
+            <a:t>doubleScreenRightWidgets</a:t>
+          </a:r>
+          <a:endParaRPr lang="zh-CN" altLang="en-US" sz="1400" dirty="0"/>
+        </a:p>
+      </dgm:t>
+    </dgm:pt>
+    <dgm:pt modelId="{9BBB4A0F-3592-48EB-9131-4C55C5610F43}" type="parTrans" cxnId="{7F530DFC-F7C8-4074-8689-A96822835D04}">
+      <dgm:prSet custT="1"/>
+      <dgm:spPr/>
+      <dgm:t>
+        <a:bodyPr/>
+        <a:lstStyle/>
+        <a:p>
+          <a:endParaRPr lang="zh-CN" altLang="en-US" sz="400"/>
+        </a:p>
+      </dgm:t>
+    </dgm:pt>
+    <dgm:pt modelId="{04A46859-8389-4CE5-9DF9-8BAE5B0B1BF4}" type="sibTrans" cxnId="{7F530DFC-F7C8-4074-8689-A96822835D04}">
+      <dgm:prSet/>
+      <dgm:spPr/>
+      <dgm:t>
+        <a:bodyPr/>
+        <a:lstStyle/>
+        <a:p>
+          <a:endParaRPr lang="zh-CN" altLang="en-US" sz="1600"/>
+        </a:p>
+      </dgm:t>
+    </dgm:pt>
+    <dgm:pt modelId="{0D0DCFDF-EB39-422D-8E38-F18C1D98A9F2}">
+      <dgm:prSet phldrT="[文本]" custT="1"/>
+      <dgm:spPr/>
+      <dgm:t>
+        <a:bodyPr/>
+        <a:lstStyle/>
+        <a:p>
+          <a:r>
+            <a:rPr lang="en-US" altLang="en-US" sz="1400" dirty="0" err="1" smtClean="0"/>
+            <a:t>widgetContents</a:t>
+          </a:r>
+          <a:endParaRPr lang="zh-CN" altLang="en-US" sz="1400" dirty="0"/>
+        </a:p>
+      </dgm:t>
+    </dgm:pt>
+    <dgm:pt modelId="{5B9E8CC9-982C-42B1-97EC-C547B361DCF6}" type="parTrans" cxnId="{B5F185D7-519E-445D-A9C0-8AA216712C04}">
+      <dgm:prSet custT="1"/>
+      <dgm:spPr/>
+      <dgm:t>
+        <a:bodyPr/>
+        <a:lstStyle/>
+        <a:p>
+          <a:endParaRPr lang="zh-CN" altLang="en-US" sz="400"/>
+        </a:p>
+      </dgm:t>
+    </dgm:pt>
+    <dgm:pt modelId="{EBD15E86-C36F-4237-9114-F877EC2A9FC6}" type="sibTrans" cxnId="{B5F185D7-519E-445D-A9C0-8AA216712C04}">
+      <dgm:prSet/>
+      <dgm:spPr/>
+      <dgm:t>
+        <a:bodyPr/>
+        <a:lstStyle/>
+        <a:p>
+          <a:endParaRPr lang="zh-CN" altLang="en-US" sz="1600"/>
+        </a:p>
+      </dgm:t>
+    </dgm:pt>
+    <dgm:pt modelId="{B5504907-5075-47BF-8049-492C4EED59D2}" type="pres">
+      <dgm:prSet presAssocID="{D67D8CA1-3D22-4A34-B0E5-593168796A68}" presName="diagram" presStyleCnt="0">
+        <dgm:presLayoutVars>
+          <dgm:chPref val="1"/>
+          <dgm:dir/>
+          <dgm:animOne val="branch"/>
+          <dgm:animLvl val="lvl"/>
+          <dgm:resizeHandles val="exact"/>
+        </dgm:presLayoutVars>
+      </dgm:prSet>
+      <dgm:spPr/>
+    </dgm:pt>
+    <dgm:pt modelId="{167E5CA3-642C-4102-83EB-11E965CF4676}" type="pres">
+      <dgm:prSet presAssocID="{63C89271-5FAD-4A76-B1F6-068DEA12F0B6}" presName="root1" presStyleCnt="0"/>
+      <dgm:spPr/>
+    </dgm:pt>
+    <dgm:pt modelId="{ED2B4EA9-3B9B-4A32-AF89-9283BA63749D}" type="pres">
+      <dgm:prSet presAssocID="{63C89271-5FAD-4A76-B1F6-068DEA12F0B6}" presName="LevelOneTextNode" presStyleLbl="node0" presStyleIdx="0" presStyleCnt="1" custScaleX="69782" custScaleY="45226" custLinFactNeighborX="-3832" custLinFactNeighborY="-50578">
+        <dgm:presLayoutVars>
+          <dgm:chPref val="3"/>
+        </dgm:presLayoutVars>
+      </dgm:prSet>
+      <dgm:spPr/>
+      <dgm:t>
+        <a:bodyPr/>
+        <a:lstStyle/>
+        <a:p>
+          <a:endParaRPr lang="zh-CN" altLang="en-US"/>
+        </a:p>
+      </dgm:t>
+    </dgm:pt>
+    <dgm:pt modelId="{C5338F1E-8692-44A5-8C5C-4204B8637CFC}" type="pres">
+      <dgm:prSet presAssocID="{63C89271-5FAD-4A76-B1F6-068DEA12F0B6}" presName="level2hierChild" presStyleCnt="0"/>
+      <dgm:spPr/>
+    </dgm:pt>
+    <dgm:pt modelId="{1AA980B6-AA4B-4F46-8522-C2170376429D}" type="pres">
+      <dgm:prSet presAssocID="{78A757D2-9A0E-4E02-AD33-DDFC91514C87}" presName="conn2-1" presStyleLbl="parChTrans1D2" presStyleIdx="0" presStyleCnt="2"/>
+      <dgm:spPr/>
+    </dgm:pt>
+    <dgm:pt modelId="{37FF9F29-DEBE-4CA5-8636-4F1522BF2000}" type="pres">
+      <dgm:prSet presAssocID="{78A757D2-9A0E-4E02-AD33-DDFC91514C87}" presName="connTx" presStyleLbl="parChTrans1D2" presStyleIdx="0" presStyleCnt="2"/>
+      <dgm:spPr/>
+    </dgm:pt>
+    <dgm:pt modelId="{FA0A9C5A-438F-44F6-B43B-A351FAD4F6BE}" type="pres">
+      <dgm:prSet presAssocID="{E628FFB5-B7A0-4130-A3B0-CFF086973D85}" presName="root2" presStyleCnt="0"/>
+      <dgm:spPr/>
+    </dgm:pt>
+    <dgm:pt modelId="{172B63FC-B649-494D-9648-6C714A04D6E0}" type="pres">
+      <dgm:prSet presAssocID="{E628FFB5-B7A0-4130-A3B0-CFF086973D85}" presName="LevelTwoTextNode" presStyleLbl="node2" presStyleIdx="0" presStyleCnt="2" custScaleX="54222" custScaleY="47714" custLinFactNeighborX="1073" custLinFactNeighborY="716">
+        <dgm:presLayoutVars>
+          <dgm:chPref val="3"/>
+        </dgm:presLayoutVars>
+      </dgm:prSet>
+      <dgm:spPr/>
+      <dgm:t>
+        <a:bodyPr/>
+        <a:lstStyle/>
+        <a:p>
+          <a:endParaRPr lang="zh-CN" altLang="en-US"/>
+        </a:p>
+      </dgm:t>
+    </dgm:pt>
+    <dgm:pt modelId="{07687BCA-419B-4527-9B71-3C06D53A2461}" type="pres">
+      <dgm:prSet presAssocID="{E628FFB5-B7A0-4130-A3B0-CFF086973D85}" presName="level3hierChild" presStyleCnt="0"/>
+      <dgm:spPr/>
+    </dgm:pt>
+    <dgm:pt modelId="{CB5D141A-F31D-4A09-84DF-4D1C0569F1A1}" type="pres">
+      <dgm:prSet presAssocID="{A80F37F6-5678-4732-A7F0-E08A9E1BE5A8}" presName="conn2-1" presStyleLbl="parChTrans1D2" presStyleIdx="1" presStyleCnt="2"/>
+      <dgm:spPr/>
+    </dgm:pt>
+    <dgm:pt modelId="{7B7DA84A-052E-4833-8B4D-121C0DA550A9}" type="pres">
+      <dgm:prSet presAssocID="{A80F37F6-5678-4732-A7F0-E08A9E1BE5A8}" presName="connTx" presStyleLbl="parChTrans1D2" presStyleIdx="1" presStyleCnt="2"/>
+      <dgm:spPr/>
+    </dgm:pt>
+    <dgm:pt modelId="{0B5F2BCE-3107-4A87-B9DA-491E6AB27EC8}" type="pres">
+      <dgm:prSet presAssocID="{52B335CF-BC44-480B-9786-A3628082B030}" presName="root2" presStyleCnt="0"/>
+      <dgm:spPr/>
+    </dgm:pt>
+    <dgm:pt modelId="{03FCA5E5-27DB-4D4D-B1CA-8D680BF3DC4C}" type="pres">
+      <dgm:prSet presAssocID="{52B335CF-BC44-480B-9786-A3628082B030}" presName="LevelTwoTextNode" presStyleLbl="node2" presStyleIdx="1" presStyleCnt="2" custScaleX="70339" custScaleY="44721">
+        <dgm:presLayoutVars>
+          <dgm:chPref val="3"/>
+        </dgm:presLayoutVars>
+      </dgm:prSet>
+      <dgm:spPr/>
+      <dgm:t>
+        <a:bodyPr/>
+        <a:lstStyle/>
+        <a:p>
+          <a:endParaRPr lang="zh-CN" altLang="en-US"/>
+        </a:p>
+      </dgm:t>
+    </dgm:pt>
+    <dgm:pt modelId="{D9C73C15-2FC6-44F2-B5AC-6C6BC361C1CC}" type="pres">
+      <dgm:prSet presAssocID="{52B335CF-BC44-480B-9786-A3628082B030}" presName="level3hierChild" presStyleCnt="0"/>
+      <dgm:spPr/>
+    </dgm:pt>
+    <dgm:pt modelId="{91DBEA2E-DE03-4C2D-BB9F-6C252C1B99E7}" type="pres">
+      <dgm:prSet presAssocID="{279C4DC0-EF1D-47D1-B047-147AC263EF95}" presName="conn2-1" presStyleLbl="parChTrans1D3" presStyleIdx="0" presStyleCnt="4"/>
+      <dgm:spPr/>
+    </dgm:pt>
+    <dgm:pt modelId="{4E33541D-1BA8-4120-B1FD-0057E5F63C23}" type="pres">
+      <dgm:prSet presAssocID="{279C4DC0-EF1D-47D1-B047-147AC263EF95}" presName="connTx" presStyleLbl="parChTrans1D3" presStyleIdx="0" presStyleCnt="4"/>
+      <dgm:spPr/>
+    </dgm:pt>
+    <dgm:pt modelId="{933B98CA-C12F-4D83-9B61-055EFCBB9109}" type="pres">
+      <dgm:prSet presAssocID="{1D6299FD-D5CB-4663-A458-CFA7106D19EB}" presName="root2" presStyleCnt="0"/>
+      <dgm:spPr/>
+    </dgm:pt>
+    <dgm:pt modelId="{2DC86CA5-1F38-4873-995B-AFB64B5AD418}" type="pres">
+      <dgm:prSet presAssocID="{1D6299FD-D5CB-4663-A458-CFA7106D19EB}" presName="LevelTwoTextNode" presStyleLbl="node3" presStyleIdx="0" presStyleCnt="4" custScaleX="99097" custScaleY="38894">
+        <dgm:presLayoutVars>
+          <dgm:chPref val="3"/>
+        </dgm:presLayoutVars>
+      </dgm:prSet>
+      <dgm:spPr/>
+      <dgm:t>
+        <a:bodyPr/>
+        <a:lstStyle/>
+        <a:p>
+          <a:endParaRPr lang="zh-CN" altLang="en-US"/>
+        </a:p>
+      </dgm:t>
+    </dgm:pt>
+    <dgm:pt modelId="{C64C716D-F70A-4366-A5DC-9781CFC3EC0F}" type="pres">
+      <dgm:prSet presAssocID="{1D6299FD-D5CB-4663-A458-CFA7106D19EB}" presName="level3hierChild" presStyleCnt="0"/>
+      <dgm:spPr/>
+    </dgm:pt>
+    <dgm:pt modelId="{B9B92BA2-862C-49CE-810E-1904CA4B8929}" type="pres">
+      <dgm:prSet presAssocID="{F220C22F-6DAE-4DFE-BDFB-73232C767F0C}" presName="conn2-1" presStyleLbl="parChTrans1D3" presStyleIdx="1" presStyleCnt="4"/>
+      <dgm:spPr/>
+    </dgm:pt>
+    <dgm:pt modelId="{6FA1B294-10C7-4244-8ABE-AD928E2C1541}" type="pres">
+      <dgm:prSet presAssocID="{F220C22F-6DAE-4DFE-BDFB-73232C767F0C}" presName="connTx" presStyleLbl="parChTrans1D3" presStyleIdx="1" presStyleCnt="4"/>
+      <dgm:spPr/>
+    </dgm:pt>
+    <dgm:pt modelId="{848E6DCF-5CCA-454D-9718-69BC63D58185}" type="pres">
+      <dgm:prSet presAssocID="{9FA90021-0242-47D8-89D9-25A2B5B0B79C}" presName="root2" presStyleCnt="0"/>
+      <dgm:spPr/>
+    </dgm:pt>
+    <dgm:pt modelId="{7516B668-40C0-45D2-89AE-32C697DD5BAE}" type="pres">
+      <dgm:prSet presAssocID="{9FA90021-0242-47D8-89D9-25A2B5B0B79C}" presName="LevelTwoTextNode" presStyleLbl="node3" presStyleIdx="1" presStyleCnt="4" custScaleX="104605" custScaleY="41094">
+        <dgm:presLayoutVars>
+          <dgm:chPref val="3"/>
+        </dgm:presLayoutVars>
+      </dgm:prSet>
+      <dgm:spPr/>
+      <dgm:t>
+        <a:bodyPr/>
+        <a:lstStyle/>
+        <a:p>
+          <a:endParaRPr lang="zh-CN" altLang="en-US"/>
+        </a:p>
+      </dgm:t>
+    </dgm:pt>
+    <dgm:pt modelId="{FF8C4510-E749-42DE-AB4A-D96E4EE6EDB7}" type="pres">
+      <dgm:prSet presAssocID="{9FA90021-0242-47D8-89D9-25A2B5B0B79C}" presName="level3hierChild" presStyleCnt="0"/>
+      <dgm:spPr/>
+    </dgm:pt>
+    <dgm:pt modelId="{1E7C44FD-CD41-496F-B7DB-DAADD4DDECD9}" type="pres">
+      <dgm:prSet presAssocID="{9BBB4A0F-3592-48EB-9131-4C55C5610F43}" presName="conn2-1" presStyleLbl="parChTrans1D3" presStyleIdx="2" presStyleCnt="4"/>
+      <dgm:spPr/>
+    </dgm:pt>
+    <dgm:pt modelId="{95B205AE-2423-4D88-AAC9-33F485F97158}" type="pres">
+      <dgm:prSet presAssocID="{9BBB4A0F-3592-48EB-9131-4C55C5610F43}" presName="connTx" presStyleLbl="parChTrans1D3" presStyleIdx="2" presStyleCnt="4"/>
+      <dgm:spPr/>
+    </dgm:pt>
+    <dgm:pt modelId="{47FD5ED0-FBCA-4DC3-845E-FD2F1AF53905}" type="pres">
+      <dgm:prSet presAssocID="{FF5E58AE-4976-4CCE-9240-B47B480F2947}" presName="root2" presStyleCnt="0"/>
+      <dgm:spPr/>
+    </dgm:pt>
+    <dgm:pt modelId="{29204135-0A69-4085-BBBB-B81B959F19BC}" type="pres">
+      <dgm:prSet presAssocID="{FF5E58AE-4976-4CCE-9240-B47B480F2947}" presName="LevelTwoTextNode" presStyleLbl="node3" presStyleIdx="2" presStyleCnt="4" custScaleX="106584" custScaleY="42124">
+        <dgm:presLayoutVars>
+          <dgm:chPref val="3"/>
+        </dgm:presLayoutVars>
+      </dgm:prSet>
+      <dgm:spPr/>
+      <dgm:t>
+        <a:bodyPr/>
+        <a:lstStyle/>
+        <a:p>
+          <a:endParaRPr lang="zh-CN" altLang="en-US"/>
+        </a:p>
+      </dgm:t>
+    </dgm:pt>
+    <dgm:pt modelId="{E37ED026-FE8D-4470-BC23-E75788F4F529}" type="pres">
+      <dgm:prSet presAssocID="{FF5E58AE-4976-4CCE-9240-B47B480F2947}" presName="level3hierChild" presStyleCnt="0"/>
+      <dgm:spPr/>
+    </dgm:pt>
+    <dgm:pt modelId="{27082BA8-564A-4A6C-AFA8-99299BC31D54}" type="pres">
+      <dgm:prSet presAssocID="{5B9E8CC9-982C-42B1-97EC-C547B361DCF6}" presName="conn2-1" presStyleLbl="parChTrans1D3" presStyleIdx="3" presStyleCnt="4"/>
+      <dgm:spPr/>
+    </dgm:pt>
+    <dgm:pt modelId="{6143E3E9-3899-4BA2-B502-2FF9E8F0E5E3}" type="pres">
+      <dgm:prSet presAssocID="{5B9E8CC9-982C-42B1-97EC-C547B361DCF6}" presName="connTx" presStyleLbl="parChTrans1D3" presStyleIdx="3" presStyleCnt="4"/>
+      <dgm:spPr/>
+    </dgm:pt>
+    <dgm:pt modelId="{25C3C28B-4F19-4BB7-8A1B-4AED6DD9C17B}" type="pres">
+      <dgm:prSet presAssocID="{0D0DCFDF-EB39-422D-8E38-F18C1D98A9F2}" presName="root2" presStyleCnt="0"/>
+      <dgm:spPr/>
+    </dgm:pt>
+    <dgm:pt modelId="{01A0E27D-64CF-487D-9FCA-0FBE72F193D1}" type="pres">
+      <dgm:prSet presAssocID="{0D0DCFDF-EB39-422D-8E38-F18C1D98A9F2}" presName="LevelTwoTextNode" presStyleLbl="node3" presStyleIdx="3" presStyleCnt="4" custScaleX="96701" custScaleY="42108" custLinFactNeighborX="383" custLinFactNeighborY="-3832">
+        <dgm:presLayoutVars>
+          <dgm:chPref val="3"/>
+        </dgm:presLayoutVars>
+      </dgm:prSet>
+      <dgm:spPr/>
+      <dgm:t>
+        <a:bodyPr/>
+        <a:lstStyle/>
+        <a:p>
+          <a:endParaRPr lang="zh-CN" altLang="en-US"/>
+        </a:p>
+      </dgm:t>
+    </dgm:pt>
+    <dgm:pt modelId="{55D88E4F-4C65-4280-B094-5D4692A557B3}" type="pres">
+      <dgm:prSet presAssocID="{0D0DCFDF-EB39-422D-8E38-F18C1D98A9F2}" presName="level3hierChild" presStyleCnt="0"/>
+      <dgm:spPr/>
+    </dgm:pt>
+  </dgm:ptLst>
+  <dgm:cxnLst>
+    <dgm:cxn modelId="{8F1ACBC9-C4C8-4073-8761-DD362D1FAA02}" srcId="{D67D8CA1-3D22-4A34-B0E5-593168796A68}" destId="{63C89271-5FAD-4A76-B1F6-068DEA12F0B6}" srcOrd="0" destOrd="0" parTransId="{45308C47-C23B-4EAC-AB48-48C04FCB1939}" sibTransId="{C08920CB-2FED-4EE6-BC3D-9AF31905E41D}"/>
+    <dgm:cxn modelId="{F4B09F4E-052F-4401-8B01-3F2278ED977A}" srcId="{63C89271-5FAD-4A76-B1F6-068DEA12F0B6}" destId="{52B335CF-BC44-480B-9786-A3628082B030}" srcOrd="1" destOrd="0" parTransId="{A80F37F6-5678-4732-A7F0-E08A9E1BE5A8}" sibTransId="{F99BE3CD-A62C-4FDE-BFD9-E44988D2FA2C}"/>
+    <dgm:cxn modelId="{7F530DFC-F7C8-4074-8689-A96822835D04}" srcId="{52B335CF-BC44-480B-9786-A3628082B030}" destId="{FF5E58AE-4976-4CCE-9240-B47B480F2947}" srcOrd="2" destOrd="0" parTransId="{9BBB4A0F-3592-48EB-9131-4C55C5610F43}" sibTransId="{04A46859-8389-4CE5-9DF9-8BAE5B0B1BF4}"/>
+    <dgm:cxn modelId="{AC0738D0-C540-4F79-B4AE-3D7AD18E70F3}" type="presOf" srcId="{F220C22F-6DAE-4DFE-BDFB-73232C767F0C}" destId="{B9B92BA2-862C-49CE-810E-1904CA4B8929}" srcOrd="0" destOrd="0" presId="urn:microsoft.com/office/officeart/2005/8/layout/hierarchy2"/>
+    <dgm:cxn modelId="{3FD8E234-9FA0-4530-95D3-8DDD6C4BD311}" srcId="{52B335CF-BC44-480B-9786-A3628082B030}" destId="{1D6299FD-D5CB-4663-A458-CFA7106D19EB}" srcOrd="0" destOrd="0" parTransId="{279C4DC0-EF1D-47D1-B047-147AC263EF95}" sibTransId="{5D2D98E1-342E-47A6-8E27-9AED88558C72}"/>
+    <dgm:cxn modelId="{B35E0134-098B-4F26-91D8-87A9AC48B116}" type="presOf" srcId="{78A757D2-9A0E-4E02-AD33-DDFC91514C87}" destId="{1AA980B6-AA4B-4F46-8522-C2170376429D}" srcOrd="0" destOrd="0" presId="urn:microsoft.com/office/officeart/2005/8/layout/hierarchy2"/>
+    <dgm:cxn modelId="{56476909-7FA5-4FEC-BDE5-03FC8E9BB9F2}" type="presOf" srcId="{FF5E58AE-4976-4CCE-9240-B47B480F2947}" destId="{29204135-0A69-4085-BBBB-B81B959F19BC}" srcOrd="0" destOrd="0" presId="urn:microsoft.com/office/officeart/2005/8/layout/hierarchy2"/>
+    <dgm:cxn modelId="{1845980F-22B4-4DF1-B70C-CCA0CBDB2F70}" type="presOf" srcId="{A80F37F6-5678-4732-A7F0-E08A9E1BE5A8}" destId="{CB5D141A-F31D-4A09-84DF-4D1C0569F1A1}" srcOrd="0" destOrd="0" presId="urn:microsoft.com/office/officeart/2005/8/layout/hierarchy2"/>
+    <dgm:cxn modelId="{E7991E0A-5AEC-4E1C-A3F1-C41FFEE3317C}" type="presOf" srcId="{78A757D2-9A0E-4E02-AD33-DDFC91514C87}" destId="{37FF9F29-DEBE-4CA5-8636-4F1522BF2000}" srcOrd="1" destOrd="0" presId="urn:microsoft.com/office/officeart/2005/8/layout/hierarchy2"/>
+    <dgm:cxn modelId="{364BED40-88FF-4F13-9D99-5064D64EF027}" srcId="{63C89271-5FAD-4A76-B1F6-068DEA12F0B6}" destId="{E628FFB5-B7A0-4130-A3B0-CFF086973D85}" srcOrd="0" destOrd="0" parTransId="{78A757D2-9A0E-4E02-AD33-DDFC91514C87}" sibTransId="{4F14CF85-54EC-49ED-A707-8260603C22C1}"/>
+    <dgm:cxn modelId="{0592CE9F-3E82-45A9-A280-00D0248229AB}" type="presOf" srcId="{5B9E8CC9-982C-42B1-97EC-C547B361DCF6}" destId="{27082BA8-564A-4A6C-AFA8-99299BC31D54}" srcOrd="0" destOrd="0" presId="urn:microsoft.com/office/officeart/2005/8/layout/hierarchy2"/>
+    <dgm:cxn modelId="{E30C27CA-59A0-401C-B428-E024673F0A5B}" type="presOf" srcId="{279C4DC0-EF1D-47D1-B047-147AC263EF95}" destId="{91DBEA2E-DE03-4C2D-BB9F-6C252C1B99E7}" srcOrd="0" destOrd="0" presId="urn:microsoft.com/office/officeart/2005/8/layout/hierarchy2"/>
+    <dgm:cxn modelId="{157BFFC9-0A33-430A-8BDA-7121D54A5B49}" type="presOf" srcId="{1D6299FD-D5CB-4663-A458-CFA7106D19EB}" destId="{2DC86CA5-1F38-4873-995B-AFB64B5AD418}" srcOrd="0" destOrd="0" presId="urn:microsoft.com/office/officeart/2005/8/layout/hierarchy2"/>
+    <dgm:cxn modelId="{7AFC8EDC-1969-472C-B653-5CC753C794EE}" type="presOf" srcId="{9BBB4A0F-3592-48EB-9131-4C55C5610F43}" destId="{1E7C44FD-CD41-496F-B7DB-DAADD4DDECD9}" srcOrd="0" destOrd="0" presId="urn:microsoft.com/office/officeart/2005/8/layout/hierarchy2"/>
+    <dgm:cxn modelId="{F6284410-F434-4E5F-95BD-88A21CF74E87}" type="presOf" srcId="{E628FFB5-B7A0-4130-A3B0-CFF086973D85}" destId="{172B63FC-B649-494D-9648-6C714A04D6E0}" srcOrd="0" destOrd="0" presId="urn:microsoft.com/office/officeart/2005/8/layout/hierarchy2"/>
+    <dgm:cxn modelId="{E570BAC5-D116-47E6-9B98-59C26BCD68AA}" type="presOf" srcId="{279C4DC0-EF1D-47D1-B047-147AC263EF95}" destId="{4E33541D-1BA8-4120-B1FD-0057E5F63C23}" srcOrd="1" destOrd="0" presId="urn:microsoft.com/office/officeart/2005/8/layout/hierarchy2"/>
+    <dgm:cxn modelId="{975AF17B-A560-4815-A32B-1EFEFF8E5DD5}" type="presOf" srcId="{9FA90021-0242-47D8-89D9-25A2B5B0B79C}" destId="{7516B668-40C0-45D2-89AE-32C697DD5BAE}" srcOrd="0" destOrd="0" presId="urn:microsoft.com/office/officeart/2005/8/layout/hierarchy2"/>
+    <dgm:cxn modelId="{0048A4F3-727D-4CC2-A4E8-1699A530243C}" srcId="{52B335CF-BC44-480B-9786-A3628082B030}" destId="{9FA90021-0242-47D8-89D9-25A2B5B0B79C}" srcOrd="1" destOrd="0" parTransId="{F220C22F-6DAE-4DFE-BDFB-73232C767F0C}" sibTransId="{9B2AB2A4-1064-4EAA-A90B-E7BA77C73B34}"/>
+    <dgm:cxn modelId="{58E0A988-37E0-45F8-8F1E-DD94EDA518AF}" type="presOf" srcId="{0D0DCFDF-EB39-422D-8E38-F18C1D98A9F2}" destId="{01A0E27D-64CF-487D-9FCA-0FBE72F193D1}" srcOrd="0" destOrd="0" presId="urn:microsoft.com/office/officeart/2005/8/layout/hierarchy2"/>
+    <dgm:cxn modelId="{B5F185D7-519E-445D-A9C0-8AA216712C04}" srcId="{52B335CF-BC44-480B-9786-A3628082B030}" destId="{0D0DCFDF-EB39-422D-8E38-F18C1D98A9F2}" srcOrd="3" destOrd="0" parTransId="{5B9E8CC9-982C-42B1-97EC-C547B361DCF6}" sibTransId="{EBD15E86-C36F-4237-9114-F877EC2A9FC6}"/>
+    <dgm:cxn modelId="{C9D19571-676D-44F0-A96D-774675B537EC}" type="presOf" srcId="{5B9E8CC9-982C-42B1-97EC-C547B361DCF6}" destId="{6143E3E9-3899-4BA2-B502-2FF9E8F0E5E3}" srcOrd="1" destOrd="0" presId="urn:microsoft.com/office/officeart/2005/8/layout/hierarchy2"/>
+    <dgm:cxn modelId="{804A7CA8-2AE5-4DE4-8DD4-A7E6F7DF91C2}" type="presOf" srcId="{A80F37F6-5678-4732-A7F0-E08A9E1BE5A8}" destId="{7B7DA84A-052E-4833-8B4D-121C0DA550A9}" srcOrd="1" destOrd="0" presId="urn:microsoft.com/office/officeart/2005/8/layout/hierarchy2"/>
+    <dgm:cxn modelId="{A4F93AB5-58A1-42BD-A606-6B352483F4BB}" type="presOf" srcId="{52B335CF-BC44-480B-9786-A3628082B030}" destId="{03FCA5E5-27DB-4D4D-B1CA-8D680BF3DC4C}" srcOrd="0" destOrd="0" presId="urn:microsoft.com/office/officeart/2005/8/layout/hierarchy2"/>
+    <dgm:cxn modelId="{074BCAF7-7DDD-406C-B998-D8FAF1573555}" type="presOf" srcId="{9BBB4A0F-3592-48EB-9131-4C55C5610F43}" destId="{95B205AE-2423-4D88-AAC9-33F485F97158}" srcOrd="1" destOrd="0" presId="urn:microsoft.com/office/officeart/2005/8/layout/hierarchy2"/>
+    <dgm:cxn modelId="{4A446EF5-979A-46AA-B35C-4755BB4446C0}" type="presOf" srcId="{F220C22F-6DAE-4DFE-BDFB-73232C767F0C}" destId="{6FA1B294-10C7-4244-8ABE-AD928E2C1541}" srcOrd="1" destOrd="0" presId="urn:microsoft.com/office/officeart/2005/8/layout/hierarchy2"/>
+    <dgm:cxn modelId="{6BD27E9A-A7C5-41B5-806B-FE790CB8EDE1}" type="presOf" srcId="{D67D8CA1-3D22-4A34-B0E5-593168796A68}" destId="{B5504907-5075-47BF-8049-492C4EED59D2}" srcOrd="0" destOrd="0" presId="urn:microsoft.com/office/officeart/2005/8/layout/hierarchy2"/>
+    <dgm:cxn modelId="{04B01C56-18B4-4E7B-9190-9C19B30CBD1F}" type="presOf" srcId="{63C89271-5FAD-4A76-B1F6-068DEA12F0B6}" destId="{ED2B4EA9-3B9B-4A32-AF89-9283BA63749D}" srcOrd="0" destOrd="0" presId="urn:microsoft.com/office/officeart/2005/8/layout/hierarchy2"/>
+    <dgm:cxn modelId="{436CD5A1-DD55-4BB7-B1AE-29298B5025E2}" type="presParOf" srcId="{B5504907-5075-47BF-8049-492C4EED59D2}" destId="{167E5CA3-642C-4102-83EB-11E965CF4676}" srcOrd="0" destOrd="0" presId="urn:microsoft.com/office/officeart/2005/8/layout/hierarchy2"/>
+    <dgm:cxn modelId="{254DD30E-53B9-4605-8291-9E8786833AE4}" type="presParOf" srcId="{167E5CA3-642C-4102-83EB-11E965CF4676}" destId="{ED2B4EA9-3B9B-4A32-AF89-9283BA63749D}" srcOrd="0" destOrd="0" presId="urn:microsoft.com/office/officeart/2005/8/layout/hierarchy2"/>
+    <dgm:cxn modelId="{1D09EC73-304B-4457-A0A2-0AFAA1D3A6C1}" type="presParOf" srcId="{167E5CA3-642C-4102-83EB-11E965CF4676}" destId="{C5338F1E-8692-44A5-8C5C-4204B8637CFC}" srcOrd="1" destOrd="0" presId="urn:microsoft.com/office/officeart/2005/8/layout/hierarchy2"/>
+    <dgm:cxn modelId="{BB604018-F5D9-4060-A12A-38F5AB8D1E0D}" type="presParOf" srcId="{C5338F1E-8692-44A5-8C5C-4204B8637CFC}" destId="{1AA980B6-AA4B-4F46-8522-C2170376429D}" srcOrd="0" destOrd="0" presId="urn:microsoft.com/office/officeart/2005/8/layout/hierarchy2"/>
+    <dgm:cxn modelId="{7FCE67CD-810D-4E9B-9A96-C912996D7186}" type="presParOf" srcId="{1AA980B6-AA4B-4F46-8522-C2170376429D}" destId="{37FF9F29-DEBE-4CA5-8636-4F1522BF2000}" srcOrd="0" destOrd="0" presId="urn:microsoft.com/office/officeart/2005/8/layout/hierarchy2"/>
+    <dgm:cxn modelId="{A874A015-6CA4-4476-B4C5-41A96DC46745}" type="presParOf" srcId="{C5338F1E-8692-44A5-8C5C-4204B8637CFC}" destId="{FA0A9C5A-438F-44F6-B43B-A351FAD4F6BE}" srcOrd="1" destOrd="0" presId="urn:microsoft.com/office/officeart/2005/8/layout/hierarchy2"/>
+    <dgm:cxn modelId="{73A00B40-1B9D-45BA-8236-DF1DA4AFF43C}" type="presParOf" srcId="{FA0A9C5A-438F-44F6-B43B-A351FAD4F6BE}" destId="{172B63FC-B649-494D-9648-6C714A04D6E0}" srcOrd="0" destOrd="0" presId="urn:microsoft.com/office/officeart/2005/8/layout/hierarchy2"/>
+    <dgm:cxn modelId="{239FB04F-5CA4-425A-AAF9-388EEA9B2B2B}" type="presParOf" srcId="{FA0A9C5A-438F-44F6-B43B-A351FAD4F6BE}" destId="{07687BCA-419B-4527-9B71-3C06D53A2461}" srcOrd="1" destOrd="0" presId="urn:microsoft.com/office/officeart/2005/8/layout/hierarchy2"/>
+    <dgm:cxn modelId="{489E4401-17BC-4962-9FE8-E9944FC279AD}" type="presParOf" srcId="{C5338F1E-8692-44A5-8C5C-4204B8637CFC}" destId="{CB5D141A-F31D-4A09-84DF-4D1C0569F1A1}" srcOrd="2" destOrd="0" presId="urn:microsoft.com/office/officeart/2005/8/layout/hierarchy2"/>
+    <dgm:cxn modelId="{99A277F7-7EA0-417E-86BA-8DC019FC278D}" type="presParOf" srcId="{CB5D141A-F31D-4A09-84DF-4D1C0569F1A1}" destId="{7B7DA84A-052E-4833-8B4D-121C0DA550A9}" srcOrd="0" destOrd="0" presId="urn:microsoft.com/office/officeart/2005/8/layout/hierarchy2"/>
+    <dgm:cxn modelId="{CAFF71EC-97FC-4AED-96C4-601172766C39}" type="presParOf" srcId="{C5338F1E-8692-44A5-8C5C-4204B8637CFC}" destId="{0B5F2BCE-3107-4A87-B9DA-491E6AB27EC8}" srcOrd="3" destOrd="0" presId="urn:microsoft.com/office/officeart/2005/8/layout/hierarchy2"/>
+    <dgm:cxn modelId="{0188602A-839F-4DB5-BF47-14CE5BDCC097}" type="presParOf" srcId="{0B5F2BCE-3107-4A87-B9DA-491E6AB27EC8}" destId="{03FCA5E5-27DB-4D4D-B1CA-8D680BF3DC4C}" srcOrd="0" destOrd="0" presId="urn:microsoft.com/office/officeart/2005/8/layout/hierarchy2"/>
+    <dgm:cxn modelId="{7A0FE860-9EDC-4820-A65D-28CE6BEE522C}" type="presParOf" srcId="{0B5F2BCE-3107-4A87-B9DA-491E6AB27EC8}" destId="{D9C73C15-2FC6-44F2-B5AC-6C6BC361C1CC}" srcOrd="1" destOrd="0" presId="urn:microsoft.com/office/officeart/2005/8/layout/hierarchy2"/>
+    <dgm:cxn modelId="{8868EF65-B652-4981-B7ED-CE0C33622C28}" type="presParOf" srcId="{D9C73C15-2FC6-44F2-B5AC-6C6BC361C1CC}" destId="{91DBEA2E-DE03-4C2D-BB9F-6C252C1B99E7}" srcOrd="0" destOrd="0" presId="urn:microsoft.com/office/officeart/2005/8/layout/hierarchy2"/>
+    <dgm:cxn modelId="{29B28A4D-A21C-4BE4-A6A7-7A4CEEAC9E95}" type="presParOf" srcId="{91DBEA2E-DE03-4C2D-BB9F-6C252C1B99E7}" destId="{4E33541D-1BA8-4120-B1FD-0057E5F63C23}" srcOrd="0" destOrd="0" presId="urn:microsoft.com/office/officeart/2005/8/layout/hierarchy2"/>
+    <dgm:cxn modelId="{C1992DC9-3F8F-4C69-9879-A56EF8466088}" type="presParOf" srcId="{D9C73C15-2FC6-44F2-B5AC-6C6BC361C1CC}" destId="{933B98CA-C12F-4D83-9B61-055EFCBB9109}" srcOrd="1" destOrd="0" presId="urn:microsoft.com/office/officeart/2005/8/layout/hierarchy2"/>
+    <dgm:cxn modelId="{163D7843-B717-4E39-B594-0231C4BDC176}" type="presParOf" srcId="{933B98CA-C12F-4D83-9B61-055EFCBB9109}" destId="{2DC86CA5-1F38-4873-995B-AFB64B5AD418}" srcOrd="0" destOrd="0" presId="urn:microsoft.com/office/officeart/2005/8/layout/hierarchy2"/>
+    <dgm:cxn modelId="{A1D53583-C1D5-40EB-8494-D67D9F9795DB}" type="presParOf" srcId="{933B98CA-C12F-4D83-9B61-055EFCBB9109}" destId="{C64C716D-F70A-4366-A5DC-9781CFC3EC0F}" srcOrd="1" destOrd="0" presId="urn:microsoft.com/office/officeart/2005/8/layout/hierarchy2"/>
+    <dgm:cxn modelId="{3744C74D-061C-444E-91F3-0CFCB7BC792A}" type="presParOf" srcId="{D9C73C15-2FC6-44F2-B5AC-6C6BC361C1CC}" destId="{B9B92BA2-862C-49CE-810E-1904CA4B8929}" srcOrd="2" destOrd="0" presId="urn:microsoft.com/office/officeart/2005/8/layout/hierarchy2"/>
+    <dgm:cxn modelId="{3A3D8308-C5A7-4346-9D6E-4EEC402F35F1}" type="presParOf" srcId="{B9B92BA2-862C-49CE-810E-1904CA4B8929}" destId="{6FA1B294-10C7-4244-8ABE-AD928E2C1541}" srcOrd="0" destOrd="0" presId="urn:microsoft.com/office/officeart/2005/8/layout/hierarchy2"/>
+    <dgm:cxn modelId="{5F3B93D8-DB62-41C2-A499-672043131D02}" type="presParOf" srcId="{D9C73C15-2FC6-44F2-B5AC-6C6BC361C1CC}" destId="{848E6DCF-5CCA-454D-9718-69BC63D58185}" srcOrd="3" destOrd="0" presId="urn:microsoft.com/office/officeart/2005/8/layout/hierarchy2"/>
+    <dgm:cxn modelId="{ADFDCD77-454F-4A83-9B3A-76D0C54093D5}" type="presParOf" srcId="{848E6DCF-5CCA-454D-9718-69BC63D58185}" destId="{7516B668-40C0-45D2-89AE-32C697DD5BAE}" srcOrd="0" destOrd="0" presId="urn:microsoft.com/office/officeart/2005/8/layout/hierarchy2"/>
+    <dgm:cxn modelId="{0DE900A2-5DC8-450B-B30B-BCA677580BE9}" type="presParOf" srcId="{848E6DCF-5CCA-454D-9718-69BC63D58185}" destId="{FF8C4510-E749-42DE-AB4A-D96E4EE6EDB7}" srcOrd="1" destOrd="0" presId="urn:microsoft.com/office/officeart/2005/8/layout/hierarchy2"/>
+    <dgm:cxn modelId="{6404F574-13C2-4CCE-A9A5-8AD7C83AEE0A}" type="presParOf" srcId="{D9C73C15-2FC6-44F2-B5AC-6C6BC361C1CC}" destId="{1E7C44FD-CD41-496F-B7DB-DAADD4DDECD9}" srcOrd="4" destOrd="0" presId="urn:microsoft.com/office/officeart/2005/8/layout/hierarchy2"/>
+    <dgm:cxn modelId="{424A6D65-3166-4620-A3C6-15DF8AB0C5D0}" type="presParOf" srcId="{1E7C44FD-CD41-496F-B7DB-DAADD4DDECD9}" destId="{95B205AE-2423-4D88-AAC9-33F485F97158}" srcOrd="0" destOrd="0" presId="urn:microsoft.com/office/officeart/2005/8/layout/hierarchy2"/>
+    <dgm:cxn modelId="{CAA2128E-98F3-4190-9289-C382EE21D814}" type="presParOf" srcId="{D9C73C15-2FC6-44F2-B5AC-6C6BC361C1CC}" destId="{47FD5ED0-FBCA-4DC3-845E-FD2F1AF53905}" srcOrd="5" destOrd="0" presId="urn:microsoft.com/office/officeart/2005/8/layout/hierarchy2"/>
+    <dgm:cxn modelId="{ACC025F4-38B8-4AF5-9AC8-0A01A8492F30}" type="presParOf" srcId="{47FD5ED0-FBCA-4DC3-845E-FD2F1AF53905}" destId="{29204135-0A69-4085-BBBB-B81B959F19BC}" srcOrd="0" destOrd="0" presId="urn:microsoft.com/office/officeart/2005/8/layout/hierarchy2"/>
+    <dgm:cxn modelId="{C8618118-EE16-4115-8F87-5ED03A558528}" type="presParOf" srcId="{47FD5ED0-FBCA-4DC3-845E-FD2F1AF53905}" destId="{E37ED026-FE8D-4470-BC23-E75788F4F529}" srcOrd="1" destOrd="0" presId="urn:microsoft.com/office/officeart/2005/8/layout/hierarchy2"/>
+    <dgm:cxn modelId="{EEE9D541-BBC8-46C8-AAF5-420D8D712559}" type="presParOf" srcId="{D9C73C15-2FC6-44F2-B5AC-6C6BC361C1CC}" destId="{27082BA8-564A-4A6C-AFA8-99299BC31D54}" srcOrd="6" destOrd="0" presId="urn:microsoft.com/office/officeart/2005/8/layout/hierarchy2"/>
+    <dgm:cxn modelId="{AE09DDF7-0F32-430C-AABE-98285D393FFA}" type="presParOf" srcId="{27082BA8-564A-4A6C-AFA8-99299BC31D54}" destId="{6143E3E9-3899-4BA2-B502-2FF9E8F0E5E3}" srcOrd="0" destOrd="0" presId="urn:microsoft.com/office/officeart/2005/8/layout/hierarchy2"/>
+    <dgm:cxn modelId="{656EB833-325D-44B5-904F-570E108B3A0C}" type="presParOf" srcId="{D9C73C15-2FC6-44F2-B5AC-6C6BC361C1CC}" destId="{25C3C28B-4F19-4BB7-8A1B-4AED6DD9C17B}" srcOrd="7" destOrd="0" presId="urn:microsoft.com/office/officeart/2005/8/layout/hierarchy2"/>
+    <dgm:cxn modelId="{1A782AD8-46F7-4FE3-A2D9-ADC0196EA438}" type="presParOf" srcId="{25C3C28B-4F19-4BB7-8A1B-4AED6DD9C17B}" destId="{01A0E27D-64CF-487D-9FCA-0FBE72F193D1}" srcOrd="0" destOrd="0" presId="urn:microsoft.com/office/officeart/2005/8/layout/hierarchy2"/>
+    <dgm:cxn modelId="{95907C48-7676-4ECE-B79B-DDCED88EBD37}" type="presParOf" srcId="{25C3C28B-4F19-4BB7-8A1B-4AED6DD9C17B}" destId="{55D88E4F-4C65-4280-B094-5D4692A557B3}" srcOrd="1" destOrd="0" presId="urn:microsoft.com/office/officeart/2005/8/layout/hierarchy2"/>
+  </dgm:cxnLst>
+  <dgm:bg/>
+  <dgm:whole/>
+  <dgm:extLst>
+    <a:ext uri="http://schemas.microsoft.com/office/drawing/2008/diagram">
+      <dsp:dataModelExt xmlns:dsp="http://schemas.microsoft.com/office/drawing/2008/diagram" relId="rId6" minVer="http://schemas.openxmlformats.org/drawingml/2006/diagram"/>
+    </a:ext>
+  </dgm:extLst>
+</dgm:dataModel>
+</file>
+
+<file path=ppt/diagrams/drawing1.xml><?xml version="1.0" encoding="utf-8"?>
+<dsp:drawing xmlns:dgm="http://schemas.openxmlformats.org/drawingml/2006/diagram" xmlns:dsp="http://schemas.microsoft.com/office/drawing/2008/diagram" xmlns:a="http://schemas.openxmlformats.org/drawingml/2006/main">
+  <dsp:spTree>
+    <dsp:nvGrpSpPr>
+      <dsp:cNvPr id="0" name=""/>
+      <dsp:cNvGrpSpPr/>
+    </dsp:nvGrpSpPr>
+    <dsp:grpSpPr/>
+    <dsp:sp modelId="{ED2B4EA9-3B9B-4A32-AF89-9283BA63749D}">
+      <dsp:nvSpPr>
+        <dsp:cNvPr id="0" name=""/>
+        <dsp:cNvSpPr/>
+      </dsp:nvSpPr>
+      <dsp:spPr>
+        <a:xfrm>
+          <a:off x="0" y="416229"/>
+          <a:ext cx="1717113" cy="556434"/>
+        </a:xfrm>
+        <a:prstGeom prst="roundRect">
+          <a:avLst>
+            <a:gd name="adj" fmla="val 10000"/>
+          </a:avLst>
+        </a:prstGeom>
+        <a:solidFill>
+          <a:schemeClr val="accent1">
+            <a:hueOff val="0"/>
+            <a:satOff val="0"/>
+            <a:lumOff val="0"/>
+            <a:alphaOff val="0"/>
+          </a:schemeClr>
+        </a:solidFill>
+        <a:ln w="12700" cap="flat" cmpd="sng" algn="ctr">
+          <a:solidFill>
+            <a:schemeClr val="lt1">
+              <a:hueOff val="0"/>
+              <a:satOff val="0"/>
+              <a:lumOff val="0"/>
+              <a:alphaOff val="0"/>
+            </a:schemeClr>
+          </a:solidFill>
+          <a:prstDash val="solid"/>
+          <a:miter lim="800000"/>
+        </a:ln>
+        <a:effectLst/>
+      </dsp:spPr>
+      <dsp:style>
+        <a:lnRef idx="2">
+          <a:scrgbClr r="0" g="0" b="0"/>
+        </a:lnRef>
+        <a:fillRef idx="1">
+          <a:scrgbClr r="0" g="0" b="0"/>
+        </a:fillRef>
+        <a:effectRef idx="0">
+          <a:scrgbClr r="0" g="0" b="0"/>
+        </a:effectRef>
+        <a:fontRef idx="minor">
+          <a:schemeClr val="lt1"/>
+        </a:fontRef>
+      </dsp:style>
+      <dsp:txBody>
+        <a:bodyPr spcFirstLastPara="0" vert="horz" wrap="square" lIns="8890" tIns="8890" rIns="8890" bIns="8890" numCol="1" spcCol="1270" anchor="ctr" anchorCtr="0">
+          <a:noAutofit/>
+        </a:bodyPr>
+        <a:lstStyle/>
+        <a:p>
+          <a:pPr lvl="0" algn="ctr" defTabSz="622300">
+            <a:lnSpc>
+              <a:spcPct val="90000"/>
+            </a:lnSpc>
+            <a:spcBef>
+              <a:spcPct val="0"/>
+            </a:spcBef>
+            <a:spcAft>
+              <a:spcPct val="35000"/>
+            </a:spcAft>
+          </a:pPr>
+          <a:r>
+            <a:rPr lang="en-US" sz="1400" kern="1200" dirty="0" err="1" smtClean="0"/>
+            <a:t>PageOperation</a:t>
+          </a:r>
+          <a:endParaRPr lang="zh-CN" altLang="en-US" sz="1400" kern="1200" dirty="0"/>
+        </a:p>
+      </dsp:txBody>
+      <dsp:txXfrm>
+        <a:off x="16297" y="432526"/>
+        <a:ext cx="1684519" cy="523840"/>
+      </dsp:txXfrm>
+    </dsp:sp>
+    <dsp:sp modelId="{1AA980B6-AA4B-4F46-8522-C2170376429D}">
+      <dsp:nvSpPr>
+        <dsp:cNvPr id="0" name=""/>
+        <dsp:cNvSpPr/>
+      </dsp:nvSpPr>
+      <dsp:spPr>
+        <a:xfrm rot="875488">
+          <a:off x="1700232" y="793779"/>
+          <a:ext cx="1046760" cy="65039"/>
+        </a:xfrm>
+        <a:custGeom>
+          <a:avLst/>
+          <a:gdLst/>
+          <a:ahLst/>
+          <a:cxnLst/>
+          <a:rect l="0" t="0" r="0" b="0"/>
+          <a:pathLst>
+            <a:path>
+              <a:moveTo>
+                <a:pt x="0" y="32519"/>
+              </a:moveTo>
+              <a:lnTo>
+                <a:pt x="1046760" y="32519"/>
+              </a:lnTo>
+            </a:path>
+          </a:pathLst>
+        </a:custGeom>
+        <a:noFill/>
+        <a:ln w="12700" cap="flat" cmpd="sng" algn="ctr">
+          <a:solidFill>
+            <a:schemeClr val="accent1">
+              <a:shade val="60000"/>
+              <a:hueOff val="0"/>
+              <a:satOff val="0"/>
+              <a:lumOff val="0"/>
+              <a:alphaOff val="0"/>
+            </a:schemeClr>
+          </a:solidFill>
+          <a:prstDash val="solid"/>
+          <a:miter lim="800000"/>
+        </a:ln>
+        <a:effectLst/>
+      </dsp:spPr>
+      <dsp:style>
+        <a:lnRef idx="2">
+          <a:scrgbClr r="0" g="0" b="0"/>
+        </a:lnRef>
+        <a:fillRef idx="0">
+          <a:scrgbClr r="0" g="0" b="0"/>
+        </a:fillRef>
+        <a:effectRef idx="0">
+          <a:scrgbClr r="0" g="0" b="0"/>
+        </a:effectRef>
+        <a:fontRef idx="minor"/>
+      </dsp:style>
+      <dsp:txBody>
+        <a:bodyPr spcFirstLastPara="0" vert="horz" wrap="square" lIns="12700" tIns="0" rIns="12700" bIns="0" numCol="1" spcCol="1270" anchor="ctr" anchorCtr="0">
+          <a:noAutofit/>
+        </a:bodyPr>
+        <a:lstStyle/>
+        <a:p>
+          <a:pPr lvl="0" algn="ctr" defTabSz="177800">
+            <a:lnSpc>
+              <a:spcPct val="90000"/>
+            </a:lnSpc>
+            <a:spcBef>
+              <a:spcPct val="0"/>
+            </a:spcBef>
+            <a:spcAft>
+              <a:spcPct val="35000"/>
+            </a:spcAft>
+          </a:pPr>
+          <a:endParaRPr lang="zh-CN" altLang="en-US" sz="400" kern="1200"/>
+        </a:p>
+      </dsp:txBody>
+      <dsp:txXfrm>
+        <a:off x="2197443" y="800129"/>
+        <a:ext cx="52338" cy="52338"/>
+      </dsp:txXfrm>
+    </dsp:sp>
+    <dsp:sp modelId="{172B63FC-B649-494D-9648-6C714A04D6E0}">
+      <dsp:nvSpPr>
+        <dsp:cNvPr id="0" name=""/>
+        <dsp:cNvSpPr/>
+      </dsp:nvSpPr>
+      <dsp:spPr>
+        <a:xfrm>
+          <a:off x="2730111" y="664628"/>
+          <a:ext cx="1334231" cy="587044"/>
+        </a:xfrm>
+        <a:prstGeom prst="roundRect">
+          <a:avLst>
+            <a:gd name="adj" fmla="val 10000"/>
+          </a:avLst>
+        </a:prstGeom>
+        <a:solidFill>
+          <a:schemeClr val="accent1">
+            <a:hueOff val="0"/>
+            <a:satOff val="0"/>
+            <a:lumOff val="0"/>
+            <a:alphaOff val="0"/>
+          </a:schemeClr>
+        </a:solidFill>
+        <a:ln w="12700" cap="flat" cmpd="sng" algn="ctr">
+          <a:solidFill>
+            <a:schemeClr val="lt1">
+              <a:hueOff val="0"/>
+              <a:satOff val="0"/>
+              <a:lumOff val="0"/>
+              <a:alphaOff val="0"/>
+            </a:schemeClr>
+          </a:solidFill>
+          <a:prstDash val="solid"/>
+          <a:miter lim="800000"/>
+        </a:ln>
+        <a:effectLst/>
+      </dsp:spPr>
+      <dsp:style>
+        <a:lnRef idx="2">
+          <a:scrgbClr r="0" g="0" b="0"/>
+        </a:lnRef>
+        <a:fillRef idx="1">
+          <a:scrgbClr r="0" g="0" b="0"/>
+        </a:fillRef>
+        <a:effectRef idx="0">
+          <a:scrgbClr r="0" g="0" b="0"/>
+        </a:effectRef>
+        <a:fontRef idx="minor">
+          <a:schemeClr val="lt1"/>
+        </a:fontRef>
+      </dsp:style>
+      <dsp:txBody>
+        <a:bodyPr spcFirstLastPara="0" vert="horz" wrap="square" lIns="8890" tIns="8890" rIns="8890" bIns="8890" numCol="1" spcCol="1270" anchor="ctr" anchorCtr="0">
+          <a:noAutofit/>
+        </a:bodyPr>
+        <a:lstStyle/>
+        <a:p>
+          <a:pPr lvl="0" algn="ctr" defTabSz="622300">
+            <a:lnSpc>
+              <a:spcPct val="90000"/>
+            </a:lnSpc>
+            <a:spcBef>
+              <a:spcPct val="0"/>
+            </a:spcBef>
+            <a:spcAft>
+              <a:spcPct val="35000"/>
+            </a:spcAft>
+          </a:pPr>
+          <a:r>
+            <a:rPr lang="en-US" sz="1400" kern="1200" dirty="0" smtClean="0"/>
+            <a:t>dragging</a:t>
+          </a:r>
+          <a:endParaRPr lang="zh-CN" altLang="en-US" sz="1400" kern="1200" dirty="0"/>
+        </a:p>
+      </dsp:txBody>
+      <dsp:txXfrm>
+        <a:off x="2747305" y="681822"/>
+        <a:ext cx="1299843" cy="552656"/>
+      </dsp:txXfrm>
+    </dsp:sp>
+    <dsp:sp modelId="{CB5D141A-F31D-4A09-84DF-4D1C0569F1A1}">
+      <dsp:nvSpPr>
+        <dsp:cNvPr id="0" name=""/>
+        <dsp:cNvSpPr/>
+      </dsp:nvSpPr>
+      <dsp:spPr>
+        <a:xfrm rot="2737026">
+          <a:off x="1505145" y="1165966"/>
+          <a:ext cx="1410530" cy="65039"/>
+        </a:xfrm>
+        <a:custGeom>
+          <a:avLst/>
+          <a:gdLst/>
+          <a:ahLst/>
+          <a:cxnLst/>
+          <a:rect l="0" t="0" r="0" b="0"/>
+          <a:pathLst>
+            <a:path>
+              <a:moveTo>
+                <a:pt x="0" y="32519"/>
+              </a:moveTo>
+              <a:lnTo>
+                <a:pt x="1410530" y="32519"/>
+              </a:lnTo>
+            </a:path>
+          </a:pathLst>
+        </a:custGeom>
+        <a:noFill/>
+        <a:ln w="12700" cap="flat" cmpd="sng" algn="ctr">
+          <a:solidFill>
+            <a:schemeClr val="accent1">
+              <a:shade val="60000"/>
+              <a:hueOff val="0"/>
+              <a:satOff val="0"/>
+              <a:lumOff val="0"/>
+              <a:alphaOff val="0"/>
+            </a:schemeClr>
+          </a:solidFill>
+          <a:prstDash val="solid"/>
+          <a:miter lim="800000"/>
+        </a:ln>
+        <a:effectLst/>
+      </dsp:spPr>
+      <dsp:style>
+        <a:lnRef idx="2">
+          <a:scrgbClr r="0" g="0" b="0"/>
+        </a:lnRef>
+        <a:fillRef idx="0">
+          <a:scrgbClr r="0" g="0" b="0"/>
+        </a:fillRef>
+        <a:effectRef idx="0">
+          <a:scrgbClr r="0" g="0" b="0"/>
+        </a:effectRef>
+        <a:fontRef idx="minor"/>
+      </dsp:style>
+      <dsp:txBody>
+        <a:bodyPr spcFirstLastPara="0" vert="horz" wrap="square" lIns="12700" tIns="0" rIns="12700" bIns="0" numCol="1" spcCol="1270" anchor="ctr" anchorCtr="0">
+          <a:noAutofit/>
+        </a:bodyPr>
+        <a:lstStyle/>
+        <a:p>
+          <a:pPr lvl="0" algn="ctr" defTabSz="177800">
+            <a:lnSpc>
+              <a:spcPct val="90000"/>
+            </a:lnSpc>
+            <a:spcBef>
+              <a:spcPct val="0"/>
+            </a:spcBef>
+            <a:spcAft>
+              <a:spcPct val="35000"/>
+            </a:spcAft>
+          </a:pPr>
+          <a:endParaRPr lang="zh-CN" altLang="en-US" sz="400" kern="1200"/>
+        </a:p>
+      </dsp:txBody>
+      <dsp:txXfrm>
+        <a:off x="2175147" y="1163222"/>
+        <a:ext cx="70526" cy="70526"/>
+      </dsp:txXfrm>
+    </dsp:sp>
+    <dsp:sp modelId="{03FCA5E5-27DB-4D4D-B1CA-8D680BF3DC4C}">
+      <dsp:nvSpPr>
+        <dsp:cNvPr id="0" name=""/>
+        <dsp:cNvSpPr/>
+      </dsp:nvSpPr>
+      <dsp:spPr>
+        <a:xfrm>
+          <a:off x="2703708" y="1427415"/>
+          <a:ext cx="1730819" cy="550220"/>
+        </a:xfrm>
+        <a:prstGeom prst="roundRect">
+          <a:avLst>
+            <a:gd name="adj" fmla="val 10000"/>
+          </a:avLst>
+        </a:prstGeom>
+        <a:solidFill>
+          <a:schemeClr val="accent1">
+            <a:hueOff val="0"/>
+            <a:satOff val="0"/>
+            <a:lumOff val="0"/>
+            <a:alphaOff val="0"/>
+          </a:schemeClr>
+        </a:solidFill>
+        <a:ln w="12700" cap="flat" cmpd="sng" algn="ctr">
+          <a:solidFill>
+            <a:schemeClr val="lt1">
+              <a:hueOff val="0"/>
+              <a:satOff val="0"/>
+              <a:lumOff val="0"/>
+              <a:alphaOff val="0"/>
+            </a:schemeClr>
+          </a:solidFill>
+          <a:prstDash val="solid"/>
+          <a:miter lim="800000"/>
+        </a:ln>
+        <a:effectLst/>
+      </dsp:spPr>
+      <dsp:style>
+        <a:lnRef idx="2">
+          <a:scrgbClr r="0" g="0" b="0"/>
+        </a:lnRef>
+        <a:fillRef idx="1">
+          <a:scrgbClr r="0" g="0" b="0"/>
+        </a:fillRef>
+        <a:effectRef idx="0">
+          <a:scrgbClr r="0" g="0" b="0"/>
+        </a:effectRef>
+        <a:fontRef idx="minor">
+          <a:schemeClr val="lt1"/>
+        </a:fontRef>
+      </dsp:style>
+      <dsp:txBody>
+        <a:bodyPr spcFirstLastPara="0" vert="horz" wrap="square" lIns="8890" tIns="8890" rIns="8890" bIns="8890" numCol="1" spcCol="1270" anchor="ctr" anchorCtr="0">
+          <a:noAutofit/>
+        </a:bodyPr>
+        <a:lstStyle/>
+        <a:p>
+          <a:pPr lvl="0" algn="ctr" defTabSz="622300">
+            <a:lnSpc>
+              <a:spcPct val="90000"/>
+            </a:lnSpc>
+            <a:spcBef>
+              <a:spcPct val="0"/>
+            </a:spcBef>
+            <a:spcAft>
+              <a:spcPct val="35000"/>
+            </a:spcAft>
+          </a:pPr>
+          <a:r>
+            <a:rPr lang="en-US" altLang="zh-CN" sz="1400" kern="1200" dirty="0" smtClean="0"/>
+            <a:t>data</a:t>
+          </a:r>
+          <a:endParaRPr lang="zh-CN" altLang="en-US" sz="1400" kern="1200" dirty="0"/>
+        </a:p>
+      </dsp:txBody>
+      <dsp:txXfrm>
+        <a:off x="2719823" y="1443530"/>
+        <a:ext cx="1698589" cy="517990"/>
+      </dsp:txXfrm>
+    </dsp:sp>
+    <dsp:sp modelId="{91DBEA2E-DE03-4C2D-BB9F-6C252C1B99E7}">
+      <dsp:nvSpPr>
+        <dsp:cNvPr id="0" name=""/>
+        <dsp:cNvSpPr/>
+      </dsp:nvSpPr>
+      <dsp:spPr>
+        <a:xfrm rot="18792571">
+          <a:off x="4207868" y="1146108"/>
+          <a:ext cx="1437591" cy="65039"/>
+        </a:xfrm>
+        <a:custGeom>
+          <a:avLst/>
+          <a:gdLst/>
+          <a:ahLst/>
+          <a:cxnLst/>
+          <a:rect l="0" t="0" r="0" b="0"/>
+          <a:pathLst>
+            <a:path>
+              <a:moveTo>
+                <a:pt x="0" y="32519"/>
+              </a:moveTo>
+              <a:lnTo>
+                <a:pt x="1437591" y="32519"/>
+              </a:lnTo>
+            </a:path>
+          </a:pathLst>
+        </a:custGeom>
+        <a:noFill/>
+        <a:ln w="12700" cap="flat" cmpd="sng" algn="ctr">
+          <a:solidFill>
+            <a:schemeClr val="accent1">
+              <a:shade val="80000"/>
+              <a:hueOff val="0"/>
+              <a:satOff val="0"/>
+              <a:lumOff val="0"/>
+              <a:alphaOff val="0"/>
+            </a:schemeClr>
+          </a:solidFill>
+          <a:prstDash val="solid"/>
+          <a:miter lim="800000"/>
+        </a:ln>
+        <a:effectLst/>
+      </dsp:spPr>
+      <dsp:style>
+        <a:lnRef idx="2">
+          <a:scrgbClr r="0" g="0" b="0"/>
+        </a:lnRef>
+        <a:fillRef idx="0">
+          <a:scrgbClr r="0" g="0" b="0"/>
+        </a:fillRef>
+        <a:effectRef idx="0">
+          <a:scrgbClr r="0" g="0" b="0"/>
+        </a:effectRef>
+        <a:fontRef idx="minor"/>
+      </dsp:style>
+      <dsp:txBody>
+        <a:bodyPr spcFirstLastPara="0" vert="horz" wrap="square" lIns="12700" tIns="0" rIns="12700" bIns="0" numCol="1" spcCol="1270" anchor="ctr" anchorCtr="0">
+          <a:noAutofit/>
+        </a:bodyPr>
+        <a:lstStyle/>
+        <a:p>
+          <a:pPr lvl="0" algn="ctr" defTabSz="177800">
+            <a:lnSpc>
+              <a:spcPct val="90000"/>
+            </a:lnSpc>
+            <a:spcBef>
+              <a:spcPct val="0"/>
+            </a:spcBef>
+            <a:spcAft>
+              <a:spcPct val="35000"/>
+            </a:spcAft>
+          </a:pPr>
+          <a:endParaRPr lang="zh-CN" altLang="en-US" sz="400" kern="1200"/>
+        </a:p>
+      </dsp:txBody>
+      <dsp:txXfrm>
+        <a:off x="4890724" y="1142688"/>
+        <a:ext cx="71879" cy="71879"/>
+      </dsp:txXfrm>
+    </dsp:sp>
+    <dsp:sp modelId="{2DC86CA5-1F38-4873-995B-AFB64B5AD418}">
+      <dsp:nvSpPr>
+        <dsp:cNvPr id="0" name=""/>
+        <dsp:cNvSpPr/>
+      </dsp:nvSpPr>
+      <dsp:spPr>
+        <a:xfrm>
+          <a:off x="5418800" y="415466"/>
+          <a:ext cx="2438462" cy="478528"/>
+        </a:xfrm>
+        <a:prstGeom prst="roundRect">
+          <a:avLst>
+            <a:gd name="adj" fmla="val 10000"/>
+          </a:avLst>
+        </a:prstGeom>
+        <a:solidFill>
+          <a:schemeClr val="accent1">
+            <a:hueOff val="0"/>
+            <a:satOff val="0"/>
+            <a:lumOff val="0"/>
+            <a:alphaOff val="0"/>
+          </a:schemeClr>
+        </a:solidFill>
+        <a:ln w="12700" cap="flat" cmpd="sng" algn="ctr">
+          <a:solidFill>
+            <a:schemeClr val="lt1">
+              <a:hueOff val="0"/>
+              <a:satOff val="0"/>
+              <a:lumOff val="0"/>
+              <a:alphaOff val="0"/>
+            </a:schemeClr>
+          </a:solidFill>
+          <a:prstDash val="solid"/>
+          <a:miter lim="800000"/>
+        </a:ln>
+        <a:effectLst/>
+      </dsp:spPr>
+      <dsp:style>
+        <a:lnRef idx="2">
+          <a:scrgbClr r="0" g="0" b="0"/>
+        </a:lnRef>
+        <a:fillRef idx="1">
+          <a:scrgbClr r="0" g="0" b="0"/>
+        </a:fillRef>
+        <a:effectRef idx="0">
+          <a:scrgbClr r="0" g="0" b="0"/>
+        </a:effectRef>
+        <a:fontRef idx="minor">
+          <a:schemeClr val="lt1"/>
+        </a:fontRef>
+      </dsp:style>
+      <dsp:txBody>
+        <a:bodyPr spcFirstLastPara="0" vert="horz" wrap="square" lIns="8890" tIns="8890" rIns="8890" bIns="8890" numCol="1" spcCol="1270" anchor="ctr" anchorCtr="0">
+          <a:noAutofit/>
+        </a:bodyPr>
+        <a:lstStyle/>
+        <a:p>
+          <a:pPr lvl="0" algn="ctr" defTabSz="622300">
+            <a:lnSpc>
+              <a:spcPct val="90000"/>
+            </a:lnSpc>
+            <a:spcBef>
+              <a:spcPct val="0"/>
+            </a:spcBef>
+            <a:spcAft>
+              <a:spcPct val="35000"/>
+            </a:spcAft>
+          </a:pPr>
+          <a:r>
+            <a:rPr lang="en-US" sz="1400" kern="1200" dirty="0" err="1" smtClean="0"/>
+            <a:t>singleScreenWidgets</a:t>
+          </a:r>
+          <a:endParaRPr lang="zh-CN" altLang="en-US" sz="1400" kern="1200" dirty="0"/>
+        </a:p>
+      </dsp:txBody>
+      <dsp:txXfrm>
+        <a:off x="5432816" y="429482"/>
+        <a:ext cx="2410430" cy="450496"/>
+      </dsp:txXfrm>
+    </dsp:sp>
+    <dsp:sp modelId="{B9B92BA2-862C-49CE-810E-1904CA4B8929}">
+      <dsp:nvSpPr>
+        <dsp:cNvPr id="0" name=""/>
+        <dsp:cNvSpPr/>
+      </dsp:nvSpPr>
+      <dsp:spPr>
+        <a:xfrm rot="20360275">
+          <a:off x="4400696" y="1484415"/>
+          <a:ext cx="1051935" cy="65039"/>
+        </a:xfrm>
+        <a:custGeom>
+          <a:avLst/>
+          <a:gdLst/>
+          <a:ahLst/>
+          <a:cxnLst/>
+          <a:rect l="0" t="0" r="0" b="0"/>
+          <a:pathLst>
+            <a:path>
+              <a:moveTo>
+                <a:pt x="0" y="32519"/>
+              </a:moveTo>
+              <a:lnTo>
+                <a:pt x="1051935" y="32519"/>
+              </a:lnTo>
+            </a:path>
+          </a:pathLst>
+        </a:custGeom>
+        <a:noFill/>
+        <a:ln w="12700" cap="flat" cmpd="sng" algn="ctr">
+          <a:solidFill>
+            <a:schemeClr val="accent1">
+              <a:shade val="80000"/>
+              <a:hueOff val="0"/>
+              <a:satOff val="0"/>
+              <a:lumOff val="0"/>
+              <a:alphaOff val="0"/>
+            </a:schemeClr>
+          </a:solidFill>
+          <a:prstDash val="solid"/>
+          <a:miter lim="800000"/>
+        </a:ln>
+        <a:effectLst/>
+      </dsp:spPr>
+      <dsp:style>
+        <a:lnRef idx="2">
+          <a:scrgbClr r="0" g="0" b="0"/>
+        </a:lnRef>
+        <a:fillRef idx="0">
+          <a:scrgbClr r="0" g="0" b="0"/>
+        </a:fillRef>
+        <a:effectRef idx="0">
+          <a:scrgbClr r="0" g="0" b="0"/>
+        </a:effectRef>
+        <a:fontRef idx="minor"/>
+      </dsp:style>
+      <dsp:txBody>
+        <a:bodyPr spcFirstLastPara="0" vert="horz" wrap="square" lIns="12700" tIns="0" rIns="12700" bIns="0" numCol="1" spcCol="1270" anchor="ctr" anchorCtr="0">
+          <a:noAutofit/>
+        </a:bodyPr>
+        <a:lstStyle/>
+        <a:p>
+          <a:pPr lvl="0" algn="ctr" defTabSz="177800">
+            <a:lnSpc>
+              <a:spcPct val="90000"/>
+            </a:lnSpc>
+            <a:spcBef>
+              <a:spcPct val="0"/>
+            </a:spcBef>
+            <a:spcAft>
+              <a:spcPct val="35000"/>
+            </a:spcAft>
+          </a:pPr>
+          <a:endParaRPr lang="zh-CN" altLang="en-US" sz="400" kern="1200"/>
+        </a:p>
+      </dsp:txBody>
+      <dsp:txXfrm>
+        <a:off x="4900366" y="1490636"/>
+        <a:ext cx="52596" cy="52596"/>
+      </dsp:txXfrm>
+    </dsp:sp>
+    <dsp:sp modelId="{7516B668-40C0-45D2-89AE-32C697DD5BAE}">
+      <dsp:nvSpPr>
+        <dsp:cNvPr id="0" name=""/>
+        <dsp:cNvSpPr/>
+      </dsp:nvSpPr>
+      <dsp:spPr>
+        <a:xfrm>
+          <a:off x="5418800" y="1078546"/>
+          <a:ext cx="2573996" cy="505596"/>
+        </a:xfrm>
+        <a:prstGeom prst="roundRect">
+          <a:avLst>
+            <a:gd name="adj" fmla="val 10000"/>
+          </a:avLst>
+        </a:prstGeom>
+        <a:solidFill>
+          <a:schemeClr val="accent1">
+            <a:hueOff val="0"/>
+            <a:satOff val="0"/>
+            <a:lumOff val="0"/>
+            <a:alphaOff val="0"/>
+          </a:schemeClr>
+        </a:solidFill>
+        <a:ln w="12700" cap="flat" cmpd="sng" algn="ctr">
+          <a:solidFill>
+            <a:schemeClr val="lt1">
+              <a:hueOff val="0"/>
+              <a:satOff val="0"/>
+              <a:lumOff val="0"/>
+              <a:alphaOff val="0"/>
+            </a:schemeClr>
+          </a:solidFill>
+          <a:prstDash val="solid"/>
+          <a:miter lim="800000"/>
+        </a:ln>
+        <a:effectLst/>
+      </dsp:spPr>
+      <dsp:style>
+        <a:lnRef idx="2">
+          <a:scrgbClr r="0" g="0" b="0"/>
+        </a:lnRef>
+        <a:fillRef idx="1">
+          <a:scrgbClr r="0" g="0" b="0"/>
+        </a:fillRef>
+        <a:effectRef idx="0">
+          <a:scrgbClr r="0" g="0" b="0"/>
+        </a:effectRef>
+        <a:fontRef idx="minor">
+          <a:schemeClr val="lt1"/>
+        </a:fontRef>
+      </dsp:style>
+      <dsp:txBody>
+        <a:bodyPr spcFirstLastPara="0" vert="horz" wrap="square" lIns="8890" tIns="8890" rIns="8890" bIns="8890" numCol="1" spcCol="1270" anchor="ctr" anchorCtr="0">
+          <a:noAutofit/>
+        </a:bodyPr>
+        <a:lstStyle/>
+        <a:p>
+          <a:pPr lvl="0" algn="ctr" defTabSz="622300">
+            <a:lnSpc>
+              <a:spcPct val="90000"/>
+            </a:lnSpc>
+            <a:spcBef>
+              <a:spcPct val="0"/>
+            </a:spcBef>
+            <a:spcAft>
+              <a:spcPct val="35000"/>
+            </a:spcAft>
+          </a:pPr>
+          <a:r>
+            <a:rPr lang="en-US" sz="1400" kern="1200" dirty="0" err="1" smtClean="0"/>
+            <a:t>doubleScreenLeftWidgets</a:t>
+          </a:r>
+          <a:endParaRPr lang="zh-CN" altLang="en-US" sz="1400" kern="1200" dirty="0"/>
+        </a:p>
+      </dsp:txBody>
+      <dsp:txXfrm>
+        <a:off x="5433608" y="1093354"/>
+        <a:ext cx="2544380" cy="475980"/>
+      </dsp:txXfrm>
+    </dsp:sp>
+    <dsp:sp modelId="{1E7C44FD-CD41-496F-B7DB-DAADD4DDECD9}">
+      <dsp:nvSpPr>
+        <dsp:cNvPr id="0" name=""/>
+        <dsp:cNvSpPr/>
+      </dsp:nvSpPr>
+      <dsp:spPr>
+        <a:xfrm rot="1097323">
+          <a:off x="4408346" y="1832657"/>
+          <a:ext cx="1036636" cy="65039"/>
+        </a:xfrm>
+        <a:custGeom>
+          <a:avLst/>
+          <a:gdLst/>
+          <a:ahLst/>
+          <a:cxnLst/>
+          <a:rect l="0" t="0" r="0" b="0"/>
+          <a:pathLst>
+            <a:path>
+              <a:moveTo>
+                <a:pt x="0" y="32519"/>
+              </a:moveTo>
+              <a:lnTo>
+                <a:pt x="1036636" y="32519"/>
+              </a:lnTo>
+            </a:path>
+          </a:pathLst>
+        </a:custGeom>
+        <a:noFill/>
+        <a:ln w="12700" cap="flat" cmpd="sng" algn="ctr">
+          <a:solidFill>
+            <a:schemeClr val="accent1">
+              <a:shade val="80000"/>
+              <a:hueOff val="0"/>
+              <a:satOff val="0"/>
+              <a:lumOff val="0"/>
+              <a:alphaOff val="0"/>
+            </a:schemeClr>
+          </a:solidFill>
+          <a:prstDash val="solid"/>
+          <a:miter lim="800000"/>
+        </a:ln>
+        <a:effectLst/>
+      </dsp:spPr>
+      <dsp:style>
+        <a:lnRef idx="2">
+          <a:scrgbClr r="0" g="0" b="0"/>
+        </a:lnRef>
+        <a:fillRef idx="0">
+          <a:scrgbClr r="0" g="0" b="0"/>
+        </a:fillRef>
+        <a:effectRef idx="0">
+          <a:scrgbClr r="0" g="0" b="0"/>
+        </a:effectRef>
+        <a:fontRef idx="minor"/>
+      </dsp:style>
+      <dsp:txBody>
+        <a:bodyPr spcFirstLastPara="0" vert="horz" wrap="square" lIns="12700" tIns="0" rIns="12700" bIns="0" numCol="1" spcCol="1270" anchor="ctr" anchorCtr="0">
+          <a:noAutofit/>
+        </a:bodyPr>
+        <a:lstStyle/>
+        <a:p>
+          <a:pPr lvl="0" algn="ctr" defTabSz="177800">
+            <a:lnSpc>
+              <a:spcPct val="90000"/>
+            </a:lnSpc>
+            <a:spcBef>
+              <a:spcPct val="0"/>
+            </a:spcBef>
+            <a:spcAft>
+              <a:spcPct val="35000"/>
+            </a:spcAft>
+          </a:pPr>
+          <a:endParaRPr lang="zh-CN" altLang="en-US" sz="400" kern="1200"/>
+        </a:p>
+      </dsp:txBody>
+      <dsp:txXfrm>
+        <a:off x="4900748" y="1839261"/>
+        <a:ext cx="51831" cy="51831"/>
+      </dsp:txXfrm>
+    </dsp:sp>
+    <dsp:sp modelId="{29204135-0A69-4085-BBBB-B81B959F19BC}">
+      <dsp:nvSpPr>
+        <dsp:cNvPr id="0" name=""/>
+        <dsp:cNvSpPr/>
+      </dsp:nvSpPr>
+      <dsp:spPr>
+        <a:xfrm>
+          <a:off x="5418800" y="1768693"/>
+          <a:ext cx="2622693" cy="518268"/>
+        </a:xfrm>
+        <a:prstGeom prst="roundRect">
+          <a:avLst>
+            <a:gd name="adj" fmla="val 10000"/>
+          </a:avLst>
+        </a:prstGeom>
+        <a:solidFill>
+          <a:schemeClr val="accent1">
+            <a:hueOff val="0"/>
+            <a:satOff val="0"/>
+            <a:lumOff val="0"/>
+            <a:alphaOff val="0"/>
+          </a:schemeClr>
+        </a:solidFill>
+        <a:ln w="12700" cap="flat" cmpd="sng" algn="ctr">
+          <a:solidFill>
+            <a:schemeClr val="lt1">
+              <a:hueOff val="0"/>
+              <a:satOff val="0"/>
+              <a:lumOff val="0"/>
+              <a:alphaOff val="0"/>
+            </a:schemeClr>
+          </a:solidFill>
+          <a:prstDash val="solid"/>
+          <a:miter lim="800000"/>
+        </a:ln>
+        <a:effectLst/>
+      </dsp:spPr>
+      <dsp:style>
+        <a:lnRef idx="2">
+          <a:scrgbClr r="0" g="0" b="0"/>
+        </a:lnRef>
+        <a:fillRef idx="1">
+          <a:scrgbClr r="0" g="0" b="0"/>
+        </a:fillRef>
+        <a:effectRef idx="0">
+          <a:scrgbClr r="0" g="0" b="0"/>
+        </a:effectRef>
+        <a:fontRef idx="minor">
+          <a:schemeClr val="lt1"/>
+        </a:fontRef>
+      </dsp:style>
+      <dsp:txBody>
+        <a:bodyPr spcFirstLastPara="0" vert="horz" wrap="square" lIns="8890" tIns="8890" rIns="8890" bIns="8890" numCol="1" spcCol="1270" anchor="ctr" anchorCtr="0">
+          <a:noAutofit/>
+        </a:bodyPr>
+        <a:lstStyle/>
+        <a:p>
+          <a:pPr lvl="0" algn="ctr" defTabSz="622300">
+            <a:lnSpc>
+              <a:spcPct val="90000"/>
+            </a:lnSpc>
+            <a:spcBef>
+              <a:spcPct val="0"/>
+            </a:spcBef>
+            <a:spcAft>
+              <a:spcPct val="35000"/>
+            </a:spcAft>
+          </a:pPr>
+          <a:r>
+            <a:rPr lang="en-US" sz="1400" kern="1200" dirty="0" err="1" smtClean="0"/>
+            <a:t>doubleScreenRightWidgets</a:t>
+          </a:r>
+          <a:endParaRPr lang="zh-CN" altLang="en-US" sz="1400" kern="1200" dirty="0"/>
+        </a:p>
+      </dsp:txBody>
+      <dsp:txXfrm>
+        <a:off x="5433980" y="1783873"/>
+        <a:ext cx="2592333" cy="487908"/>
+      </dsp:txXfrm>
+    </dsp:sp>
+    <dsp:sp modelId="{27082BA8-564A-4A6C-AFA8-99299BC31D54}">
+      <dsp:nvSpPr>
+        <dsp:cNvPr id="0" name=""/>
+        <dsp:cNvSpPr/>
+      </dsp:nvSpPr>
+      <dsp:spPr>
+        <a:xfrm rot="2677680">
+          <a:off x="4233244" y="2160445"/>
+          <a:ext cx="1396264" cy="65039"/>
+        </a:xfrm>
+        <a:custGeom>
+          <a:avLst/>
+          <a:gdLst/>
+          <a:ahLst/>
+          <a:cxnLst/>
+          <a:rect l="0" t="0" r="0" b="0"/>
+          <a:pathLst>
+            <a:path>
+              <a:moveTo>
+                <a:pt x="0" y="32519"/>
+              </a:moveTo>
+              <a:lnTo>
+                <a:pt x="1396264" y="32519"/>
+              </a:lnTo>
+            </a:path>
+          </a:pathLst>
+        </a:custGeom>
+        <a:noFill/>
+        <a:ln w="12700" cap="flat" cmpd="sng" algn="ctr">
+          <a:solidFill>
+            <a:schemeClr val="accent1">
+              <a:shade val="80000"/>
+              <a:hueOff val="0"/>
+              <a:satOff val="0"/>
+              <a:lumOff val="0"/>
+              <a:alphaOff val="0"/>
+            </a:schemeClr>
+          </a:solidFill>
+          <a:prstDash val="solid"/>
+          <a:miter lim="800000"/>
+        </a:ln>
+        <a:effectLst/>
+      </dsp:spPr>
+      <dsp:style>
+        <a:lnRef idx="2">
+          <a:scrgbClr r="0" g="0" b="0"/>
+        </a:lnRef>
+        <a:fillRef idx="0">
+          <a:scrgbClr r="0" g="0" b="0"/>
+        </a:fillRef>
+        <a:effectRef idx="0">
+          <a:scrgbClr r="0" g="0" b="0"/>
+        </a:effectRef>
+        <a:fontRef idx="minor"/>
+      </dsp:style>
+      <dsp:txBody>
+        <a:bodyPr spcFirstLastPara="0" vert="horz" wrap="square" lIns="12700" tIns="0" rIns="12700" bIns="0" numCol="1" spcCol="1270" anchor="ctr" anchorCtr="0">
+          <a:noAutofit/>
+        </a:bodyPr>
+        <a:lstStyle/>
+        <a:p>
+          <a:pPr lvl="0" algn="ctr" defTabSz="177800">
+            <a:lnSpc>
+              <a:spcPct val="90000"/>
+            </a:lnSpc>
+            <a:spcBef>
+              <a:spcPct val="0"/>
+            </a:spcBef>
+            <a:spcAft>
+              <a:spcPct val="35000"/>
+            </a:spcAft>
+          </a:pPr>
+          <a:endParaRPr lang="zh-CN" altLang="en-US" sz="400" kern="1200"/>
+        </a:p>
+      </dsp:txBody>
+      <dsp:txXfrm>
+        <a:off x="4896469" y="2158057"/>
+        <a:ext cx="69813" cy="69813"/>
+      </dsp:txXfrm>
+    </dsp:sp>
+    <dsp:sp modelId="{01A0E27D-64CF-487D-9FCA-0FBE72F193D1}">
+      <dsp:nvSpPr>
+        <dsp:cNvPr id="0" name=""/>
+        <dsp:cNvSpPr/>
+      </dsp:nvSpPr>
+      <dsp:spPr>
+        <a:xfrm>
+          <a:off x="5428225" y="2424367"/>
+          <a:ext cx="2379504" cy="518072"/>
+        </a:xfrm>
+        <a:prstGeom prst="roundRect">
+          <a:avLst>
+            <a:gd name="adj" fmla="val 10000"/>
+          </a:avLst>
+        </a:prstGeom>
+        <a:solidFill>
+          <a:schemeClr val="accent1">
+            <a:hueOff val="0"/>
+            <a:satOff val="0"/>
+            <a:lumOff val="0"/>
+            <a:alphaOff val="0"/>
+          </a:schemeClr>
+        </a:solidFill>
+        <a:ln w="12700" cap="flat" cmpd="sng" algn="ctr">
+          <a:solidFill>
+            <a:schemeClr val="lt1">
+              <a:hueOff val="0"/>
+              <a:satOff val="0"/>
+              <a:lumOff val="0"/>
+              <a:alphaOff val="0"/>
+            </a:schemeClr>
+          </a:solidFill>
+          <a:prstDash val="solid"/>
+          <a:miter lim="800000"/>
+        </a:ln>
+        <a:effectLst/>
+      </dsp:spPr>
+      <dsp:style>
+        <a:lnRef idx="2">
+          <a:scrgbClr r="0" g="0" b="0"/>
+        </a:lnRef>
+        <a:fillRef idx="1">
+          <a:scrgbClr r="0" g="0" b="0"/>
+        </a:fillRef>
+        <a:effectRef idx="0">
+          <a:scrgbClr r="0" g="0" b="0"/>
+        </a:effectRef>
+        <a:fontRef idx="minor">
+          <a:schemeClr val="lt1"/>
+        </a:fontRef>
+      </dsp:style>
+      <dsp:txBody>
+        <a:bodyPr spcFirstLastPara="0" vert="horz" wrap="square" lIns="8890" tIns="8890" rIns="8890" bIns="8890" numCol="1" spcCol="1270" anchor="ctr" anchorCtr="0">
+          <a:noAutofit/>
+        </a:bodyPr>
+        <a:lstStyle/>
+        <a:p>
+          <a:pPr lvl="0" algn="ctr" defTabSz="622300">
+            <a:lnSpc>
+              <a:spcPct val="90000"/>
+            </a:lnSpc>
+            <a:spcBef>
+              <a:spcPct val="0"/>
+            </a:spcBef>
+            <a:spcAft>
+              <a:spcPct val="35000"/>
+            </a:spcAft>
+          </a:pPr>
+          <a:r>
+            <a:rPr lang="en-US" altLang="en-US" sz="1400" kern="1200" dirty="0" err="1" smtClean="0"/>
+            <a:t>widgetContents</a:t>
+          </a:r>
+          <a:endParaRPr lang="zh-CN" altLang="en-US" sz="1400" kern="1200" dirty="0"/>
+        </a:p>
+      </dsp:txBody>
+      <dsp:txXfrm>
+        <a:off x="5443399" y="2439541"/>
+        <a:ext cx="2349156" cy="487724"/>
+      </dsp:txXfrm>
+    </dsp:sp>
+  </dsp:spTree>
+</dsp:drawing>
+</file>
+
+<file path=ppt/diagrams/layout1.xml><?xml version="1.0" encoding="utf-8"?>
+<dgm:layoutDef xmlns:dgm="http://schemas.openxmlformats.org/drawingml/2006/diagram" xmlns:a="http://schemas.openxmlformats.org/drawingml/2006/main" uniqueId="urn:microsoft.com/office/officeart/2005/8/layout/hierarchy2">
+  <dgm:title val=""/>
+  <dgm:desc val=""/>
+  <dgm:catLst>
+    <dgm:cat type="hierarchy" pri="5000"/>
+  </dgm:catLst>
+  <dgm:sampData>
+    <dgm:dataModel>
+      <dgm:ptLst>
+        <dgm:pt modelId="0" type="doc"/>
+        <dgm:pt modelId="1">
+          <dgm:prSet phldr="1"/>
+        </dgm:pt>
+        <dgm:pt modelId="2">
+          <dgm:prSet phldr="1"/>
+        </dgm:pt>
+        <dgm:pt modelId="21">
+          <dgm:prSet phldr="1"/>
+        </dgm:pt>
+        <dgm:pt modelId="22">
+          <dgm:prSet phldr="1"/>
+        </dgm:pt>
+        <dgm:pt modelId="3">
+          <dgm:prSet phldr="1"/>
+        </dgm:pt>
+        <dgm:pt modelId="31">
+          <dgm:prSet phldr="1"/>
+        </dgm:pt>
+      </dgm:ptLst>
+      <dgm:cxnLst>
+        <dgm:cxn modelId="4" srcId="0" destId="1" srcOrd="0" destOrd="0"/>
+        <dgm:cxn modelId="5" srcId="1" destId="2" srcOrd="0" destOrd="0"/>
+        <dgm:cxn modelId="6" srcId="1" destId="3" srcOrd="1" destOrd="0"/>
+        <dgm:cxn modelId="23" srcId="2" destId="21" srcOrd="0" destOrd="0"/>
+        <dgm:cxn modelId="24" srcId="2" destId="22" srcOrd="1" destOrd="0"/>
+        <dgm:cxn modelId="33" srcId="3" destId="31" srcOrd="0" destOrd="0"/>
+      </dgm:cxnLst>
+      <dgm:bg/>
+      <dgm:whole/>
+    </dgm:dataModel>
+  </dgm:sampData>
+  <dgm:styleData>
+    <dgm:dataModel>
+      <dgm:ptLst>
+        <dgm:pt modelId="0" type="doc"/>
+        <dgm:pt modelId="1"/>
+        <dgm:pt modelId="11"/>
+        <dgm:pt modelId="12"/>
+      </dgm:ptLst>
+      <dgm:cxnLst>
+        <dgm:cxn modelId="2" srcId="0" destId="1" srcOrd="0" destOrd="0"/>
+        <dgm:cxn modelId="13" srcId="1" destId="11" srcOrd="0" destOrd="0"/>
+        <dgm:cxn modelId="14" srcId="1" destId="12" srcOrd="1" destOrd="0"/>
+      </dgm:cxnLst>
+      <dgm:bg/>
+      <dgm:whole/>
+    </dgm:dataModel>
+  </dgm:styleData>
+  <dgm:clrData>
+    <dgm:dataModel>
+      <dgm:ptLst>
+        <dgm:pt modelId="0" type="doc"/>
+        <dgm:pt modelId="1"/>
+        <dgm:pt modelId="2"/>
+        <dgm:pt modelId="21"/>
+        <dgm:pt modelId="211"/>
+        <dgm:pt modelId="3"/>
+        <dgm:pt modelId="31"/>
+        <dgm:pt modelId="311"/>
+      </dgm:ptLst>
+      <dgm:cxnLst>
+        <dgm:cxn modelId="4" srcId="0" destId="1" srcOrd="0" destOrd="0"/>
+        <dgm:cxn modelId="5" srcId="1" destId="2" srcOrd="0" destOrd="0"/>
+        <dgm:cxn modelId="6" srcId="1" destId="3" srcOrd="1" destOrd="0"/>
+        <dgm:cxn modelId="23" srcId="2" destId="21" srcOrd="0" destOrd="0"/>
+        <dgm:cxn modelId="24" srcId="21" destId="211" srcOrd="0" destOrd="0"/>
+        <dgm:cxn modelId="33" srcId="3" destId="31" srcOrd="0" destOrd="0"/>
+        <dgm:cxn modelId="34" srcId="31" destId="311" srcOrd="0" destOrd="0"/>
+      </dgm:cxnLst>
+      <dgm:bg/>
+      <dgm:whole/>
+    </dgm:dataModel>
+  </dgm:clrData>
+  <dgm:layoutNode name="diagram">
+    <dgm:varLst>
+      <dgm:chPref val="1"/>
+      <dgm:dir/>
+      <dgm:animOne val="branch"/>
+      <dgm:animLvl val="lvl"/>
+      <dgm:resizeHandles val="exact"/>
+    </dgm:varLst>
+    <dgm:choose name="Name0">
+      <dgm:if name="Name1" func="var" arg="dir" op="equ" val="norm">
+        <dgm:alg type="hierChild">
+          <dgm:param type="linDir" val="fromT"/>
+          <dgm:param type="chAlign" val="l"/>
+        </dgm:alg>
+      </dgm:if>
+      <dgm:else name="Name2">
+        <dgm:alg type="hierChild">
+          <dgm:param type="linDir" val="fromT"/>
+          <dgm:param type="chAlign" val="r"/>
+        </dgm:alg>
+      </dgm:else>
+    </dgm:choose>
+    <dgm:shape xmlns:r="http://schemas.openxmlformats.org/officeDocument/2006/relationships" r:blip="">
+      <dgm:adjLst/>
+    </dgm:shape>
+    <dgm:presOf/>
+    <dgm:constrLst>
+      <dgm:constr type="h" for="des" ptType="node" refType="h"/>
+      <dgm:constr type="w" for="des" ptType="node" refType="h" refFor="des" refPtType="node" fact="2"/>
+      <dgm:constr type="sibSp" refType="h" refFor="des" refPtType="node" op="equ" fact="0.15"/>
+      <dgm:constr type="sibSp" for="des" forName="level2hierChild" refType="h" refFor="des" refPtType="node" op="equ" fact="0.15"/>
+      <dgm:constr type="sibSp" for="des" forName="level3hierChild" refType="h" refFor="des" refPtType="node" op="equ" fact="0.15"/>
+      <dgm:constr type="sp" for="des" forName="root1" refType="w" refFor="des" refPtType="node" fact="0.4"/>
+      <dgm:constr type="sp" for="des" forName="root2" refType="sp" refFor="des" refForName="root1" op="equ"/>
+      <dgm:constr type="primFontSz" for="des" ptType="node" op="equ" val="65"/>
+      <dgm:constr type="primFontSz" for="des" forName="connTx" op="equ" val="55"/>
+      <dgm:constr type="primFontSz" for="des" forName="connTx" refType="primFontSz" refFor="des" refPtType="node" op="lte" fact="0.8"/>
+    </dgm:constrLst>
+    <dgm:ruleLst/>
+    <dgm:forEach name="Name3" axis="ch">
+      <dgm:forEach name="Name4" axis="self" ptType="node">
+        <dgm:layoutNode name="root1">
+          <dgm:choose name="Name5">
+            <dgm:if name="Name6" func="var" arg="dir" op="equ" val="norm">
+              <dgm:alg type="hierRoot">
+                <dgm:param type="hierAlign" val="lCtrCh"/>
+              </dgm:alg>
+            </dgm:if>
+            <dgm:else name="Name7">
+              <dgm:alg type="hierRoot">
+                <dgm:param type="hierAlign" val="rCtrCh"/>
+              </dgm:alg>
+            </dgm:else>
+          </dgm:choose>
+          <dgm:shape xmlns:r="http://schemas.openxmlformats.org/officeDocument/2006/relationships" r:blip="">
+            <dgm:adjLst/>
+          </dgm:shape>
+          <dgm:presOf/>
+          <dgm:constrLst/>
+          <dgm:ruleLst/>
+          <dgm:layoutNode name="LevelOneTextNode" styleLbl="node0">
+            <dgm:varLst>
+              <dgm:chPref val="3"/>
+            </dgm:varLst>
+            <dgm:alg type="tx"/>
+            <dgm:shape xmlns:r="http://schemas.openxmlformats.org/officeDocument/2006/relationships" type="roundRect" r:blip="">
+              <dgm:adjLst>
+                <dgm:adj idx="1" val="0.1"/>
+              </dgm:adjLst>
+            </dgm:shape>
+            <dgm:presOf axis="self"/>
+            <dgm:constrLst>
+              <dgm:constr type="tMarg" refType="primFontSz" fact="0.05"/>
+              <dgm:constr type="bMarg" refType="primFontSz" fact="0.05"/>
+              <dgm:constr type="lMarg" refType="primFontSz" fact="0.05"/>
+              <dgm:constr type="rMarg" refType="primFontSz" fact="0.05"/>
+            </dgm:constrLst>
+            <dgm:ruleLst>
+              <dgm:rule type="primFontSz" val="5" fact="NaN" max="NaN"/>
+            </dgm:ruleLst>
+          </dgm:layoutNode>
+          <dgm:layoutNode name="level2hierChild">
+            <dgm:choose name="Name8">
+              <dgm:if name="Name9" func="var" arg="dir" op="equ" val="norm">
+                <dgm:alg type="hierChild">
+                  <dgm:param type="linDir" val="fromT"/>
+                  <dgm:param type="chAlign" val="l"/>
+                </dgm:alg>
+              </dgm:if>
+              <dgm:else name="Name10">
+                <dgm:alg type="hierChild">
+                  <dgm:param type="linDir" val="fromT"/>
+                  <dgm:param type="chAlign" val="r"/>
+                </dgm:alg>
+              </dgm:else>
+            </dgm:choose>
+            <dgm:shape xmlns:r="http://schemas.openxmlformats.org/officeDocument/2006/relationships" r:blip="">
+              <dgm:adjLst/>
+            </dgm:shape>
+            <dgm:presOf/>
+            <dgm:constrLst/>
+            <dgm:ruleLst/>
+            <dgm:forEach name="repeat" axis="ch">
+              <dgm:forEach name="Name11" axis="self" ptType="parTrans" cnt="1">
+                <dgm:layoutNode name="conn2-1">
+                  <dgm:choose name="Name12">
+                    <dgm:if name="Name13" func="var" arg="dir" op="equ" val="norm">
+                      <dgm:alg type="conn">
+                        <dgm:param type="dim" val="1D"/>
+                        <dgm:param type="begPts" val="midR"/>
+                        <dgm:param type="endPts" val="midL"/>
+                        <dgm:param type="endSty" val="noArr"/>
+                      </dgm:alg>
+                    </dgm:if>
+                    <dgm:else name="Name14">
+                      <dgm:alg type="conn">
+                        <dgm:param type="dim" val="1D"/>
+                        <dgm:param type="begPts" val="midL"/>
+                        <dgm:param type="endPts" val="midR"/>
+                        <dgm:param type="endSty" val="noArr"/>
+                      </dgm:alg>
+                    </dgm:else>
+                  </dgm:choose>
+                  <dgm:shape xmlns:r="http://schemas.openxmlformats.org/officeDocument/2006/relationships" type="conn" r:blip="">
+                    <dgm:adjLst/>
+                  </dgm:shape>
+                  <dgm:presOf axis="self"/>
+                  <dgm:constrLst>
+                    <dgm:constr type="w" val="1"/>
+                    <dgm:constr type="h" val="5"/>
+                    <dgm:constr type="connDist"/>
+                    <dgm:constr type="begPad"/>
+                    <dgm:constr type="endPad"/>
+                    <dgm:constr type="userA" for="ch" refType="connDist"/>
+                  </dgm:constrLst>
+                  <dgm:ruleLst/>
+                  <dgm:layoutNode name="connTx">
+                    <dgm:alg type="tx">
+                      <dgm:param type="autoTxRot" val="grav"/>
+                    </dgm:alg>
+                    <dgm:shape xmlns:r="http://schemas.openxmlformats.org/officeDocument/2006/relationships" type="rect" r:blip="" hideGeom="1">
+                      <dgm:adjLst/>
+                    </dgm:shape>
+                    <dgm:presOf axis="self"/>
+                    <dgm:constrLst>
+                      <dgm:constr type="userA"/>
+                      <dgm:constr type="w" refType="userA" fact="0.05"/>
+                      <dgm:constr type="h" refType="userA" fact="0.05"/>
+                      <dgm:constr type="lMarg" val="1"/>
+                      <dgm:constr type="rMarg" val="1"/>
+                      <dgm:constr type="tMarg"/>
+                      <dgm:constr type="bMarg"/>
+                    </dgm:constrLst>
+                    <dgm:ruleLst>
+                      <dgm:rule type="h" val="NaN" fact="0.25" max="NaN"/>
+                      <dgm:rule type="w" val="NaN" fact="0.8" max="NaN"/>
+                      <dgm:rule type="primFontSz" val="5" fact="NaN" max="NaN"/>
+                    </dgm:ruleLst>
+                  </dgm:layoutNode>
+                </dgm:layoutNode>
+              </dgm:forEach>
+              <dgm:forEach name="Name15" axis="self" ptType="node">
+                <dgm:layoutNode name="root2">
+                  <dgm:choose name="Name16">
+                    <dgm:if name="Name17" func="var" arg="dir" op="equ" val="norm">
+                      <dgm:alg type="hierRoot">
+                        <dgm:param type="hierAlign" val="lCtrCh"/>
+                      </dgm:alg>
+                    </dgm:if>
+                    <dgm:else name="Name18">
+                      <dgm:alg type="hierRoot">
+                        <dgm:param type="hierAlign" val="rCtrCh"/>
+                      </dgm:alg>
+                    </dgm:else>
+                  </dgm:choose>
+                  <dgm:shape xmlns:r="http://schemas.openxmlformats.org/officeDocument/2006/relationships" r:blip="">
+                    <dgm:adjLst/>
+                  </dgm:shape>
+                  <dgm:presOf/>
+                  <dgm:constrLst/>
+                  <dgm:ruleLst/>
+                  <dgm:layoutNode name="LevelTwoTextNode">
+                    <dgm:varLst>
+                      <dgm:chPref val="3"/>
+                    </dgm:varLst>
+                    <dgm:alg type="tx"/>
+                    <dgm:shape xmlns:r="http://schemas.openxmlformats.org/officeDocument/2006/relationships" type="roundRect" r:blip="">
+                      <dgm:adjLst>
+                        <dgm:adj idx="1" val="0.1"/>
+                      </dgm:adjLst>
+                    </dgm:shape>
+                    <dgm:presOf axis="self"/>
+                    <dgm:constrLst>
+                      <dgm:constr type="tMarg" refType="primFontSz" fact="0.05"/>
+                      <dgm:constr type="bMarg" refType="primFontSz" fact="0.05"/>
+                      <dgm:constr type="lMarg" refType="primFontSz" fact="0.05"/>
+                      <dgm:constr type="rMarg" refType="primFontSz" fact="0.05"/>
+                    </dgm:constrLst>
+                    <dgm:ruleLst>
+                      <dgm:rule type="primFontSz" val="5" fact="NaN" max="NaN"/>
+                    </dgm:ruleLst>
+                  </dgm:layoutNode>
+                  <dgm:layoutNode name="level3hierChild">
+                    <dgm:choose name="Name19">
+                      <dgm:if name="Name20" func="var" arg="dir" op="equ" val="norm">
+                        <dgm:alg type="hierChild">
+                          <dgm:param type="linDir" val="fromT"/>
+                          <dgm:param type="chAlign" val="l"/>
+                        </dgm:alg>
+                      </dgm:if>
+                      <dgm:else name="Name21">
+                        <dgm:alg type="hierChild">
+                          <dgm:param type="linDir" val="fromT"/>
+                          <dgm:param type="chAlign" val="r"/>
+                        </dgm:alg>
+                      </dgm:else>
+                    </dgm:choose>
+                    <dgm:shape xmlns:r="http://schemas.openxmlformats.org/officeDocument/2006/relationships" r:blip="">
+                      <dgm:adjLst/>
+                    </dgm:shape>
+                    <dgm:presOf/>
+                    <dgm:constrLst/>
+                    <dgm:ruleLst/>
+                    <dgm:forEach name="Name22" ref="repeat"/>
+                  </dgm:layoutNode>
+                </dgm:layoutNode>
+              </dgm:forEach>
+            </dgm:forEach>
+          </dgm:layoutNode>
+        </dgm:layoutNode>
+      </dgm:forEach>
+    </dgm:forEach>
+  </dgm:layoutNode>
+</dgm:layoutDef>
+</file>
+
+<file path=ppt/diagrams/quickStyle1.xml><?xml version="1.0" encoding="utf-8"?>
+<dgm:styleDef xmlns:dgm="http://schemas.openxmlformats.org/drawingml/2006/diagram" xmlns:a="http://schemas.openxmlformats.org/drawingml/2006/main" uniqueId="urn:microsoft.com/office/officeart/2005/8/quickstyle/simple1">
+  <dgm:title val=""/>
+  <dgm:desc val=""/>
+  <dgm:catLst>
+    <dgm:cat type="simple" pri="10100"/>
+  </dgm:catLst>
+  <dgm:scene3d>
+    <a:camera prst="orthographicFront"/>
+    <a:lightRig rig="threePt" dir="t"/>
+  </dgm:scene3d>
+  <dgm:styleLbl name="node0">
+    <dgm:scene3d>
+      <a:camera prst="orthographicFront"/>
+      <a:lightRig rig="threePt" dir="t"/>
+    </dgm:scene3d>
+    <dgm:sp3d/>
+    <dgm:txPr/>
+    <dgm:style>
+      <a:lnRef idx="2">
+        <a:scrgbClr r="0" g="0" b="0"/>
+      </a:lnRef>
+      <a:fillRef idx="1">
+        <a:scrgbClr r="0" g="0" b="0"/>
+      </a:fillRef>
+      <a:effectRef idx="0">
+        <a:scrgbClr r="0" g="0" b="0"/>
+      </a:effectRef>
+      <a:fontRef idx="minor">
+        <a:schemeClr val="lt1"/>
+      </a:fontRef>
+    </dgm:style>
+  </dgm:styleLbl>
+  <dgm:styleLbl name="lnNode1">
+    <dgm:scene3d>
+      <a:camera prst="orthographicFront"/>
+      <a:lightRig rig="threePt" dir="t"/>
+    </dgm:scene3d>
+    <dgm:sp3d/>
+    <dgm:txPr/>
+    <dgm:style>
+      <a:lnRef idx="2">
+        <a:scrgbClr r="0" g="0" b="0"/>
+      </a:lnRef>
+      <a:fillRef idx="1">
+        <a:scrgbClr r="0" g="0" b="0"/>
+      </a:fillRef>
+      <a:effectRef idx="0">
+        <a:scrgbClr r="0" g="0" b="0"/>
+      </a:effectRef>
+      <a:fontRef idx="minor">
+        <a:schemeClr val="lt1"/>
+      </a:fontRef>
+    </dgm:style>
+  </dgm:styleLbl>
+  <dgm:styleLbl name="vennNode1">
+    <dgm:scene3d>
+      <a:camera prst="orthographicFront"/>
+      <a:lightRig rig="threePt" dir="t"/>
+    </dgm:scene3d>
+    <dgm:sp3d/>
+    <dgm:txPr/>
+    <dgm:style>
+      <a:lnRef idx="2">
+        <a:scrgbClr r="0" g="0" b="0"/>
+      </a:lnRef>
+      <a:fillRef idx="1">
+        <a:scrgbClr r="0" g="0" b="0"/>
+      </a:fillRef>
+      <a:effectRef idx="0">
+        <a:scrgbClr r="0" g="0" b="0"/>
+      </a:effectRef>
+      <a:fontRef idx="minor">
+        <a:schemeClr val="tx1"/>
+      </a:fontRef>
+    </dgm:style>
+  </dgm:styleLbl>
+  <dgm:styleLbl name="alignNode1">
+    <dgm:scene3d>
+      <a:camera prst="orthographicFront"/>
+      <a:lightRig rig="threePt" dir="t"/>
+    </dgm:scene3d>
+    <dgm:sp3d/>
+    <dgm:txPr/>
+    <dgm:style>
+      <a:lnRef idx="2">
+        <a:scrgbClr r="0" g="0" b="0"/>
+      </a:lnRef>
+      <a:fillRef idx="1">
+        <a:scrgbClr r="0" g="0" b="0"/>
+      </a:fillRef>
+      <a:effectRef idx="0">
+        <a:scrgbClr r="0" g="0" b="0"/>
+      </a:effectRef>
+      <a:fontRef idx="minor">
+        <a:schemeClr val="lt1"/>
+      </a:fontRef>
+    </dgm:style>
+  </dgm:styleLbl>
+  <dgm:styleLbl name="node1">
+    <dgm:scene3d>
+      <a:camera prst="orthographicFront"/>
+      <a:lightRig rig="threePt" dir="t"/>
+    </dgm:scene3d>
+    <dgm:sp3d/>
+    <dgm:txPr/>
+    <dgm:style>
+      <a:lnRef idx="2">
+        <a:scrgbClr r="0" g="0" b="0"/>
+      </a:lnRef>
+      <a:fillRef idx="1">
+        <a:scrgbClr r="0" g="0" b="0"/>
+      </a:fillRef>
+      <a:effectRef idx="0">
+        <a:scrgbClr r="0" g="0" b="0"/>
+      </a:effectRef>
+      <a:fontRef idx="minor">
+        <a:schemeClr val="lt1"/>
+      </a:fontRef>
+    </dgm:style>
+  </dgm:styleLbl>
+  <dgm:styleLbl name="node2">
+    <dgm:scene3d>
+      <a:camera prst="orthographicFront"/>
+      <a:lightRig rig="threePt" dir="t"/>
+    </dgm:scene3d>
+    <dgm:sp3d/>
+    <dgm:txPr/>
+    <dgm:style>
+      <a:lnRef idx="2">
+        <a:scrgbClr r="0" g="0" b="0"/>
+      </a:lnRef>
+      <a:fillRef idx="1">
+        <a:scrgbClr r="0" g="0" b="0"/>
+      </a:fillRef>
+      <a:effectRef idx="0">
+        <a:scrgbClr r="0" g="0" b="0"/>
+      </a:effectRef>
+      <a:fontRef idx="minor">
+        <a:schemeClr val="lt1"/>
+      </a:fontRef>
+    </dgm:style>
+  </dgm:styleLbl>
+  <dgm:styleLbl name="node3">
+    <dgm:scene3d>
+      <a:camera prst="orthographicFront"/>
+      <a:lightRig rig="threePt" dir="t"/>
+    </dgm:scene3d>
+    <dgm:sp3d/>
+    <dgm:txPr/>
+    <dgm:style>
+      <a:lnRef idx="2">
+        <a:scrgbClr r="0" g="0" b="0"/>
+      </a:lnRef>
+      <a:fillRef idx="1">
+        <a:scrgbClr r="0" g="0" b="0"/>
+      </a:fillRef>
+      <a:effectRef idx="0">
+        <a:scrgbClr r="0" g="0" b="0"/>
+      </a:effectRef>
+      <a:fontRef idx="minor">
+        <a:schemeClr val="lt1"/>
+      </a:fontRef>
+    </dgm:style>
+  </dgm:styleLbl>
+  <dgm:styleLbl name="node4">
+    <dgm:scene3d>
+      <a:camera prst="orthographicFront"/>
+      <a:lightRig rig="threePt" dir="t"/>
+    </dgm:scene3d>
+    <dgm:sp3d/>
+    <dgm:txPr/>
+    <dgm:style>
+      <a:lnRef idx="2">
+        <a:scrgbClr r="0" g="0" b="0"/>
+      </a:lnRef>
+      <a:fillRef idx="1">
+        <a:scrgbClr r="0" g="0" b="0"/>
+      </a:fillRef>
+      <a:effectRef idx="0">
+        <a:scrgbClr r="0" g="0" b="0"/>
+      </a:effectRef>
+      <a:fontRef idx="minor">
+        <a:schemeClr val="lt1"/>
+      </a:fontRef>
+    </dgm:style>
+  </dgm:styleLbl>
+  <dgm:styleLbl name="fgImgPlace1">
+    <dgm:scene3d>
+      <a:camera prst="orthographicFront"/>
+      <a:lightRig rig="threePt" dir="t"/>
+    </dgm:scene3d>
+    <dgm:sp3d/>
+    <dgm:txPr/>
+    <dgm:style>
+      <a:lnRef idx="2">
+        <a:scrgbClr r="0" g="0" b="0"/>
+      </a:lnRef>
+      <a:fillRef idx="1">
+        <a:scrgbClr r="0" g="0" b="0"/>
+      </a:fillRef>
+      <a:effectRef idx="0">
+        <a:scrgbClr r="0" g="0" b="0"/>
+      </a:effectRef>
+      <a:fontRef idx="minor"/>
+    </dgm:style>
+  </dgm:styleLbl>
+  <dgm:styleLbl name="alignImgPlace1">
+    <dgm:scene3d>
+      <a:camera prst="orthographicFront"/>
+      <a:lightRig rig="threePt" dir="t"/>
+    </dgm:scene3d>
+    <dgm:sp3d/>
+    <dgm:txPr/>
+    <dgm:style>
+      <a:lnRef idx="2">
+        <a:scrgbClr r="0" g="0" b="0"/>
+      </a:lnRef>
+      <a:fillRef idx="1">
+        <a:scrgbClr r="0" g="0" b="0"/>
+      </a:fillRef>
+      <a:effectRef idx="0">
+        <a:scrgbClr r="0" g="0" b="0"/>
+      </a:effectRef>
+      <a:fontRef idx="minor"/>
+    </dgm:style>
+  </dgm:styleLbl>
+  <dgm:styleLbl name="bgImgPlace1">
+    <dgm:scene3d>
+      <a:camera prst="orthographicFront"/>
+      <a:lightRig rig="threePt" dir="t"/>
+    </dgm:scene3d>
+    <dgm:sp3d/>
+    <dgm:txPr/>
+    <dgm:style>
+      <a:lnRef idx="2">
+        <a:scrgbClr r="0" g="0" b="0"/>
+      </a:lnRef>
+      <a:fillRef idx="1">
+        <a:scrgbClr r="0" g="0" b="0"/>
+      </a:fillRef>
+      <a:effectRef idx="0">
+        <a:scrgbClr r="0" g="0" b="0"/>
+      </a:effectRef>
+      <a:fontRef idx="minor"/>
+    </dgm:style>
+  </dgm:styleLbl>
+  <dgm:styleLbl name="sibTrans2D1">
+    <dgm:scene3d>
+      <a:camera prst="orthographicFront"/>
+      <a:lightRig rig="threePt" dir="t"/>
+    </dgm:scene3d>
+    <dgm:sp3d/>
+    <dgm:txPr/>
+    <dgm:style>
+      <a:lnRef idx="0">
+        <a:scrgbClr r="0" g="0" b="0"/>
+      </a:lnRef>
+      <a:fillRef idx="1">
+        <a:scrgbClr r="0" g="0" b="0"/>
+      </a:fillRef>
+      <a:effectRef idx="0">
+        <a:scrgbClr r="0" g="0" b="0"/>
+      </a:effectRef>
+      <a:fontRef idx="minor">
+        <a:schemeClr val="lt1"/>
+      </a:fontRef>
+    </dgm:style>
+  </dgm:styleLbl>
+  <dgm:styleLbl name="fgSibTrans2D1">
+    <dgm:scene3d>
+      <a:camera prst="orthographicFront"/>
+      <a:lightRig rig="threePt" dir="t"/>
+    </dgm:scene3d>
+    <dgm:sp3d/>
+    <dgm:txPr/>
+    <dgm:style>
+      <a:lnRef idx="0">
+        <a:scrgbClr r="0" g="0" b="0"/>
+      </a:lnRef>
+      <a:fillRef idx="1">
+        <a:scrgbClr r="0" g="0" b="0"/>
+      </a:fillRef>
+      <a:effectRef idx="0">
+        <a:scrgbClr r="0" g="0" b="0"/>
+      </a:effectRef>
+      <a:fontRef idx="minor">
+        <a:schemeClr val="lt1"/>
+      </a:fontRef>
+    </dgm:style>
+  </dgm:styleLbl>
+  <dgm:styleLbl name="bgSibTrans2D1">
+    <dgm:scene3d>
+      <a:camera prst="orthographicFront"/>
+      <a:lightRig rig="threePt" dir="t"/>
+    </dgm:scene3d>
+    <dgm:sp3d/>
+    <dgm:txPr/>
+    <dgm:style>
+      <a:lnRef idx="0">
+        <a:scrgbClr r="0" g="0" b="0"/>
+      </a:lnRef>
+      <a:fillRef idx="1">
+        <a:scrgbClr r="0" g="0" b="0"/>
+      </a:fillRef>
+      <a:effectRef idx="0">
+        <a:scrgbClr r="0" g="0" b="0"/>
+      </a:effectRef>
+      <a:fontRef idx="minor">
+        <a:schemeClr val="lt1"/>
+      </a:fontRef>
+    </dgm:style>
+  </dgm:styleLbl>
+  <dgm:styleLbl name="sibTrans1D1">
+    <dgm:scene3d>
+      <a:camera prst="orthographicFront"/>
+      <a:lightRig rig="threePt" dir="t"/>
+    </dgm:scene3d>
+    <dgm:sp3d/>
+    <dgm:txPr/>
+    <dgm:style>
+      <a:lnRef idx="1">
+        <a:scrgbClr r="0" g="0" b="0"/>
+      </a:lnRef>
+      <a:fillRef idx="0">
+        <a:scrgbClr r="0" g="0" b="0"/>
+      </a:fillRef>
+      <a:effectRef idx="0">
+        <a:scrgbClr r="0" g="0" b="0"/>
+      </a:effectRef>
+      <a:fontRef idx="minor"/>
+    </dgm:style>
+  </dgm:styleLbl>
+  <dgm:styleLbl name="callout">
+    <dgm:scene3d>
+      <a:camera prst="orthographicFront"/>
+      <a:lightRig rig="threePt" dir="t"/>
+    </dgm:scene3d>
+    <dgm:sp3d/>
+    <dgm:txPr/>
+    <dgm:style>
+      <a:lnRef idx="2">
+        <a:scrgbClr r="0" g="0" b="0"/>
+      </a:lnRef>
+      <a:fillRef idx="1">
+        <a:scrgbClr r="0" g="0" b="0"/>
+      </a:fillRef>
+      <a:effectRef idx="0">
+        <a:scrgbClr r="0" g="0" b="0"/>
+      </a:effectRef>
+      <a:fontRef idx="minor"/>
+    </dgm:style>
+  </dgm:styleLbl>
+  <dgm:styleLbl name="asst0">
+    <dgm:scene3d>
+      <a:camera prst="orthographicFront"/>
+      <a:lightRig rig="threePt" dir="t"/>
+    </dgm:scene3d>
+    <dgm:sp3d/>
+    <dgm:txPr/>
+    <dgm:style>
+      <a:lnRef idx="2">
+        <a:scrgbClr r="0" g="0" b="0"/>
+      </a:lnRef>
+      <a:fillRef idx="1">
+        <a:scrgbClr r="0" g="0" b="0"/>
+      </a:fillRef>
+      <a:effectRef idx="0">
+        <a:scrgbClr r="0" g="0" b="0"/>
+      </a:effectRef>
+      <a:fontRef idx="minor">
+        <a:schemeClr val="lt1"/>
+      </a:fontRef>
+    </dgm:style>
+  </dgm:styleLbl>
+  <dgm:styleLbl name="asst1">
+    <dgm:scene3d>
+      <a:camera prst="orthographicFront"/>
+      <a:lightRig rig="threePt" dir="t"/>
+    </dgm:scene3d>
+    <dgm:sp3d/>
+    <dgm:txPr/>
+    <dgm:style>
+      <a:lnRef idx="2">
+        <a:scrgbClr r="0" g="0" b="0"/>
+      </a:lnRef>
+      <a:fillRef idx="1">
+        <a:scrgbClr r="0" g="0" b="0"/>
+      </a:fillRef>
+      <a:effectRef idx="0">
+        <a:scrgbClr r="0" g="0" b="0"/>
+      </a:effectRef>
+      <a:fontRef idx="minor">
+        <a:schemeClr val="lt1"/>
+      </a:fontRef>
+    </dgm:style>
+  </dgm:styleLbl>
+  <dgm:styleLbl name="asst2">
+    <dgm:scene3d>
+      <a:camera prst="orthographicFront"/>
+      <a:lightRig rig="threePt" dir="t"/>
+    </dgm:scene3d>
+    <dgm:sp3d/>
+    <dgm:txPr/>
+    <dgm:style>
+      <a:lnRef idx="2">
+        <a:scrgbClr r="0" g="0" b="0"/>
+      </a:lnRef>
+      <a:fillRef idx="1">
+        <a:scrgbClr r="0" g="0" b="0"/>
+      </a:fillRef>
+      <a:effectRef idx="0">
+        <a:scrgbClr r="0" g="0" b="0"/>
+      </a:effectRef>
+      <a:fontRef idx="minor">
+        <a:schemeClr val="lt1"/>
+      </a:fontRef>
+    </dgm:style>
+  </dgm:styleLbl>
+  <dgm:styleLbl name="asst3">
+    <dgm:scene3d>
+      <a:camera prst="orthographicFront"/>
+      <a:lightRig rig="threePt" dir="t"/>
+    </dgm:scene3d>
+    <dgm:sp3d/>
+    <dgm:txPr/>
+    <dgm:style>
+      <a:lnRef idx="2">
+        <a:scrgbClr r="0" g="0" b="0"/>
+      </a:lnRef>
+      <a:fillRef idx="1">
+        <a:scrgbClr r="0" g="0" b="0"/>
+      </a:fillRef>
+      <a:effectRef idx="0">
+        <a:scrgbClr r="0" g="0" b="0"/>
+      </a:effectRef>
+      <a:fontRef idx="minor">
+        <a:schemeClr val="lt1"/>
+      </a:fontRef>
+    </dgm:style>
+  </dgm:styleLbl>
+  <dgm:styleLbl name="asst4">
+    <dgm:scene3d>
+      <a:camera prst="orthographicFront"/>
+      <a:lightRig rig="threePt" dir="t"/>
+    </dgm:scene3d>
+    <dgm:sp3d/>
+    <dgm:txPr/>
+    <dgm:style>
+      <a:lnRef idx="2">
+        <a:scrgbClr r="0" g="0" b="0"/>
+      </a:lnRef>
+      <a:fillRef idx="1">
+        <a:scrgbClr r="0" g="0" b="0"/>
+      </a:fillRef>
+      <a:effectRef idx="0">
+        <a:scrgbClr r="0" g="0" b="0"/>
+      </a:effectRef>
+      <a:fontRef idx="minor">
+        <a:schemeClr val="lt1"/>
+      </a:fontRef>
+    </dgm:style>
+  </dgm:styleLbl>
+  <dgm:styleLbl name="parChTrans2D1">
+    <dgm:scene3d>
+      <a:camera prst="orthographicFront"/>
+      <a:lightRig rig="threePt" dir="t"/>
+    </dgm:scene3d>
+    <dgm:sp3d/>
+    <dgm:txPr/>
+    <dgm:style>
+      <a:lnRef idx="2">
+        <a:scrgbClr r="0" g="0" b="0"/>
+      </a:lnRef>
+      <a:fillRef idx="1">
+        <a:scrgbClr r="0" g="0" b="0"/>
+      </a:fillRef>
+      <a:effectRef idx="0">
+        <a:scrgbClr r="0" g="0" b="0"/>
+      </a:effectRef>
+      <a:fontRef idx="minor">
+        <a:schemeClr val="lt1"/>
+      </a:fontRef>
+    </dgm:style>
+  </dgm:styleLbl>
+  <dgm:styleLbl name="parChTrans2D2">
+    <dgm:scene3d>
+      <a:camera prst="orthographicFront"/>
+      <a:lightRig rig="threePt" dir="t"/>
+    </dgm:scene3d>
+    <dgm:sp3d/>
+    <dgm:txPr/>
+    <dgm:style>
+      <a:lnRef idx="2">
+        <a:scrgbClr r="0" g="0" b="0"/>
+      </a:lnRef>
+      <a:fillRef idx="1">
+        <a:scrgbClr r="0" g="0" b="0"/>
+      </a:fillRef>
+      <a:effectRef idx="0">
+        <a:scrgbClr r="0" g="0" b="0"/>
+      </a:effectRef>
+      <a:fontRef idx="minor">
+        <a:schemeClr val="lt1"/>
+      </a:fontRef>
+    </dgm:style>
+  </dgm:styleLbl>
+  <dgm:styleLbl name="parChTrans2D3">
+    <dgm:scene3d>
+      <a:camera prst="orthographicFront"/>
+      <a:lightRig rig="threePt" dir="t"/>
+    </dgm:scene3d>
+    <dgm:sp3d/>
+    <dgm:txPr/>
+    <dgm:style>
+      <a:lnRef idx="2">
+        <a:scrgbClr r="0" g="0" b="0"/>
+      </a:lnRef>
+      <a:fillRef idx="1">
+        <a:scrgbClr r="0" g="0" b="0"/>
+      </a:fillRef>
+      <a:effectRef idx="0">
+        <a:scrgbClr r="0" g="0" b="0"/>
+      </a:effectRef>
+      <a:fontRef idx="minor">
+        <a:schemeClr val="lt1"/>
+      </a:fontRef>
+    </dgm:style>
+  </dgm:styleLbl>
+  <dgm:styleLbl name="parChTrans2D4">
+    <dgm:scene3d>
+      <a:camera prst="orthographicFront"/>
+      <a:lightRig rig="threePt" dir="t"/>
+    </dgm:scene3d>
+    <dgm:sp3d/>
+    <dgm:txPr/>
+    <dgm:style>
+      <a:lnRef idx="2">
+        <a:scrgbClr r="0" g="0" b="0"/>
+      </a:lnRef>
+      <a:fillRef idx="1">
+        <a:scrgbClr r="0" g="0" b="0"/>
+      </a:fillRef>
+      <a:effectRef idx="0">
+        <a:scrgbClr r="0" g="0" b="0"/>
+      </a:effectRef>
+      <a:fontRef idx="minor">
+        <a:schemeClr val="lt1"/>
+      </a:fontRef>
+    </dgm:style>
+  </dgm:styleLbl>
+  <dgm:styleLbl name="parChTrans1D1">
+    <dgm:scene3d>
+      <a:camera prst="orthographicFront"/>
+      <a:lightRig rig="threePt" dir="t"/>
+    </dgm:scene3d>
+    <dgm:sp3d/>
+    <dgm:txPr/>
+    <dgm:style>
+      <a:lnRef idx="2">
+        <a:scrgbClr r="0" g="0" b="0"/>
+      </a:lnRef>
+      <a:fillRef idx="0">
+        <a:scrgbClr r="0" g="0" b="0"/>
+      </a:fillRef>
+      <a:effectRef idx="0">
+        <a:scrgbClr r="0" g="0" b="0"/>
+      </a:effectRef>
+      <a:fontRef idx="minor"/>
+    </dgm:style>
+  </dgm:styleLbl>
+  <dgm:styleLbl name="parChTrans1D2">
+    <dgm:scene3d>
+      <a:camera prst="orthographicFront"/>
+      <a:lightRig rig="threePt" dir="t"/>
+    </dgm:scene3d>
+    <dgm:sp3d/>
+    <dgm:txPr/>
+    <dgm:style>
+      <a:lnRef idx="2">
+        <a:scrgbClr r="0" g="0" b="0"/>
+      </a:lnRef>
+      <a:fillRef idx="0">
+        <a:scrgbClr r="0" g="0" b="0"/>
+      </a:fillRef>
+      <a:effectRef idx="0">
+        <a:scrgbClr r="0" g="0" b="0"/>
+      </a:effectRef>
+      <a:fontRef idx="minor"/>
+    </dgm:style>
+  </dgm:styleLbl>
+  <dgm:styleLbl name="parChTrans1D3">
+    <dgm:scene3d>
+      <a:camera prst="orthographicFront"/>
+      <a:lightRig rig="threePt" dir="t"/>
+    </dgm:scene3d>
+    <dgm:sp3d/>
+    <dgm:txPr/>
+    <dgm:style>
+      <a:lnRef idx="2">
+        <a:scrgbClr r="0" g="0" b="0"/>
+      </a:lnRef>
+      <a:fillRef idx="0">
+        <a:scrgbClr r="0" g="0" b="0"/>
+      </a:fillRef>
+      <a:effectRef idx="0">
+        <a:scrgbClr r="0" g="0" b="0"/>
+      </a:effectRef>
+      <a:fontRef idx="minor"/>
+    </dgm:style>
+  </dgm:styleLbl>
+  <dgm:styleLbl name="parChTrans1D4">
+    <dgm:scene3d>
+      <a:camera prst="orthographicFront"/>
+      <a:lightRig rig="threePt" dir="t"/>
+    </dgm:scene3d>
+    <dgm:sp3d/>
+    <dgm:txPr/>
+    <dgm:style>
+      <a:lnRef idx="2">
+        <a:scrgbClr r="0" g="0" b="0"/>
+      </a:lnRef>
+      <a:fillRef idx="0">
+        <a:scrgbClr r="0" g="0" b="0"/>
+      </a:fillRef>
+      <a:effectRef idx="0">
+        <a:scrgbClr r="0" g="0" b="0"/>
+      </a:effectRef>
+      <a:fontRef idx="minor"/>
+    </dgm:style>
+  </dgm:styleLbl>
+  <dgm:styleLbl name="fgAcc1">
+    <dgm:scene3d>
+      <a:camera prst="orthographicFront"/>
+      <a:lightRig rig="threePt" dir="t"/>
+    </dgm:scene3d>
+    <dgm:sp3d/>
+    <dgm:txPr/>
+    <dgm:style>
+      <a:lnRef idx="2">
+        <a:scrgbClr r="0" g="0" b="0"/>
+      </a:lnRef>
+      <a:fillRef idx="1">
+        <a:scrgbClr r="0" g="0" b="0"/>
+      </a:fillRef>
+      <a:effectRef idx="0">
+        <a:scrgbClr r="0" g="0" b="0"/>
+      </a:effectRef>
+      <a:fontRef idx="minor"/>
+    </dgm:style>
+  </dgm:styleLbl>
+  <dgm:styleLbl name="conFgAcc1">
+    <dgm:scene3d>
+      <a:camera prst="orthographicFront"/>
+      <a:lightRig rig="threePt" dir="t"/>
+    </dgm:scene3d>
+    <dgm:sp3d/>
+    <dgm:txPr/>
+    <dgm:style>
+      <a:lnRef idx="2">
+        <a:scrgbClr r="0" g="0" b="0"/>
+      </a:lnRef>
+      <a:fillRef idx="1">
+        <a:scrgbClr r="0" g="0" b="0"/>
+      </a:fillRef>
+      <a:effectRef idx="0">
+        <a:scrgbClr r="0" g="0" b="0"/>
+      </a:effectRef>
+      <a:fontRef idx="minor"/>
+    </dgm:style>
+  </dgm:styleLbl>
+  <dgm:styleLbl name="alignAcc1">
+    <dgm:scene3d>
+      <a:camera prst="orthographicFront"/>
+      <a:lightRig rig="threePt" dir="t"/>
+    </dgm:scene3d>
+    <dgm:sp3d/>
+    <dgm:txPr/>
+    <dgm:style>
+      <a:lnRef idx="2">
+        <a:scrgbClr r="0" g="0" b="0"/>
+      </a:lnRef>
+      <a:fillRef idx="1">
+        <a:scrgbClr r="0" g="0" b="0"/>
+      </a:fillRef>
+      <a:effectRef idx="0">
+        <a:scrgbClr r="0" g="0" b="0"/>
+      </a:effectRef>
+      <a:fontRef idx="minor"/>
+    </dgm:style>
+  </dgm:styleLbl>
+  <dgm:styleLbl name="trAlignAcc1">
+    <dgm:scene3d>
+      <a:camera prst="orthographicFront"/>
+      <a:lightRig rig="threePt" dir="t"/>
+    </dgm:scene3d>
+    <dgm:sp3d/>
+    <dgm:txPr/>
+    <dgm:style>
+      <a:lnRef idx="1">
+        <a:scrgbClr r="0" g="0" b="0"/>
+      </a:lnRef>
+      <a:fillRef idx="1">
+        <a:scrgbClr r="0" g="0" b="0"/>
+      </a:fillRef>
+      <a:effectRef idx="0">
+        <a:scrgbClr r="0" g="0" b="0"/>
+      </a:effectRef>
+      <a:fontRef idx="minor"/>
+    </dgm:style>
+  </dgm:styleLbl>
+  <dgm:styleLbl name="bgAcc1">
+    <dgm:scene3d>
+      <a:camera prst="orthographicFront"/>
+      <a:lightRig rig="threePt" dir="t"/>
+    </dgm:scene3d>
+    <dgm:sp3d/>
+    <dgm:txPr/>
+    <dgm:style>
+      <a:lnRef idx="2">
+        <a:scrgbClr r="0" g="0" b="0"/>
+      </a:lnRef>
+      <a:fillRef idx="1">
+        <a:scrgbClr r="0" g="0" b="0"/>
+      </a:fillRef>
+      <a:effectRef idx="0">
+        <a:scrgbClr r="0" g="0" b="0"/>
+      </a:effectRef>
+      <a:fontRef idx="minor"/>
+    </dgm:style>
+  </dgm:styleLbl>
+  <dgm:styleLbl name="solidFgAcc1">
+    <dgm:scene3d>
+      <a:camera prst="orthographicFront"/>
+      <a:lightRig rig="threePt" dir="t"/>
+    </dgm:scene3d>
+    <dgm:sp3d/>
+    <dgm:txPr/>
+    <dgm:style>
+      <a:lnRef idx="2">
+        <a:scrgbClr r="0" g="0" b="0"/>
+      </a:lnRef>
+      <a:fillRef idx="1">
+        <a:scrgbClr r="0" g="0" b="0"/>
+      </a:fillRef>
+      <a:effectRef idx="0">
+        <a:scrgbClr r="0" g="0" b="0"/>
+      </a:effectRef>
+      <a:fontRef idx="minor"/>
+    </dgm:style>
+  </dgm:styleLbl>
+  <dgm:styleLbl name="solidAlignAcc1">
+    <dgm:scene3d>
+      <a:camera prst="orthographicFront"/>
+      <a:lightRig rig="threePt" dir="t"/>
+    </dgm:scene3d>
+    <dgm:sp3d/>
+    <dgm:txPr/>
+    <dgm:style>
+      <a:lnRef idx="2">
+        <a:scrgbClr r="0" g="0" b="0"/>
+      </a:lnRef>
+      <a:fillRef idx="1">
+        <a:scrgbClr r="0" g="0" b="0"/>
+      </a:fillRef>
+      <a:effectRef idx="0">
+        <a:scrgbClr r="0" g="0" b="0"/>
+      </a:effectRef>
+      <a:fontRef idx="minor"/>
+    </dgm:style>
+  </dgm:styleLbl>
+  <dgm:styleLbl name="solidBgAcc1">
+    <dgm:scene3d>
+      <a:camera prst="orthographicFront"/>
+      <a:lightRig rig="threePt" dir="t"/>
+    </dgm:scene3d>
+    <dgm:sp3d/>
+    <dgm:txPr/>
+    <dgm:style>
+      <a:lnRef idx="2">
+        <a:scrgbClr r="0" g="0" b="0"/>
+      </a:lnRef>
+      <a:fillRef idx="1">
+        <a:scrgbClr r="0" g="0" b="0"/>
+      </a:fillRef>
+      <a:effectRef idx="0">
+        <a:scrgbClr r="0" g="0" b="0"/>
+      </a:effectRef>
+      <a:fontRef idx="minor"/>
+    </dgm:style>
+  </dgm:styleLbl>
+  <dgm:styleLbl name="fgAccFollowNode1">
+    <dgm:scene3d>
+      <a:camera prst="orthographicFront"/>
+      <a:lightRig rig="threePt" dir="t"/>
+    </dgm:scene3d>
+    <dgm:sp3d/>
+    <dgm:txPr/>
+    <dgm:style>
+      <a:lnRef idx="2">
+        <a:scrgbClr r="0" g="0" b="0"/>
+      </a:lnRef>
+      <a:fillRef idx="1">
+        <a:scrgbClr r="0" g="0" b="0"/>
+      </a:fillRef>
+      <a:effectRef idx="0">
+        <a:scrgbClr r="0" g="0" b="0"/>
+      </a:effectRef>
+      <a:fontRef idx="minor"/>
+    </dgm:style>
+  </dgm:styleLbl>
+  <dgm:styleLbl name="alignAccFollowNode1">
+    <dgm:scene3d>
+      <a:camera prst="orthographicFront"/>
+      <a:lightRig rig="threePt" dir="t"/>
+    </dgm:scene3d>
+    <dgm:sp3d/>
+    <dgm:txPr/>
+    <dgm:style>
+      <a:lnRef idx="2">
+        <a:scrgbClr r="0" g="0" b="0"/>
+      </a:lnRef>
+      <a:fillRef idx="1">
+        <a:scrgbClr r="0" g="0" b="0"/>
+      </a:fillRef>
+      <a:effectRef idx="0">
+        <a:scrgbClr r="0" g="0" b="0"/>
+      </a:effectRef>
+      <a:fontRef idx="minor"/>
+    </dgm:style>
+  </dgm:styleLbl>
+  <dgm:styleLbl name="bgAccFollowNode1">
+    <dgm:scene3d>
+      <a:camera prst="orthographicFront"/>
+      <a:lightRig rig="threePt" dir="t"/>
+    </dgm:scene3d>
+    <dgm:sp3d/>
+    <dgm:txPr/>
+    <dgm:style>
+      <a:lnRef idx="2">
+        <a:scrgbClr r="0" g="0" b="0"/>
+      </a:lnRef>
+      <a:fillRef idx="1">
+        <a:scrgbClr r="0" g="0" b="0"/>
+      </a:fillRef>
+      <a:effectRef idx="0">
+        <a:scrgbClr r="0" g="0" b="0"/>
+      </a:effectRef>
+      <a:fontRef idx="minor"/>
+    </dgm:style>
+  </dgm:styleLbl>
+  <dgm:styleLbl name="fgAcc0">
+    <dgm:scene3d>
+      <a:camera prst="orthographicFront"/>
+      <a:lightRig rig="threePt" dir="t"/>
+    </dgm:scene3d>
+    <dgm:sp3d/>
+    <dgm:txPr/>
+    <dgm:style>
+      <a:lnRef idx="2">
+        <a:scrgbClr r="0" g="0" b="0"/>
+      </a:lnRef>
+      <a:fillRef idx="1">
+        <a:scrgbClr r="0" g="0" b="0"/>
+      </a:fillRef>
+      <a:effectRef idx="0">
+        <a:scrgbClr r="0" g="0" b="0"/>
+      </a:effectRef>
+      <a:fontRef idx="minor"/>
+    </dgm:style>
+  </dgm:styleLbl>
+  <dgm:styleLbl name="fgAcc2">
+    <dgm:scene3d>
+      <a:camera prst="orthographicFront"/>
+      <a:lightRig rig="threePt" dir="t"/>
+    </dgm:scene3d>
+    <dgm:sp3d/>
+    <dgm:txPr/>
+    <dgm:style>
+      <a:lnRef idx="2">
+        <a:scrgbClr r="0" g="0" b="0"/>
+      </a:lnRef>
+      <a:fillRef idx="1">
+        <a:scrgbClr r="0" g="0" b="0"/>
+      </a:fillRef>
+      <a:effectRef idx="0">
+        <a:scrgbClr r="0" g="0" b="0"/>
+      </a:effectRef>
+      <a:fontRef idx="minor"/>
+    </dgm:style>
+  </dgm:styleLbl>
+  <dgm:styleLbl name="fgAcc3">
+    <dgm:scene3d>
+      <a:camera prst="orthographicFront"/>
+      <a:lightRig rig="threePt" dir="t"/>
+    </dgm:scene3d>
+    <dgm:sp3d/>
+    <dgm:txPr/>
+    <dgm:style>
+      <a:lnRef idx="2">
+        <a:scrgbClr r="0" g="0" b="0"/>
+      </a:lnRef>
+      <a:fillRef idx="1">
+        <a:scrgbClr r="0" g="0" b="0"/>
+      </a:fillRef>
+      <a:effectRef idx="0">
+        <a:scrgbClr r="0" g="0" b="0"/>
+      </a:effectRef>
+      <a:fontRef idx="minor"/>
+    </dgm:style>
+  </dgm:styleLbl>
+  <dgm:styleLbl name="fgAcc4">
+    <dgm:scene3d>
+      <a:camera prst="orthographicFront"/>
+      <a:lightRig rig="threePt" dir="t"/>
+    </dgm:scene3d>
+    <dgm:sp3d/>
+    <dgm:txPr/>
+    <dgm:style>
+      <a:lnRef idx="2">
+        <a:scrgbClr r="0" g="0" b="0"/>
+      </a:lnRef>
+      <a:fillRef idx="1">
+        <a:scrgbClr r="0" g="0" b="0"/>
+      </a:fillRef>
+      <a:effectRef idx="0">
+        <a:scrgbClr r="0" g="0" b="0"/>
+      </a:effectRef>
+      <a:fontRef idx="minor"/>
+    </dgm:style>
+  </dgm:styleLbl>
+  <dgm:styleLbl name="bgShp">
+    <dgm:scene3d>
+      <a:camera prst="orthographicFront"/>
+      <a:lightRig rig="threePt" dir="t"/>
+    </dgm:scene3d>
+    <dgm:sp3d/>
+    <dgm:txPr/>
+    <dgm:style>
+      <a:lnRef idx="0">
+        <a:scrgbClr r="0" g="0" b="0"/>
+      </a:lnRef>
+      <a:fillRef idx="1">
+        <a:scrgbClr r="0" g="0" b="0"/>
+      </a:fillRef>
+      <a:effectRef idx="0">
+        <a:scrgbClr r="0" g="0" b="0"/>
+      </a:effectRef>
+      <a:fontRef idx="minor"/>
+    </dgm:style>
+  </dgm:styleLbl>
+  <dgm:styleLbl name="dkBgShp">
+    <dgm:scene3d>
+      <a:camera prst="orthographicFront"/>
+      <a:lightRig rig="threePt" dir="t"/>
+    </dgm:scene3d>
+    <dgm:sp3d/>
+    <dgm:txPr/>
+    <dgm:style>
+      <a:lnRef idx="0">
+        <a:scrgbClr r="0" g="0" b="0"/>
+      </a:lnRef>
+      <a:fillRef idx="1">
+        <a:scrgbClr r="0" g="0" b="0"/>
+      </a:fillRef>
+      <a:effectRef idx="0">
+        <a:scrgbClr r="0" g="0" b="0"/>
+      </a:effectRef>
+      <a:fontRef idx="minor"/>
+    </dgm:style>
+  </dgm:styleLbl>
+  <dgm:styleLbl name="trBgShp">
+    <dgm:scene3d>
+      <a:camera prst="orthographicFront"/>
+      <a:lightRig rig="threePt" dir="t"/>
+    </dgm:scene3d>
+    <dgm:sp3d/>
+    <dgm:txPr/>
+    <dgm:style>
+      <a:lnRef idx="0">
+        <a:scrgbClr r="0" g="0" b="0"/>
+      </a:lnRef>
+      <a:fillRef idx="1">
+        <a:scrgbClr r="0" g="0" b="0"/>
+      </a:fillRef>
+      <a:effectRef idx="0">
+        <a:scrgbClr r="0" g="0" b="0"/>
+      </a:effectRef>
+      <a:fontRef idx="minor"/>
+    </dgm:style>
+  </dgm:styleLbl>
+  <dgm:styleLbl name="fgShp">
+    <dgm:scene3d>
+      <a:camera prst="orthographicFront"/>
+      <a:lightRig rig="threePt" dir="t"/>
+    </dgm:scene3d>
+    <dgm:sp3d/>
+    <dgm:txPr/>
+    <dgm:style>
+      <a:lnRef idx="2">
+        <a:scrgbClr r="0" g="0" b="0"/>
+      </a:lnRef>
+      <a:fillRef idx="1">
+        <a:scrgbClr r="0" g="0" b="0"/>
+      </a:fillRef>
+      <a:effectRef idx="0">
+        <a:scrgbClr r="0" g="0" b="0"/>
+      </a:effectRef>
+      <a:fontRef idx="minor"/>
+    </dgm:style>
+  </dgm:styleLbl>
+  <dgm:styleLbl name="revTx">
+    <dgm:scene3d>
+      <a:camera prst="orthographicFront"/>
+      <a:lightRig rig="threePt" dir="t"/>
+    </dgm:scene3d>
+    <dgm:sp3d/>
+    <dgm:txPr/>
+    <dgm:style>
+      <a:lnRef idx="0">
+        <a:scrgbClr r="0" g="0" b="0"/>
+      </a:lnRef>
+      <a:fillRef idx="0">
+        <a:scrgbClr r="0" g="0" b="0"/>
+      </a:fillRef>
+      <a:effectRef idx="0">
+        <a:scrgbClr r="0" g="0" b="0"/>
+      </a:effectRef>
+      <a:fontRef idx="minor"/>
+    </dgm:style>
+  </dgm:styleLbl>
+</dgm:styleDef>
+</file>
+
 <file path=ppt/slideLayouts/slideLayout1.xml><?xml version="1.0" encoding="utf-8"?>
 <p:sldLayout xmlns:a="http://schemas.openxmlformats.org/drawingml/2006/main" xmlns:r="http://schemas.openxmlformats.org/officeDocument/2006/relationships" xmlns:p="http://schemas.openxmlformats.org/presentationml/2006/main" type="title" preserve="1">
   <p:cSld name="标题幻灯片">
@@ -246,7 +3967,7 @@
           <a:p>
             <a:fld id="{C2505B22-9FD8-4356-A0AB-8C46EF77DAF8}" type="datetimeFigureOut">
               <a:rPr lang="zh-CN" altLang="en-US" smtClean="0"/>
-              <a:t>2016/3/10</a:t>
+              <a:t>2016/3/11</a:t>
             </a:fld>
             <a:endParaRPr lang="zh-CN" altLang="en-US"/>
           </a:p>
@@ -416,7 +4137,7 @@
           <a:p>
             <a:fld id="{C2505B22-9FD8-4356-A0AB-8C46EF77DAF8}" type="datetimeFigureOut">
               <a:rPr lang="zh-CN" altLang="en-US" smtClean="0"/>
-              <a:t>2016/3/10</a:t>
+              <a:t>2016/3/11</a:t>
             </a:fld>
             <a:endParaRPr lang="zh-CN" altLang="en-US"/>
           </a:p>
@@ -596,7 +4317,7 @@
           <a:p>
             <a:fld id="{C2505B22-9FD8-4356-A0AB-8C46EF77DAF8}" type="datetimeFigureOut">
               <a:rPr lang="zh-CN" altLang="en-US" smtClean="0"/>
-              <a:t>2016/3/10</a:t>
+              <a:t>2016/3/11</a:t>
             </a:fld>
             <a:endParaRPr lang="zh-CN" altLang="en-US"/>
           </a:p>
@@ -766,7 +4487,7 @@
           <a:p>
             <a:fld id="{C2505B22-9FD8-4356-A0AB-8C46EF77DAF8}" type="datetimeFigureOut">
               <a:rPr lang="zh-CN" altLang="en-US" smtClean="0"/>
-              <a:t>2016/3/10</a:t>
+              <a:t>2016/3/11</a:t>
             </a:fld>
             <a:endParaRPr lang="zh-CN" altLang="en-US"/>
           </a:p>
@@ -1012,7 +4733,7 @@
           <a:p>
             <a:fld id="{C2505B22-9FD8-4356-A0AB-8C46EF77DAF8}" type="datetimeFigureOut">
               <a:rPr lang="zh-CN" altLang="en-US" smtClean="0"/>
-              <a:t>2016/3/10</a:t>
+              <a:t>2016/3/11</a:t>
             </a:fld>
             <a:endParaRPr lang="zh-CN" altLang="en-US"/>
           </a:p>
@@ -1244,7 +4965,7 @@
           <a:p>
             <a:fld id="{C2505B22-9FD8-4356-A0AB-8C46EF77DAF8}" type="datetimeFigureOut">
               <a:rPr lang="zh-CN" altLang="en-US" smtClean="0"/>
-              <a:t>2016/3/10</a:t>
+              <a:t>2016/3/11</a:t>
             </a:fld>
             <a:endParaRPr lang="zh-CN" altLang="en-US"/>
           </a:p>
@@ -1611,7 +5332,7 @@
           <a:p>
             <a:fld id="{C2505B22-9FD8-4356-A0AB-8C46EF77DAF8}" type="datetimeFigureOut">
               <a:rPr lang="zh-CN" altLang="en-US" smtClean="0"/>
-              <a:t>2016/3/10</a:t>
+              <a:t>2016/3/11</a:t>
             </a:fld>
             <a:endParaRPr lang="zh-CN" altLang="en-US"/>
           </a:p>
@@ -1729,7 +5450,7 @@
           <a:p>
             <a:fld id="{C2505B22-9FD8-4356-A0AB-8C46EF77DAF8}" type="datetimeFigureOut">
               <a:rPr lang="zh-CN" altLang="en-US" smtClean="0"/>
-              <a:t>2016/3/10</a:t>
+              <a:t>2016/3/11</a:t>
             </a:fld>
             <a:endParaRPr lang="zh-CN" altLang="en-US"/>
           </a:p>
@@ -1824,7 +5545,7 @@
           <a:p>
             <a:fld id="{C2505B22-9FD8-4356-A0AB-8C46EF77DAF8}" type="datetimeFigureOut">
               <a:rPr lang="zh-CN" altLang="en-US" smtClean="0"/>
-              <a:t>2016/3/10</a:t>
+              <a:t>2016/3/11</a:t>
             </a:fld>
             <a:endParaRPr lang="zh-CN" altLang="en-US"/>
           </a:p>
@@ -2101,7 +5822,7 @@
           <a:p>
             <a:fld id="{C2505B22-9FD8-4356-A0AB-8C46EF77DAF8}" type="datetimeFigureOut">
               <a:rPr lang="zh-CN" altLang="en-US" smtClean="0"/>
-              <a:t>2016/3/10</a:t>
+              <a:t>2016/3/11</a:t>
             </a:fld>
             <a:endParaRPr lang="zh-CN" altLang="en-US"/>
           </a:p>
@@ -2354,7 +6075,7 @@
           <a:p>
             <a:fld id="{C2505B22-9FD8-4356-A0AB-8C46EF77DAF8}" type="datetimeFigureOut">
               <a:rPr lang="zh-CN" altLang="en-US" smtClean="0"/>
-              <a:t>2016/3/10</a:t>
+              <a:t>2016/3/11</a:t>
             </a:fld>
             <a:endParaRPr lang="zh-CN" altLang="en-US"/>
           </a:p>
@@ -2567,7 +6288,7 @@
           <a:p>
             <a:fld id="{C2505B22-9FD8-4356-A0AB-8C46EF77DAF8}" type="datetimeFigureOut">
               <a:rPr lang="zh-CN" altLang="en-US" smtClean="0"/>
-              <a:t>2016/3/10</a:t>
+              <a:t>2016/3/11</a:t>
             </a:fld>
             <a:endParaRPr lang="zh-CN" altLang="en-US"/>
           </a:p>
@@ -2987,6 +6708,14 @@
           <a:bodyPr/>
           <a:lstStyle/>
           <a:p>
+            <a:r>
+              <a:rPr lang="en-US" altLang="zh-CN" sz="4000" dirty="0" smtClean="0"/>
+              <a:t>Authoring Tool </a:t>
+            </a:r>
+            <a:r>
+              <a:rPr lang="zh-CN" altLang="en-US" sz="4000" dirty="0" smtClean="0"/>
+              <a:t>组件结构设计</a:t>
+            </a:r>
             <a:endParaRPr lang="zh-CN" altLang="en-US" dirty="0"/>
           </a:p>
         </p:txBody>
@@ -3048,7 +6777,7 @@
         </p:nvSpPr>
         <p:spPr>
           <a:xfrm>
-            <a:off x="1033871" y="628204"/>
+            <a:off x="1025163" y="1098466"/>
             <a:ext cx="10363200" cy="5338354"/>
           </a:xfrm>
           <a:prstGeom prst="rect">
@@ -3088,7 +6817,7 @@
         </p:nvSpPr>
         <p:spPr>
           <a:xfrm>
-            <a:off x="1459345" y="1417913"/>
+            <a:off x="1450637" y="1888175"/>
             <a:ext cx="7813700" cy="4023893"/>
           </a:xfrm>
           <a:prstGeom prst="rect">
@@ -3128,7 +6857,7 @@
         </p:nvSpPr>
         <p:spPr>
           <a:xfrm>
-            <a:off x="2533453" y="1643015"/>
+            <a:off x="2524745" y="2113277"/>
             <a:ext cx="4694396" cy="3719559"/>
           </a:xfrm>
           <a:prstGeom prst="rect">
@@ -3173,7 +6902,7 @@
         </p:nvSpPr>
         <p:spPr bwMode="auto">
           <a:xfrm>
-            <a:off x="9596053" y="5535757"/>
+            <a:off x="9587345" y="6006019"/>
             <a:ext cx="1506583" cy="292388"/>
           </a:xfrm>
           <a:prstGeom prst="rect">
@@ -3244,7 +6973,7 @@
         </p:nvSpPr>
         <p:spPr>
           <a:xfrm>
-            <a:off x="1459345" y="831273"/>
+            <a:off x="1450637" y="1301535"/>
             <a:ext cx="9790546" cy="443345"/>
           </a:xfrm>
           <a:prstGeom prst="rect">
@@ -3288,7 +7017,7 @@
         </p:nvSpPr>
         <p:spPr>
           <a:xfrm>
-            <a:off x="9448800" y="1417914"/>
+            <a:off x="9440092" y="1888176"/>
             <a:ext cx="1801091" cy="415840"/>
           </a:xfrm>
           <a:prstGeom prst="rect">
@@ -3330,7 +7059,7 @@
         </p:nvSpPr>
         <p:spPr>
           <a:xfrm>
-            <a:off x="9448800" y="2031940"/>
+            <a:off x="9440092" y="2502202"/>
             <a:ext cx="1801091" cy="427370"/>
           </a:xfrm>
           <a:prstGeom prst="rect">
@@ -3468,7 +7197,7 @@
         </p:nvSpPr>
         <p:spPr>
           <a:xfrm>
-            <a:off x="1644073" y="1570182"/>
+            <a:off x="1635365" y="2040444"/>
             <a:ext cx="751180" cy="3713018"/>
           </a:xfrm>
           <a:prstGeom prst="rect">
@@ -3510,7 +7239,7 @@
         </p:nvSpPr>
         <p:spPr>
           <a:xfrm>
-            <a:off x="2678797" y="1720339"/>
+            <a:off x="2670089" y="2242855"/>
             <a:ext cx="1867077" cy="3356758"/>
           </a:xfrm>
           <a:prstGeom prst="rect">
@@ -3519,13 +7248,13 @@
         </p:spPr>
         <p:style>
           <a:lnRef idx="1">
-            <a:schemeClr val="accent3"/>
+            <a:schemeClr val="accent5"/>
           </a:lnRef>
           <a:fillRef idx="3">
-            <a:schemeClr val="accent3"/>
+            <a:schemeClr val="accent5"/>
           </a:fillRef>
           <a:effectRef idx="2">
-            <a:schemeClr val="accent3"/>
+            <a:schemeClr val="accent5"/>
           </a:effectRef>
           <a:fontRef idx="minor">
             <a:schemeClr val="lt1"/>
@@ -3548,7 +7277,7 @@
         </p:nvSpPr>
         <p:spPr>
           <a:xfrm>
-            <a:off x="7403604" y="4923858"/>
+            <a:off x="7394896" y="5394120"/>
             <a:ext cx="1643335" cy="307777"/>
           </a:xfrm>
           <a:prstGeom prst="rect">
@@ -3585,7 +7314,7 @@
         </p:nvSpPr>
         <p:spPr>
           <a:xfrm>
-            <a:off x="3063851" y="2120755"/>
+            <a:off x="3055143" y="2591017"/>
             <a:ext cx="651140" cy="261610"/>
           </a:xfrm>
           <a:prstGeom prst="rect">
@@ -3622,7 +7351,7 @@
         </p:nvSpPr>
         <p:spPr>
           <a:xfrm>
-            <a:off x="7403604" y="1643016"/>
+            <a:off x="7394896" y="2113278"/>
             <a:ext cx="1740395" cy="1654365"/>
           </a:xfrm>
           <a:prstGeom prst="rect">
@@ -3660,7 +7389,7 @@
         </p:nvSpPr>
         <p:spPr>
           <a:xfrm>
-            <a:off x="7821716" y="1796727"/>
+            <a:off x="7813008" y="2266989"/>
             <a:ext cx="1069588" cy="338554"/>
           </a:xfrm>
           <a:prstGeom prst="rect">
@@ -3697,7 +7426,7 @@
         </p:nvSpPr>
         <p:spPr>
           <a:xfrm>
-            <a:off x="1663600" y="1662607"/>
+            <a:off x="1654892" y="2132869"/>
             <a:ext cx="704471" cy="369332"/>
           </a:xfrm>
           <a:prstGeom prst="rect">
@@ -3748,7 +7477,7 @@
         </p:nvSpPr>
         <p:spPr>
           <a:xfrm>
-            <a:off x="1662545" y="2089977"/>
+            <a:off x="1653837" y="2560239"/>
             <a:ext cx="704471" cy="369332"/>
           </a:xfrm>
           <a:prstGeom prst="rect">
@@ -3792,7 +7521,7 @@
         </p:nvSpPr>
         <p:spPr>
           <a:xfrm>
-            <a:off x="7687148" y="2237566"/>
+            <a:off x="7678440" y="2707828"/>
             <a:ext cx="1356703" cy="293250"/>
           </a:xfrm>
           <a:prstGeom prst="rect">
@@ -3836,7 +7565,7 @@
         </p:nvSpPr>
         <p:spPr>
           <a:xfrm>
-            <a:off x="7687148" y="2541249"/>
+            <a:off x="7678440" y="3011511"/>
             <a:ext cx="1356703" cy="293250"/>
           </a:xfrm>
           <a:prstGeom prst="rect">
@@ -3880,7 +7609,7 @@
         </p:nvSpPr>
         <p:spPr>
           <a:xfrm>
-            <a:off x="6021835" y="5050238"/>
+            <a:off x="6013127" y="5520500"/>
             <a:ext cx="1133131" cy="307777"/>
           </a:xfrm>
           <a:prstGeom prst="rect">
@@ -3917,12 +7646,17 @@
         </p:nvSpPr>
         <p:spPr>
           <a:xfrm>
-            <a:off x="4868117" y="1734387"/>
+            <a:off x="4859409" y="2204649"/>
             <a:ext cx="1867077" cy="3356758"/>
           </a:xfrm>
           <a:prstGeom prst="rect">
             <a:avLst/>
           </a:prstGeom>
+          <a:solidFill>
+            <a:schemeClr val="accent1">
+              <a:lumMod val="75000"/>
+            </a:schemeClr>
+          </a:solidFill>
         </p:spPr>
         <p:style>
           <a:lnRef idx="1">
@@ -3955,7 +7689,7 @@
         </p:nvSpPr>
         <p:spPr>
           <a:xfrm>
-            <a:off x="5149205" y="2120755"/>
+            <a:off x="5140497" y="2591017"/>
             <a:ext cx="1321196" cy="261610"/>
           </a:xfrm>
           <a:prstGeom prst="rect">
@@ -4016,7 +7750,7 @@
         </p:nvSpPr>
         <p:spPr>
           <a:xfrm>
-            <a:off x="1948611" y="3952231"/>
+            <a:off x="1939903" y="4422493"/>
             <a:ext cx="6942694" cy="761456"/>
           </a:xfrm>
           <a:prstGeom prst="rect">
@@ -4054,7 +7788,7 @@
         </p:nvSpPr>
         <p:spPr>
           <a:xfrm>
-            <a:off x="5134461" y="4172461"/>
+            <a:off x="5125753" y="4642723"/>
             <a:ext cx="941283" cy="338554"/>
           </a:xfrm>
           <a:prstGeom prst="rect">
@@ -4080,6 +7814,36 @@
                 <a:schemeClr val="bg1"/>
               </a:solidFill>
             </a:endParaRPr>
+          </a:p>
+        </p:txBody>
+      </p:sp>
+      <p:sp>
+        <p:nvSpPr>
+          <p:cNvPr id="2" name="文本框 1"/>
+          <p:cNvSpPr txBox="1"/>
+          <p:nvPr/>
+        </p:nvSpPr>
+        <p:spPr>
+          <a:xfrm>
+            <a:off x="1007356" y="440313"/>
+            <a:ext cx="5059680" cy="369332"/>
+          </a:xfrm>
+          <a:prstGeom prst="rect">
+            <a:avLst/>
+          </a:prstGeom>
+          <a:noFill/>
+        </p:spPr>
+        <p:txBody>
+          <a:bodyPr wrap="square" rtlCol="0">
+            <a:spAutoFit/>
+          </a:bodyPr>
+          <a:lstStyle/>
+          <a:p>
+            <a:r>
+              <a:rPr lang="zh-CN" altLang="en-US" dirty="0" smtClean="0"/>
+              <a:t>整体组件结构图</a:t>
+            </a:r>
+            <a:endParaRPr lang="zh-CN" altLang="en-US" dirty="0"/>
           </a:p>
         </p:txBody>
       </p:sp>
@@ -4121,7 +7885,7 @@
         </p:nvSpPr>
         <p:spPr>
           <a:xfrm>
-            <a:off x="1445623" y="1737358"/>
+            <a:off x="1489166" y="2042158"/>
             <a:ext cx="2151017" cy="962298"/>
           </a:xfrm>
           <a:prstGeom prst="rect">
@@ -4161,7 +7925,7 @@
         </p:nvSpPr>
         <p:spPr>
           <a:xfrm>
-            <a:off x="992777" y="1828797"/>
+            <a:off x="1036320" y="2133597"/>
             <a:ext cx="679269" cy="304801"/>
           </a:xfrm>
           <a:prstGeom prst="rect">
@@ -4205,7 +7969,51 @@
         </p:nvSpPr>
         <p:spPr>
           <a:xfrm>
-            <a:off x="4586143" y="895584"/>
+            <a:off x="4629686" y="862149"/>
+            <a:ext cx="2151017" cy="1130715"/>
+          </a:xfrm>
+          <a:prstGeom prst="rect">
+            <a:avLst/>
+          </a:prstGeom>
+        </p:spPr>
+        <p:style>
+          <a:lnRef idx="2">
+            <a:schemeClr val="accent1">
+              <a:shade val="50000"/>
+            </a:schemeClr>
+          </a:lnRef>
+          <a:fillRef idx="1">
+            <a:schemeClr val="accent1"/>
+          </a:fillRef>
+          <a:effectRef idx="0">
+            <a:schemeClr val="accent1"/>
+          </a:effectRef>
+          <a:fontRef idx="minor">
+            <a:schemeClr val="lt1"/>
+          </a:fontRef>
+        </p:style>
+        <p:txBody>
+          <a:bodyPr rtlCol="0" anchor="ctr"/>
+          <a:lstStyle/>
+          <a:p>
+            <a:pPr algn="ctr"/>
+            <a:r>
+              <a:rPr lang="en-US" altLang="zh-CN" sz="1400" dirty="0" err="1" smtClean="0"/>
+              <a:t>LeftMenu</a:t>
+            </a:r>
+            <a:endParaRPr lang="zh-CN" altLang="en-US" sz="1400" dirty="0"/>
+          </a:p>
+        </p:txBody>
+      </p:sp>
+      <p:sp>
+        <p:nvSpPr>
+          <p:cNvPr id="6" name="矩形 5"/>
+          <p:cNvSpPr/>
+          <p:nvPr/>
+        </p:nvSpPr>
+        <p:spPr>
+          <a:xfrm>
+            <a:off x="4646019" y="2516774"/>
             <a:ext cx="2151017" cy="792480"/>
           </a:xfrm>
           <a:prstGeom prst="rect">
@@ -4235,7 +8043,7 @@
             <a:pPr algn="ctr"/>
             <a:r>
               <a:rPr lang="en-US" altLang="zh-CN" sz="1400" dirty="0" err="1" smtClean="0"/>
-              <a:t>LeftMenu</a:t>
+              <a:t>ThemedPage</a:t>
             </a:r>
             <a:endParaRPr lang="zh-CN" altLang="en-US" sz="1400" dirty="0"/>
           </a:p>
@@ -4243,13 +8051,13 @@
       </p:sp>
       <p:sp>
         <p:nvSpPr>
-          <p:cNvPr id="6" name="矩形 5"/>
+          <p:cNvPr id="7" name="矩形 6"/>
           <p:cNvSpPr/>
           <p:nvPr/>
         </p:nvSpPr>
         <p:spPr>
           <a:xfrm>
-            <a:off x="4602476" y="2211974"/>
+            <a:off x="4629686" y="4084229"/>
             <a:ext cx="2151017" cy="792480"/>
           </a:xfrm>
           <a:prstGeom prst="rect">
@@ -4279,50 +8087,6 @@
             <a:pPr algn="ctr"/>
             <a:r>
               <a:rPr lang="en-US" altLang="zh-CN" sz="1400" dirty="0" err="1" smtClean="0"/>
-              <a:t>ThemedPage</a:t>
-            </a:r>
-            <a:endParaRPr lang="zh-CN" altLang="en-US" sz="1400" dirty="0"/>
-          </a:p>
-        </p:txBody>
-      </p:sp>
-      <p:sp>
-        <p:nvSpPr>
-          <p:cNvPr id="7" name="矩形 6"/>
-          <p:cNvSpPr/>
-          <p:nvPr/>
-        </p:nvSpPr>
-        <p:spPr>
-          <a:xfrm>
-            <a:off x="4586143" y="3524968"/>
-            <a:ext cx="2151017" cy="792480"/>
-          </a:xfrm>
-          <a:prstGeom prst="rect">
-            <a:avLst/>
-          </a:prstGeom>
-        </p:spPr>
-        <p:style>
-          <a:lnRef idx="2">
-            <a:schemeClr val="accent1">
-              <a:shade val="50000"/>
-            </a:schemeClr>
-          </a:lnRef>
-          <a:fillRef idx="1">
-            <a:schemeClr val="accent1"/>
-          </a:fillRef>
-          <a:effectRef idx="0">
-            <a:schemeClr val="accent1"/>
-          </a:effectRef>
-          <a:fontRef idx="minor">
-            <a:schemeClr val="lt1"/>
-          </a:fontRef>
-        </p:style>
-        <p:txBody>
-          <a:bodyPr rtlCol="0" anchor="ctr"/>
-          <a:lstStyle/>
-          <a:p>
-            <a:pPr algn="ctr"/>
-            <a:r>
-              <a:rPr lang="en-US" altLang="zh-CN" sz="1400" dirty="0" err="1" smtClean="0"/>
               <a:t>RightPanel</a:t>
             </a:r>
             <a:endParaRPr lang="zh-CN" altLang="en-US" sz="1400" dirty="0"/>
@@ -4337,7 +8101,7 @@
         </p:nvSpPr>
         <p:spPr>
           <a:xfrm>
-            <a:off x="4602475" y="4837962"/>
+            <a:off x="4646018" y="5142762"/>
             <a:ext cx="2151017" cy="1393372"/>
           </a:xfrm>
           <a:prstGeom prst="rect">
@@ -4381,7 +8145,7 @@
         </p:nvSpPr>
         <p:spPr>
           <a:xfrm>
-            <a:off x="2608217" y="2277288"/>
+            <a:off x="2651760" y="2582088"/>
             <a:ext cx="905692" cy="330926"/>
           </a:xfrm>
           <a:prstGeom prst="rect">
@@ -4426,7 +8190,7 @@
         </p:nvSpPr>
         <p:spPr>
           <a:xfrm>
-            <a:off x="2608217" y="1837505"/>
+            <a:off x="2651760" y="2142305"/>
             <a:ext cx="905692" cy="330926"/>
           </a:xfrm>
           <a:prstGeom prst="rect">
@@ -4471,7 +8235,7 @@
         </p:nvSpPr>
         <p:spPr>
           <a:xfrm>
-            <a:off x="1403573" y="2168431"/>
+            <a:off x="1447116" y="2473231"/>
             <a:ext cx="1346843" cy="261610"/>
           </a:xfrm>
           <a:prstGeom prst="rect">
@@ -4509,7 +8273,7 @@
         </p:nvSpPr>
         <p:spPr>
           <a:xfrm>
-            <a:off x="4123508" y="4872793"/>
+            <a:off x="4167051" y="5177593"/>
             <a:ext cx="679269" cy="204304"/>
           </a:xfrm>
           <a:prstGeom prst="rect">
@@ -4553,7 +8317,7 @@
         </p:nvSpPr>
         <p:spPr>
           <a:xfrm>
-            <a:off x="4123508" y="5138053"/>
+            <a:off x="4167051" y="5442853"/>
             <a:ext cx="679269" cy="195946"/>
           </a:xfrm>
           <a:prstGeom prst="rect">
@@ -4597,7 +8361,7 @@
         </p:nvSpPr>
         <p:spPr>
           <a:xfrm>
-            <a:off x="4123507" y="5395307"/>
+            <a:off x="4167050" y="5700107"/>
             <a:ext cx="679270" cy="317511"/>
           </a:xfrm>
           <a:prstGeom prst="rect">
@@ -4641,7 +8405,7 @@
         </p:nvSpPr>
         <p:spPr>
           <a:xfrm>
-            <a:off x="4123508" y="5789018"/>
+            <a:off x="4167051" y="6093818"/>
             <a:ext cx="679269" cy="304801"/>
           </a:xfrm>
           <a:prstGeom prst="rect">
@@ -4685,7 +8449,7 @@
         </p:nvSpPr>
         <p:spPr>
           <a:xfrm>
-            <a:off x="3931916" y="2298884"/>
+            <a:off x="3975459" y="2603684"/>
             <a:ext cx="927463" cy="265259"/>
           </a:xfrm>
           <a:prstGeom prst="rect">
@@ -4729,7 +8493,7 @@
         </p:nvSpPr>
         <p:spPr>
           <a:xfrm>
-            <a:off x="3931917" y="2641135"/>
+            <a:off x="3975460" y="2945935"/>
             <a:ext cx="927463" cy="256903"/>
           </a:xfrm>
           <a:prstGeom prst="rect">
@@ -4773,7 +8537,7 @@
         </p:nvSpPr>
         <p:spPr>
           <a:xfrm>
-            <a:off x="7759329" y="1592612"/>
+            <a:off x="7802872" y="1897412"/>
             <a:ext cx="1987737" cy="801538"/>
           </a:xfrm>
           <a:prstGeom prst="rect">
@@ -4817,7 +8581,7 @@
         </p:nvSpPr>
         <p:spPr>
           <a:xfrm>
-            <a:off x="7212866" y="1672369"/>
+            <a:off x="7256409" y="1977169"/>
             <a:ext cx="927463" cy="265259"/>
           </a:xfrm>
           <a:prstGeom prst="rect">
@@ -4861,7 +8625,7 @@
         </p:nvSpPr>
         <p:spPr>
           <a:xfrm>
-            <a:off x="7219394" y="1982728"/>
+            <a:off x="7262937" y="2287528"/>
             <a:ext cx="927463" cy="265259"/>
           </a:xfrm>
           <a:prstGeom prst="rect">
@@ -4905,7 +8669,7 @@
         </p:nvSpPr>
         <p:spPr>
           <a:xfrm>
-            <a:off x="7765857" y="2559761"/>
+            <a:off x="7809400" y="2864561"/>
             <a:ext cx="1981209" cy="806425"/>
           </a:xfrm>
           <a:prstGeom prst="rect">
@@ -4949,7 +8713,7 @@
         </p:nvSpPr>
         <p:spPr>
           <a:xfrm>
-            <a:off x="7219394" y="2644405"/>
+            <a:off x="7262937" y="2949205"/>
             <a:ext cx="927463" cy="265259"/>
           </a:xfrm>
           <a:prstGeom prst="rect">
@@ -4993,7 +8757,7 @@
         </p:nvSpPr>
         <p:spPr>
           <a:xfrm>
-            <a:off x="7225922" y="2954764"/>
+            <a:off x="7269465" y="3259564"/>
             <a:ext cx="927463" cy="265259"/>
           </a:xfrm>
           <a:prstGeom prst="rect">
@@ -5037,7 +8801,7 @@
         </p:nvSpPr>
         <p:spPr>
           <a:xfrm>
-            <a:off x="3400698" y="959943"/>
+            <a:off x="3444241" y="1264743"/>
             <a:ext cx="1676400" cy="322217"/>
           </a:xfrm>
           <a:prstGeom prst="rect">
@@ -5081,7 +8845,7 @@
         </p:nvSpPr>
         <p:spPr>
           <a:xfrm>
-            <a:off x="3999410" y="1337460"/>
+            <a:off x="4042953" y="1642260"/>
             <a:ext cx="927463" cy="265259"/>
           </a:xfrm>
           <a:prstGeom prst="rect">
@@ -5125,7 +8889,7 @@
         </p:nvSpPr>
         <p:spPr>
           <a:xfrm>
-            <a:off x="7765857" y="3706389"/>
+            <a:off x="7809400" y="4011189"/>
             <a:ext cx="1981209" cy="429637"/>
           </a:xfrm>
           <a:prstGeom prst="rect">
@@ -5169,7 +8933,7 @@
         </p:nvSpPr>
         <p:spPr>
           <a:xfrm>
-            <a:off x="7772385" y="4262969"/>
+            <a:off x="7815928" y="4567769"/>
             <a:ext cx="1981209" cy="429637"/>
           </a:xfrm>
           <a:prstGeom prst="rect">
@@ -5202,6 +8966,574 @@
               <a:t>SIngleChoicePanel</a:t>
             </a:r>
             <a:endParaRPr lang="zh-CN" altLang="en-US" sz="1400" dirty="0"/>
+          </a:p>
+        </p:txBody>
+      </p:sp>
+      <p:sp>
+        <p:nvSpPr>
+          <p:cNvPr id="27" name="标题 1"/>
+          <p:cNvSpPr>
+            <a:spLocks noGrp="1"/>
+          </p:cNvSpPr>
+          <p:nvPr>
+            <p:ph type="title"/>
+          </p:nvPr>
+        </p:nvSpPr>
+        <p:spPr>
+          <a:xfrm>
+            <a:off x="447394" y="154257"/>
+            <a:ext cx="10515600" cy="717811"/>
+          </a:xfrm>
+        </p:spPr>
+        <p:txBody>
+          <a:bodyPr>
+            <a:normAutofit/>
+          </a:bodyPr>
+          <a:lstStyle/>
+          <a:p>
+            <a:r>
+              <a:rPr lang="zh-CN" altLang="en-US" sz="2000" dirty="0" smtClean="0"/>
+              <a:t>组件包含关系及属性</a:t>
+            </a:r>
+            <a:r>
+              <a:rPr lang="en-US" altLang="zh-CN" sz="2000" dirty="0" smtClean="0"/>
+              <a:t>prop</a:t>
+            </a:r>
+            <a:r>
+              <a:rPr lang="zh-CN" altLang="en-US" sz="2000" dirty="0" smtClean="0"/>
+              <a:t>、状态</a:t>
+            </a:r>
+            <a:r>
+              <a:rPr lang="en-US" altLang="zh-CN" sz="2000" dirty="0" smtClean="0"/>
+              <a:t>state</a:t>
+            </a:r>
+            <a:endParaRPr lang="zh-CN" altLang="en-US" sz="2000" dirty="0"/>
+          </a:p>
+        </p:txBody>
+      </p:sp>
+      <p:sp>
+        <p:nvSpPr>
+          <p:cNvPr id="30" name="矩形 29"/>
+          <p:cNvSpPr/>
+          <p:nvPr/>
+        </p:nvSpPr>
+        <p:spPr>
+          <a:xfrm>
+            <a:off x="439783" y="5124986"/>
+            <a:ext cx="679269" cy="256911"/>
+          </a:xfrm>
+          <a:prstGeom prst="rect">
+            <a:avLst/>
+          </a:prstGeom>
+        </p:spPr>
+        <p:style>
+          <a:lnRef idx="2">
+            <a:schemeClr val="accent4">
+              <a:shade val="50000"/>
+            </a:schemeClr>
+          </a:lnRef>
+          <a:fillRef idx="1">
+            <a:schemeClr val="accent4"/>
+          </a:fillRef>
+          <a:effectRef idx="0">
+            <a:schemeClr val="accent4"/>
+          </a:effectRef>
+          <a:fontRef idx="minor">
+            <a:schemeClr val="lt1"/>
+          </a:fontRef>
+        </p:style>
+        <p:txBody>
+          <a:bodyPr rtlCol="0" anchor="ctr"/>
+          <a:lstStyle/>
+          <a:p>
+            <a:pPr algn="ctr"/>
+            <a:endParaRPr lang="zh-CN" altLang="en-US" dirty="0"/>
+          </a:p>
+        </p:txBody>
+      </p:sp>
+      <p:sp>
+        <p:nvSpPr>
+          <p:cNvPr id="31" name="矩形 30"/>
+          <p:cNvSpPr/>
+          <p:nvPr/>
+        </p:nvSpPr>
+        <p:spPr>
+          <a:xfrm>
+            <a:off x="439783" y="5540826"/>
+            <a:ext cx="679269" cy="267791"/>
+          </a:xfrm>
+          <a:prstGeom prst="rect">
+            <a:avLst/>
+          </a:prstGeom>
+          <a:solidFill>
+            <a:srgbClr val="00B050"/>
+          </a:solidFill>
+        </p:spPr>
+        <p:style>
+          <a:lnRef idx="1">
+            <a:schemeClr val="accent4"/>
+          </a:lnRef>
+          <a:fillRef idx="1002">
+            <a:schemeClr val="dk1"/>
+          </a:fillRef>
+          <a:effectRef idx="2">
+            <a:schemeClr val="accent4"/>
+          </a:effectRef>
+          <a:fontRef idx="minor">
+            <a:schemeClr val="lt1"/>
+          </a:fontRef>
+        </p:style>
+        <p:txBody>
+          <a:bodyPr rtlCol="0" anchor="ctr"/>
+          <a:lstStyle/>
+          <a:p>
+            <a:pPr algn="ctr"/>
+            <a:endParaRPr lang="zh-CN" altLang="en-US" dirty="0"/>
+          </a:p>
+        </p:txBody>
+      </p:sp>
+      <p:sp>
+        <p:nvSpPr>
+          <p:cNvPr id="32" name="矩形 31"/>
+          <p:cNvSpPr/>
+          <p:nvPr/>
+        </p:nvSpPr>
+        <p:spPr>
+          <a:xfrm>
+            <a:off x="439782" y="5967546"/>
+            <a:ext cx="679269" cy="253481"/>
+          </a:xfrm>
+          <a:prstGeom prst="rect">
+            <a:avLst/>
+          </a:prstGeom>
+        </p:spPr>
+        <p:style>
+          <a:lnRef idx="2">
+            <a:schemeClr val="accent3">
+              <a:shade val="50000"/>
+            </a:schemeClr>
+          </a:lnRef>
+          <a:fillRef idx="1">
+            <a:schemeClr val="accent3"/>
+          </a:fillRef>
+          <a:effectRef idx="0">
+            <a:schemeClr val="accent3"/>
+          </a:effectRef>
+          <a:fontRef idx="minor">
+            <a:schemeClr val="lt1"/>
+          </a:fontRef>
+        </p:style>
+        <p:txBody>
+          <a:bodyPr rtlCol="0" anchor="ctr"/>
+          <a:lstStyle/>
+          <a:p>
+            <a:pPr algn="ctr"/>
+            <a:endParaRPr lang="zh-CN" altLang="en-US" sz="1100" dirty="0"/>
+          </a:p>
+        </p:txBody>
+      </p:sp>
+      <p:sp>
+        <p:nvSpPr>
+          <p:cNvPr id="8" name="文本框 7"/>
+          <p:cNvSpPr txBox="1"/>
+          <p:nvPr/>
+        </p:nvSpPr>
+        <p:spPr>
+          <a:xfrm>
+            <a:off x="1303425" y="5074120"/>
+            <a:ext cx="1269958" cy="307777"/>
+          </a:xfrm>
+          <a:prstGeom prst="rect">
+            <a:avLst/>
+          </a:prstGeom>
+          <a:noFill/>
+        </p:spPr>
+        <p:txBody>
+          <a:bodyPr wrap="square" rtlCol="0">
+            <a:spAutoFit/>
+          </a:bodyPr>
+          <a:lstStyle/>
+          <a:p>
+            <a:r>
+              <a:rPr lang="en-US" altLang="zh-CN" sz="1400" dirty="0" smtClean="0"/>
+              <a:t>props</a:t>
+            </a:r>
+            <a:endParaRPr lang="zh-CN" altLang="en-US" dirty="0"/>
+          </a:p>
+        </p:txBody>
+      </p:sp>
+      <p:sp>
+        <p:nvSpPr>
+          <p:cNvPr id="33" name="文本框 32"/>
+          <p:cNvSpPr txBox="1"/>
+          <p:nvPr/>
+        </p:nvSpPr>
+        <p:spPr>
+          <a:xfrm>
+            <a:off x="1303425" y="5493685"/>
+            <a:ext cx="1269958" cy="307777"/>
+          </a:xfrm>
+          <a:prstGeom prst="rect">
+            <a:avLst/>
+          </a:prstGeom>
+          <a:noFill/>
+        </p:spPr>
+        <p:txBody>
+          <a:bodyPr wrap="square" rtlCol="0">
+            <a:spAutoFit/>
+          </a:bodyPr>
+          <a:lstStyle/>
+          <a:p>
+            <a:r>
+              <a:rPr lang="en-US" altLang="zh-CN" sz="1400" dirty="0" smtClean="0"/>
+              <a:t>state</a:t>
+            </a:r>
+            <a:endParaRPr lang="zh-CN" altLang="en-US" dirty="0"/>
+          </a:p>
+        </p:txBody>
+      </p:sp>
+      <p:sp>
+        <p:nvSpPr>
+          <p:cNvPr id="34" name="文本框 33"/>
+          <p:cNvSpPr txBox="1"/>
+          <p:nvPr/>
+        </p:nvSpPr>
+        <p:spPr>
+          <a:xfrm>
+            <a:off x="1294716" y="5913250"/>
+            <a:ext cx="1269958" cy="307777"/>
+          </a:xfrm>
+          <a:prstGeom prst="rect">
+            <a:avLst/>
+          </a:prstGeom>
+          <a:noFill/>
+        </p:spPr>
+        <p:txBody>
+          <a:bodyPr wrap="square" rtlCol="0">
+            <a:spAutoFit/>
+          </a:bodyPr>
+          <a:lstStyle/>
+          <a:p>
+            <a:r>
+              <a:rPr lang="en-US" altLang="zh-CN" sz="1400" dirty="0" smtClean="0"/>
+              <a:t>Callback-props</a:t>
+            </a:r>
+            <a:endParaRPr lang="zh-CN" altLang="en-US" dirty="0"/>
+          </a:p>
+        </p:txBody>
+      </p:sp>
+      <p:sp>
+        <p:nvSpPr>
+          <p:cNvPr id="38" name="矩形 37"/>
+          <p:cNvSpPr/>
+          <p:nvPr/>
+        </p:nvSpPr>
+        <p:spPr>
+          <a:xfrm>
+            <a:off x="6101434" y="920976"/>
+            <a:ext cx="679269" cy="267791"/>
+          </a:xfrm>
+          <a:prstGeom prst="rect">
+            <a:avLst/>
+          </a:prstGeom>
+          <a:solidFill>
+            <a:srgbClr val="00B050"/>
+          </a:solidFill>
+        </p:spPr>
+        <p:style>
+          <a:lnRef idx="1">
+            <a:schemeClr val="accent4"/>
+          </a:lnRef>
+          <a:fillRef idx="1002">
+            <a:schemeClr val="dk1"/>
+          </a:fillRef>
+          <a:effectRef idx="2">
+            <a:schemeClr val="accent4"/>
+          </a:effectRef>
+          <a:fontRef idx="minor">
+            <a:schemeClr val="lt1"/>
+          </a:fontRef>
+        </p:style>
+        <p:txBody>
+          <a:bodyPr rtlCol="0" anchor="ctr"/>
+          <a:lstStyle/>
+          <a:p>
+            <a:pPr algn="ctr"/>
+            <a:r>
+              <a:rPr lang="en-US" altLang="zh-CN" sz="900" dirty="0" err="1"/>
+              <a:t>doubleScreen</a:t>
+            </a:r>
+            <a:endParaRPr lang="zh-CN" altLang="en-US" sz="900" dirty="0"/>
+          </a:p>
+        </p:txBody>
+      </p:sp>
+      <p:sp>
+        <p:nvSpPr>
+          <p:cNvPr id="39" name="矩形 38"/>
+          <p:cNvSpPr/>
+          <p:nvPr/>
+        </p:nvSpPr>
+        <p:spPr>
+          <a:xfrm>
+            <a:off x="6118852" y="1246080"/>
+            <a:ext cx="679269" cy="267791"/>
+          </a:xfrm>
+          <a:prstGeom prst="rect">
+            <a:avLst/>
+          </a:prstGeom>
+          <a:solidFill>
+            <a:srgbClr val="00B050"/>
+          </a:solidFill>
+        </p:spPr>
+        <p:style>
+          <a:lnRef idx="1">
+            <a:schemeClr val="accent4"/>
+          </a:lnRef>
+          <a:fillRef idx="1002">
+            <a:schemeClr val="dk1"/>
+          </a:fillRef>
+          <a:effectRef idx="2">
+            <a:schemeClr val="accent4"/>
+          </a:effectRef>
+          <a:fontRef idx="minor">
+            <a:schemeClr val="lt1"/>
+          </a:fontRef>
+        </p:style>
+        <p:txBody>
+          <a:bodyPr rtlCol="0" anchor="ctr"/>
+          <a:lstStyle/>
+          <a:p>
+            <a:pPr algn="ctr"/>
+            <a:r>
+              <a:rPr lang="en-US" altLang="zh-CN" sz="900" dirty="0" err="1"/>
+              <a:t>showConfigMenu</a:t>
+            </a:r>
+            <a:endParaRPr lang="zh-CN" altLang="en-US" sz="900" dirty="0"/>
+          </a:p>
+        </p:txBody>
+      </p:sp>
+      <p:sp>
+        <p:nvSpPr>
+          <p:cNvPr id="40" name="矩形 39"/>
+          <p:cNvSpPr/>
+          <p:nvPr/>
+        </p:nvSpPr>
+        <p:spPr>
+          <a:xfrm>
+            <a:off x="6090006" y="1558362"/>
+            <a:ext cx="679269" cy="267791"/>
+          </a:xfrm>
+          <a:prstGeom prst="rect">
+            <a:avLst/>
+          </a:prstGeom>
+          <a:solidFill>
+            <a:srgbClr val="00B050"/>
+          </a:solidFill>
+        </p:spPr>
+        <p:style>
+          <a:lnRef idx="1">
+            <a:schemeClr val="accent4"/>
+          </a:lnRef>
+          <a:fillRef idx="1002">
+            <a:schemeClr val="dk1"/>
+          </a:fillRef>
+          <a:effectRef idx="2">
+            <a:schemeClr val="accent4"/>
+          </a:effectRef>
+          <a:fontRef idx="minor">
+            <a:schemeClr val="lt1"/>
+          </a:fontRef>
+        </p:style>
+        <p:txBody>
+          <a:bodyPr rtlCol="0" anchor="ctr"/>
+          <a:lstStyle/>
+          <a:p>
+            <a:pPr algn="ctr"/>
+            <a:r>
+              <a:rPr lang="en-US" altLang="zh-CN" sz="900" dirty="0" err="1"/>
+              <a:t>showBlockTypes</a:t>
+            </a:r>
+            <a:endParaRPr lang="zh-CN" altLang="en-US" sz="900" dirty="0"/>
+          </a:p>
+        </p:txBody>
+      </p:sp>
+      <p:sp>
+        <p:nvSpPr>
+          <p:cNvPr id="41" name="矩形 40"/>
+          <p:cNvSpPr/>
+          <p:nvPr/>
+        </p:nvSpPr>
+        <p:spPr>
+          <a:xfrm>
+            <a:off x="6098158" y="1865806"/>
+            <a:ext cx="679269" cy="267791"/>
+          </a:xfrm>
+          <a:prstGeom prst="rect">
+            <a:avLst/>
+          </a:prstGeom>
+          <a:solidFill>
+            <a:srgbClr val="00B050"/>
+          </a:solidFill>
+        </p:spPr>
+        <p:style>
+          <a:lnRef idx="1">
+            <a:schemeClr val="accent4"/>
+          </a:lnRef>
+          <a:fillRef idx="1002">
+            <a:schemeClr val="dk1"/>
+          </a:fillRef>
+          <a:effectRef idx="2">
+            <a:schemeClr val="accent4"/>
+          </a:effectRef>
+          <a:fontRef idx="minor">
+            <a:schemeClr val="lt1"/>
+          </a:fontRef>
+        </p:style>
+        <p:txBody>
+          <a:bodyPr rtlCol="0" anchor="ctr"/>
+          <a:lstStyle/>
+          <a:p>
+            <a:pPr algn="ctr"/>
+            <a:r>
+              <a:rPr lang="en-US" altLang="zh-CN" sz="900" dirty="0" smtClean="0"/>
+              <a:t>ratio</a:t>
+            </a:r>
+            <a:endParaRPr lang="zh-CN" altLang="en-US" sz="900" dirty="0"/>
+          </a:p>
+        </p:txBody>
+      </p:sp>
+      <p:sp>
+        <p:nvSpPr>
+          <p:cNvPr id="42" name="矩形 41"/>
+          <p:cNvSpPr/>
+          <p:nvPr/>
+        </p:nvSpPr>
+        <p:spPr>
+          <a:xfrm>
+            <a:off x="5933244" y="3002596"/>
+            <a:ext cx="844183" cy="267791"/>
+          </a:xfrm>
+          <a:prstGeom prst="rect">
+            <a:avLst/>
+          </a:prstGeom>
+          <a:solidFill>
+            <a:srgbClr val="00B050"/>
+          </a:solidFill>
+        </p:spPr>
+        <p:style>
+          <a:lnRef idx="1">
+            <a:schemeClr val="accent4"/>
+          </a:lnRef>
+          <a:fillRef idx="1002">
+            <a:schemeClr val="dk1"/>
+          </a:fillRef>
+          <a:effectRef idx="2">
+            <a:schemeClr val="accent4"/>
+          </a:effectRef>
+          <a:fontRef idx="minor">
+            <a:schemeClr val="lt1"/>
+          </a:fontRef>
+        </p:style>
+        <p:txBody>
+          <a:bodyPr rtlCol="0" anchor="ctr"/>
+          <a:lstStyle/>
+          <a:p>
+            <a:pPr algn="ctr"/>
+            <a:r>
+              <a:rPr lang="en-US" altLang="zh-CN" sz="900" dirty="0" err="1"/>
+              <a:t>themeConfig</a:t>
+            </a:r>
+            <a:endParaRPr lang="zh-CN" altLang="en-US" sz="900" dirty="0"/>
+          </a:p>
+        </p:txBody>
+      </p:sp>
+      <p:sp>
+        <p:nvSpPr>
+          <p:cNvPr id="43" name="矩形 42"/>
+          <p:cNvSpPr/>
+          <p:nvPr/>
+        </p:nvSpPr>
+        <p:spPr>
+          <a:xfrm>
+            <a:off x="5893526" y="4150153"/>
+            <a:ext cx="844183" cy="267791"/>
+          </a:xfrm>
+          <a:prstGeom prst="rect">
+            <a:avLst/>
+          </a:prstGeom>
+          <a:solidFill>
+            <a:srgbClr val="00B050"/>
+          </a:solidFill>
+        </p:spPr>
+        <p:style>
+          <a:lnRef idx="1">
+            <a:schemeClr val="accent4"/>
+          </a:lnRef>
+          <a:fillRef idx="1002">
+            <a:schemeClr val="dk1"/>
+          </a:fillRef>
+          <a:effectRef idx="2">
+            <a:schemeClr val="accent4"/>
+          </a:effectRef>
+          <a:fontRef idx="minor">
+            <a:schemeClr val="lt1"/>
+          </a:fontRef>
+        </p:style>
+        <p:txBody>
+          <a:bodyPr rtlCol="0" anchor="ctr"/>
+          <a:lstStyle/>
+          <a:p>
+            <a:pPr algn="ctr"/>
+            <a:r>
+              <a:rPr lang="en-US" altLang="zh-CN" sz="900" dirty="0" smtClean="0"/>
+              <a:t>panel</a:t>
+            </a:r>
+            <a:endParaRPr lang="zh-CN" altLang="en-US" sz="900" dirty="0"/>
+          </a:p>
+        </p:txBody>
+      </p:sp>
+      <p:sp>
+        <p:nvSpPr>
+          <p:cNvPr id="44" name="矩形 43"/>
+          <p:cNvSpPr/>
+          <p:nvPr/>
+        </p:nvSpPr>
+        <p:spPr>
+          <a:xfrm>
+            <a:off x="5925092" y="5279745"/>
+            <a:ext cx="844183" cy="267791"/>
+          </a:xfrm>
+          <a:prstGeom prst="rect">
+            <a:avLst/>
+          </a:prstGeom>
+          <a:solidFill>
+            <a:srgbClr val="00B050"/>
+          </a:solidFill>
+        </p:spPr>
+        <p:style>
+          <a:lnRef idx="1">
+            <a:schemeClr val="accent4"/>
+          </a:lnRef>
+          <a:fillRef idx="1002">
+            <a:schemeClr val="dk1"/>
+          </a:fillRef>
+          <a:effectRef idx="2">
+            <a:schemeClr val="accent4"/>
+          </a:effectRef>
+          <a:fontRef idx="minor">
+            <a:schemeClr val="lt1"/>
+          </a:fontRef>
+        </p:style>
+        <p:txBody>
+          <a:bodyPr rtlCol="0" anchor="ctr"/>
+          <a:lstStyle/>
+          <a:p>
+            <a:pPr algn="ctr"/>
+            <a:r>
+              <a:rPr lang="en-US" altLang="zh-CN" sz="900" dirty="0" err="1" smtClean="0"/>
+              <a:t>aLines</a:t>
+            </a:r>
+            <a:endParaRPr lang="zh-CN" altLang="en-US" sz="900" dirty="0"/>
           </a:p>
         </p:txBody>
       </p:sp>
@@ -5247,8 +9579,8 @@
         </p:nvSpPr>
         <p:spPr>
           <a:xfrm>
-            <a:off x="838200" y="312873"/>
-            <a:ext cx="10515600" cy="584109"/>
+            <a:off x="662944" y="513371"/>
+            <a:ext cx="10515600" cy="750162"/>
           </a:xfrm>
         </p:spPr>
         <p:txBody>
@@ -5258,70 +9590,1710 @@
           <a:lstStyle/>
           <a:p>
             <a:r>
-              <a:rPr lang="zh-CN" altLang="en-US" sz="2800" dirty="0" smtClean="0"/>
-              <a:t>组件规格描述</a:t>
-            </a:r>
-            <a:endParaRPr lang="zh-CN" altLang="en-US" sz="2800" dirty="0"/>
-          </a:p>
-        </p:txBody>
-      </p:sp>
-      <p:sp>
-        <p:nvSpPr>
-          <p:cNvPr id="3" name="内容占位符 2"/>
+              <a:rPr lang="zh-CN" altLang="en-US" sz="2400" dirty="0" smtClean="0"/>
+              <a:t>组件的消息通讯</a:t>
+            </a:r>
+            <a:r>
+              <a:rPr lang="en-US" altLang="zh-CN" sz="2400" dirty="0" smtClean="0"/>
+              <a:t>(</a:t>
+            </a:r>
+            <a:r>
+              <a:rPr lang="zh-CN" altLang="en-US" sz="2400" dirty="0" smtClean="0"/>
+              <a:t>调用</a:t>
+            </a:r>
+            <a:r>
+              <a:rPr lang="en-US" altLang="zh-CN" sz="2400" dirty="0" smtClean="0"/>
+              <a:t>)</a:t>
+            </a:r>
+            <a:endParaRPr lang="zh-CN" altLang="en-US" sz="2400" dirty="0"/>
+          </a:p>
+        </p:txBody>
+      </p:sp>
+      <p:sp>
+        <p:nvSpPr>
+          <p:cNvPr id="4" name="五边形 3"/>
+          <p:cNvSpPr/>
+          <p:nvPr/>
+        </p:nvSpPr>
+        <p:spPr>
+          <a:xfrm>
+            <a:off x="662944" y="4330223"/>
+            <a:ext cx="10779034" cy="435429"/>
+          </a:xfrm>
+          <a:prstGeom prst="homePlate">
+            <a:avLst/>
+          </a:prstGeom>
+        </p:spPr>
+        <p:style>
+          <a:lnRef idx="2">
+            <a:schemeClr val="accent1">
+              <a:shade val="50000"/>
+            </a:schemeClr>
+          </a:lnRef>
+          <a:fillRef idx="1">
+            <a:schemeClr val="accent1"/>
+          </a:fillRef>
+          <a:effectRef idx="0">
+            <a:schemeClr val="accent1"/>
+          </a:effectRef>
+          <a:fontRef idx="minor">
+            <a:schemeClr val="lt1"/>
+          </a:fontRef>
+        </p:style>
+        <p:txBody>
+          <a:bodyPr rtlCol="0" anchor="ctr"/>
+          <a:lstStyle/>
+          <a:p>
+            <a:pPr algn="ctr"/>
+            <a:r>
+              <a:rPr lang="en-US" altLang="zh-CN" dirty="0" smtClean="0"/>
+              <a:t>postal</a:t>
+            </a:r>
+            <a:endParaRPr lang="zh-CN" altLang="en-US" dirty="0"/>
+          </a:p>
+        </p:txBody>
+      </p:sp>
+      <p:sp>
+        <p:nvSpPr>
+          <p:cNvPr id="5" name="文本框 4"/>
+          <p:cNvSpPr txBox="1"/>
+          <p:nvPr/>
+        </p:nvSpPr>
+        <p:spPr>
+          <a:xfrm>
+            <a:off x="635726" y="1690688"/>
+            <a:ext cx="10718074" cy="830997"/>
+          </a:xfrm>
+          <a:prstGeom prst="rect">
+            <a:avLst/>
+          </a:prstGeom>
+          <a:noFill/>
+        </p:spPr>
+        <p:txBody>
+          <a:bodyPr wrap="square" rtlCol="0">
+            <a:spAutoFit/>
+          </a:bodyPr>
+          <a:lstStyle/>
+          <a:p>
+            <a:r>
+              <a:rPr lang="zh-CN" altLang="en-US" sz="1200" dirty="0"/>
+              <a:t>以下</a:t>
+            </a:r>
+            <a:r>
+              <a:rPr lang="zh-CN" altLang="en-US" sz="1200" dirty="0" smtClean="0"/>
+              <a:t>描述的是主要的几个通讯事件</a:t>
+            </a:r>
+            <a:endParaRPr lang="en-US" altLang="zh-CN" sz="1200" dirty="0" smtClean="0"/>
+          </a:p>
+          <a:p>
+            <a:r>
+              <a:rPr lang="en-US" altLang="zh-CN" sz="1200" dirty="0" smtClean="0"/>
+              <a:t>1 </a:t>
+            </a:r>
+            <a:r>
+              <a:rPr lang="zh-CN" altLang="en-US" sz="1200" dirty="0" smtClean="0"/>
+              <a:t>工作区重置 </a:t>
+            </a:r>
+            <a:r>
+              <a:rPr lang="en-US" altLang="zh-CN" sz="1200" dirty="0" smtClean="0"/>
+              <a:t>workspace/reset </a:t>
+            </a:r>
+            <a:r>
+              <a:rPr lang="zh-CN" altLang="en-US" sz="1200" dirty="0" smtClean="0"/>
+              <a:t>表示用户点了工作区空白部分，此时展开的菜单、选择的状态都会被清除，而</a:t>
+            </a:r>
+            <a:r>
+              <a:rPr lang="en-US" altLang="zh-CN" sz="1200" dirty="0" err="1" smtClean="0"/>
+              <a:t>grisdter</a:t>
+            </a:r>
+            <a:r>
+              <a:rPr lang="zh-CN" altLang="en-US" sz="1200" dirty="0" smtClean="0"/>
+              <a:t>处于可拖动</a:t>
+            </a:r>
+            <a:r>
+              <a:rPr lang="en-US" altLang="zh-CN" sz="1200" dirty="0" smtClean="0"/>
+              <a:t>/</a:t>
+            </a:r>
+            <a:r>
+              <a:rPr lang="zh-CN" altLang="en-US" sz="1200" dirty="0" smtClean="0"/>
+              <a:t>调整大小状态</a:t>
+            </a:r>
+            <a:endParaRPr lang="en-US" altLang="zh-CN" sz="1200" dirty="0" smtClean="0"/>
+          </a:p>
+          <a:p>
+            <a:r>
+              <a:rPr lang="en-US" altLang="zh-CN" sz="1200" dirty="0" smtClean="0"/>
+              <a:t>2 </a:t>
+            </a:r>
+            <a:r>
+              <a:rPr lang="zh-CN" altLang="en-US" sz="1200" dirty="0" smtClean="0"/>
+              <a:t>增加区块 </a:t>
+            </a:r>
+            <a:r>
+              <a:rPr lang="en-US" altLang="zh-CN" sz="1200" dirty="0" smtClean="0"/>
+              <a:t>block/add </a:t>
+            </a:r>
+            <a:r>
+              <a:rPr lang="zh-CN" altLang="en-US" sz="1200" dirty="0"/>
+              <a:t> </a:t>
+            </a:r>
+            <a:r>
+              <a:rPr lang="zh-CN" altLang="en-US" sz="1200" dirty="0" smtClean="0"/>
+              <a:t>用户增加了一个区块到布局区。 这个消息主要解决组件层次下调用不方便的问题</a:t>
+            </a:r>
+            <a:endParaRPr lang="en-US" altLang="zh-CN" sz="1200" dirty="0" smtClean="0"/>
+          </a:p>
+          <a:p>
+            <a:r>
+              <a:rPr lang="en-US" altLang="zh-CN" sz="1200" dirty="0" smtClean="0"/>
+              <a:t>3 </a:t>
+            </a:r>
+            <a:r>
+              <a:rPr lang="zh-CN" altLang="en-US" sz="1200" dirty="0" smtClean="0"/>
+              <a:t>选中区块 </a:t>
+            </a:r>
+            <a:r>
+              <a:rPr lang="en-US" altLang="zh-CN" sz="1200" dirty="0" smtClean="0"/>
+              <a:t>block/selected </a:t>
+            </a:r>
+            <a:r>
+              <a:rPr lang="zh-CN" altLang="en-US" sz="1200" dirty="0" smtClean="0"/>
+              <a:t>用户选择了一个区块。 此时打开相应的编辑面板</a:t>
+            </a:r>
+            <a:endParaRPr lang="zh-CN" altLang="en-US" sz="1600" dirty="0"/>
+          </a:p>
+        </p:txBody>
+      </p:sp>
+      <p:sp>
+        <p:nvSpPr>
+          <p:cNvPr id="6" name="矩形 5"/>
+          <p:cNvSpPr/>
+          <p:nvPr/>
+        </p:nvSpPr>
+        <p:spPr>
+          <a:xfrm>
+            <a:off x="1245331" y="2974772"/>
+            <a:ext cx="1785257" cy="599623"/>
+          </a:xfrm>
+          <a:prstGeom prst="rect">
+            <a:avLst/>
+          </a:prstGeom>
+        </p:spPr>
+        <p:style>
+          <a:lnRef idx="3">
+            <a:schemeClr val="lt1"/>
+          </a:lnRef>
+          <a:fillRef idx="1">
+            <a:schemeClr val="accent6"/>
+          </a:fillRef>
+          <a:effectRef idx="1">
+            <a:schemeClr val="accent6"/>
+          </a:effectRef>
+          <a:fontRef idx="minor">
+            <a:schemeClr val="lt1"/>
+          </a:fontRef>
+        </p:style>
+        <p:txBody>
+          <a:bodyPr rtlCol="0" anchor="ctr"/>
+          <a:lstStyle/>
+          <a:p>
+            <a:pPr algn="ctr"/>
+            <a:r>
+              <a:rPr lang="en-US" altLang="zh-CN" sz="1400" dirty="0" err="1" smtClean="0"/>
+              <a:t>PageToolWorkspace</a:t>
+            </a:r>
+            <a:endParaRPr lang="zh-CN" altLang="en-US" sz="1400" dirty="0"/>
+          </a:p>
+        </p:txBody>
+      </p:sp>
+      <p:cxnSp>
+        <p:nvCxnSpPr>
+          <p:cNvPr id="8" name="直接箭头连接符 7"/>
+          <p:cNvCxnSpPr>
+            <a:stCxn id="6" idx="2"/>
+          </p:cNvCxnSpPr>
+          <p:nvPr/>
+        </p:nvCxnSpPr>
+        <p:spPr>
+          <a:xfrm flipH="1">
+            <a:off x="2124897" y="3574395"/>
+            <a:ext cx="13063" cy="755828"/>
+          </a:xfrm>
+          <a:prstGeom prst="straightConnector1">
+            <a:avLst/>
+          </a:prstGeom>
+          <a:ln>
+            <a:tailEnd type="triangle"/>
+          </a:ln>
+        </p:spPr>
+        <p:style>
+          <a:lnRef idx="1">
+            <a:schemeClr val="accent1"/>
+          </a:lnRef>
+          <a:fillRef idx="0">
+            <a:schemeClr val="accent1"/>
+          </a:fillRef>
+          <a:effectRef idx="0">
+            <a:schemeClr val="accent1"/>
+          </a:effectRef>
+          <a:fontRef idx="minor">
+            <a:schemeClr val="tx1"/>
+          </a:fontRef>
+        </p:style>
+      </p:cxnSp>
+      <p:sp>
+        <p:nvSpPr>
+          <p:cNvPr id="9" name="文本框 8"/>
+          <p:cNvSpPr txBox="1"/>
+          <p:nvPr/>
+        </p:nvSpPr>
+        <p:spPr>
+          <a:xfrm>
+            <a:off x="1645925" y="3821504"/>
+            <a:ext cx="1193074" cy="261610"/>
+          </a:xfrm>
+          <a:prstGeom prst="rect">
+            <a:avLst/>
+          </a:prstGeom>
+          <a:noFill/>
+        </p:spPr>
+        <p:txBody>
+          <a:bodyPr wrap="square" rtlCol="0">
+            <a:spAutoFit/>
+          </a:bodyPr>
+          <a:lstStyle/>
+          <a:p>
+            <a:r>
+              <a:rPr lang="en-US" altLang="zh-CN" sz="1100" dirty="0" smtClean="0"/>
+              <a:t>Workspace/reset</a:t>
+            </a:r>
+            <a:endParaRPr lang="zh-CN" altLang="en-US" dirty="0"/>
+          </a:p>
+        </p:txBody>
+      </p:sp>
+      <p:sp>
+        <p:nvSpPr>
+          <p:cNvPr id="10" name="矩形 9"/>
+          <p:cNvSpPr/>
+          <p:nvPr/>
+        </p:nvSpPr>
+        <p:spPr>
+          <a:xfrm>
+            <a:off x="4136578" y="2974772"/>
+            <a:ext cx="1872344" cy="599623"/>
+          </a:xfrm>
+          <a:prstGeom prst="rect">
+            <a:avLst/>
+          </a:prstGeom>
+        </p:spPr>
+        <p:style>
+          <a:lnRef idx="2">
+            <a:schemeClr val="accent2">
+              <a:shade val="50000"/>
+            </a:schemeClr>
+          </a:lnRef>
+          <a:fillRef idx="1">
+            <a:schemeClr val="accent2"/>
+          </a:fillRef>
+          <a:effectRef idx="0">
+            <a:schemeClr val="accent2"/>
+          </a:effectRef>
+          <a:fontRef idx="minor">
+            <a:schemeClr val="lt1"/>
+          </a:fontRef>
+        </p:style>
+        <p:txBody>
+          <a:bodyPr rtlCol="0" anchor="ctr"/>
+          <a:lstStyle/>
+          <a:p>
+            <a:pPr algn="ctr"/>
+            <a:r>
+              <a:rPr lang="en-US" altLang="zh-CN" sz="1400" dirty="0" err="1" smtClean="0"/>
+              <a:t>LeftMenu</a:t>
+            </a:r>
+            <a:endParaRPr lang="zh-CN" altLang="en-US" sz="1400" dirty="0"/>
+          </a:p>
+        </p:txBody>
+      </p:sp>
+      <p:cxnSp>
+        <p:nvCxnSpPr>
+          <p:cNvPr id="11" name="直接箭头连接符 10"/>
+          <p:cNvCxnSpPr/>
+          <p:nvPr/>
+        </p:nvCxnSpPr>
+        <p:spPr>
+          <a:xfrm flipH="1">
+            <a:off x="4985663" y="3574395"/>
+            <a:ext cx="13063" cy="755828"/>
+          </a:xfrm>
+          <a:prstGeom prst="straightConnector1">
+            <a:avLst/>
+          </a:prstGeom>
+          <a:ln>
+            <a:tailEnd type="triangle"/>
+          </a:ln>
+        </p:spPr>
+        <p:style>
+          <a:lnRef idx="1">
+            <a:schemeClr val="accent1"/>
+          </a:lnRef>
+          <a:fillRef idx="0">
+            <a:schemeClr val="accent1"/>
+          </a:fillRef>
+          <a:effectRef idx="0">
+            <a:schemeClr val="accent1"/>
+          </a:effectRef>
+          <a:fontRef idx="minor">
+            <a:schemeClr val="tx1"/>
+          </a:fontRef>
+        </p:style>
+      </p:cxnSp>
+      <p:sp>
+        <p:nvSpPr>
+          <p:cNvPr id="12" name="文本框 11"/>
+          <p:cNvSpPr txBox="1"/>
+          <p:nvPr/>
+        </p:nvSpPr>
+        <p:spPr>
+          <a:xfrm>
+            <a:off x="4815848" y="3678544"/>
+            <a:ext cx="1193074" cy="261610"/>
+          </a:xfrm>
+          <a:prstGeom prst="rect">
+            <a:avLst/>
+          </a:prstGeom>
+          <a:noFill/>
+        </p:spPr>
+        <p:txBody>
+          <a:bodyPr wrap="square" rtlCol="0">
+            <a:spAutoFit/>
+          </a:bodyPr>
+          <a:lstStyle/>
+          <a:p>
+            <a:r>
+              <a:rPr lang="en-US" altLang="zh-CN" sz="1100" dirty="0" smtClean="0"/>
+              <a:t>Workspace/reset</a:t>
+            </a:r>
+            <a:endParaRPr lang="zh-CN" altLang="en-US" dirty="0"/>
+          </a:p>
+        </p:txBody>
+      </p:sp>
+      <p:sp>
+        <p:nvSpPr>
+          <p:cNvPr id="13" name="文本框 12"/>
+          <p:cNvSpPr txBox="1"/>
+          <p:nvPr/>
+        </p:nvSpPr>
+        <p:spPr>
+          <a:xfrm>
+            <a:off x="4815848" y="3925653"/>
+            <a:ext cx="1193074" cy="261610"/>
+          </a:xfrm>
+          <a:prstGeom prst="rect">
+            <a:avLst/>
+          </a:prstGeom>
+          <a:noFill/>
+        </p:spPr>
+        <p:txBody>
+          <a:bodyPr wrap="square" rtlCol="0">
+            <a:spAutoFit/>
+          </a:bodyPr>
+          <a:lstStyle/>
+          <a:p>
+            <a:r>
+              <a:rPr lang="en-US" altLang="zh-CN" sz="1100" dirty="0" smtClean="0"/>
+              <a:t>Block/add</a:t>
+            </a:r>
+            <a:endParaRPr lang="zh-CN" altLang="en-US" dirty="0"/>
+          </a:p>
+        </p:txBody>
+      </p:sp>
+      <p:sp>
+        <p:nvSpPr>
+          <p:cNvPr id="14" name="矩形 13"/>
+          <p:cNvSpPr/>
+          <p:nvPr/>
+        </p:nvSpPr>
+        <p:spPr>
+          <a:xfrm>
+            <a:off x="7354395" y="2948840"/>
+            <a:ext cx="1872344" cy="599623"/>
+          </a:xfrm>
+          <a:prstGeom prst="rect">
+            <a:avLst/>
+          </a:prstGeom>
+          <a:solidFill>
+            <a:srgbClr val="3F32EC"/>
+          </a:solidFill>
+        </p:spPr>
+        <p:style>
+          <a:lnRef idx="2">
+            <a:schemeClr val="accent2">
+              <a:shade val="50000"/>
+            </a:schemeClr>
+          </a:lnRef>
+          <a:fillRef idx="1">
+            <a:schemeClr val="accent2"/>
+          </a:fillRef>
+          <a:effectRef idx="0">
+            <a:schemeClr val="accent2"/>
+          </a:effectRef>
+          <a:fontRef idx="minor">
+            <a:schemeClr val="lt1"/>
+          </a:fontRef>
+        </p:style>
+        <p:txBody>
+          <a:bodyPr rtlCol="0" anchor="ctr"/>
+          <a:lstStyle/>
+          <a:p>
+            <a:pPr algn="ctr"/>
+            <a:r>
+              <a:rPr lang="en-US" altLang="zh-CN" sz="1400" dirty="0" err="1"/>
+              <a:t>Gridster</a:t>
+            </a:r>
+            <a:endParaRPr lang="zh-CN" altLang="en-US" sz="1400" dirty="0"/>
+          </a:p>
+        </p:txBody>
+      </p:sp>
+      <p:cxnSp>
+        <p:nvCxnSpPr>
+          <p:cNvPr id="15" name="直接箭头连接符 14"/>
+          <p:cNvCxnSpPr/>
+          <p:nvPr/>
+        </p:nvCxnSpPr>
+        <p:spPr>
+          <a:xfrm flipH="1">
+            <a:off x="8231238" y="3547739"/>
+            <a:ext cx="13063" cy="755828"/>
+          </a:xfrm>
+          <a:prstGeom prst="straightConnector1">
+            <a:avLst/>
+          </a:prstGeom>
+          <a:ln>
+            <a:tailEnd type="triangle"/>
+          </a:ln>
+        </p:spPr>
+        <p:style>
+          <a:lnRef idx="1">
+            <a:schemeClr val="accent1"/>
+          </a:lnRef>
+          <a:fillRef idx="0">
+            <a:schemeClr val="accent1"/>
+          </a:fillRef>
+          <a:effectRef idx="0">
+            <a:schemeClr val="accent1"/>
+          </a:effectRef>
+          <a:fontRef idx="minor">
+            <a:schemeClr val="tx1"/>
+          </a:fontRef>
+        </p:style>
+      </p:cxnSp>
+      <p:sp>
+        <p:nvSpPr>
+          <p:cNvPr id="16" name="文本框 15"/>
+          <p:cNvSpPr txBox="1"/>
+          <p:nvPr/>
+        </p:nvSpPr>
+        <p:spPr>
+          <a:xfrm>
+            <a:off x="8231238" y="3772351"/>
+            <a:ext cx="1193074" cy="261610"/>
+          </a:xfrm>
+          <a:prstGeom prst="rect">
+            <a:avLst/>
+          </a:prstGeom>
+          <a:noFill/>
+        </p:spPr>
+        <p:txBody>
+          <a:bodyPr wrap="square" rtlCol="0">
+            <a:spAutoFit/>
+          </a:bodyPr>
+          <a:lstStyle/>
+          <a:p>
+            <a:r>
+              <a:rPr lang="en-US" altLang="zh-CN" sz="1100" dirty="0" smtClean="0"/>
+              <a:t>Block/selected</a:t>
+            </a:r>
+            <a:endParaRPr lang="zh-CN" altLang="en-US" dirty="0"/>
+          </a:p>
+        </p:txBody>
+      </p:sp>
+      <p:sp>
+        <p:nvSpPr>
+          <p:cNvPr id="18" name="Rectangle 1"/>
+          <p:cNvSpPr>
+            <a:spLocks noChangeArrowheads="1"/>
+          </p:cNvSpPr>
+          <p:nvPr/>
+        </p:nvSpPr>
+        <p:spPr bwMode="auto">
+          <a:xfrm>
+            <a:off x="819698" y="5178080"/>
+            <a:ext cx="2924987" cy="738664"/>
+          </a:xfrm>
+          <a:prstGeom prst="rect">
+            <a:avLst/>
+          </a:prstGeom>
+          <a:solidFill>
+            <a:srgbClr val="FFFFFF"/>
+          </a:solidFill>
+          <a:ln>
+            <a:noFill/>
+          </a:ln>
+          <a:effectLst/>
+          <a:extLst>
+            <a:ext uri="{91240B29-F687-4F45-9708-019B960494DF}">
+              <a14:hiddenLine xmlns:a14="http://schemas.microsoft.com/office/drawing/2010/main" w="9525">
+                <a:solidFill>
+                  <a:schemeClr val="tx1"/>
+                </a:solidFill>
+                <a:miter lim="800000"/>
+                <a:headEnd/>
+                <a:tailEnd/>
+              </a14:hiddenLine>
+            </a:ext>
+            <a:ext uri="{AF507438-7753-43E0-B8FC-AC1667EBCBE1}">
+              <a14:hiddenEffects xmlns:a14="http://schemas.microsoft.com/office/drawing/2010/main">
+                <a:effectLst>
+                  <a:outerShdw dist="35921" dir="2700000" algn="ctr" rotWithShape="0">
+                    <a:schemeClr val="bg2"/>
+                  </a:outerShdw>
+                </a:effectLst>
+              </a14:hiddenEffects>
+            </a:ext>
+          </a:extLst>
+        </p:spPr>
+        <p:txBody>
+          <a:bodyPr vert="horz" wrap="square" lIns="91440" tIns="45720" rIns="91440" bIns="45720" numCol="1" anchor="ctr" anchorCtr="0" compatLnSpc="1">
+            <a:prstTxWarp prst="textNoShape">
+              <a:avLst/>
+            </a:prstTxWarp>
+            <a:spAutoFit/>
+          </a:bodyPr>
+          <a:lstStyle/>
+          <a:p>
+            <a:pPr marL="0" marR="0" lvl="0" indent="0" algn="l" defTabSz="914400" rtl="0" eaLnBrk="0" fontAlgn="base" latinLnBrk="0" hangingPunct="0">
+              <a:lnSpc>
+                <a:spcPct val="100000"/>
+              </a:lnSpc>
+              <a:spcBef>
+                <a:spcPct val="0"/>
+              </a:spcBef>
+              <a:spcAft>
+                <a:spcPct val="0"/>
+              </a:spcAft>
+              <a:buClrTx/>
+              <a:buSzTx/>
+              <a:buFontTx/>
+              <a:buNone/>
+              <a:tabLst/>
+            </a:pPr>
+            <a:r>
+              <a:rPr kumimoji="0" lang="zh-CN" altLang="zh-CN" sz="1050" b="0" i="0" u="none" strike="noStrike" cap="none" normalizeH="0" baseline="0" dirty="0" smtClean="0">
+                <a:ln>
+                  <a:noFill/>
+                </a:ln>
+                <a:solidFill>
+                  <a:srgbClr val="000000"/>
+                </a:solidFill>
+                <a:effectLst/>
+                <a:latin typeface="Consolas" panose="020B0609020204030204" pitchFamily="49" charset="0"/>
+              </a:rPr>
+              <a:t>postal.publish({</a:t>
+            </a:r>
+            <a:br>
+              <a:rPr kumimoji="0" lang="zh-CN" altLang="zh-CN" sz="1050" b="0" i="0" u="none" strike="noStrike" cap="none" normalizeH="0" baseline="0" dirty="0" smtClean="0">
+                <a:ln>
+                  <a:noFill/>
+                </a:ln>
+                <a:solidFill>
+                  <a:srgbClr val="000000"/>
+                </a:solidFill>
+                <a:effectLst/>
+                <a:latin typeface="Consolas" panose="020B0609020204030204" pitchFamily="49" charset="0"/>
+              </a:rPr>
+            </a:br>
+            <a:r>
+              <a:rPr kumimoji="0" lang="zh-CN" altLang="zh-CN" sz="1050" b="0" i="0" u="none" strike="noStrike" cap="none" normalizeH="0" baseline="0" dirty="0" smtClean="0">
+                <a:ln>
+                  <a:noFill/>
+                </a:ln>
+                <a:solidFill>
+                  <a:srgbClr val="000000"/>
+                </a:solidFill>
+                <a:effectLst/>
+                <a:latin typeface="Consolas" panose="020B0609020204030204" pitchFamily="49" charset="0"/>
+              </a:rPr>
+              <a:t>    channel: </a:t>
+            </a:r>
+            <a:r>
+              <a:rPr kumimoji="0" lang="zh-CN" altLang="zh-CN" sz="1050" b="1" i="0" u="none" strike="noStrike" cap="none" normalizeH="0" baseline="0" dirty="0" smtClean="0">
+                <a:ln>
+                  <a:noFill/>
+                </a:ln>
+                <a:solidFill>
+                  <a:srgbClr val="008000"/>
+                </a:solidFill>
+                <a:effectLst/>
+                <a:latin typeface="Consolas" panose="020B0609020204030204" pitchFamily="49" charset="0"/>
+              </a:rPr>
+              <a:t>"workspace"</a:t>
+            </a:r>
+            <a:r>
+              <a:rPr kumimoji="0" lang="zh-CN" altLang="zh-CN" sz="1050" b="0" i="0" u="none" strike="noStrike" cap="none" normalizeH="0" baseline="0" dirty="0" smtClean="0">
+                <a:ln>
+                  <a:noFill/>
+                </a:ln>
+                <a:solidFill>
+                  <a:srgbClr val="000000"/>
+                </a:solidFill>
+                <a:effectLst/>
+                <a:latin typeface="Consolas" panose="020B0609020204030204" pitchFamily="49" charset="0"/>
+              </a:rPr>
+              <a:t>,</a:t>
+            </a:r>
+            <a:br>
+              <a:rPr kumimoji="0" lang="zh-CN" altLang="zh-CN" sz="1050" b="0" i="0" u="none" strike="noStrike" cap="none" normalizeH="0" baseline="0" dirty="0" smtClean="0">
+                <a:ln>
+                  <a:noFill/>
+                </a:ln>
+                <a:solidFill>
+                  <a:srgbClr val="000000"/>
+                </a:solidFill>
+                <a:effectLst/>
+                <a:latin typeface="Consolas" panose="020B0609020204030204" pitchFamily="49" charset="0"/>
+              </a:rPr>
+            </a:br>
+            <a:r>
+              <a:rPr kumimoji="0" lang="zh-CN" altLang="zh-CN" sz="1050" b="0" i="0" u="none" strike="noStrike" cap="none" normalizeH="0" baseline="0" dirty="0" smtClean="0">
+                <a:ln>
+                  <a:noFill/>
+                </a:ln>
+                <a:solidFill>
+                  <a:srgbClr val="000000"/>
+                </a:solidFill>
+                <a:effectLst/>
+                <a:latin typeface="Consolas" panose="020B0609020204030204" pitchFamily="49" charset="0"/>
+              </a:rPr>
+              <a:t>    topic: </a:t>
+            </a:r>
+            <a:r>
+              <a:rPr kumimoji="0" lang="zh-CN" altLang="zh-CN" sz="1050" b="1" i="0" u="none" strike="noStrike" cap="none" normalizeH="0" baseline="0" dirty="0" smtClean="0">
+                <a:ln>
+                  <a:noFill/>
+                </a:ln>
+                <a:solidFill>
+                  <a:srgbClr val="008000"/>
+                </a:solidFill>
+                <a:effectLst/>
+                <a:latin typeface="Consolas" panose="020B0609020204030204" pitchFamily="49" charset="0"/>
+              </a:rPr>
+              <a:t>"reset"</a:t>
+            </a:r>
+            <a:br>
+              <a:rPr kumimoji="0" lang="zh-CN" altLang="zh-CN" sz="1050" b="1" i="0" u="none" strike="noStrike" cap="none" normalizeH="0" baseline="0" dirty="0" smtClean="0">
+                <a:ln>
+                  <a:noFill/>
+                </a:ln>
+                <a:solidFill>
+                  <a:srgbClr val="008000"/>
+                </a:solidFill>
+                <a:effectLst/>
+                <a:latin typeface="Consolas" panose="020B0609020204030204" pitchFamily="49" charset="0"/>
+              </a:rPr>
+            </a:br>
+            <a:r>
+              <a:rPr kumimoji="0" lang="zh-CN" altLang="zh-CN" sz="1050" b="0" i="0" u="none" strike="noStrike" cap="none" normalizeH="0" baseline="0" dirty="0" smtClean="0">
+                <a:ln>
+                  <a:noFill/>
+                </a:ln>
+                <a:solidFill>
+                  <a:srgbClr val="000000"/>
+                </a:solidFill>
+                <a:effectLst/>
+                <a:latin typeface="Consolas" panose="020B0609020204030204" pitchFamily="49" charset="0"/>
+              </a:rPr>
+              <a:t>});</a:t>
+            </a:r>
+            <a:endParaRPr kumimoji="0" lang="zh-CN" altLang="zh-CN" sz="1200" b="0" i="0" u="none" strike="noStrike" cap="none" normalizeH="0" baseline="0" dirty="0" smtClean="0">
+              <a:ln>
+                <a:noFill/>
+              </a:ln>
+              <a:solidFill>
+                <a:schemeClr val="tx1"/>
+              </a:solidFill>
+              <a:effectLst/>
+              <a:latin typeface="Arial" panose="020B0604020202020204" pitchFamily="34" charset="0"/>
+            </a:endParaRPr>
+          </a:p>
+        </p:txBody>
+      </p:sp>
+      <p:sp>
+        <p:nvSpPr>
+          <p:cNvPr id="19" name="Rectangle 2"/>
+          <p:cNvSpPr>
+            <a:spLocks noChangeArrowheads="1"/>
+          </p:cNvSpPr>
+          <p:nvPr/>
+        </p:nvSpPr>
+        <p:spPr bwMode="auto">
+          <a:xfrm>
+            <a:off x="4264484" y="5112918"/>
+            <a:ext cx="7177494" cy="1546577"/>
+          </a:xfrm>
+          <a:prstGeom prst="rect">
+            <a:avLst/>
+          </a:prstGeom>
+          <a:solidFill>
+            <a:srgbClr val="FFFFFF"/>
+          </a:solidFill>
+          <a:ln>
+            <a:noFill/>
+          </a:ln>
+          <a:effectLst/>
+          <a:extLst>
+            <a:ext uri="{91240B29-F687-4F45-9708-019B960494DF}">
+              <a14:hiddenLine xmlns:a14="http://schemas.microsoft.com/office/drawing/2010/main" w="9525">
+                <a:solidFill>
+                  <a:schemeClr val="tx1"/>
+                </a:solidFill>
+                <a:miter lim="800000"/>
+                <a:headEnd/>
+                <a:tailEnd/>
+              </a14:hiddenLine>
+            </a:ext>
+            <a:ext uri="{AF507438-7753-43E0-B8FC-AC1667EBCBE1}">
+              <a14:hiddenEffects xmlns:a14="http://schemas.microsoft.com/office/drawing/2010/main">
+                <a:effectLst>
+                  <a:outerShdw dist="35921" dir="2700000" algn="ctr" rotWithShape="0">
+                    <a:schemeClr val="bg2"/>
+                  </a:outerShdw>
+                </a:effectLst>
+              </a14:hiddenEffects>
+            </a:ext>
+          </a:extLst>
+        </p:spPr>
+        <p:txBody>
+          <a:bodyPr vert="horz" wrap="square" lIns="91440" tIns="45720" rIns="91440" bIns="45720" numCol="1" anchor="ctr" anchorCtr="0" compatLnSpc="1">
+            <a:prstTxWarp prst="textNoShape">
+              <a:avLst/>
+            </a:prstTxWarp>
+            <a:spAutoFit/>
+          </a:bodyPr>
+          <a:lstStyle/>
+          <a:p>
+            <a:pPr marL="0" marR="0" lvl="0" indent="0" algn="l" defTabSz="914400" rtl="0" eaLnBrk="0" fontAlgn="base" latinLnBrk="0" hangingPunct="0">
+              <a:lnSpc>
+                <a:spcPct val="100000"/>
+              </a:lnSpc>
+              <a:spcBef>
+                <a:spcPct val="0"/>
+              </a:spcBef>
+              <a:spcAft>
+                <a:spcPct val="0"/>
+              </a:spcAft>
+              <a:buClrTx/>
+              <a:buSzTx/>
+              <a:buFontTx/>
+              <a:buNone/>
+              <a:tabLst/>
+            </a:pPr>
+            <a:r>
+              <a:rPr kumimoji="0" lang="zh-CN" altLang="zh-CN" sz="1050" b="0" i="0" u="none" strike="noStrike" cap="none" normalizeH="0" baseline="0" dirty="0" smtClean="0">
+                <a:ln>
+                  <a:noFill/>
+                </a:ln>
+                <a:solidFill>
+                  <a:srgbClr val="000000"/>
+                </a:solidFill>
+                <a:effectLst/>
+                <a:latin typeface="Consolas" panose="020B0609020204030204" pitchFamily="49" charset="0"/>
+              </a:rPr>
+              <a:t>postal.subscribe({</a:t>
+            </a:r>
+            <a:br>
+              <a:rPr kumimoji="0" lang="zh-CN" altLang="zh-CN" sz="1050" b="0" i="0" u="none" strike="noStrike" cap="none" normalizeH="0" baseline="0" dirty="0" smtClean="0">
+                <a:ln>
+                  <a:noFill/>
+                </a:ln>
+                <a:solidFill>
+                  <a:srgbClr val="000000"/>
+                </a:solidFill>
+                <a:effectLst/>
+                <a:latin typeface="Consolas" panose="020B0609020204030204" pitchFamily="49" charset="0"/>
+              </a:rPr>
+            </a:br>
+            <a:r>
+              <a:rPr kumimoji="0" lang="zh-CN" altLang="zh-CN" sz="1050" b="0" i="0" u="none" strike="noStrike" cap="none" normalizeH="0" baseline="0" dirty="0" smtClean="0">
+                <a:ln>
+                  <a:noFill/>
+                </a:ln>
+                <a:solidFill>
+                  <a:srgbClr val="000000"/>
+                </a:solidFill>
+                <a:effectLst/>
+                <a:latin typeface="Consolas" panose="020B0609020204030204" pitchFamily="49" charset="0"/>
+              </a:rPr>
+              <a:t>    channel: </a:t>
+            </a:r>
+            <a:r>
+              <a:rPr kumimoji="0" lang="zh-CN" altLang="zh-CN" sz="1050" b="1" i="0" u="none" strike="noStrike" cap="none" normalizeH="0" baseline="0" dirty="0" smtClean="0">
+                <a:ln>
+                  <a:noFill/>
+                </a:ln>
+                <a:solidFill>
+                  <a:srgbClr val="008000"/>
+                </a:solidFill>
+                <a:effectLst/>
+                <a:latin typeface="Consolas" panose="020B0609020204030204" pitchFamily="49" charset="0"/>
+              </a:rPr>
+              <a:t>"workspace"</a:t>
+            </a:r>
+            <a:r>
+              <a:rPr kumimoji="0" lang="zh-CN" altLang="zh-CN" sz="1050" b="0" i="0" u="none" strike="noStrike" cap="none" normalizeH="0" baseline="0" dirty="0" smtClean="0">
+                <a:ln>
+                  <a:noFill/>
+                </a:ln>
+                <a:solidFill>
+                  <a:srgbClr val="000000"/>
+                </a:solidFill>
+                <a:effectLst/>
+                <a:latin typeface="Consolas" panose="020B0609020204030204" pitchFamily="49" charset="0"/>
+              </a:rPr>
+              <a:t>,</a:t>
+            </a:r>
+            <a:br>
+              <a:rPr kumimoji="0" lang="zh-CN" altLang="zh-CN" sz="1050" b="0" i="0" u="none" strike="noStrike" cap="none" normalizeH="0" baseline="0" dirty="0" smtClean="0">
+                <a:ln>
+                  <a:noFill/>
+                </a:ln>
+                <a:solidFill>
+                  <a:srgbClr val="000000"/>
+                </a:solidFill>
+                <a:effectLst/>
+                <a:latin typeface="Consolas" panose="020B0609020204030204" pitchFamily="49" charset="0"/>
+              </a:rPr>
+            </a:br>
+            <a:r>
+              <a:rPr kumimoji="0" lang="zh-CN" altLang="zh-CN" sz="1050" b="0" i="0" u="none" strike="noStrike" cap="none" normalizeH="0" baseline="0" dirty="0" smtClean="0">
+                <a:ln>
+                  <a:noFill/>
+                </a:ln>
+                <a:solidFill>
+                  <a:srgbClr val="000000"/>
+                </a:solidFill>
+                <a:effectLst/>
+                <a:latin typeface="Consolas" panose="020B0609020204030204" pitchFamily="49" charset="0"/>
+              </a:rPr>
+              <a:t>    topic: </a:t>
+            </a:r>
+            <a:r>
+              <a:rPr kumimoji="0" lang="zh-CN" altLang="zh-CN" sz="1050" b="1" i="0" u="none" strike="noStrike" cap="none" normalizeH="0" baseline="0" dirty="0" smtClean="0">
+                <a:ln>
+                  <a:noFill/>
+                </a:ln>
+                <a:solidFill>
+                  <a:srgbClr val="008000"/>
+                </a:solidFill>
+                <a:effectLst/>
+                <a:latin typeface="Consolas" panose="020B0609020204030204" pitchFamily="49" charset="0"/>
+              </a:rPr>
+              <a:t>"reset"</a:t>
+            </a:r>
+            <a:r>
+              <a:rPr kumimoji="0" lang="zh-CN" altLang="zh-CN" sz="1050" b="0" i="0" u="none" strike="noStrike" cap="none" normalizeH="0" baseline="0" dirty="0" smtClean="0">
+                <a:ln>
+                  <a:noFill/>
+                </a:ln>
+                <a:solidFill>
+                  <a:srgbClr val="000000"/>
+                </a:solidFill>
+                <a:effectLst/>
+                <a:latin typeface="Consolas" panose="020B0609020204030204" pitchFamily="49" charset="0"/>
+              </a:rPr>
+              <a:t>,</a:t>
+            </a:r>
+            <a:br>
+              <a:rPr kumimoji="0" lang="zh-CN" altLang="zh-CN" sz="1050" b="0" i="0" u="none" strike="noStrike" cap="none" normalizeH="0" baseline="0" dirty="0" smtClean="0">
+                <a:ln>
+                  <a:noFill/>
+                </a:ln>
+                <a:solidFill>
+                  <a:srgbClr val="000000"/>
+                </a:solidFill>
+                <a:effectLst/>
+                <a:latin typeface="Consolas" panose="020B0609020204030204" pitchFamily="49" charset="0"/>
+              </a:rPr>
+            </a:br>
+            <a:r>
+              <a:rPr kumimoji="0" lang="zh-CN" altLang="zh-CN" sz="1050" b="0" i="0" u="none" strike="noStrike" cap="none" normalizeH="0" baseline="0" dirty="0" smtClean="0">
+                <a:ln>
+                  <a:noFill/>
+                </a:ln>
+                <a:solidFill>
+                  <a:srgbClr val="000000"/>
+                </a:solidFill>
+                <a:effectLst/>
+                <a:latin typeface="Consolas" panose="020B0609020204030204" pitchFamily="49" charset="0"/>
+              </a:rPr>
+              <a:t>    callback: </a:t>
+            </a:r>
+            <a:r>
+              <a:rPr kumimoji="0" lang="zh-CN" altLang="zh-CN" sz="1050" b="1" i="0" u="none" strike="noStrike" cap="none" normalizeH="0" baseline="0" dirty="0" smtClean="0">
+                <a:ln>
+                  <a:noFill/>
+                </a:ln>
+                <a:solidFill>
+                  <a:srgbClr val="000080"/>
+                </a:solidFill>
+                <a:effectLst/>
+                <a:latin typeface="Consolas" panose="020B0609020204030204" pitchFamily="49" charset="0"/>
+              </a:rPr>
+              <a:t>function</a:t>
+            </a:r>
+            <a:r>
+              <a:rPr kumimoji="0" lang="zh-CN" altLang="zh-CN" sz="1050" b="0" i="0" u="none" strike="noStrike" cap="none" normalizeH="0" baseline="0" dirty="0" smtClean="0">
+                <a:ln>
+                  <a:noFill/>
+                </a:ln>
+                <a:solidFill>
+                  <a:srgbClr val="000000"/>
+                </a:solidFill>
+                <a:effectLst/>
+                <a:latin typeface="Consolas" panose="020B0609020204030204" pitchFamily="49" charset="0"/>
+              </a:rPr>
+              <a:t>(data, envelope) {</a:t>
+            </a:r>
+            <a:br>
+              <a:rPr kumimoji="0" lang="zh-CN" altLang="zh-CN" sz="1050" b="0" i="0" u="none" strike="noStrike" cap="none" normalizeH="0" baseline="0" dirty="0" smtClean="0">
+                <a:ln>
+                  <a:noFill/>
+                </a:ln>
+                <a:solidFill>
+                  <a:srgbClr val="000000"/>
+                </a:solidFill>
+                <a:effectLst/>
+                <a:latin typeface="Consolas" panose="020B0609020204030204" pitchFamily="49" charset="0"/>
+              </a:rPr>
+            </a:br>
+            <a:r>
+              <a:rPr kumimoji="0" lang="zh-CN" altLang="zh-CN" sz="1050" b="0" i="0" u="none" strike="noStrike" cap="none" normalizeH="0" baseline="0" dirty="0" smtClean="0">
+                <a:ln>
+                  <a:noFill/>
+                </a:ln>
+                <a:solidFill>
+                  <a:srgbClr val="000000"/>
+                </a:solidFill>
+                <a:effectLst/>
+                <a:latin typeface="Consolas" panose="020B0609020204030204" pitchFamily="49" charset="0"/>
+              </a:rPr>
+              <a:t>        $(</a:t>
+            </a:r>
+            <a:r>
+              <a:rPr kumimoji="0" lang="zh-CN" altLang="zh-CN" sz="1050" b="1" i="0" u="none" strike="noStrike" cap="none" normalizeH="0" baseline="0" dirty="0" smtClean="0">
+                <a:ln>
+                  <a:noFill/>
+                </a:ln>
+                <a:solidFill>
+                  <a:srgbClr val="008000"/>
+                </a:solidFill>
+                <a:effectLst/>
+                <a:latin typeface="Consolas" panose="020B0609020204030204" pitchFamily="49" charset="0"/>
+              </a:rPr>
+              <a:t>"#" </a:t>
+            </a:r>
+            <a:r>
+              <a:rPr kumimoji="0" lang="zh-CN" altLang="zh-CN" sz="1050" b="0" i="0" u="none" strike="noStrike" cap="none" normalizeH="0" baseline="0" dirty="0" smtClean="0">
+                <a:ln>
+                  <a:noFill/>
+                </a:ln>
+                <a:solidFill>
+                  <a:srgbClr val="000000"/>
+                </a:solidFill>
+                <a:effectLst/>
+                <a:latin typeface="Consolas" panose="020B0609020204030204" pitchFamily="49" charset="0"/>
+              </a:rPr>
+              <a:t>+ gridster.props.id + </a:t>
+            </a:r>
+            <a:r>
+              <a:rPr kumimoji="0" lang="zh-CN" altLang="zh-CN" sz="1050" b="1" i="0" u="none" strike="noStrike" cap="none" normalizeH="0" baseline="0" dirty="0" smtClean="0">
+                <a:ln>
+                  <a:noFill/>
+                </a:ln>
+                <a:solidFill>
+                  <a:srgbClr val="008000"/>
+                </a:solidFill>
+                <a:effectLst/>
+                <a:latin typeface="Consolas" panose="020B0609020204030204" pitchFamily="49" charset="0"/>
+              </a:rPr>
+              <a:t>" ul"</a:t>
+            </a:r>
+            <a:r>
+              <a:rPr kumimoji="0" lang="zh-CN" altLang="zh-CN" sz="1050" b="0" i="0" u="none" strike="noStrike" cap="none" normalizeH="0" baseline="0" dirty="0" smtClean="0">
+                <a:ln>
+                  <a:noFill/>
+                </a:ln>
+                <a:solidFill>
+                  <a:srgbClr val="000000"/>
+                </a:solidFill>
+                <a:effectLst/>
+                <a:latin typeface="Consolas" panose="020B0609020204030204" pitchFamily="49" charset="0"/>
+              </a:rPr>
+              <a:t>).find(</a:t>
+            </a:r>
+            <a:r>
+              <a:rPr kumimoji="0" lang="zh-CN" altLang="zh-CN" sz="1050" b="1" i="0" u="none" strike="noStrike" cap="none" normalizeH="0" baseline="0" dirty="0" smtClean="0">
+                <a:ln>
+                  <a:noFill/>
+                </a:ln>
+                <a:solidFill>
+                  <a:srgbClr val="008000"/>
+                </a:solidFill>
+                <a:effectLst/>
+                <a:latin typeface="Consolas" panose="020B0609020204030204" pitchFamily="49" charset="0"/>
+              </a:rPr>
+              <a:t>"li.current"</a:t>
+            </a:r>
+            <a:r>
+              <a:rPr kumimoji="0" lang="zh-CN" altLang="zh-CN" sz="1050" b="0" i="0" u="none" strike="noStrike" cap="none" normalizeH="0" baseline="0" dirty="0" smtClean="0">
+                <a:ln>
+                  <a:noFill/>
+                </a:ln>
+                <a:solidFill>
+                  <a:srgbClr val="000000"/>
+                </a:solidFill>
+                <a:effectLst/>
+                <a:latin typeface="Consolas" panose="020B0609020204030204" pitchFamily="49" charset="0"/>
+              </a:rPr>
+              <a:t>).removeClass(</a:t>
+            </a:r>
+            <a:r>
+              <a:rPr kumimoji="0" lang="zh-CN" altLang="zh-CN" sz="1050" b="1" i="0" u="none" strike="noStrike" cap="none" normalizeH="0" baseline="0" dirty="0" smtClean="0">
+                <a:ln>
+                  <a:noFill/>
+                </a:ln>
+                <a:solidFill>
+                  <a:srgbClr val="008000"/>
+                </a:solidFill>
+                <a:effectLst/>
+                <a:latin typeface="Consolas" panose="020B0609020204030204" pitchFamily="49" charset="0"/>
+              </a:rPr>
+              <a:t>"current"</a:t>
+            </a:r>
+            <a:r>
+              <a:rPr kumimoji="0" lang="zh-CN" altLang="zh-CN" sz="1050" b="0" i="0" u="none" strike="noStrike" cap="none" normalizeH="0" baseline="0" dirty="0" smtClean="0">
+                <a:ln>
+                  <a:noFill/>
+                </a:ln>
+                <a:solidFill>
+                  <a:srgbClr val="000000"/>
+                </a:solidFill>
+                <a:effectLst/>
+                <a:latin typeface="Consolas" panose="020B0609020204030204" pitchFamily="49" charset="0"/>
+              </a:rPr>
+              <a:t>);</a:t>
+            </a:r>
+            <a:br>
+              <a:rPr kumimoji="0" lang="zh-CN" altLang="zh-CN" sz="1050" b="0" i="0" u="none" strike="noStrike" cap="none" normalizeH="0" baseline="0" dirty="0" smtClean="0">
+                <a:ln>
+                  <a:noFill/>
+                </a:ln>
+                <a:solidFill>
+                  <a:srgbClr val="000000"/>
+                </a:solidFill>
+                <a:effectLst/>
+                <a:latin typeface="Consolas" panose="020B0609020204030204" pitchFamily="49" charset="0"/>
+              </a:rPr>
+            </a:br>
+            <a:r>
+              <a:rPr kumimoji="0" lang="zh-CN" altLang="zh-CN" sz="1050" b="0" i="0" u="none" strike="noStrike" cap="none" normalizeH="0" baseline="0" dirty="0" smtClean="0">
+                <a:ln>
+                  <a:noFill/>
+                </a:ln>
+                <a:solidFill>
+                  <a:srgbClr val="000000"/>
+                </a:solidFill>
+                <a:effectLst/>
+                <a:latin typeface="Consolas" panose="020B0609020204030204" pitchFamily="49" charset="0"/>
+              </a:rPr>
+              <a:t>        $(</a:t>
+            </a:r>
+            <a:r>
+              <a:rPr kumimoji="0" lang="zh-CN" altLang="zh-CN" sz="1050" b="1" i="0" u="none" strike="noStrike" cap="none" normalizeH="0" baseline="0" dirty="0" smtClean="0">
+                <a:ln>
+                  <a:noFill/>
+                </a:ln>
+                <a:solidFill>
+                  <a:srgbClr val="008000"/>
+                </a:solidFill>
+                <a:effectLst/>
+                <a:latin typeface="Consolas" panose="020B0609020204030204" pitchFamily="49" charset="0"/>
+              </a:rPr>
+              <a:t>"#" </a:t>
+            </a:r>
+            <a:r>
+              <a:rPr kumimoji="0" lang="zh-CN" altLang="zh-CN" sz="1050" b="0" i="0" u="none" strike="noStrike" cap="none" normalizeH="0" baseline="0" dirty="0" smtClean="0">
+                <a:ln>
+                  <a:noFill/>
+                </a:ln>
+                <a:solidFill>
+                  <a:srgbClr val="000000"/>
+                </a:solidFill>
+                <a:effectLst/>
+                <a:latin typeface="Consolas" panose="020B0609020204030204" pitchFamily="49" charset="0"/>
+              </a:rPr>
+              <a:t>+ gridster.props.id + </a:t>
+            </a:r>
+            <a:r>
+              <a:rPr kumimoji="0" lang="zh-CN" altLang="zh-CN" sz="1050" b="1" i="0" u="none" strike="noStrike" cap="none" normalizeH="0" baseline="0" dirty="0" smtClean="0">
+                <a:ln>
+                  <a:noFill/>
+                </a:ln>
+                <a:solidFill>
+                  <a:srgbClr val="008000"/>
+                </a:solidFill>
+                <a:effectLst/>
+                <a:latin typeface="Consolas" panose="020B0609020204030204" pitchFamily="49" charset="0"/>
+              </a:rPr>
+              <a:t>" ul"</a:t>
+            </a:r>
+            <a:r>
+              <a:rPr kumimoji="0" lang="zh-CN" altLang="zh-CN" sz="1050" b="0" i="0" u="none" strike="noStrike" cap="none" normalizeH="0" baseline="0" dirty="0" smtClean="0">
+                <a:ln>
+                  <a:noFill/>
+                </a:ln>
+                <a:solidFill>
+                  <a:srgbClr val="000000"/>
+                </a:solidFill>
+                <a:effectLst/>
+                <a:latin typeface="Consolas" panose="020B0609020204030204" pitchFamily="49" charset="0"/>
+              </a:rPr>
+              <a:t>).gridster().data(</a:t>
+            </a:r>
+            <a:r>
+              <a:rPr kumimoji="0" lang="zh-CN" altLang="zh-CN" sz="1050" b="1" i="0" u="none" strike="noStrike" cap="none" normalizeH="0" baseline="0" dirty="0" smtClean="0">
+                <a:ln>
+                  <a:noFill/>
+                </a:ln>
+                <a:solidFill>
+                  <a:srgbClr val="008000"/>
+                </a:solidFill>
+                <a:effectLst/>
+                <a:latin typeface="Consolas" panose="020B0609020204030204" pitchFamily="49" charset="0"/>
+              </a:rPr>
+              <a:t>'gridster'</a:t>
+            </a:r>
+            <a:r>
+              <a:rPr kumimoji="0" lang="zh-CN" altLang="zh-CN" sz="1050" b="0" i="0" u="none" strike="noStrike" cap="none" normalizeH="0" baseline="0" dirty="0" smtClean="0">
+                <a:ln>
+                  <a:noFill/>
+                </a:ln>
+                <a:solidFill>
+                  <a:srgbClr val="000000"/>
+                </a:solidFill>
+                <a:effectLst/>
+                <a:latin typeface="Consolas" panose="020B0609020204030204" pitchFamily="49" charset="0"/>
+              </a:rPr>
+              <a:t>).enable().enable_resize();</a:t>
+            </a:r>
+            <a:br>
+              <a:rPr kumimoji="0" lang="zh-CN" altLang="zh-CN" sz="1050" b="0" i="0" u="none" strike="noStrike" cap="none" normalizeH="0" baseline="0" dirty="0" smtClean="0">
+                <a:ln>
+                  <a:noFill/>
+                </a:ln>
+                <a:solidFill>
+                  <a:srgbClr val="000000"/>
+                </a:solidFill>
+                <a:effectLst/>
+                <a:latin typeface="Consolas" panose="020B0609020204030204" pitchFamily="49" charset="0"/>
+              </a:rPr>
+            </a:br>
+            <a:r>
+              <a:rPr kumimoji="0" lang="zh-CN" altLang="zh-CN" sz="1050" b="0" i="0" u="none" strike="noStrike" cap="none" normalizeH="0" baseline="0" dirty="0" smtClean="0">
+                <a:ln>
+                  <a:noFill/>
+                </a:ln>
+                <a:solidFill>
+                  <a:srgbClr val="000000"/>
+                </a:solidFill>
+                <a:effectLst/>
+                <a:latin typeface="Consolas" panose="020B0609020204030204" pitchFamily="49" charset="0"/>
+              </a:rPr>
+              <a:t>    }</a:t>
+            </a:r>
+            <a:br>
+              <a:rPr kumimoji="0" lang="zh-CN" altLang="zh-CN" sz="1050" b="0" i="0" u="none" strike="noStrike" cap="none" normalizeH="0" baseline="0" dirty="0" smtClean="0">
+                <a:ln>
+                  <a:noFill/>
+                </a:ln>
+                <a:solidFill>
+                  <a:srgbClr val="000000"/>
+                </a:solidFill>
+                <a:effectLst/>
+                <a:latin typeface="Consolas" panose="020B0609020204030204" pitchFamily="49" charset="0"/>
+              </a:rPr>
+            </a:br>
+            <a:r>
+              <a:rPr kumimoji="0" lang="zh-CN" altLang="zh-CN" sz="1050" b="0" i="0" u="none" strike="noStrike" cap="none" normalizeH="0" baseline="0" dirty="0" smtClean="0">
+                <a:ln>
+                  <a:noFill/>
+                </a:ln>
+                <a:solidFill>
+                  <a:srgbClr val="000000"/>
+                </a:solidFill>
+                <a:effectLst/>
+                <a:latin typeface="Consolas" panose="020B0609020204030204" pitchFamily="49" charset="0"/>
+              </a:rPr>
+              <a:t>});</a:t>
+            </a:r>
+            <a:endParaRPr kumimoji="0" lang="zh-CN" altLang="zh-CN" sz="1200" b="0" i="0" u="none" strike="noStrike" cap="none" normalizeH="0" baseline="0" dirty="0" smtClean="0">
+              <a:ln>
+                <a:noFill/>
+              </a:ln>
+              <a:solidFill>
+                <a:schemeClr val="tx1"/>
+              </a:solidFill>
+              <a:effectLst/>
+              <a:latin typeface="Arial" panose="020B0604020202020204" pitchFamily="34" charset="0"/>
+            </a:endParaRPr>
+          </a:p>
+        </p:txBody>
+      </p:sp>
+      <p:sp>
+        <p:nvSpPr>
+          <p:cNvPr id="20" name="下箭头 19"/>
+          <p:cNvSpPr/>
+          <p:nvPr/>
+        </p:nvSpPr>
+        <p:spPr>
+          <a:xfrm rot="16200000">
+            <a:off x="3335358" y="5507416"/>
+            <a:ext cx="207243" cy="611412"/>
+          </a:xfrm>
+          <a:prstGeom prst="downArrow">
+            <a:avLst/>
+          </a:prstGeom>
+        </p:spPr>
+        <p:style>
+          <a:lnRef idx="2">
+            <a:schemeClr val="accent3">
+              <a:shade val="50000"/>
+            </a:schemeClr>
+          </a:lnRef>
+          <a:fillRef idx="1">
+            <a:schemeClr val="accent3"/>
+          </a:fillRef>
+          <a:effectRef idx="0">
+            <a:schemeClr val="accent3"/>
+          </a:effectRef>
+          <a:fontRef idx="minor">
+            <a:schemeClr val="lt1"/>
+          </a:fontRef>
+        </p:style>
+        <p:txBody>
+          <a:bodyPr rtlCol="0" anchor="ctr"/>
+          <a:lstStyle/>
+          <a:p>
+            <a:pPr algn="ctr"/>
+            <a:endParaRPr lang="zh-CN" altLang="en-US"/>
+          </a:p>
+        </p:txBody>
+      </p:sp>
+    </p:spTree>
+    <p:extLst>
+      <p:ext uri="{BB962C8B-B14F-4D97-AF65-F5344CB8AC3E}">
+        <p14:creationId xmlns:p14="http://schemas.microsoft.com/office/powerpoint/2010/main" val="1760682535"/>
+      </p:ext>
+    </p:extLst>
+  </p:cSld>
+  <p:clrMapOvr>
+    <a:masterClrMapping/>
+  </p:clrMapOvr>
+</p:sld>
+</file>
+
+<file path=ppt/slides/slide5.xml><?xml version="1.0" encoding="utf-8"?>
+<p:sld xmlns:a="http://schemas.openxmlformats.org/drawingml/2006/main" xmlns:r="http://schemas.openxmlformats.org/officeDocument/2006/relationships" xmlns:p="http://schemas.openxmlformats.org/presentationml/2006/main">
+  <p:cSld>
+    <p:spTree>
+      <p:nvGrpSpPr>
+        <p:cNvPr id="1" name=""/>
+        <p:cNvGrpSpPr/>
+        <p:nvPr/>
+      </p:nvGrpSpPr>
+      <p:grpSpPr>
+        <a:xfrm>
+          <a:off x="0" y="0"/>
+          <a:ext cx="0" cy="0"/>
+          <a:chOff x="0" y="0"/>
+          <a:chExt cx="0" cy="0"/>
+        </a:xfrm>
+      </p:grpSpPr>
+      <p:sp>
+        <p:nvSpPr>
+          <p:cNvPr id="4" name="标题 1"/>
           <p:cNvSpPr>
             <a:spLocks noGrp="1"/>
           </p:cNvSpPr>
           <p:nvPr>
-            <p:ph idx="1"/>
+            <p:ph type="title"/>
           </p:nvPr>
         </p:nvSpPr>
         <p:spPr>
           <a:xfrm>
-            <a:off x="838200" y="1033145"/>
-            <a:ext cx="10515600" cy="4351338"/>
+            <a:off x="662944" y="513371"/>
+            <a:ext cx="10515600" cy="750162"/>
           </a:xfrm>
         </p:spPr>
         <p:txBody>
-          <a:bodyPr/>
-          <a:lstStyle/>
-          <a:p>
-            <a:r>
-              <a:rPr lang="en-US" altLang="zh-CN" dirty="0" err="1" smtClean="0"/>
-              <a:t>AuthoringTool</a:t>
+          <a:bodyPr>
+            <a:normAutofit/>
+          </a:bodyPr>
+          <a:lstStyle/>
+          <a:p>
+            <a:r>
+              <a:rPr lang="zh-CN" altLang="en-US" sz="2400" dirty="0" smtClean="0"/>
+              <a:t>数据结构</a:t>
+            </a:r>
+            <a:r>
+              <a:rPr lang="en-US" altLang="zh-CN" sz="2400" dirty="0" smtClean="0"/>
+              <a:t>(</a:t>
+            </a:r>
+            <a:r>
+              <a:rPr lang="zh-CN" altLang="en-US" sz="2400" dirty="0" smtClean="0"/>
+              <a:t>页面项目结构</a:t>
+            </a:r>
+            <a:r>
+              <a:rPr lang="en-US" altLang="zh-CN" sz="2400" dirty="0" smtClean="0"/>
+              <a:t>)</a:t>
+            </a:r>
+            <a:endParaRPr lang="zh-CN" altLang="en-US" sz="2400" dirty="0"/>
+          </a:p>
+        </p:txBody>
+      </p:sp>
+      <p:graphicFrame>
+        <p:nvGraphicFramePr>
+          <p:cNvPr id="5" name="图示 4"/>
+          <p:cNvGraphicFramePr/>
+          <p:nvPr>
+            <p:extLst>
+              <p:ext uri="{D42A27DB-BD31-4B8C-83A1-F6EECF244321}">
+                <p14:modId xmlns:p14="http://schemas.microsoft.com/office/powerpoint/2010/main" val="440286563"/>
+              </p:ext>
+            </p:extLst>
+          </p:nvPr>
+        </p:nvGraphicFramePr>
+        <p:xfrm>
+          <a:off x="891177" y="1263533"/>
+          <a:ext cx="8043817" cy="3405052"/>
+        </p:xfrm>
+        <a:graphic>
+          <a:graphicData uri="http://schemas.openxmlformats.org/drawingml/2006/diagram">
+            <dgm:relIds xmlns:dgm="http://schemas.openxmlformats.org/drawingml/2006/diagram" xmlns:r="http://schemas.openxmlformats.org/officeDocument/2006/relationships" r:dm="rId2" r:lo="rId3" r:qs="rId4" r:cs="rId5"/>
+          </a:graphicData>
+        </a:graphic>
+      </p:graphicFrame>
+      <p:sp>
+        <p:nvSpPr>
+          <p:cNvPr id="6" name="文本框 5"/>
+          <p:cNvSpPr txBox="1"/>
+          <p:nvPr/>
+        </p:nvSpPr>
+        <p:spPr>
+          <a:xfrm>
+            <a:off x="1062446" y="4371703"/>
+            <a:ext cx="7297783" cy="646331"/>
+          </a:xfrm>
+          <a:prstGeom prst="rect">
+            <a:avLst/>
+          </a:prstGeom>
+          <a:noFill/>
+        </p:spPr>
+        <p:txBody>
+          <a:bodyPr wrap="square" rtlCol="0">
+            <a:spAutoFit/>
+          </a:bodyPr>
+          <a:lstStyle/>
+          <a:p>
+            <a:r>
+              <a:rPr lang="zh-CN" altLang="en-US" dirty="0" smtClean="0"/>
+              <a:t>定义</a:t>
+            </a:r>
+            <a:endParaRPr lang="en-US" altLang="zh-CN" dirty="0" smtClean="0"/>
+          </a:p>
+          <a:p>
+            <a:endParaRPr lang="zh-CN" altLang="en-US" dirty="0"/>
+          </a:p>
+        </p:txBody>
+      </p:sp>
+      <p:sp>
+        <p:nvSpPr>
+          <p:cNvPr id="7" name="Rectangle 1"/>
+          <p:cNvSpPr>
+            <a:spLocks noChangeArrowheads="1"/>
+          </p:cNvSpPr>
+          <p:nvPr/>
+        </p:nvSpPr>
+        <p:spPr bwMode="auto">
+          <a:xfrm>
+            <a:off x="1062446" y="4668585"/>
+            <a:ext cx="12192000" cy="457200"/>
+          </a:xfrm>
+          <a:prstGeom prst="rect">
+            <a:avLst/>
+          </a:prstGeom>
+          <a:solidFill>
+            <a:srgbClr val="FFFFFF"/>
+          </a:solidFill>
+          <a:ln>
+            <a:noFill/>
+          </a:ln>
+          <a:effectLst/>
+          <a:extLst>
+            <a:ext uri="{91240B29-F687-4F45-9708-019B960494DF}">
+              <a14:hiddenLine xmlns:a14="http://schemas.microsoft.com/office/drawing/2010/main" w="9525">
+                <a:solidFill>
+                  <a:schemeClr val="tx1"/>
+                </a:solidFill>
+                <a:miter lim="800000"/>
+                <a:headEnd/>
+                <a:tailEnd/>
+              </a14:hiddenLine>
+            </a:ext>
+            <a:ext uri="{AF507438-7753-43E0-B8FC-AC1667EBCBE1}">
+              <a14:hiddenEffects xmlns:a14="http://schemas.microsoft.com/office/drawing/2010/main">
+                <a:effectLst>
+                  <a:outerShdw dist="35921" dir="2700000" algn="ctr" rotWithShape="0">
+                    <a:schemeClr val="bg2"/>
+                  </a:outerShdw>
+                </a:effectLst>
+              </a14:hiddenEffects>
+            </a:ext>
+          </a:extLst>
+        </p:spPr>
+        <p:txBody>
+          <a:bodyPr vert="horz" wrap="none" lIns="91440" tIns="45720" rIns="91440" bIns="45720" numCol="1" anchor="ctr" anchorCtr="0" compatLnSpc="1">
+            <a:prstTxWarp prst="textNoShape">
+              <a:avLst/>
+            </a:prstTxWarp>
+            <a:spAutoFit/>
+          </a:bodyPr>
+          <a:lstStyle/>
+          <a:p>
+            <a:pPr marL="0" marR="0" lvl="0" indent="0" algn="l" defTabSz="914400" rtl="0" eaLnBrk="0" fontAlgn="base" latinLnBrk="0" hangingPunct="0">
+              <a:lnSpc>
+                <a:spcPct val="100000"/>
+              </a:lnSpc>
+              <a:spcBef>
+                <a:spcPct val="0"/>
+              </a:spcBef>
+              <a:spcAft>
+                <a:spcPct val="0"/>
+              </a:spcAft>
+              <a:buClrTx/>
+              <a:buSzTx/>
+              <a:buFontTx/>
+              <a:buNone/>
+              <a:tabLst/>
+            </a:pPr>
+            <a:r>
+              <a:rPr kumimoji="0" lang="zh-CN" altLang="zh-CN" sz="1300" b="0" i="0" u="none" strike="noStrike" cap="none" normalizeH="0" baseline="0" dirty="0" smtClean="0">
+                <a:ln>
+                  <a:noFill/>
+                </a:ln>
+                <a:solidFill>
+                  <a:srgbClr val="000000"/>
+                </a:solidFill>
+                <a:effectLst/>
+                <a:latin typeface="Consolas" panose="020B0609020204030204" pitchFamily="49" charset="0"/>
+              </a:rPr>
+              <a:t>module.exports = PageOperation;</a:t>
+            </a:r>
+            <a:endParaRPr kumimoji="0" lang="zh-CN" altLang="zh-CN" sz="1800" b="0" i="0" u="none" strike="noStrike" cap="none" normalizeH="0" baseline="0" dirty="0" smtClean="0">
+              <a:ln>
+                <a:noFill/>
+              </a:ln>
+              <a:solidFill>
+                <a:schemeClr val="tx1"/>
+              </a:solidFill>
+              <a:effectLst/>
+              <a:latin typeface="Arial" panose="020B0604020202020204" pitchFamily="34" charset="0"/>
+            </a:endParaRPr>
+          </a:p>
+        </p:txBody>
+      </p:sp>
+      <p:sp>
+        <p:nvSpPr>
+          <p:cNvPr id="8" name="Rectangle 2"/>
+          <p:cNvSpPr>
+            <a:spLocks noChangeArrowheads="1"/>
+          </p:cNvSpPr>
+          <p:nvPr/>
+        </p:nvSpPr>
+        <p:spPr bwMode="auto">
+          <a:xfrm>
+            <a:off x="1062446" y="5632715"/>
+            <a:ext cx="4479111" cy="292388"/>
+          </a:xfrm>
+          <a:prstGeom prst="rect">
+            <a:avLst/>
+          </a:prstGeom>
+          <a:solidFill>
+            <a:srgbClr val="FFFFFF"/>
+          </a:solidFill>
+          <a:ln>
+            <a:noFill/>
+          </a:ln>
+          <a:effectLst/>
+          <a:extLst>
+            <a:ext uri="{91240B29-F687-4F45-9708-019B960494DF}">
+              <a14:hiddenLine xmlns:a14="http://schemas.microsoft.com/office/drawing/2010/main" w="9525">
+                <a:solidFill>
+                  <a:schemeClr val="tx1"/>
+                </a:solidFill>
+                <a:miter lim="800000"/>
+                <a:headEnd/>
+                <a:tailEnd/>
+              </a14:hiddenLine>
+            </a:ext>
+            <a:ext uri="{AF507438-7753-43E0-B8FC-AC1667EBCBE1}">
+              <a14:hiddenEffects xmlns:a14="http://schemas.microsoft.com/office/drawing/2010/main">
+                <a:effectLst>
+                  <a:outerShdw dist="35921" dir="2700000" algn="ctr" rotWithShape="0">
+                    <a:schemeClr val="bg2"/>
+                  </a:outerShdw>
+                </a:effectLst>
+              </a14:hiddenEffects>
+            </a:ext>
+          </a:extLst>
+        </p:spPr>
+        <p:txBody>
+          <a:bodyPr vert="horz" wrap="none" lIns="91440" tIns="45720" rIns="91440" bIns="45720" numCol="1" anchor="ctr" anchorCtr="0" compatLnSpc="1">
+            <a:prstTxWarp prst="textNoShape">
+              <a:avLst/>
+            </a:prstTxWarp>
+            <a:spAutoFit/>
+          </a:bodyPr>
+          <a:lstStyle/>
+          <a:p>
+            <a:pPr marL="0" marR="0" lvl="0" indent="0" algn="l" defTabSz="914400" rtl="0" eaLnBrk="0" fontAlgn="base" latinLnBrk="0" hangingPunct="0">
+              <a:lnSpc>
+                <a:spcPct val="100000"/>
+              </a:lnSpc>
+              <a:spcBef>
+                <a:spcPct val="0"/>
+              </a:spcBef>
+              <a:spcAft>
+                <a:spcPct val="0"/>
+              </a:spcAft>
+              <a:buClrTx/>
+              <a:buSzTx/>
+              <a:buFontTx/>
+              <a:buNone/>
+              <a:tabLst/>
+            </a:pPr>
+            <a:r>
+              <a:rPr kumimoji="0" lang="zh-CN" altLang="zh-CN" sz="1300" i="0" u="none" strike="noStrike" cap="none" normalizeH="0" baseline="0" dirty="0" smtClean="0">
+                <a:ln>
+                  <a:noFill/>
+                </a:ln>
+                <a:solidFill>
+                  <a:srgbClr val="000080"/>
+                </a:solidFill>
+                <a:effectLst/>
+                <a:latin typeface="Consolas" panose="020B0609020204030204" pitchFamily="49" charset="0"/>
+              </a:rPr>
+              <a:t>var </a:t>
+            </a:r>
+            <a:r>
+              <a:rPr kumimoji="0" lang="zh-CN" altLang="zh-CN" sz="1300" i="0" u="none" strike="noStrike" cap="none" normalizeH="0" baseline="0" dirty="0" smtClean="0">
+                <a:ln>
+                  <a:noFill/>
+                </a:ln>
+                <a:solidFill>
+                  <a:srgbClr val="000000"/>
+                </a:solidFill>
+                <a:effectLst/>
+                <a:latin typeface="Consolas" panose="020B0609020204030204" pitchFamily="49" charset="0"/>
+              </a:rPr>
+              <a:t>PageOperation = require(</a:t>
+            </a:r>
+            <a:r>
+              <a:rPr kumimoji="0" lang="zh-CN" altLang="zh-CN" sz="1300" i="0" u="none" strike="noStrike" cap="none" normalizeH="0" baseline="0" dirty="0" smtClean="0">
+                <a:ln>
+                  <a:noFill/>
+                </a:ln>
+                <a:solidFill>
+                  <a:srgbClr val="008000"/>
+                </a:solidFill>
+                <a:effectLst/>
+                <a:latin typeface="Consolas" panose="020B0609020204030204" pitchFamily="49" charset="0"/>
+              </a:rPr>
+              <a:t>"./PageOperation"</a:t>
+            </a:r>
+            <a:r>
+              <a:rPr kumimoji="0" lang="zh-CN" altLang="zh-CN" sz="1300" i="0" u="none" strike="noStrike" cap="none" normalizeH="0" baseline="0" dirty="0" smtClean="0">
+                <a:ln>
+                  <a:noFill/>
+                </a:ln>
+                <a:solidFill>
+                  <a:srgbClr val="000000"/>
+                </a:solidFill>
+                <a:effectLst/>
+                <a:latin typeface="Consolas" panose="020B0609020204030204" pitchFamily="49" charset="0"/>
+              </a:rPr>
+              <a:t>);</a:t>
+            </a:r>
+            <a:endParaRPr kumimoji="0" lang="zh-CN" altLang="zh-CN" sz="1800" i="0" u="none" strike="noStrike" cap="none" normalizeH="0" baseline="0" dirty="0" smtClean="0">
+              <a:ln>
+                <a:noFill/>
+              </a:ln>
+              <a:solidFill>
+                <a:schemeClr val="tx1"/>
+              </a:solidFill>
+              <a:effectLst/>
+              <a:latin typeface="Arial" panose="020B0604020202020204" pitchFamily="34" charset="0"/>
+            </a:endParaRPr>
+          </a:p>
+        </p:txBody>
+      </p:sp>
+      <p:sp>
+        <p:nvSpPr>
+          <p:cNvPr id="9" name="文本框 8"/>
+          <p:cNvSpPr txBox="1"/>
+          <p:nvPr/>
+        </p:nvSpPr>
+        <p:spPr>
+          <a:xfrm>
+            <a:off x="1062446" y="5199017"/>
+            <a:ext cx="1532708" cy="369332"/>
+          </a:xfrm>
+          <a:prstGeom prst="rect">
+            <a:avLst/>
+          </a:prstGeom>
+          <a:noFill/>
+        </p:spPr>
+        <p:txBody>
+          <a:bodyPr wrap="square" rtlCol="0">
+            <a:spAutoFit/>
+          </a:bodyPr>
+          <a:lstStyle/>
+          <a:p>
+            <a:r>
+              <a:rPr lang="zh-CN" altLang="en-US" dirty="0" smtClean="0"/>
+              <a:t>引用</a:t>
             </a:r>
             <a:r>
               <a:rPr lang="en-US" altLang="zh-CN" dirty="0" smtClean="0"/>
-              <a:t> </a:t>
-            </a:r>
-          </a:p>
-          <a:p>
-            <a:pPr lvl="1"/>
+              <a:t>(</a:t>
+            </a:r>
             <a:r>
               <a:rPr lang="zh-CN" altLang="en-US" dirty="0" smtClean="0"/>
-              <a:t>根组件，表示整个页面</a:t>
-            </a:r>
-            <a:endParaRPr lang="en-US" altLang="zh-CN" dirty="0" smtClean="0"/>
-          </a:p>
-          <a:p>
-            <a:pPr lvl="1"/>
-            <a:r>
-              <a:rPr lang="zh-CN" altLang="en-US" dirty="0" smtClean="0"/>
-              <a:t>子元素包括状态栏、工作区、弹出框等</a:t>
-            </a:r>
-            <a:endParaRPr lang="en-US" altLang="zh-CN" dirty="0" smtClean="0"/>
-          </a:p>
-          <a:p>
-            <a:r>
-              <a:rPr lang="en-US" altLang="zh-CN" dirty="0" err="1" smtClean="0"/>
-              <a:t>NavBar</a:t>
-            </a:r>
-            <a:endParaRPr lang="en-US" altLang="zh-CN" dirty="0" smtClean="0"/>
-          </a:p>
-          <a:p>
-            <a:pPr lvl="1"/>
-            <a:r>
-              <a:rPr lang="zh-CN" altLang="en-US" dirty="0" smtClean="0"/>
-              <a:t>状态栏组件</a:t>
+              <a:t>使用</a:t>
+            </a:r>
+            <a:r>
+              <a:rPr lang="en-US" altLang="zh-CN" dirty="0" smtClean="0"/>
+              <a:t>)</a:t>
             </a:r>
             <a:endParaRPr lang="zh-CN" altLang="en-US" dirty="0"/>
           </a:p>
@@ -5330,7 +11302,7 @@
     </p:spTree>
     <p:extLst>
       <p:ext uri="{BB962C8B-B14F-4D97-AF65-F5344CB8AC3E}">
-        <p14:creationId xmlns:p14="http://schemas.microsoft.com/office/powerpoint/2010/main" val="3176967318"/>
+        <p14:creationId xmlns:p14="http://schemas.microsoft.com/office/powerpoint/2010/main" val="1490005972"/>
       </p:ext>
     </p:extLst>
   </p:cSld>

--- a/doc/AuthoringTool Design.pptx
+++ b/doc/AuthoringTool Design.pptx
@@ -1147,6 +1147,13 @@
         </dgm:presLayoutVars>
       </dgm:prSet>
       <dgm:spPr/>
+      <dgm:t>
+        <a:bodyPr/>
+        <a:lstStyle/>
+        <a:p>
+          <a:endParaRPr lang="zh-CN" altLang="en-US"/>
+        </a:p>
+      </dgm:t>
     </dgm:pt>
     <dgm:pt modelId="{167E5CA3-642C-4102-83EB-11E965CF4676}" type="pres">
       <dgm:prSet presAssocID="{63C89271-5FAD-4A76-B1F6-068DEA12F0B6}" presName="root1" presStyleCnt="0"/>
@@ -1174,10 +1181,24 @@
     <dgm:pt modelId="{1AA980B6-AA4B-4F46-8522-C2170376429D}" type="pres">
       <dgm:prSet presAssocID="{78A757D2-9A0E-4E02-AD33-DDFC91514C87}" presName="conn2-1" presStyleLbl="parChTrans1D2" presStyleIdx="0" presStyleCnt="2"/>
       <dgm:spPr/>
+      <dgm:t>
+        <a:bodyPr/>
+        <a:lstStyle/>
+        <a:p>
+          <a:endParaRPr lang="zh-CN" altLang="en-US"/>
+        </a:p>
+      </dgm:t>
     </dgm:pt>
     <dgm:pt modelId="{37FF9F29-DEBE-4CA5-8636-4F1522BF2000}" type="pres">
       <dgm:prSet presAssocID="{78A757D2-9A0E-4E02-AD33-DDFC91514C87}" presName="connTx" presStyleLbl="parChTrans1D2" presStyleIdx="0" presStyleCnt="2"/>
       <dgm:spPr/>
+      <dgm:t>
+        <a:bodyPr/>
+        <a:lstStyle/>
+        <a:p>
+          <a:endParaRPr lang="zh-CN" altLang="en-US"/>
+        </a:p>
+      </dgm:t>
     </dgm:pt>
     <dgm:pt modelId="{FA0A9C5A-438F-44F6-B43B-A351FAD4F6BE}" type="pres">
       <dgm:prSet presAssocID="{E628FFB5-B7A0-4130-A3B0-CFF086973D85}" presName="root2" presStyleCnt="0"/>
@@ -1205,10 +1226,24 @@
     <dgm:pt modelId="{CB5D141A-F31D-4A09-84DF-4D1C0569F1A1}" type="pres">
       <dgm:prSet presAssocID="{A80F37F6-5678-4732-A7F0-E08A9E1BE5A8}" presName="conn2-1" presStyleLbl="parChTrans1D2" presStyleIdx="1" presStyleCnt="2"/>
       <dgm:spPr/>
+      <dgm:t>
+        <a:bodyPr/>
+        <a:lstStyle/>
+        <a:p>
+          <a:endParaRPr lang="zh-CN" altLang="en-US"/>
+        </a:p>
+      </dgm:t>
     </dgm:pt>
     <dgm:pt modelId="{7B7DA84A-052E-4833-8B4D-121C0DA550A9}" type="pres">
       <dgm:prSet presAssocID="{A80F37F6-5678-4732-A7F0-E08A9E1BE5A8}" presName="connTx" presStyleLbl="parChTrans1D2" presStyleIdx="1" presStyleCnt="2"/>
       <dgm:spPr/>
+      <dgm:t>
+        <a:bodyPr/>
+        <a:lstStyle/>
+        <a:p>
+          <a:endParaRPr lang="zh-CN" altLang="en-US"/>
+        </a:p>
+      </dgm:t>
     </dgm:pt>
     <dgm:pt modelId="{0B5F2BCE-3107-4A87-B9DA-491E6AB27EC8}" type="pres">
       <dgm:prSet presAssocID="{52B335CF-BC44-480B-9786-A3628082B030}" presName="root2" presStyleCnt="0"/>
@@ -1236,10 +1271,24 @@
     <dgm:pt modelId="{91DBEA2E-DE03-4C2D-BB9F-6C252C1B99E7}" type="pres">
       <dgm:prSet presAssocID="{279C4DC0-EF1D-47D1-B047-147AC263EF95}" presName="conn2-1" presStyleLbl="parChTrans1D3" presStyleIdx="0" presStyleCnt="4"/>
       <dgm:spPr/>
+      <dgm:t>
+        <a:bodyPr/>
+        <a:lstStyle/>
+        <a:p>
+          <a:endParaRPr lang="zh-CN" altLang="en-US"/>
+        </a:p>
+      </dgm:t>
     </dgm:pt>
     <dgm:pt modelId="{4E33541D-1BA8-4120-B1FD-0057E5F63C23}" type="pres">
       <dgm:prSet presAssocID="{279C4DC0-EF1D-47D1-B047-147AC263EF95}" presName="connTx" presStyleLbl="parChTrans1D3" presStyleIdx="0" presStyleCnt="4"/>
       <dgm:spPr/>
+      <dgm:t>
+        <a:bodyPr/>
+        <a:lstStyle/>
+        <a:p>
+          <a:endParaRPr lang="zh-CN" altLang="en-US"/>
+        </a:p>
+      </dgm:t>
     </dgm:pt>
     <dgm:pt modelId="{933B98CA-C12F-4D83-9B61-055EFCBB9109}" type="pres">
       <dgm:prSet presAssocID="{1D6299FD-D5CB-4663-A458-CFA7106D19EB}" presName="root2" presStyleCnt="0"/>
@@ -1267,10 +1316,24 @@
     <dgm:pt modelId="{B9B92BA2-862C-49CE-810E-1904CA4B8929}" type="pres">
       <dgm:prSet presAssocID="{F220C22F-6DAE-4DFE-BDFB-73232C767F0C}" presName="conn2-1" presStyleLbl="parChTrans1D3" presStyleIdx="1" presStyleCnt="4"/>
       <dgm:spPr/>
+      <dgm:t>
+        <a:bodyPr/>
+        <a:lstStyle/>
+        <a:p>
+          <a:endParaRPr lang="zh-CN" altLang="en-US"/>
+        </a:p>
+      </dgm:t>
     </dgm:pt>
     <dgm:pt modelId="{6FA1B294-10C7-4244-8ABE-AD928E2C1541}" type="pres">
       <dgm:prSet presAssocID="{F220C22F-6DAE-4DFE-BDFB-73232C767F0C}" presName="connTx" presStyleLbl="parChTrans1D3" presStyleIdx="1" presStyleCnt="4"/>
       <dgm:spPr/>
+      <dgm:t>
+        <a:bodyPr/>
+        <a:lstStyle/>
+        <a:p>
+          <a:endParaRPr lang="zh-CN" altLang="en-US"/>
+        </a:p>
+      </dgm:t>
     </dgm:pt>
     <dgm:pt modelId="{848E6DCF-5CCA-454D-9718-69BC63D58185}" type="pres">
       <dgm:prSet presAssocID="{9FA90021-0242-47D8-89D9-25A2B5B0B79C}" presName="root2" presStyleCnt="0"/>
@@ -1298,10 +1361,24 @@
     <dgm:pt modelId="{1E7C44FD-CD41-496F-B7DB-DAADD4DDECD9}" type="pres">
       <dgm:prSet presAssocID="{9BBB4A0F-3592-48EB-9131-4C55C5610F43}" presName="conn2-1" presStyleLbl="parChTrans1D3" presStyleIdx="2" presStyleCnt="4"/>
       <dgm:spPr/>
+      <dgm:t>
+        <a:bodyPr/>
+        <a:lstStyle/>
+        <a:p>
+          <a:endParaRPr lang="zh-CN" altLang="en-US"/>
+        </a:p>
+      </dgm:t>
     </dgm:pt>
     <dgm:pt modelId="{95B205AE-2423-4D88-AAC9-33F485F97158}" type="pres">
       <dgm:prSet presAssocID="{9BBB4A0F-3592-48EB-9131-4C55C5610F43}" presName="connTx" presStyleLbl="parChTrans1D3" presStyleIdx="2" presStyleCnt="4"/>
       <dgm:spPr/>
+      <dgm:t>
+        <a:bodyPr/>
+        <a:lstStyle/>
+        <a:p>
+          <a:endParaRPr lang="zh-CN" altLang="en-US"/>
+        </a:p>
+      </dgm:t>
     </dgm:pt>
     <dgm:pt modelId="{47FD5ED0-FBCA-4DC3-845E-FD2F1AF53905}" type="pres">
       <dgm:prSet presAssocID="{FF5E58AE-4976-4CCE-9240-B47B480F2947}" presName="root2" presStyleCnt="0"/>
@@ -1329,17 +1406,31 @@
     <dgm:pt modelId="{27082BA8-564A-4A6C-AFA8-99299BC31D54}" type="pres">
       <dgm:prSet presAssocID="{5B9E8CC9-982C-42B1-97EC-C547B361DCF6}" presName="conn2-1" presStyleLbl="parChTrans1D3" presStyleIdx="3" presStyleCnt="4"/>
       <dgm:spPr/>
+      <dgm:t>
+        <a:bodyPr/>
+        <a:lstStyle/>
+        <a:p>
+          <a:endParaRPr lang="zh-CN" altLang="en-US"/>
+        </a:p>
+      </dgm:t>
     </dgm:pt>
     <dgm:pt modelId="{6143E3E9-3899-4BA2-B502-2FF9E8F0E5E3}" type="pres">
       <dgm:prSet presAssocID="{5B9E8CC9-982C-42B1-97EC-C547B361DCF6}" presName="connTx" presStyleLbl="parChTrans1D3" presStyleIdx="3" presStyleCnt="4"/>
       <dgm:spPr/>
+      <dgm:t>
+        <a:bodyPr/>
+        <a:lstStyle/>
+        <a:p>
+          <a:endParaRPr lang="zh-CN" altLang="en-US"/>
+        </a:p>
+      </dgm:t>
     </dgm:pt>
     <dgm:pt modelId="{25C3C28B-4F19-4BB7-8A1B-4AED6DD9C17B}" type="pres">
       <dgm:prSet presAssocID="{0D0DCFDF-EB39-422D-8E38-F18C1D98A9F2}" presName="root2" presStyleCnt="0"/>
       <dgm:spPr/>
     </dgm:pt>
     <dgm:pt modelId="{01A0E27D-64CF-487D-9FCA-0FBE72F193D1}" type="pres">
-      <dgm:prSet presAssocID="{0D0DCFDF-EB39-422D-8E38-F18C1D98A9F2}" presName="LevelTwoTextNode" presStyleLbl="node3" presStyleIdx="3" presStyleCnt="4" custScaleX="96701" custScaleY="42108" custLinFactNeighborX="383" custLinFactNeighborY="-3832">
+      <dgm:prSet presAssocID="{0D0DCFDF-EB39-422D-8E38-F18C1D98A9F2}" presName="LevelTwoTextNode" presStyleLbl="node3" presStyleIdx="3" presStyleCnt="4" custScaleX="96701" custScaleY="42108" custLinFactNeighborX="383" custLinFactNeighborY="-3645">
         <dgm:presLayoutVars>
           <dgm:chPref val="3"/>
         </dgm:presLayoutVars>
@@ -2324,9 +2415,9 @@
         <dsp:cNvSpPr/>
       </dsp:nvSpPr>
       <dsp:spPr>
-        <a:xfrm rot="2677680">
-          <a:off x="4233244" y="2160445"/>
-          <a:ext cx="1396264" cy="65039"/>
+        <a:xfrm rot="2681707">
+          <a:off x="4232435" y="2161595"/>
+          <a:ext cx="1397881" cy="65039"/>
         </a:xfrm>
         <a:custGeom>
           <a:avLst/>
@@ -2340,7 +2431,7 @@
                 <a:pt x="0" y="32519"/>
               </a:moveTo>
               <a:lnTo>
-                <a:pt x="1396264" y="32519"/>
+                <a:pt x="1397881" y="32519"/>
               </a:lnTo>
             </a:path>
           </a:pathLst>
@@ -2394,8 +2485,8 @@
         </a:p>
       </dsp:txBody>
       <dsp:txXfrm>
-        <a:off x="4896469" y="2158057"/>
-        <a:ext cx="69813" cy="69813"/>
+        <a:off x="4896429" y="2159167"/>
+        <a:ext cx="69894" cy="69894"/>
       </dsp:txXfrm>
     </dsp:sp>
     <dsp:sp modelId="{01A0E27D-64CF-487D-9FCA-0FBE72F193D1}">
@@ -2405,7 +2496,7 @@
       </dsp:nvSpPr>
       <dsp:spPr>
         <a:xfrm>
-          <a:off x="5428225" y="2424367"/>
+          <a:off x="5428225" y="2426667"/>
           <a:ext cx="2379504" cy="518072"/>
         </a:xfrm>
         <a:prstGeom prst="roundRect">
@@ -2474,7 +2565,7 @@
         </a:p>
       </dsp:txBody>
       <dsp:txXfrm>
-        <a:off x="5443399" y="2439541"/>
+        <a:off x="5443399" y="2441841"/>
         <a:ext cx="2349156" cy="487724"/>
       </dsp:txXfrm>
     </dsp:sp>
@@ -3967,7 +4058,7 @@
           <a:p>
             <a:fld id="{C2505B22-9FD8-4356-A0AB-8C46EF77DAF8}" type="datetimeFigureOut">
               <a:rPr lang="zh-CN" altLang="en-US" smtClean="0"/>
-              <a:t>2016/3/11</a:t>
+              <a:t>2016/3/16</a:t>
             </a:fld>
             <a:endParaRPr lang="zh-CN" altLang="en-US"/>
           </a:p>
@@ -4137,7 +4228,7 @@
           <a:p>
             <a:fld id="{C2505B22-9FD8-4356-A0AB-8C46EF77DAF8}" type="datetimeFigureOut">
               <a:rPr lang="zh-CN" altLang="en-US" smtClean="0"/>
-              <a:t>2016/3/11</a:t>
+              <a:t>2016/3/16</a:t>
             </a:fld>
             <a:endParaRPr lang="zh-CN" altLang="en-US"/>
           </a:p>
@@ -4317,7 +4408,7 @@
           <a:p>
             <a:fld id="{C2505B22-9FD8-4356-A0AB-8C46EF77DAF8}" type="datetimeFigureOut">
               <a:rPr lang="zh-CN" altLang="en-US" smtClean="0"/>
-              <a:t>2016/3/11</a:t>
+              <a:t>2016/3/16</a:t>
             </a:fld>
             <a:endParaRPr lang="zh-CN" altLang="en-US"/>
           </a:p>
@@ -4487,7 +4578,7 @@
           <a:p>
             <a:fld id="{C2505B22-9FD8-4356-A0AB-8C46EF77DAF8}" type="datetimeFigureOut">
               <a:rPr lang="zh-CN" altLang="en-US" smtClean="0"/>
-              <a:t>2016/3/11</a:t>
+              <a:t>2016/3/16</a:t>
             </a:fld>
             <a:endParaRPr lang="zh-CN" altLang="en-US"/>
           </a:p>
@@ -4733,7 +4824,7 @@
           <a:p>
             <a:fld id="{C2505B22-9FD8-4356-A0AB-8C46EF77DAF8}" type="datetimeFigureOut">
               <a:rPr lang="zh-CN" altLang="en-US" smtClean="0"/>
-              <a:t>2016/3/11</a:t>
+              <a:t>2016/3/16</a:t>
             </a:fld>
             <a:endParaRPr lang="zh-CN" altLang="en-US"/>
           </a:p>
@@ -4965,7 +5056,7 @@
           <a:p>
             <a:fld id="{C2505B22-9FD8-4356-A0AB-8C46EF77DAF8}" type="datetimeFigureOut">
               <a:rPr lang="zh-CN" altLang="en-US" smtClean="0"/>
-              <a:t>2016/3/11</a:t>
+              <a:t>2016/3/16</a:t>
             </a:fld>
             <a:endParaRPr lang="zh-CN" altLang="en-US"/>
           </a:p>
@@ -5332,7 +5423,7 @@
           <a:p>
             <a:fld id="{C2505B22-9FD8-4356-A0AB-8C46EF77DAF8}" type="datetimeFigureOut">
               <a:rPr lang="zh-CN" altLang="en-US" smtClean="0"/>
-              <a:t>2016/3/11</a:t>
+              <a:t>2016/3/16</a:t>
             </a:fld>
             <a:endParaRPr lang="zh-CN" altLang="en-US"/>
           </a:p>
@@ -5450,7 +5541,7 @@
           <a:p>
             <a:fld id="{C2505B22-9FD8-4356-A0AB-8C46EF77DAF8}" type="datetimeFigureOut">
               <a:rPr lang="zh-CN" altLang="en-US" smtClean="0"/>
-              <a:t>2016/3/11</a:t>
+              <a:t>2016/3/16</a:t>
             </a:fld>
             <a:endParaRPr lang="zh-CN" altLang="en-US"/>
           </a:p>
@@ -5545,7 +5636,7 @@
           <a:p>
             <a:fld id="{C2505B22-9FD8-4356-A0AB-8C46EF77DAF8}" type="datetimeFigureOut">
               <a:rPr lang="zh-CN" altLang="en-US" smtClean="0"/>
-              <a:t>2016/3/11</a:t>
+              <a:t>2016/3/16</a:t>
             </a:fld>
             <a:endParaRPr lang="zh-CN" altLang="en-US"/>
           </a:p>
@@ -5822,7 +5913,7 @@
           <a:p>
             <a:fld id="{C2505B22-9FD8-4356-A0AB-8C46EF77DAF8}" type="datetimeFigureOut">
               <a:rPr lang="zh-CN" altLang="en-US" smtClean="0"/>
-              <a:t>2016/3/11</a:t>
+              <a:t>2016/3/16</a:t>
             </a:fld>
             <a:endParaRPr lang="zh-CN" altLang="en-US"/>
           </a:p>
@@ -6075,7 +6166,7 @@
           <a:p>
             <a:fld id="{C2505B22-9FD8-4356-A0AB-8C46EF77DAF8}" type="datetimeFigureOut">
               <a:rPr lang="zh-CN" altLang="en-US" smtClean="0"/>
-              <a:t>2016/3/11</a:t>
+              <a:t>2016/3/16</a:t>
             </a:fld>
             <a:endParaRPr lang="zh-CN" altLang="en-US"/>
           </a:p>
@@ -6288,7 +6379,7 @@
           <a:p>
             <a:fld id="{C2505B22-9FD8-4356-A0AB-8C46EF77DAF8}" type="datetimeFigureOut">
               <a:rPr lang="zh-CN" altLang="en-US" smtClean="0"/>
-              <a:t>2016/3/11</a:t>
+              <a:t>2016/3/16</a:t>
             </a:fld>
             <a:endParaRPr lang="zh-CN" altLang="en-US"/>
           </a:p>
@@ -10978,7 +11069,7 @@
           <p:nvPr>
             <p:extLst>
               <p:ext uri="{D42A27DB-BD31-4B8C-83A1-F6EECF244321}">
-                <p14:modId xmlns:p14="http://schemas.microsoft.com/office/powerpoint/2010/main" val="440286563"/>
+                <p14:modId xmlns:p14="http://schemas.microsoft.com/office/powerpoint/2010/main" val="3583937388"/>
               </p:ext>
             </p:extLst>
           </p:nvPr>
@@ -11036,8 +11127,8 @@
         </p:nvSpPr>
         <p:spPr bwMode="auto">
           <a:xfrm>
-            <a:off x="1062446" y="4668585"/>
-            <a:ext cx="12192000" cy="457200"/>
+            <a:off x="1193074" y="4729298"/>
+            <a:ext cx="10528663" cy="292388"/>
           </a:xfrm>
           <a:prstGeom prst="rect">
             <a:avLst/>
@@ -11072,7 +11163,7 @@
           </a:extLst>
         </p:spPr>
         <p:txBody>
-          <a:bodyPr vert="horz" wrap="none" lIns="91440" tIns="45720" rIns="91440" bIns="45720" numCol="1" anchor="ctr" anchorCtr="0" compatLnSpc="1">
+          <a:bodyPr vert="horz" wrap="square" lIns="91440" tIns="45720" rIns="91440" bIns="45720" numCol="1" anchor="ctr" anchorCtr="0" compatLnSpc="1">
             <a:prstTxWarp prst="textNoShape">
               <a:avLst/>
             </a:prstTxWarp>

--- a/doc/AuthoringTool Design.pptx
+++ b/doc/AuthoringTool Design.pptx
@@ -867,7 +867,7 @@
 <dgm:dataModel xmlns:dgm="http://schemas.openxmlformats.org/drawingml/2006/diagram" xmlns:a="http://schemas.openxmlformats.org/drawingml/2006/main">
   <dgm:ptLst>
     <dgm:pt modelId="{D67D8CA1-3D22-4A34-B0E5-593168796A68}" type="doc">
-      <dgm:prSet loTypeId="urn:microsoft.com/office/officeart/2005/8/layout/hierarchy2" loCatId="hierarchy" qsTypeId="urn:microsoft.com/office/officeart/2005/8/quickstyle/simple1" qsCatId="simple" csTypeId="urn:microsoft.com/office/officeart/2005/8/colors/accent1_2" csCatId="accent1" phldr="1"/>
+      <dgm:prSet loTypeId="urn:microsoft.com/office/officeart/2005/8/layout/hierarchy3" loCatId="hierarchy" qsTypeId="urn:microsoft.com/office/officeart/2005/8/quickstyle/simple2" qsCatId="simple" csTypeId="urn:microsoft.com/office/officeart/2005/8/colors/accent1_2" csCatId="accent1" phldr="1"/>
       <dgm:spPr/>
       <dgm:t>
         <a:bodyPr/>
@@ -885,8 +885,8 @@
         <a:lstStyle/>
         <a:p>
           <a:r>
-            <a:rPr lang="en-US" sz="1400" dirty="0" err="1" smtClean="0"/>
-            <a:t>PageOperation</a:t>
+            <a:rPr lang="en-US" altLang="zh-CN" sz="1400" dirty="0" err="1" smtClean="0"/>
+            <a:t>AuthoringInfo</a:t>
           </a:r>
           <a:endParaRPr lang="zh-CN" altLang="en-US" sz="1400" dirty="0"/>
         </a:p>
@@ -922,10 +922,10 @@
         <a:lstStyle/>
         <a:p>
           <a:r>
-            <a:rPr lang="en-US" sz="1400" dirty="0" smtClean="0"/>
-            <a:t>dragging</a:t>
+            <a:rPr lang="en-US" altLang="zh-CN" sz="1050" dirty="0" smtClean="0"/>
+            <a:t>Setting</a:t>
           </a:r>
-          <a:endParaRPr lang="zh-CN" altLang="en-US" sz="1400" dirty="0"/>
+          <a:endParaRPr lang="zh-CN" altLang="en-US" sz="1050" dirty="0"/>
         </a:p>
       </dgm:t>
     </dgm:pt>
@@ -959,10 +959,10 @@
         <a:lstStyle/>
         <a:p>
           <a:r>
-            <a:rPr lang="en-US" altLang="zh-CN" sz="1400" dirty="0" smtClean="0"/>
+            <a:rPr lang="en-US" altLang="zh-CN" sz="1050" dirty="0" smtClean="0"/>
             <a:t>data</a:t>
           </a:r>
-          <a:endParaRPr lang="zh-CN" altLang="en-US" sz="1400" dirty="0"/>
+          <a:endParaRPr lang="zh-CN" altLang="en-US" sz="1050" dirty="0"/>
         </a:p>
       </dgm:t>
     </dgm:pt>
@@ -996,10 +996,10 @@
         <a:lstStyle/>
         <a:p>
           <a:r>
-            <a:rPr lang="en-US" sz="1400" dirty="0" err="1" smtClean="0"/>
+            <a:rPr lang="en-US" sz="1050" dirty="0" err="1" smtClean="0"/>
             <a:t>singleScreenWidgets</a:t>
           </a:r>
-          <a:endParaRPr lang="zh-CN" altLang="en-US" sz="1400" dirty="0"/>
+          <a:endParaRPr lang="zh-CN" altLang="en-US" sz="1050" dirty="0"/>
         </a:p>
       </dgm:t>
     </dgm:pt>
@@ -1033,10 +1033,10 @@
         <a:lstStyle/>
         <a:p>
           <a:r>
-            <a:rPr lang="en-US" sz="1400" dirty="0" err="1" smtClean="0"/>
+            <a:rPr lang="en-US" sz="1050" dirty="0" err="1" smtClean="0"/>
             <a:t>doubleScreenLeftWidgets</a:t>
           </a:r>
-          <a:endParaRPr lang="zh-CN" altLang="en-US" sz="1400" dirty="0"/>
+          <a:endParaRPr lang="zh-CN" altLang="en-US" sz="1050" dirty="0"/>
         </a:p>
       </dgm:t>
     </dgm:pt>
@@ -1070,10 +1070,10 @@
         <a:lstStyle/>
         <a:p>
           <a:r>
-            <a:rPr lang="en-US" sz="1400" dirty="0" err="1" smtClean="0"/>
+            <a:rPr lang="en-US" sz="1050" dirty="0" err="1" smtClean="0"/>
             <a:t>doubleScreenRightWidgets</a:t>
           </a:r>
-          <a:endParaRPr lang="zh-CN" altLang="en-US" sz="1400" dirty="0"/>
+          <a:endParaRPr lang="zh-CN" altLang="en-US" sz="1050" dirty="0"/>
         </a:p>
       </dgm:t>
     </dgm:pt>
@@ -1107,10 +1107,10 @@
         <a:lstStyle/>
         <a:p>
           <a:r>
-            <a:rPr lang="en-US" altLang="en-US" sz="1400" dirty="0" err="1" smtClean="0"/>
+            <a:rPr lang="en-US" altLang="en-US" sz="1050" dirty="0" err="1" smtClean="0"/>
             <a:t>widgetContents</a:t>
           </a:r>
-          <a:endParaRPr lang="zh-CN" altLang="en-US" sz="1400" dirty="0"/>
+          <a:endParaRPr lang="zh-CN" altLang="en-US" sz="1050" dirty="0"/>
         </a:p>
       </dgm:t>
     </dgm:pt>
@@ -1136,14 +1136,273 @@
         </a:p>
       </dgm:t>
     </dgm:pt>
-    <dgm:pt modelId="{B5504907-5075-47BF-8049-492C4EED59D2}" type="pres">
+    <dgm:pt modelId="{B48AAEF9-D6D0-465D-A9CA-4C4C01F0B52E}">
+      <dgm:prSet phldrT="[文本]" custT="1"/>
+      <dgm:spPr/>
+      <dgm:t>
+        <a:bodyPr/>
+        <a:lstStyle/>
+        <a:p>
+          <a:r>
+            <a:rPr lang="en-US" altLang="zh-CN" sz="1050" dirty="0" smtClean="0"/>
+            <a:t>Width</a:t>
+          </a:r>
+          <a:endParaRPr lang="zh-CN" altLang="en-US" sz="1050" dirty="0"/>
+        </a:p>
+      </dgm:t>
+    </dgm:pt>
+    <dgm:pt modelId="{BACEB8E1-85E4-4A80-8E0E-1EEB1EF0C6B6}" type="parTrans" cxnId="{44928CFF-275D-4E6E-8074-A502F40A4DF5}">
+      <dgm:prSet/>
+      <dgm:spPr/>
+      <dgm:t>
+        <a:bodyPr/>
+        <a:lstStyle/>
+        <a:p>
+          <a:endParaRPr lang="zh-CN" altLang="en-US"/>
+        </a:p>
+      </dgm:t>
+    </dgm:pt>
+    <dgm:pt modelId="{65DB0EB8-B3F2-4BC7-86BD-67F50E57B62F}" type="sibTrans" cxnId="{44928CFF-275D-4E6E-8074-A502F40A4DF5}">
+      <dgm:prSet/>
+      <dgm:spPr/>
+      <dgm:t>
+        <a:bodyPr/>
+        <a:lstStyle/>
+        <a:p>
+          <a:endParaRPr lang="zh-CN" altLang="en-US"/>
+        </a:p>
+      </dgm:t>
+    </dgm:pt>
+    <dgm:pt modelId="{2992121B-918B-4981-BC0F-88CD9337D111}">
+      <dgm:prSet phldrT="[文本]" custT="1"/>
+      <dgm:spPr/>
+      <dgm:t>
+        <a:bodyPr/>
+        <a:lstStyle/>
+        <a:p>
+          <a:r>
+            <a:rPr lang="en-US" altLang="zh-CN" sz="1050" dirty="0" smtClean="0"/>
+            <a:t>Height</a:t>
+          </a:r>
+          <a:endParaRPr lang="zh-CN" altLang="en-US" sz="1050" dirty="0"/>
+        </a:p>
+      </dgm:t>
+    </dgm:pt>
+    <dgm:pt modelId="{87FF87B5-DC7E-41FA-9EB4-5B338DB7A619}" type="parTrans" cxnId="{19338A87-B82D-4EE5-8BC9-153A475E9D3D}">
+      <dgm:prSet/>
+      <dgm:spPr/>
+      <dgm:t>
+        <a:bodyPr/>
+        <a:lstStyle/>
+        <a:p>
+          <a:endParaRPr lang="zh-CN" altLang="en-US"/>
+        </a:p>
+      </dgm:t>
+    </dgm:pt>
+    <dgm:pt modelId="{7FEFBA72-C2C0-44ED-9632-A95FFEA6D666}" type="sibTrans" cxnId="{19338A87-B82D-4EE5-8BC9-153A475E9D3D}">
+      <dgm:prSet/>
+      <dgm:spPr/>
+      <dgm:t>
+        <a:bodyPr/>
+        <a:lstStyle/>
+        <a:p>
+          <a:endParaRPr lang="zh-CN" altLang="en-US"/>
+        </a:p>
+      </dgm:t>
+    </dgm:pt>
+    <dgm:pt modelId="{120675D5-4CEE-4C6E-82D1-B32262CDAEDD}">
+      <dgm:prSet phldrT="[文本]" custT="1"/>
+      <dgm:spPr/>
+      <dgm:t>
+        <a:bodyPr/>
+        <a:lstStyle/>
+        <a:p>
+          <a:r>
+            <a:rPr lang="en-US" altLang="zh-CN" sz="1050" dirty="0" err="1" smtClean="0"/>
+            <a:t>doubleScreen</a:t>
+          </a:r>
+          <a:endParaRPr lang="zh-CN" altLang="en-US" sz="1050" dirty="0"/>
+        </a:p>
+      </dgm:t>
+    </dgm:pt>
+    <dgm:pt modelId="{30F185C0-A51F-47D7-81DA-CB00AC1503C8}" type="parTrans" cxnId="{CAF5095D-7928-4BC3-B67C-F1DA5C88D086}">
+      <dgm:prSet/>
+      <dgm:spPr/>
+      <dgm:t>
+        <a:bodyPr/>
+        <a:lstStyle/>
+        <a:p>
+          <a:endParaRPr lang="zh-CN" altLang="en-US"/>
+        </a:p>
+      </dgm:t>
+    </dgm:pt>
+    <dgm:pt modelId="{4D96EB32-B330-4F9C-8398-880711F2EC00}" type="sibTrans" cxnId="{CAF5095D-7928-4BC3-B67C-F1DA5C88D086}">
+      <dgm:prSet/>
+      <dgm:spPr/>
+      <dgm:t>
+        <a:bodyPr/>
+        <a:lstStyle/>
+        <a:p>
+          <a:endParaRPr lang="zh-CN" altLang="en-US"/>
+        </a:p>
+      </dgm:t>
+    </dgm:pt>
+    <dgm:pt modelId="{0884ABCA-2357-46C0-9E52-55DB50952C4C}">
+      <dgm:prSet phldrT="[文本]" custT="1"/>
+      <dgm:spPr/>
+      <dgm:t>
+        <a:bodyPr/>
+        <a:lstStyle/>
+        <a:p>
+          <a:r>
+            <a:rPr lang="en-US" altLang="zh-CN" sz="1050" dirty="0" err="1" smtClean="0"/>
+            <a:t>expandMode</a:t>
+          </a:r>
+          <a:endParaRPr lang="zh-CN" altLang="en-US" sz="1050" dirty="0"/>
+        </a:p>
+      </dgm:t>
+    </dgm:pt>
+    <dgm:pt modelId="{81AE918B-7CE1-49C1-9E40-6264DA5DCF1E}" type="parTrans" cxnId="{B3C59ED9-0849-46F7-AD22-DD0E19D1B8E3}">
+      <dgm:prSet/>
+      <dgm:spPr/>
+      <dgm:t>
+        <a:bodyPr/>
+        <a:lstStyle/>
+        <a:p>
+          <a:endParaRPr lang="zh-CN" altLang="en-US"/>
+        </a:p>
+      </dgm:t>
+    </dgm:pt>
+    <dgm:pt modelId="{24C489D9-E41E-4EA8-85BD-322C92365540}" type="sibTrans" cxnId="{B3C59ED9-0849-46F7-AD22-DD0E19D1B8E3}">
+      <dgm:prSet/>
+      <dgm:spPr/>
+      <dgm:t>
+        <a:bodyPr/>
+        <a:lstStyle/>
+        <a:p>
+          <a:endParaRPr lang="zh-CN" altLang="en-US"/>
+        </a:p>
+      </dgm:t>
+    </dgm:pt>
+    <dgm:pt modelId="{67C9838E-1229-4D1A-B16E-14787A2C8B11}">
+      <dgm:prSet phldrT="[文本]" custT="1"/>
+      <dgm:spPr/>
+      <dgm:t>
+        <a:bodyPr/>
+        <a:lstStyle/>
+        <a:p>
+          <a:r>
+            <a:rPr lang="en-US" altLang="zh-CN" sz="1050" dirty="0" err="1" smtClean="0"/>
+            <a:t>showHeader</a:t>
+          </a:r>
+          <a:endParaRPr lang="zh-CN" altLang="en-US" sz="1050" dirty="0"/>
+        </a:p>
+      </dgm:t>
+    </dgm:pt>
+    <dgm:pt modelId="{47E12853-33C8-4056-9589-C8E82F652EFF}" type="parTrans" cxnId="{B1C41501-43F4-49E7-B9A9-7C0D0D7CEA6B}">
+      <dgm:prSet/>
+      <dgm:spPr/>
+      <dgm:t>
+        <a:bodyPr/>
+        <a:lstStyle/>
+        <a:p>
+          <a:endParaRPr lang="zh-CN" altLang="en-US"/>
+        </a:p>
+      </dgm:t>
+    </dgm:pt>
+    <dgm:pt modelId="{CBE45BC3-33E4-45DB-9F15-066C3BE8E4A1}" type="sibTrans" cxnId="{B1C41501-43F4-49E7-B9A9-7C0D0D7CEA6B}">
+      <dgm:prSet/>
+      <dgm:spPr/>
+      <dgm:t>
+        <a:bodyPr/>
+        <a:lstStyle/>
+        <a:p>
+          <a:endParaRPr lang="zh-CN" altLang="en-US"/>
+        </a:p>
+      </dgm:t>
+    </dgm:pt>
+    <dgm:pt modelId="{60CAFD1F-0C33-43E0-B60C-40CE9C6F9159}">
+      <dgm:prSet phldrT="[文本]" custT="1"/>
+      <dgm:spPr/>
+      <dgm:t>
+        <a:bodyPr/>
+        <a:lstStyle/>
+        <a:p>
+          <a:r>
+            <a:rPr lang="en-US" altLang="zh-CN" sz="1050" dirty="0" err="1" smtClean="0"/>
+            <a:t>showFooter</a:t>
+          </a:r>
+          <a:endParaRPr lang="zh-CN" altLang="en-US" sz="1050" dirty="0"/>
+        </a:p>
+      </dgm:t>
+    </dgm:pt>
+    <dgm:pt modelId="{2E46FF90-C793-42CE-BE9C-1241E2EB2011}" type="parTrans" cxnId="{F3AD059A-46C2-47F2-9EF6-6535DE331F2B}">
+      <dgm:prSet/>
+      <dgm:spPr/>
+      <dgm:t>
+        <a:bodyPr/>
+        <a:lstStyle/>
+        <a:p>
+          <a:endParaRPr lang="zh-CN" altLang="en-US"/>
+        </a:p>
+      </dgm:t>
+    </dgm:pt>
+    <dgm:pt modelId="{5FAB14FE-39A1-4588-9998-79B7B3E5BC7B}" type="sibTrans" cxnId="{F3AD059A-46C2-47F2-9EF6-6535DE331F2B}">
+      <dgm:prSet/>
+      <dgm:spPr/>
+      <dgm:t>
+        <a:bodyPr/>
+        <a:lstStyle/>
+        <a:p>
+          <a:endParaRPr lang="zh-CN" altLang="en-US"/>
+        </a:p>
+      </dgm:t>
+    </dgm:pt>
+    <dgm:pt modelId="{9C88D9B3-BF44-42E1-99EE-9CD2322DA773}">
+      <dgm:prSet phldrT="[文本]" custT="1"/>
+      <dgm:spPr/>
+      <dgm:t>
+        <a:bodyPr/>
+        <a:lstStyle/>
+        <a:p>
+          <a:r>
+            <a:rPr lang="en-US" altLang="zh-CN" sz="1400" dirty="0" err="1" smtClean="0"/>
+            <a:t>themeName</a:t>
+          </a:r>
+          <a:endParaRPr lang="zh-CN" altLang="en-US" sz="1400" dirty="0"/>
+        </a:p>
+      </dgm:t>
+    </dgm:pt>
+    <dgm:pt modelId="{4543B80C-F8F0-4CC1-B47C-FCBA12E0EC0A}" type="parTrans" cxnId="{2F5010ED-A2C8-4039-B148-14F7EEEAF95C}">
+      <dgm:prSet/>
+      <dgm:spPr/>
+      <dgm:t>
+        <a:bodyPr/>
+        <a:lstStyle/>
+        <a:p>
+          <a:endParaRPr lang="zh-CN" altLang="en-US"/>
+        </a:p>
+      </dgm:t>
+    </dgm:pt>
+    <dgm:pt modelId="{67902022-EC78-4CE3-8C8B-DF5AEEDF406C}" type="sibTrans" cxnId="{2F5010ED-A2C8-4039-B148-14F7EEEAF95C}">
+      <dgm:prSet/>
+      <dgm:spPr/>
+      <dgm:t>
+        <a:bodyPr/>
+        <a:lstStyle/>
+        <a:p>
+          <a:endParaRPr lang="zh-CN" altLang="en-US"/>
+        </a:p>
+      </dgm:t>
+    </dgm:pt>
+    <dgm:pt modelId="{AC48DCA3-48AE-4B8D-8A4B-5171F6545E34}" type="pres">
       <dgm:prSet presAssocID="{D67D8CA1-3D22-4A34-B0E5-593168796A68}" presName="diagram" presStyleCnt="0">
         <dgm:presLayoutVars>
           <dgm:chPref val="1"/>
           <dgm:dir/>
           <dgm:animOne val="branch"/>
           <dgm:animLvl val="lvl"/>
-          <dgm:resizeHandles val="exact"/>
+          <dgm:resizeHandles/>
         </dgm:presLayoutVars>
       </dgm:prSet>
       <dgm:spPr/>
@@ -1155,14 +1414,48 @@
         </a:p>
       </dgm:t>
     </dgm:pt>
-    <dgm:pt modelId="{167E5CA3-642C-4102-83EB-11E965CF4676}" type="pres">
-      <dgm:prSet presAssocID="{63C89271-5FAD-4A76-B1F6-068DEA12F0B6}" presName="root1" presStyleCnt="0"/>
+    <dgm:pt modelId="{2C3475B8-2A7B-4E9C-94E6-3682B69C1E99}" type="pres">
+      <dgm:prSet presAssocID="{63C89271-5FAD-4A76-B1F6-068DEA12F0B6}" presName="root" presStyleCnt="0"/>
       <dgm:spPr/>
     </dgm:pt>
-    <dgm:pt modelId="{ED2B4EA9-3B9B-4A32-AF89-9283BA63749D}" type="pres">
-      <dgm:prSet presAssocID="{63C89271-5FAD-4A76-B1F6-068DEA12F0B6}" presName="LevelOneTextNode" presStyleLbl="node0" presStyleIdx="0" presStyleCnt="1" custScaleX="69782" custScaleY="45226" custLinFactNeighborX="-3832" custLinFactNeighborY="-50578">
+    <dgm:pt modelId="{4EAE4268-900D-4CC2-A77A-8E6C9DCFF722}" type="pres">
+      <dgm:prSet presAssocID="{63C89271-5FAD-4A76-B1F6-068DEA12F0B6}" presName="rootComposite" presStyleCnt="0"/>
+      <dgm:spPr/>
+    </dgm:pt>
+    <dgm:pt modelId="{CDDAEC73-F084-451C-961A-3AA9663E7A39}" type="pres">
+      <dgm:prSet presAssocID="{63C89271-5FAD-4A76-B1F6-068DEA12F0B6}" presName="rootText" presStyleLbl="node1" presStyleIdx="0" presStyleCnt="1" custScaleX="105190" custScaleY="77277"/>
+      <dgm:spPr/>
+      <dgm:t>
+        <a:bodyPr/>
+        <a:lstStyle/>
+        <a:p>
+          <a:endParaRPr lang="zh-CN" altLang="en-US"/>
+        </a:p>
+      </dgm:t>
+    </dgm:pt>
+    <dgm:pt modelId="{977B7CFB-7DFB-4798-AE6A-920F31778731}" type="pres">
+      <dgm:prSet presAssocID="{63C89271-5FAD-4A76-B1F6-068DEA12F0B6}" presName="rootConnector" presStyleLbl="node1" presStyleIdx="0" presStyleCnt="1"/>
+      <dgm:spPr/>
+      <dgm:t>
+        <a:bodyPr/>
+        <a:lstStyle/>
+        <a:p>
+          <a:endParaRPr lang="zh-CN" altLang="en-US"/>
+        </a:p>
+      </dgm:t>
+    </dgm:pt>
+    <dgm:pt modelId="{3460AB81-ED94-4672-A676-BA6E7DD8D9C0}" type="pres">
+      <dgm:prSet presAssocID="{63C89271-5FAD-4A76-B1F6-068DEA12F0B6}" presName="childShape" presStyleCnt="0"/>
+      <dgm:spPr/>
+    </dgm:pt>
+    <dgm:pt modelId="{A62AE2AA-01B8-4016-A7A9-C2E19C3CF59B}" type="pres">
+      <dgm:prSet presAssocID="{4543B80C-F8F0-4CC1-B47C-FCBA12E0EC0A}" presName="Name13" presStyleLbl="parChTrans1D2" presStyleIdx="0" presStyleCnt="3"/>
+      <dgm:spPr/>
+    </dgm:pt>
+    <dgm:pt modelId="{50699463-AF82-4A7E-A110-5BB13C5A06FB}" type="pres">
+      <dgm:prSet presAssocID="{9C88D9B3-BF44-42E1-99EE-9CD2322DA773}" presName="childText" presStyleLbl="bgAcc1" presStyleIdx="0" presStyleCnt="3" custScaleX="183585" custScaleY="61845" custLinFactX="28852" custLinFactNeighborX="100000" custLinFactNeighborY="10443">
         <dgm:presLayoutVars>
-          <dgm:chPref val="3"/>
+          <dgm:bulletEnabled val="1"/>
         </dgm:presLayoutVars>
       </dgm:prSet>
       <dgm:spPr/>
@@ -1174,12 +1467,8 @@
         </a:p>
       </dgm:t>
     </dgm:pt>
-    <dgm:pt modelId="{C5338F1E-8692-44A5-8C5C-4204B8637CFC}" type="pres">
-      <dgm:prSet presAssocID="{63C89271-5FAD-4A76-B1F6-068DEA12F0B6}" presName="level2hierChild" presStyleCnt="0"/>
-      <dgm:spPr/>
-    </dgm:pt>
-    <dgm:pt modelId="{1AA980B6-AA4B-4F46-8522-C2170376429D}" type="pres">
-      <dgm:prSet presAssocID="{78A757D2-9A0E-4E02-AD33-DDFC91514C87}" presName="conn2-1" presStyleLbl="parChTrans1D2" presStyleIdx="0" presStyleCnt="2"/>
+    <dgm:pt modelId="{340A6C2E-585A-4A33-8E9E-3FFC1B2CB27E}" type="pres">
+      <dgm:prSet presAssocID="{78A757D2-9A0E-4E02-AD33-DDFC91514C87}" presName="Name13" presStyleLbl="parChTrans1D2" presStyleIdx="1" presStyleCnt="3"/>
       <dgm:spPr/>
       <dgm:t>
         <a:bodyPr/>
@@ -1189,25 +1478,10 @@
         </a:p>
       </dgm:t>
     </dgm:pt>
-    <dgm:pt modelId="{37FF9F29-DEBE-4CA5-8636-4F1522BF2000}" type="pres">
-      <dgm:prSet presAssocID="{78A757D2-9A0E-4E02-AD33-DDFC91514C87}" presName="connTx" presStyleLbl="parChTrans1D2" presStyleIdx="0" presStyleCnt="2"/>
-      <dgm:spPr/>
-      <dgm:t>
-        <a:bodyPr/>
-        <a:lstStyle/>
-        <a:p>
-          <a:endParaRPr lang="zh-CN" altLang="en-US"/>
-        </a:p>
-      </dgm:t>
-    </dgm:pt>
-    <dgm:pt modelId="{FA0A9C5A-438F-44F6-B43B-A351FAD4F6BE}" type="pres">
-      <dgm:prSet presAssocID="{E628FFB5-B7A0-4130-A3B0-CFF086973D85}" presName="root2" presStyleCnt="0"/>
-      <dgm:spPr/>
-    </dgm:pt>
-    <dgm:pt modelId="{172B63FC-B649-494D-9648-6C714A04D6E0}" type="pres">
-      <dgm:prSet presAssocID="{E628FFB5-B7A0-4130-A3B0-CFF086973D85}" presName="LevelTwoTextNode" presStyleLbl="node2" presStyleIdx="0" presStyleCnt="2" custScaleX="54222" custScaleY="47714" custLinFactNeighborX="1073" custLinFactNeighborY="716">
+    <dgm:pt modelId="{39B60F46-49AA-469E-AD56-A449C182117B}" type="pres">
+      <dgm:prSet presAssocID="{E628FFB5-B7A0-4130-A3B0-CFF086973D85}" presName="childText" presStyleLbl="bgAcc1" presStyleIdx="1" presStyleCnt="3" custScaleX="282388" custScaleY="248490" custLinFactX="186811" custLinFactY="100000" custLinFactNeighborX="200000" custLinFactNeighborY="138876">
         <dgm:presLayoutVars>
-          <dgm:chPref val="3"/>
+          <dgm:bulletEnabled val="1"/>
         </dgm:presLayoutVars>
       </dgm:prSet>
       <dgm:spPr/>
@@ -1219,12 +1493,8 @@
         </a:p>
       </dgm:t>
     </dgm:pt>
-    <dgm:pt modelId="{07687BCA-419B-4527-9B71-3C06D53A2461}" type="pres">
-      <dgm:prSet presAssocID="{E628FFB5-B7A0-4130-A3B0-CFF086973D85}" presName="level3hierChild" presStyleCnt="0"/>
-      <dgm:spPr/>
-    </dgm:pt>
-    <dgm:pt modelId="{CB5D141A-F31D-4A09-84DF-4D1C0569F1A1}" type="pres">
-      <dgm:prSet presAssocID="{A80F37F6-5678-4732-A7F0-E08A9E1BE5A8}" presName="conn2-1" presStyleLbl="parChTrans1D2" presStyleIdx="1" presStyleCnt="2"/>
+    <dgm:pt modelId="{F1AA2C8B-F41F-4397-BA40-B578C066B7F7}" type="pres">
+      <dgm:prSet presAssocID="{A80F37F6-5678-4732-A7F0-E08A9E1BE5A8}" presName="Name13" presStyleLbl="parChTrans1D2" presStyleIdx="2" presStyleCnt="3"/>
       <dgm:spPr/>
       <dgm:t>
         <a:bodyPr/>
@@ -1234,25 +1504,10 @@
         </a:p>
       </dgm:t>
     </dgm:pt>
-    <dgm:pt modelId="{7B7DA84A-052E-4833-8B4D-121C0DA550A9}" type="pres">
-      <dgm:prSet presAssocID="{A80F37F6-5678-4732-A7F0-E08A9E1BE5A8}" presName="connTx" presStyleLbl="parChTrans1D2" presStyleIdx="1" presStyleCnt="2"/>
-      <dgm:spPr/>
-      <dgm:t>
-        <a:bodyPr/>
-        <a:lstStyle/>
-        <a:p>
-          <a:endParaRPr lang="zh-CN" altLang="en-US"/>
-        </a:p>
-      </dgm:t>
-    </dgm:pt>
-    <dgm:pt modelId="{0B5F2BCE-3107-4A87-B9DA-491E6AB27EC8}" type="pres">
-      <dgm:prSet presAssocID="{52B335CF-BC44-480B-9786-A3628082B030}" presName="root2" presStyleCnt="0"/>
-      <dgm:spPr/>
-    </dgm:pt>
-    <dgm:pt modelId="{03FCA5E5-27DB-4D4D-B1CA-8D680BF3DC4C}" type="pres">
-      <dgm:prSet presAssocID="{52B335CF-BC44-480B-9786-A3628082B030}" presName="LevelTwoTextNode" presStyleLbl="node2" presStyleIdx="1" presStyleCnt="2" custScaleX="70339" custScaleY="44721">
+    <dgm:pt modelId="{BA1D7344-30F8-4D53-B4B7-564FCE6BC877}" type="pres">
+      <dgm:prSet presAssocID="{52B335CF-BC44-480B-9786-A3628082B030}" presName="childText" presStyleLbl="bgAcc1" presStyleIdx="2" presStyleCnt="3" custScaleX="239215" custScaleY="215702" custLinFactX="12393" custLinFactY="-100000" custLinFactNeighborX="100000" custLinFactNeighborY="-146370">
         <dgm:presLayoutVars>
-          <dgm:chPref val="3"/>
+          <dgm:bulletEnabled val="1"/>
         </dgm:presLayoutVars>
       </dgm:prSet>
       <dgm:spPr/>
@@ -1264,252 +1519,52 @@
         </a:p>
       </dgm:t>
     </dgm:pt>
-    <dgm:pt modelId="{D9C73C15-2FC6-44F2-B5AC-6C6BC361C1CC}" type="pres">
-      <dgm:prSet presAssocID="{52B335CF-BC44-480B-9786-A3628082B030}" presName="level3hierChild" presStyleCnt="0"/>
-      <dgm:spPr/>
-    </dgm:pt>
-    <dgm:pt modelId="{91DBEA2E-DE03-4C2D-BB9F-6C252C1B99E7}" type="pres">
-      <dgm:prSet presAssocID="{279C4DC0-EF1D-47D1-B047-147AC263EF95}" presName="conn2-1" presStyleLbl="parChTrans1D3" presStyleIdx="0" presStyleCnt="4"/>
-      <dgm:spPr/>
-      <dgm:t>
-        <a:bodyPr/>
-        <a:lstStyle/>
-        <a:p>
-          <a:endParaRPr lang="zh-CN" altLang="en-US"/>
-        </a:p>
-      </dgm:t>
-    </dgm:pt>
-    <dgm:pt modelId="{4E33541D-1BA8-4120-B1FD-0057E5F63C23}" type="pres">
-      <dgm:prSet presAssocID="{279C4DC0-EF1D-47D1-B047-147AC263EF95}" presName="connTx" presStyleLbl="parChTrans1D3" presStyleIdx="0" presStyleCnt="4"/>
-      <dgm:spPr/>
-      <dgm:t>
-        <a:bodyPr/>
-        <a:lstStyle/>
-        <a:p>
-          <a:endParaRPr lang="zh-CN" altLang="en-US"/>
-        </a:p>
-      </dgm:t>
-    </dgm:pt>
-    <dgm:pt modelId="{933B98CA-C12F-4D83-9B61-055EFCBB9109}" type="pres">
-      <dgm:prSet presAssocID="{1D6299FD-D5CB-4663-A458-CFA7106D19EB}" presName="root2" presStyleCnt="0"/>
-      <dgm:spPr/>
-    </dgm:pt>
-    <dgm:pt modelId="{2DC86CA5-1F38-4873-995B-AFB64B5AD418}" type="pres">
-      <dgm:prSet presAssocID="{1D6299FD-D5CB-4663-A458-CFA7106D19EB}" presName="LevelTwoTextNode" presStyleLbl="node3" presStyleIdx="0" presStyleCnt="4" custScaleX="99097" custScaleY="38894">
-        <dgm:presLayoutVars>
-          <dgm:chPref val="3"/>
-        </dgm:presLayoutVars>
-      </dgm:prSet>
-      <dgm:spPr/>
-      <dgm:t>
-        <a:bodyPr/>
-        <a:lstStyle/>
-        <a:p>
-          <a:endParaRPr lang="zh-CN" altLang="en-US"/>
-        </a:p>
-      </dgm:t>
-    </dgm:pt>
-    <dgm:pt modelId="{C64C716D-F70A-4366-A5DC-9781CFC3EC0F}" type="pres">
-      <dgm:prSet presAssocID="{1D6299FD-D5CB-4663-A458-CFA7106D19EB}" presName="level3hierChild" presStyleCnt="0"/>
-      <dgm:spPr/>
-    </dgm:pt>
-    <dgm:pt modelId="{B9B92BA2-862C-49CE-810E-1904CA4B8929}" type="pres">
-      <dgm:prSet presAssocID="{F220C22F-6DAE-4DFE-BDFB-73232C767F0C}" presName="conn2-1" presStyleLbl="parChTrans1D3" presStyleIdx="1" presStyleCnt="4"/>
-      <dgm:spPr/>
-      <dgm:t>
-        <a:bodyPr/>
-        <a:lstStyle/>
-        <a:p>
-          <a:endParaRPr lang="zh-CN" altLang="en-US"/>
-        </a:p>
-      </dgm:t>
-    </dgm:pt>
-    <dgm:pt modelId="{6FA1B294-10C7-4244-8ABE-AD928E2C1541}" type="pres">
-      <dgm:prSet presAssocID="{F220C22F-6DAE-4DFE-BDFB-73232C767F0C}" presName="connTx" presStyleLbl="parChTrans1D3" presStyleIdx="1" presStyleCnt="4"/>
-      <dgm:spPr/>
-      <dgm:t>
-        <a:bodyPr/>
-        <a:lstStyle/>
-        <a:p>
-          <a:endParaRPr lang="zh-CN" altLang="en-US"/>
-        </a:p>
-      </dgm:t>
-    </dgm:pt>
-    <dgm:pt modelId="{848E6DCF-5CCA-454D-9718-69BC63D58185}" type="pres">
-      <dgm:prSet presAssocID="{9FA90021-0242-47D8-89D9-25A2B5B0B79C}" presName="root2" presStyleCnt="0"/>
-      <dgm:spPr/>
-    </dgm:pt>
-    <dgm:pt modelId="{7516B668-40C0-45D2-89AE-32C697DD5BAE}" type="pres">
-      <dgm:prSet presAssocID="{9FA90021-0242-47D8-89D9-25A2B5B0B79C}" presName="LevelTwoTextNode" presStyleLbl="node3" presStyleIdx="1" presStyleCnt="4" custScaleX="104605" custScaleY="41094">
-        <dgm:presLayoutVars>
-          <dgm:chPref val="3"/>
-        </dgm:presLayoutVars>
-      </dgm:prSet>
-      <dgm:spPr/>
-      <dgm:t>
-        <a:bodyPr/>
-        <a:lstStyle/>
-        <a:p>
-          <a:endParaRPr lang="zh-CN" altLang="en-US"/>
-        </a:p>
-      </dgm:t>
-    </dgm:pt>
-    <dgm:pt modelId="{FF8C4510-E749-42DE-AB4A-D96E4EE6EDB7}" type="pres">
-      <dgm:prSet presAssocID="{9FA90021-0242-47D8-89D9-25A2B5B0B79C}" presName="level3hierChild" presStyleCnt="0"/>
-      <dgm:spPr/>
-    </dgm:pt>
-    <dgm:pt modelId="{1E7C44FD-CD41-496F-B7DB-DAADD4DDECD9}" type="pres">
-      <dgm:prSet presAssocID="{9BBB4A0F-3592-48EB-9131-4C55C5610F43}" presName="conn2-1" presStyleLbl="parChTrans1D3" presStyleIdx="2" presStyleCnt="4"/>
-      <dgm:spPr/>
-      <dgm:t>
-        <a:bodyPr/>
-        <a:lstStyle/>
-        <a:p>
-          <a:endParaRPr lang="zh-CN" altLang="en-US"/>
-        </a:p>
-      </dgm:t>
-    </dgm:pt>
-    <dgm:pt modelId="{95B205AE-2423-4D88-AAC9-33F485F97158}" type="pres">
-      <dgm:prSet presAssocID="{9BBB4A0F-3592-48EB-9131-4C55C5610F43}" presName="connTx" presStyleLbl="parChTrans1D3" presStyleIdx="2" presStyleCnt="4"/>
-      <dgm:spPr/>
-      <dgm:t>
-        <a:bodyPr/>
-        <a:lstStyle/>
-        <a:p>
-          <a:endParaRPr lang="zh-CN" altLang="en-US"/>
-        </a:p>
-      </dgm:t>
-    </dgm:pt>
-    <dgm:pt modelId="{47FD5ED0-FBCA-4DC3-845E-FD2F1AF53905}" type="pres">
-      <dgm:prSet presAssocID="{FF5E58AE-4976-4CCE-9240-B47B480F2947}" presName="root2" presStyleCnt="0"/>
-      <dgm:spPr/>
-    </dgm:pt>
-    <dgm:pt modelId="{29204135-0A69-4085-BBBB-B81B959F19BC}" type="pres">
-      <dgm:prSet presAssocID="{FF5E58AE-4976-4CCE-9240-B47B480F2947}" presName="LevelTwoTextNode" presStyleLbl="node3" presStyleIdx="2" presStyleCnt="4" custScaleX="106584" custScaleY="42124">
-        <dgm:presLayoutVars>
-          <dgm:chPref val="3"/>
-        </dgm:presLayoutVars>
-      </dgm:prSet>
-      <dgm:spPr/>
-      <dgm:t>
-        <a:bodyPr/>
-        <a:lstStyle/>
-        <a:p>
-          <a:endParaRPr lang="zh-CN" altLang="en-US"/>
-        </a:p>
-      </dgm:t>
-    </dgm:pt>
-    <dgm:pt modelId="{E37ED026-FE8D-4470-BC23-E75788F4F529}" type="pres">
-      <dgm:prSet presAssocID="{FF5E58AE-4976-4CCE-9240-B47B480F2947}" presName="level3hierChild" presStyleCnt="0"/>
-      <dgm:spPr/>
-    </dgm:pt>
-    <dgm:pt modelId="{27082BA8-564A-4A6C-AFA8-99299BC31D54}" type="pres">
-      <dgm:prSet presAssocID="{5B9E8CC9-982C-42B1-97EC-C547B361DCF6}" presName="conn2-1" presStyleLbl="parChTrans1D3" presStyleIdx="3" presStyleCnt="4"/>
-      <dgm:spPr/>
-      <dgm:t>
-        <a:bodyPr/>
-        <a:lstStyle/>
-        <a:p>
-          <a:endParaRPr lang="zh-CN" altLang="en-US"/>
-        </a:p>
-      </dgm:t>
-    </dgm:pt>
-    <dgm:pt modelId="{6143E3E9-3899-4BA2-B502-2FF9E8F0E5E3}" type="pres">
-      <dgm:prSet presAssocID="{5B9E8CC9-982C-42B1-97EC-C547B361DCF6}" presName="connTx" presStyleLbl="parChTrans1D3" presStyleIdx="3" presStyleCnt="4"/>
-      <dgm:spPr/>
-      <dgm:t>
-        <a:bodyPr/>
-        <a:lstStyle/>
-        <a:p>
-          <a:endParaRPr lang="zh-CN" altLang="en-US"/>
-        </a:p>
-      </dgm:t>
-    </dgm:pt>
-    <dgm:pt modelId="{25C3C28B-4F19-4BB7-8A1B-4AED6DD9C17B}" type="pres">
-      <dgm:prSet presAssocID="{0D0DCFDF-EB39-422D-8E38-F18C1D98A9F2}" presName="root2" presStyleCnt="0"/>
-      <dgm:spPr/>
-    </dgm:pt>
-    <dgm:pt modelId="{01A0E27D-64CF-487D-9FCA-0FBE72F193D1}" type="pres">
-      <dgm:prSet presAssocID="{0D0DCFDF-EB39-422D-8E38-F18C1D98A9F2}" presName="LevelTwoTextNode" presStyleLbl="node3" presStyleIdx="3" presStyleCnt="4" custScaleX="96701" custScaleY="42108" custLinFactNeighborX="383" custLinFactNeighborY="-3645">
-        <dgm:presLayoutVars>
-          <dgm:chPref val="3"/>
-        </dgm:presLayoutVars>
-      </dgm:prSet>
-      <dgm:spPr/>
-      <dgm:t>
-        <a:bodyPr/>
-        <a:lstStyle/>
-        <a:p>
-          <a:endParaRPr lang="zh-CN" altLang="en-US"/>
-        </a:p>
-      </dgm:t>
-    </dgm:pt>
-    <dgm:pt modelId="{55D88E4F-4C65-4280-B094-5D4692A557B3}" type="pres">
-      <dgm:prSet presAssocID="{0D0DCFDF-EB39-422D-8E38-F18C1D98A9F2}" presName="level3hierChild" presStyleCnt="0"/>
-      <dgm:spPr/>
-    </dgm:pt>
   </dgm:ptLst>
   <dgm:cxnLst>
+    <dgm:cxn modelId="{F3AD059A-46C2-47F2-9EF6-6535DE331F2B}" srcId="{E628FFB5-B7A0-4130-A3B0-CFF086973D85}" destId="{60CAFD1F-0C33-43E0-B60C-40CE9C6F9159}" srcOrd="5" destOrd="0" parTransId="{2E46FF90-C793-42CE-BE9C-1241E2EB2011}" sibTransId="{5FAB14FE-39A1-4588-9998-79B7B3E5BC7B}"/>
+    <dgm:cxn modelId="{A78956CD-501E-42DA-A889-4E2BA6EF01DA}" type="presOf" srcId="{4543B80C-F8F0-4CC1-B47C-FCBA12E0EC0A}" destId="{A62AE2AA-01B8-4016-A7A9-C2E19C3CF59B}" srcOrd="0" destOrd="0" presId="urn:microsoft.com/office/officeart/2005/8/layout/hierarchy3"/>
+    <dgm:cxn modelId="{44928CFF-275D-4E6E-8074-A502F40A4DF5}" srcId="{E628FFB5-B7A0-4130-A3B0-CFF086973D85}" destId="{B48AAEF9-D6D0-465D-A9CA-4C4C01F0B52E}" srcOrd="0" destOrd="0" parTransId="{BACEB8E1-85E4-4A80-8E0E-1EEB1EF0C6B6}" sibTransId="{65DB0EB8-B3F2-4BC7-86BD-67F50E57B62F}"/>
+    <dgm:cxn modelId="{B376AA52-92AC-471C-A541-9EB44DAE3F47}" type="presOf" srcId="{60CAFD1F-0C33-43E0-B60C-40CE9C6F9159}" destId="{39B60F46-49AA-469E-AD56-A449C182117B}" srcOrd="0" destOrd="6" presId="urn:microsoft.com/office/officeart/2005/8/layout/hierarchy3"/>
+    <dgm:cxn modelId="{799E1D17-ECEA-4E40-9819-0E8DCD561933}" type="presOf" srcId="{D67D8CA1-3D22-4A34-B0E5-593168796A68}" destId="{AC48DCA3-48AE-4B8D-8A4B-5171F6545E34}" srcOrd="0" destOrd="0" presId="urn:microsoft.com/office/officeart/2005/8/layout/hierarchy3"/>
+    <dgm:cxn modelId="{19338A87-B82D-4EE5-8BC9-153A475E9D3D}" srcId="{E628FFB5-B7A0-4130-A3B0-CFF086973D85}" destId="{2992121B-918B-4981-BC0F-88CD9337D111}" srcOrd="1" destOrd="0" parTransId="{87FF87B5-DC7E-41FA-9EB4-5B338DB7A619}" sibTransId="{7FEFBA72-C2C0-44ED-9632-A95FFEA6D666}"/>
+    <dgm:cxn modelId="{F4B09F4E-052F-4401-8B01-3F2278ED977A}" srcId="{63C89271-5FAD-4A76-B1F6-068DEA12F0B6}" destId="{52B335CF-BC44-480B-9786-A3628082B030}" srcOrd="2" destOrd="0" parTransId="{A80F37F6-5678-4732-A7F0-E08A9E1BE5A8}" sibTransId="{F99BE3CD-A62C-4FDE-BFD9-E44988D2FA2C}"/>
+    <dgm:cxn modelId="{3FD8E234-9FA0-4530-95D3-8DDD6C4BD311}" srcId="{52B335CF-BC44-480B-9786-A3628082B030}" destId="{1D6299FD-D5CB-4663-A458-CFA7106D19EB}" srcOrd="0" destOrd="0" parTransId="{279C4DC0-EF1D-47D1-B047-147AC263EF95}" sibTransId="{5D2D98E1-342E-47A6-8E27-9AED88558C72}"/>
+    <dgm:cxn modelId="{C07073A7-F2E4-4A77-8D67-F18735DC6574}" type="presOf" srcId="{E628FFB5-B7A0-4130-A3B0-CFF086973D85}" destId="{39B60F46-49AA-469E-AD56-A449C182117B}" srcOrd="0" destOrd="0" presId="urn:microsoft.com/office/officeart/2005/8/layout/hierarchy3"/>
+    <dgm:cxn modelId="{545EF9C0-1C55-4285-AF09-980BAA0DD97D}" type="presOf" srcId="{63C89271-5FAD-4A76-B1F6-068DEA12F0B6}" destId="{977B7CFB-7DFB-4798-AE6A-920F31778731}" srcOrd="1" destOrd="0" presId="urn:microsoft.com/office/officeart/2005/8/layout/hierarchy3"/>
+    <dgm:cxn modelId="{B43324CF-26B5-4F7A-BCF6-9ABDAAD8285F}" type="presOf" srcId="{0D0DCFDF-EB39-422D-8E38-F18C1D98A9F2}" destId="{BA1D7344-30F8-4D53-B4B7-564FCE6BC877}" srcOrd="0" destOrd="4" presId="urn:microsoft.com/office/officeart/2005/8/layout/hierarchy3"/>
+    <dgm:cxn modelId="{FA9DE0F3-2C4C-4E1B-8E74-CA19F459DDFD}" type="presOf" srcId="{B48AAEF9-D6D0-465D-A9CA-4C4C01F0B52E}" destId="{39B60F46-49AA-469E-AD56-A449C182117B}" srcOrd="0" destOrd="1" presId="urn:microsoft.com/office/officeart/2005/8/layout/hierarchy3"/>
+    <dgm:cxn modelId="{254774BE-48B6-4F8A-A571-7F69EBC6E293}" type="presOf" srcId="{2992121B-918B-4981-BC0F-88CD9337D111}" destId="{39B60F46-49AA-469E-AD56-A449C182117B}" srcOrd="0" destOrd="2" presId="urn:microsoft.com/office/officeart/2005/8/layout/hierarchy3"/>
+    <dgm:cxn modelId="{7D87AC8B-6F56-4F11-96DF-74C4AE32DB35}" type="presOf" srcId="{63C89271-5FAD-4A76-B1F6-068DEA12F0B6}" destId="{CDDAEC73-F084-451C-961A-3AA9663E7A39}" srcOrd="0" destOrd="0" presId="urn:microsoft.com/office/officeart/2005/8/layout/hierarchy3"/>
+    <dgm:cxn modelId="{F7DCCF56-9DAE-48D1-8DD2-730AD8EB19D0}" type="presOf" srcId="{52B335CF-BC44-480B-9786-A3628082B030}" destId="{BA1D7344-30F8-4D53-B4B7-564FCE6BC877}" srcOrd="0" destOrd="0" presId="urn:microsoft.com/office/officeart/2005/8/layout/hierarchy3"/>
+    <dgm:cxn modelId="{B3C59ED9-0849-46F7-AD22-DD0E19D1B8E3}" srcId="{E628FFB5-B7A0-4130-A3B0-CFF086973D85}" destId="{0884ABCA-2357-46C0-9E52-55DB50952C4C}" srcOrd="3" destOrd="0" parTransId="{81AE918B-7CE1-49C1-9E40-6264DA5DCF1E}" sibTransId="{24C489D9-E41E-4EA8-85BD-322C92365540}"/>
+    <dgm:cxn modelId="{44EC50B6-5562-47B2-99F2-5D38AA50BED4}" type="presOf" srcId="{120675D5-4CEE-4C6E-82D1-B32262CDAEDD}" destId="{39B60F46-49AA-469E-AD56-A449C182117B}" srcOrd="0" destOrd="3" presId="urn:microsoft.com/office/officeart/2005/8/layout/hierarchy3"/>
+    <dgm:cxn modelId="{472885C3-6E5B-40E9-B035-4344C3AC675D}" type="presOf" srcId="{67C9838E-1229-4D1A-B16E-14787A2C8B11}" destId="{39B60F46-49AA-469E-AD56-A449C182117B}" srcOrd="0" destOrd="5" presId="urn:microsoft.com/office/officeart/2005/8/layout/hierarchy3"/>
+    <dgm:cxn modelId="{B1C41501-43F4-49E7-B9A9-7C0D0D7CEA6B}" srcId="{E628FFB5-B7A0-4130-A3B0-CFF086973D85}" destId="{67C9838E-1229-4D1A-B16E-14787A2C8B11}" srcOrd="4" destOrd="0" parTransId="{47E12853-33C8-4056-9589-C8E82F652EFF}" sibTransId="{CBE45BC3-33E4-45DB-9F15-066C3BE8E4A1}"/>
+    <dgm:cxn modelId="{CAF5095D-7928-4BC3-B67C-F1DA5C88D086}" srcId="{E628FFB5-B7A0-4130-A3B0-CFF086973D85}" destId="{120675D5-4CEE-4C6E-82D1-B32262CDAEDD}" srcOrd="2" destOrd="0" parTransId="{30F185C0-A51F-47D7-81DA-CB00AC1503C8}" sibTransId="{4D96EB32-B330-4F9C-8398-880711F2EC00}"/>
     <dgm:cxn modelId="{8F1ACBC9-C4C8-4073-8761-DD362D1FAA02}" srcId="{D67D8CA1-3D22-4A34-B0E5-593168796A68}" destId="{63C89271-5FAD-4A76-B1F6-068DEA12F0B6}" srcOrd="0" destOrd="0" parTransId="{45308C47-C23B-4EAC-AB48-48C04FCB1939}" sibTransId="{C08920CB-2FED-4EE6-BC3D-9AF31905E41D}"/>
-    <dgm:cxn modelId="{F4B09F4E-052F-4401-8B01-3F2278ED977A}" srcId="{63C89271-5FAD-4A76-B1F6-068DEA12F0B6}" destId="{52B335CF-BC44-480B-9786-A3628082B030}" srcOrd="1" destOrd="0" parTransId="{A80F37F6-5678-4732-A7F0-E08A9E1BE5A8}" sibTransId="{F99BE3CD-A62C-4FDE-BFD9-E44988D2FA2C}"/>
+    <dgm:cxn modelId="{B5F185D7-519E-445D-A9C0-8AA216712C04}" srcId="{52B335CF-BC44-480B-9786-A3628082B030}" destId="{0D0DCFDF-EB39-422D-8E38-F18C1D98A9F2}" srcOrd="3" destOrd="0" parTransId="{5B9E8CC9-982C-42B1-97EC-C547B361DCF6}" sibTransId="{EBD15E86-C36F-4237-9114-F877EC2A9FC6}"/>
+    <dgm:cxn modelId="{556EE356-8C96-45A5-A766-863394E7A099}" type="presOf" srcId="{0884ABCA-2357-46C0-9E52-55DB50952C4C}" destId="{39B60F46-49AA-469E-AD56-A449C182117B}" srcOrd="0" destOrd="4" presId="urn:microsoft.com/office/officeart/2005/8/layout/hierarchy3"/>
+    <dgm:cxn modelId="{22469605-2D53-400A-B5AF-A28783958DC6}" type="presOf" srcId="{9C88D9B3-BF44-42E1-99EE-9CD2322DA773}" destId="{50699463-AF82-4A7E-A110-5BB13C5A06FB}" srcOrd="0" destOrd="0" presId="urn:microsoft.com/office/officeart/2005/8/layout/hierarchy3"/>
+    <dgm:cxn modelId="{0048A4F3-727D-4CC2-A4E8-1699A530243C}" srcId="{52B335CF-BC44-480B-9786-A3628082B030}" destId="{9FA90021-0242-47D8-89D9-25A2B5B0B79C}" srcOrd="1" destOrd="0" parTransId="{F220C22F-6DAE-4DFE-BDFB-73232C767F0C}" sibTransId="{9B2AB2A4-1064-4EAA-A90B-E7BA77C73B34}"/>
+    <dgm:cxn modelId="{66ED2B90-E207-496A-8FAA-7DBCF180E22B}" type="presOf" srcId="{FF5E58AE-4976-4CCE-9240-B47B480F2947}" destId="{BA1D7344-30F8-4D53-B4B7-564FCE6BC877}" srcOrd="0" destOrd="3" presId="urn:microsoft.com/office/officeart/2005/8/layout/hierarchy3"/>
+    <dgm:cxn modelId="{93B6672A-2DC9-4BBA-BA08-F7D8C30E8326}" type="presOf" srcId="{A80F37F6-5678-4732-A7F0-E08A9E1BE5A8}" destId="{F1AA2C8B-F41F-4397-BA40-B578C066B7F7}" srcOrd="0" destOrd="0" presId="urn:microsoft.com/office/officeart/2005/8/layout/hierarchy3"/>
+    <dgm:cxn modelId="{07BDB128-7A6C-4A11-9856-200DCB466C4D}" type="presOf" srcId="{9FA90021-0242-47D8-89D9-25A2B5B0B79C}" destId="{BA1D7344-30F8-4D53-B4B7-564FCE6BC877}" srcOrd="0" destOrd="2" presId="urn:microsoft.com/office/officeart/2005/8/layout/hierarchy3"/>
+    <dgm:cxn modelId="{FF569EAD-12F3-4F3E-BC03-D693D1953CEB}" type="presOf" srcId="{1D6299FD-D5CB-4663-A458-CFA7106D19EB}" destId="{BA1D7344-30F8-4D53-B4B7-564FCE6BC877}" srcOrd="0" destOrd="1" presId="urn:microsoft.com/office/officeart/2005/8/layout/hierarchy3"/>
+    <dgm:cxn modelId="{2F5010ED-A2C8-4039-B148-14F7EEEAF95C}" srcId="{63C89271-5FAD-4A76-B1F6-068DEA12F0B6}" destId="{9C88D9B3-BF44-42E1-99EE-9CD2322DA773}" srcOrd="0" destOrd="0" parTransId="{4543B80C-F8F0-4CC1-B47C-FCBA12E0EC0A}" sibTransId="{67902022-EC78-4CE3-8C8B-DF5AEEDF406C}"/>
+    <dgm:cxn modelId="{364BED40-88FF-4F13-9D99-5064D64EF027}" srcId="{63C89271-5FAD-4A76-B1F6-068DEA12F0B6}" destId="{E628FFB5-B7A0-4130-A3B0-CFF086973D85}" srcOrd="1" destOrd="0" parTransId="{78A757D2-9A0E-4E02-AD33-DDFC91514C87}" sibTransId="{4F14CF85-54EC-49ED-A707-8260603C22C1}"/>
+    <dgm:cxn modelId="{745D9698-C386-4C36-8135-2BA8481582A5}" type="presOf" srcId="{78A757D2-9A0E-4E02-AD33-DDFC91514C87}" destId="{340A6C2E-585A-4A33-8E9E-3FFC1B2CB27E}" srcOrd="0" destOrd="0" presId="urn:microsoft.com/office/officeart/2005/8/layout/hierarchy3"/>
     <dgm:cxn modelId="{7F530DFC-F7C8-4074-8689-A96822835D04}" srcId="{52B335CF-BC44-480B-9786-A3628082B030}" destId="{FF5E58AE-4976-4CCE-9240-B47B480F2947}" srcOrd="2" destOrd="0" parTransId="{9BBB4A0F-3592-48EB-9131-4C55C5610F43}" sibTransId="{04A46859-8389-4CE5-9DF9-8BAE5B0B1BF4}"/>
-    <dgm:cxn modelId="{AC0738D0-C540-4F79-B4AE-3D7AD18E70F3}" type="presOf" srcId="{F220C22F-6DAE-4DFE-BDFB-73232C767F0C}" destId="{B9B92BA2-862C-49CE-810E-1904CA4B8929}" srcOrd="0" destOrd="0" presId="urn:microsoft.com/office/officeart/2005/8/layout/hierarchy2"/>
-    <dgm:cxn modelId="{3FD8E234-9FA0-4530-95D3-8DDD6C4BD311}" srcId="{52B335CF-BC44-480B-9786-A3628082B030}" destId="{1D6299FD-D5CB-4663-A458-CFA7106D19EB}" srcOrd="0" destOrd="0" parTransId="{279C4DC0-EF1D-47D1-B047-147AC263EF95}" sibTransId="{5D2D98E1-342E-47A6-8E27-9AED88558C72}"/>
-    <dgm:cxn modelId="{B35E0134-098B-4F26-91D8-87A9AC48B116}" type="presOf" srcId="{78A757D2-9A0E-4E02-AD33-DDFC91514C87}" destId="{1AA980B6-AA4B-4F46-8522-C2170376429D}" srcOrd="0" destOrd="0" presId="urn:microsoft.com/office/officeart/2005/8/layout/hierarchy2"/>
-    <dgm:cxn modelId="{56476909-7FA5-4FEC-BDE5-03FC8E9BB9F2}" type="presOf" srcId="{FF5E58AE-4976-4CCE-9240-B47B480F2947}" destId="{29204135-0A69-4085-BBBB-B81B959F19BC}" srcOrd="0" destOrd="0" presId="urn:microsoft.com/office/officeart/2005/8/layout/hierarchy2"/>
-    <dgm:cxn modelId="{1845980F-22B4-4DF1-B70C-CCA0CBDB2F70}" type="presOf" srcId="{A80F37F6-5678-4732-A7F0-E08A9E1BE5A8}" destId="{CB5D141A-F31D-4A09-84DF-4D1C0569F1A1}" srcOrd="0" destOrd="0" presId="urn:microsoft.com/office/officeart/2005/8/layout/hierarchy2"/>
-    <dgm:cxn modelId="{E7991E0A-5AEC-4E1C-A3F1-C41FFEE3317C}" type="presOf" srcId="{78A757D2-9A0E-4E02-AD33-DDFC91514C87}" destId="{37FF9F29-DEBE-4CA5-8636-4F1522BF2000}" srcOrd="1" destOrd="0" presId="urn:microsoft.com/office/officeart/2005/8/layout/hierarchy2"/>
-    <dgm:cxn modelId="{364BED40-88FF-4F13-9D99-5064D64EF027}" srcId="{63C89271-5FAD-4A76-B1F6-068DEA12F0B6}" destId="{E628FFB5-B7A0-4130-A3B0-CFF086973D85}" srcOrd="0" destOrd="0" parTransId="{78A757D2-9A0E-4E02-AD33-DDFC91514C87}" sibTransId="{4F14CF85-54EC-49ED-A707-8260603C22C1}"/>
-    <dgm:cxn modelId="{0592CE9F-3E82-45A9-A280-00D0248229AB}" type="presOf" srcId="{5B9E8CC9-982C-42B1-97EC-C547B361DCF6}" destId="{27082BA8-564A-4A6C-AFA8-99299BC31D54}" srcOrd="0" destOrd="0" presId="urn:microsoft.com/office/officeart/2005/8/layout/hierarchy2"/>
-    <dgm:cxn modelId="{E30C27CA-59A0-401C-B428-E024673F0A5B}" type="presOf" srcId="{279C4DC0-EF1D-47D1-B047-147AC263EF95}" destId="{91DBEA2E-DE03-4C2D-BB9F-6C252C1B99E7}" srcOrd="0" destOrd="0" presId="urn:microsoft.com/office/officeart/2005/8/layout/hierarchy2"/>
-    <dgm:cxn modelId="{157BFFC9-0A33-430A-8BDA-7121D54A5B49}" type="presOf" srcId="{1D6299FD-D5CB-4663-A458-CFA7106D19EB}" destId="{2DC86CA5-1F38-4873-995B-AFB64B5AD418}" srcOrd="0" destOrd="0" presId="urn:microsoft.com/office/officeart/2005/8/layout/hierarchy2"/>
-    <dgm:cxn modelId="{7AFC8EDC-1969-472C-B653-5CC753C794EE}" type="presOf" srcId="{9BBB4A0F-3592-48EB-9131-4C55C5610F43}" destId="{1E7C44FD-CD41-496F-B7DB-DAADD4DDECD9}" srcOrd="0" destOrd="0" presId="urn:microsoft.com/office/officeart/2005/8/layout/hierarchy2"/>
-    <dgm:cxn modelId="{F6284410-F434-4E5F-95BD-88A21CF74E87}" type="presOf" srcId="{E628FFB5-B7A0-4130-A3B0-CFF086973D85}" destId="{172B63FC-B649-494D-9648-6C714A04D6E0}" srcOrd="0" destOrd="0" presId="urn:microsoft.com/office/officeart/2005/8/layout/hierarchy2"/>
-    <dgm:cxn modelId="{E570BAC5-D116-47E6-9B98-59C26BCD68AA}" type="presOf" srcId="{279C4DC0-EF1D-47D1-B047-147AC263EF95}" destId="{4E33541D-1BA8-4120-B1FD-0057E5F63C23}" srcOrd="1" destOrd="0" presId="urn:microsoft.com/office/officeart/2005/8/layout/hierarchy2"/>
-    <dgm:cxn modelId="{975AF17B-A560-4815-A32B-1EFEFF8E5DD5}" type="presOf" srcId="{9FA90021-0242-47D8-89D9-25A2B5B0B79C}" destId="{7516B668-40C0-45D2-89AE-32C697DD5BAE}" srcOrd="0" destOrd="0" presId="urn:microsoft.com/office/officeart/2005/8/layout/hierarchy2"/>
-    <dgm:cxn modelId="{0048A4F3-727D-4CC2-A4E8-1699A530243C}" srcId="{52B335CF-BC44-480B-9786-A3628082B030}" destId="{9FA90021-0242-47D8-89D9-25A2B5B0B79C}" srcOrd="1" destOrd="0" parTransId="{F220C22F-6DAE-4DFE-BDFB-73232C767F0C}" sibTransId="{9B2AB2A4-1064-4EAA-A90B-E7BA77C73B34}"/>
-    <dgm:cxn modelId="{58E0A988-37E0-45F8-8F1E-DD94EDA518AF}" type="presOf" srcId="{0D0DCFDF-EB39-422D-8E38-F18C1D98A9F2}" destId="{01A0E27D-64CF-487D-9FCA-0FBE72F193D1}" srcOrd="0" destOrd="0" presId="urn:microsoft.com/office/officeart/2005/8/layout/hierarchy2"/>
-    <dgm:cxn modelId="{B5F185D7-519E-445D-A9C0-8AA216712C04}" srcId="{52B335CF-BC44-480B-9786-A3628082B030}" destId="{0D0DCFDF-EB39-422D-8E38-F18C1D98A9F2}" srcOrd="3" destOrd="0" parTransId="{5B9E8CC9-982C-42B1-97EC-C547B361DCF6}" sibTransId="{EBD15E86-C36F-4237-9114-F877EC2A9FC6}"/>
-    <dgm:cxn modelId="{C9D19571-676D-44F0-A96D-774675B537EC}" type="presOf" srcId="{5B9E8CC9-982C-42B1-97EC-C547B361DCF6}" destId="{6143E3E9-3899-4BA2-B502-2FF9E8F0E5E3}" srcOrd="1" destOrd="0" presId="urn:microsoft.com/office/officeart/2005/8/layout/hierarchy2"/>
-    <dgm:cxn modelId="{804A7CA8-2AE5-4DE4-8DD4-A7E6F7DF91C2}" type="presOf" srcId="{A80F37F6-5678-4732-A7F0-E08A9E1BE5A8}" destId="{7B7DA84A-052E-4833-8B4D-121C0DA550A9}" srcOrd="1" destOrd="0" presId="urn:microsoft.com/office/officeart/2005/8/layout/hierarchy2"/>
-    <dgm:cxn modelId="{A4F93AB5-58A1-42BD-A606-6B352483F4BB}" type="presOf" srcId="{52B335CF-BC44-480B-9786-A3628082B030}" destId="{03FCA5E5-27DB-4D4D-B1CA-8D680BF3DC4C}" srcOrd="0" destOrd="0" presId="urn:microsoft.com/office/officeart/2005/8/layout/hierarchy2"/>
-    <dgm:cxn modelId="{074BCAF7-7DDD-406C-B998-D8FAF1573555}" type="presOf" srcId="{9BBB4A0F-3592-48EB-9131-4C55C5610F43}" destId="{95B205AE-2423-4D88-AAC9-33F485F97158}" srcOrd="1" destOrd="0" presId="urn:microsoft.com/office/officeart/2005/8/layout/hierarchy2"/>
-    <dgm:cxn modelId="{4A446EF5-979A-46AA-B35C-4755BB4446C0}" type="presOf" srcId="{F220C22F-6DAE-4DFE-BDFB-73232C767F0C}" destId="{6FA1B294-10C7-4244-8ABE-AD928E2C1541}" srcOrd="1" destOrd="0" presId="urn:microsoft.com/office/officeart/2005/8/layout/hierarchy2"/>
-    <dgm:cxn modelId="{6BD27E9A-A7C5-41B5-806B-FE790CB8EDE1}" type="presOf" srcId="{D67D8CA1-3D22-4A34-B0E5-593168796A68}" destId="{B5504907-5075-47BF-8049-492C4EED59D2}" srcOrd="0" destOrd="0" presId="urn:microsoft.com/office/officeart/2005/8/layout/hierarchy2"/>
-    <dgm:cxn modelId="{04B01C56-18B4-4E7B-9190-9C19B30CBD1F}" type="presOf" srcId="{63C89271-5FAD-4A76-B1F6-068DEA12F0B6}" destId="{ED2B4EA9-3B9B-4A32-AF89-9283BA63749D}" srcOrd="0" destOrd="0" presId="urn:microsoft.com/office/officeart/2005/8/layout/hierarchy2"/>
-    <dgm:cxn modelId="{436CD5A1-DD55-4BB7-B1AE-29298B5025E2}" type="presParOf" srcId="{B5504907-5075-47BF-8049-492C4EED59D2}" destId="{167E5CA3-642C-4102-83EB-11E965CF4676}" srcOrd="0" destOrd="0" presId="urn:microsoft.com/office/officeart/2005/8/layout/hierarchy2"/>
-    <dgm:cxn modelId="{254DD30E-53B9-4605-8291-9E8786833AE4}" type="presParOf" srcId="{167E5CA3-642C-4102-83EB-11E965CF4676}" destId="{ED2B4EA9-3B9B-4A32-AF89-9283BA63749D}" srcOrd="0" destOrd="0" presId="urn:microsoft.com/office/officeart/2005/8/layout/hierarchy2"/>
-    <dgm:cxn modelId="{1D09EC73-304B-4457-A0A2-0AFAA1D3A6C1}" type="presParOf" srcId="{167E5CA3-642C-4102-83EB-11E965CF4676}" destId="{C5338F1E-8692-44A5-8C5C-4204B8637CFC}" srcOrd="1" destOrd="0" presId="urn:microsoft.com/office/officeart/2005/8/layout/hierarchy2"/>
-    <dgm:cxn modelId="{BB604018-F5D9-4060-A12A-38F5AB8D1E0D}" type="presParOf" srcId="{C5338F1E-8692-44A5-8C5C-4204B8637CFC}" destId="{1AA980B6-AA4B-4F46-8522-C2170376429D}" srcOrd="0" destOrd="0" presId="urn:microsoft.com/office/officeart/2005/8/layout/hierarchy2"/>
-    <dgm:cxn modelId="{7FCE67CD-810D-4E9B-9A96-C912996D7186}" type="presParOf" srcId="{1AA980B6-AA4B-4F46-8522-C2170376429D}" destId="{37FF9F29-DEBE-4CA5-8636-4F1522BF2000}" srcOrd="0" destOrd="0" presId="urn:microsoft.com/office/officeart/2005/8/layout/hierarchy2"/>
-    <dgm:cxn modelId="{A874A015-6CA4-4476-B4C5-41A96DC46745}" type="presParOf" srcId="{C5338F1E-8692-44A5-8C5C-4204B8637CFC}" destId="{FA0A9C5A-438F-44F6-B43B-A351FAD4F6BE}" srcOrd="1" destOrd="0" presId="urn:microsoft.com/office/officeart/2005/8/layout/hierarchy2"/>
-    <dgm:cxn modelId="{73A00B40-1B9D-45BA-8236-DF1DA4AFF43C}" type="presParOf" srcId="{FA0A9C5A-438F-44F6-B43B-A351FAD4F6BE}" destId="{172B63FC-B649-494D-9648-6C714A04D6E0}" srcOrd="0" destOrd="0" presId="urn:microsoft.com/office/officeart/2005/8/layout/hierarchy2"/>
-    <dgm:cxn modelId="{239FB04F-5CA4-425A-AAF9-388EEA9B2B2B}" type="presParOf" srcId="{FA0A9C5A-438F-44F6-B43B-A351FAD4F6BE}" destId="{07687BCA-419B-4527-9B71-3C06D53A2461}" srcOrd="1" destOrd="0" presId="urn:microsoft.com/office/officeart/2005/8/layout/hierarchy2"/>
-    <dgm:cxn modelId="{489E4401-17BC-4962-9FE8-E9944FC279AD}" type="presParOf" srcId="{C5338F1E-8692-44A5-8C5C-4204B8637CFC}" destId="{CB5D141A-F31D-4A09-84DF-4D1C0569F1A1}" srcOrd="2" destOrd="0" presId="urn:microsoft.com/office/officeart/2005/8/layout/hierarchy2"/>
-    <dgm:cxn modelId="{99A277F7-7EA0-417E-86BA-8DC019FC278D}" type="presParOf" srcId="{CB5D141A-F31D-4A09-84DF-4D1C0569F1A1}" destId="{7B7DA84A-052E-4833-8B4D-121C0DA550A9}" srcOrd="0" destOrd="0" presId="urn:microsoft.com/office/officeart/2005/8/layout/hierarchy2"/>
-    <dgm:cxn modelId="{CAFF71EC-97FC-4AED-96C4-601172766C39}" type="presParOf" srcId="{C5338F1E-8692-44A5-8C5C-4204B8637CFC}" destId="{0B5F2BCE-3107-4A87-B9DA-491E6AB27EC8}" srcOrd="3" destOrd="0" presId="urn:microsoft.com/office/officeart/2005/8/layout/hierarchy2"/>
-    <dgm:cxn modelId="{0188602A-839F-4DB5-BF47-14CE5BDCC097}" type="presParOf" srcId="{0B5F2BCE-3107-4A87-B9DA-491E6AB27EC8}" destId="{03FCA5E5-27DB-4D4D-B1CA-8D680BF3DC4C}" srcOrd="0" destOrd="0" presId="urn:microsoft.com/office/officeart/2005/8/layout/hierarchy2"/>
-    <dgm:cxn modelId="{7A0FE860-9EDC-4820-A65D-28CE6BEE522C}" type="presParOf" srcId="{0B5F2BCE-3107-4A87-B9DA-491E6AB27EC8}" destId="{D9C73C15-2FC6-44F2-B5AC-6C6BC361C1CC}" srcOrd="1" destOrd="0" presId="urn:microsoft.com/office/officeart/2005/8/layout/hierarchy2"/>
-    <dgm:cxn modelId="{8868EF65-B652-4981-B7ED-CE0C33622C28}" type="presParOf" srcId="{D9C73C15-2FC6-44F2-B5AC-6C6BC361C1CC}" destId="{91DBEA2E-DE03-4C2D-BB9F-6C252C1B99E7}" srcOrd="0" destOrd="0" presId="urn:microsoft.com/office/officeart/2005/8/layout/hierarchy2"/>
-    <dgm:cxn modelId="{29B28A4D-A21C-4BE4-A6A7-7A4CEEAC9E95}" type="presParOf" srcId="{91DBEA2E-DE03-4C2D-BB9F-6C252C1B99E7}" destId="{4E33541D-1BA8-4120-B1FD-0057E5F63C23}" srcOrd="0" destOrd="0" presId="urn:microsoft.com/office/officeart/2005/8/layout/hierarchy2"/>
-    <dgm:cxn modelId="{C1992DC9-3F8F-4C69-9879-A56EF8466088}" type="presParOf" srcId="{D9C73C15-2FC6-44F2-B5AC-6C6BC361C1CC}" destId="{933B98CA-C12F-4D83-9B61-055EFCBB9109}" srcOrd="1" destOrd="0" presId="urn:microsoft.com/office/officeart/2005/8/layout/hierarchy2"/>
-    <dgm:cxn modelId="{163D7843-B717-4E39-B594-0231C4BDC176}" type="presParOf" srcId="{933B98CA-C12F-4D83-9B61-055EFCBB9109}" destId="{2DC86CA5-1F38-4873-995B-AFB64B5AD418}" srcOrd="0" destOrd="0" presId="urn:microsoft.com/office/officeart/2005/8/layout/hierarchy2"/>
-    <dgm:cxn modelId="{A1D53583-C1D5-40EB-8494-D67D9F9795DB}" type="presParOf" srcId="{933B98CA-C12F-4D83-9B61-055EFCBB9109}" destId="{C64C716D-F70A-4366-A5DC-9781CFC3EC0F}" srcOrd="1" destOrd="0" presId="urn:microsoft.com/office/officeart/2005/8/layout/hierarchy2"/>
-    <dgm:cxn modelId="{3744C74D-061C-444E-91F3-0CFCB7BC792A}" type="presParOf" srcId="{D9C73C15-2FC6-44F2-B5AC-6C6BC361C1CC}" destId="{B9B92BA2-862C-49CE-810E-1904CA4B8929}" srcOrd="2" destOrd="0" presId="urn:microsoft.com/office/officeart/2005/8/layout/hierarchy2"/>
-    <dgm:cxn modelId="{3A3D8308-C5A7-4346-9D6E-4EEC402F35F1}" type="presParOf" srcId="{B9B92BA2-862C-49CE-810E-1904CA4B8929}" destId="{6FA1B294-10C7-4244-8ABE-AD928E2C1541}" srcOrd="0" destOrd="0" presId="urn:microsoft.com/office/officeart/2005/8/layout/hierarchy2"/>
-    <dgm:cxn modelId="{5F3B93D8-DB62-41C2-A499-672043131D02}" type="presParOf" srcId="{D9C73C15-2FC6-44F2-B5AC-6C6BC361C1CC}" destId="{848E6DCF-5CCA-454D-9718-69BC63D58185}" srcOrd="3" destOrd="0" presId="urn:microsoft.com/office/officeart/2005/8/layout/hierarchy2"/>
-    <dgm:cxn modelId="{ADFDCD77-454F-4A83-9B3A-76D0C54093D5}" type="presParOf" srcId="{848E6DCF-5CCA-454D-9718-69BC63D58185}" destId="{7516B668-40C0-45D2-89AE-32C697DD5BAE}" srcOrd="0" destOrd="0" presId="urn:microsoft.com/office/officeart/2005/8/layout/hierarchy2"/>
-    <dgm:cxn modelId="{0DE900A2-5DC8-450B-B30B-BCA677580BE9}" type="presParOf" srcId="{848E6DCF-5CCA-454D-9718-69BC63D58185}" destId="{FF8C4510-E749-42DE-AB4A-D96E4EE6EDB7}" srcOrd="1" destOrd="0" presId="urn:microsoft.com/office/officeart/2005/8/layout/hierarchy2"/>
-    <dgm:cxn modelId="{6404F574-13C2-4CCE-A9A5-8AD7C83AEE0A}" type="presParOf" srcId="{D9C73C15-2FC6-44F2-B5AC-6C6BC361C1CC}" destId="{1E7C44FD-CD41-496F-B7DB-DAADD4DDECD9}" srcOrd="4" destOrd="0" presId="urn:microsoft.com/office/officeart/2005/8/layout/hierarchy2"/>
-    <dgm:cxn modelId="{424A6D65-3166-4620-A3C6-15DF8AB0C5D0}" type="presParOf" srcId="{1E7C44FD-CD41-496F-B7DB-DAADD4DDECD9}" destId="{95B205AE-2423-4D88-AAC9-33F485F97158}" srcOrd="0" destOrd="0" presId="urn:microsoft.com/office/officeart/2005/8/layout/hierarchy2"/>
-    <dgm:cxn modelId="{CAA2128E-98F3-4190-9289-C382EE21D814}" type="presParOf" srcId="{D9C73C15-2FC6-44F2-B5AC-6C6BC361C1CC}" destId="{47FD5ED0-FBCA-4DC3-845E-FD2F1AF53905}" srcOrd="5" destOrd="0" presId="urn:microsoft.com/office/officeart/2005/8/layout/hierarchy2"/>
-    <dgm:cxn modelId="{ACC025F4-38B8-4AF5-9AC8-0A01A8492F30}" type="presParOf" srcId="{47FD5ED0-FBCA-4DC3-845E-FD2F1AF53905}" destId="{29204135-0A69-4085-BBBB-B81B959F19BC}" srcOrd="0" destOrd="0" presId="urn:microsoft.com/office/officeart/2005/8/layout/hierarchy2"/>
-    <dgm:cxn modelId="{C8618118-EE16-4115-8F87-5ED03A558528}" type="presParOf" srcId="{47FD5ED0-FBCA-4DC3-845E-FD2F1AF53905}" destId="{E37ED026-FE8D-4470-BC23-E75788F4F529}" srcOrd="1" destOrd="0" presId="urn:microsoft.com/office/officeart/2005/8/layout/hierarchy2"/>
-    <dgm:cxn modelId="{EEE9D541-BBC8-46C8-AAF5-420D8D712559}" type="presParOf" srcId="{D9C73C15-2FC6-44F2-B5AC-6C6BC361C1CC}" destId="{27082BA8-564A-4A6C-AFA8-99299BC31D54}" srcOrd="6" destOrd="0" presId="urn:microsoft.com/office/officeart/2005/8/layout/hierarchy2"/>
-    <dgm:cxn modelId="{AE09DDF7-0F32-430C-AABE-98285D393FFA}" type="presParOf" srcId="{27082BA8-564A-4A6C-AFA8-99299BC31D54}" destId="{6143E3E9-3899-4BA2-B502-2FF9E8F0E5E3}" srcOrd="0" destOrd="0" presId="urn:microsoft.com/office/officeart/2005/8/layout/hierarchy2"/>
-    <dgm:cxn modelId="{656EB833-325D-44B5-904F-570E108B3A0C}" type="presParOf" srcId="{D9C73C15-2FC6-44F2-B5AC-6C6BC361C1CC}" destId="{25C3C28B-4F19-4BB7-8A1B-4AED6DD9C17B}" srcOrd="7" destOrd="0" presId="urn:microsoft.com/office/officeart/2005/8/layout/hierarchy2"/>
-    <dgm:cxn modelId="{1A782AD8-46F7-4FE3-A2D9-ADC0196EA438}" type="presParOf" srcId="{25C3C28B-4F19-4BB7-8A1B-4AED6DD9C17B}" destId="{01A0E27D-64CF-487D-9FCA-0FBE72F193D1}" srcOrd="0" destOrd="0" presId="urn:microsoft.com/office/officeart/2005/8/layout/hierarchy2"/>
-    <dgm:cxn modelId="{95907C48-7676-4ECE-B79B-DDCED88EBD37}" type="presParOf" srcId="{25C3C28B-4F19-4BB7-8A1B-4AED6DD9C17B}" destId="{55D88E4F-4C65-4280-B094-5D4692A557B3}" srcOrd="1" destOrd="0" presId="urn:microsoft.com/office/officeart/2005/8/layout/hierarchy2"/>
+    <dgm:cxn modelId="{B187C146-F896-4208-A63F-74DB2A9A6C31}" type="presParOf" srcId="{AC48DCA3-48AE-4B8D-8A4B-5171F6545E34}" destId="{2C3475B8-2A7B-4E9C-94E6-3682B69C1E99}" srcOrd="0" destOrd="0" presId="urn:microsoft.com/office/officeart/2005/8/layout/hierarchy3"/>
+    <dgm:cxn modelId="{54F0705D-A7DB-4FF6-AD80-B8EBA7C30FDC}" type="presParOf" srcId="{2C3475B8-2A7B-4E9C-94E6-3682B69C1E99}" destId="{4EAE4268-900D-4CC2-A77A-8E6C9DCFF722}" srcOrd="0" destOrd="0" presId="urn:microsoft.com/office/officeart/2005/8/layout/hierarchy3"/>
+    <dgm:cxn modelId="{966C4794-A214-4FBE-A9C3-1DE70B832BA2}" type="presParOf" srcId="{4EAE4268-900D-4CC2-A77A-8E6C9DCFF722}" destId="{CDDAEC73-F084-451C-961A-3AA9663E7A39}" srcOrd="0" destOrd="0" presId="urn:microsoft.com/office/officeart/2005/8/layout/hierarchy3"/>
+    <dgm:cxn modelId="{F2114DF1-95D4-4C0F-93EA-E2CE2F3E749D}" type="presParOf" srcId="{4EAE4268-900D-4CC2-A77A-8E6C9DCFF722}" destId="{977B7CFB-7DFB-4798-AE6A-920F31778731}" srcOrd="1" destOrd="0" presId="urn:microsoft.com/office/officeart/2005/8/layout/hierarchy3"/>
+    <dgm:cxn modelId="{251CFDA6-C015-4E46-9D50-579A08C0BB8A}" type="presParOf" srcId="{2C3475B8-2A7B-4E9C-94E6-3682B69C1E99}" destId="{3460AB81-ED94-4672-A676-BA6E7DD8D9C0}" srcOrd="1" destOrd="0" presId="urn:microsoft.com/office/officeart/2005/8/layout/hierarchy3"/>
+    <dgm:cxn modelId="{E1A49EA5-2C23-40E6-A499-DC3CF2ADDAB0}" type="presParOf" srcId="{3460AB81-ED94-4672-A676-BA6E7DD8D9C0}" destId="{A62AE2AA-01B8-4016-A7A9-C2E19C3CF59B}" srcOrd="0" destOrd="0" presId="urn:microsoft.com/office/officeart/2005/8/layout/hierarchy3"/>
+    <dgm:cxn modelId="{7E674271-CA46-446A-903F-857D7E4CD6B1}" type="presParOf" srcId="{3460AB81-ED94-4672-A676-BA6E7DD8D9C0}" destId="{50699463-AF82-4A7E-A110-5BB13C5A06FB}" srcOrd="1" destOrd="0" presId="urn:microsoft.com/office/officeart/2005/8/layout/hierarchy3"/>
+    <dgm:cxn modelId="{79B4F40F-74EF-49C2-811A-BAAFF7154087}" type="presParOf" srcId="{3460AB81-ED94-4672-A676-BA6E7DD8D9C0}" destId="{340A6C2E-585A-4A33-8E9E-3FFC1B2CB27E}" srcOrd="2" destOrd="0" presId="urn:microsoft.com/office/officeart/2005/8/layout/hierarchy3"/>
+    <dgm:cxn modelId="{B1BA56F4-47E0-4EE0-B4D1-293A4F1CED47}" type="presParOf" srcId="{3460AB81-ED94-4672-A676-BA6E7DD8D9C0}" destId="{39B60F46-49AA-469E-AD56-A449C182117B}" srcOrd="3" destOrd="0" presId="urn:microsoft.com/office/officeart/2005/8/layout/hierarchy3"/>
+    <dgm:cxn modelId="{511D06A0-4325-4ED3-BDF5-9CD44F0CBDD6}" type="presParOf" srcId="{3460AB81-ED94-4672-A676-BA6E7DD8D9C0}" destId="{F1AA2C8B-F41F-4397-BA40-B578C066B7F7}" srcOrd="4" destOrd="0" presId="urn:microsoft.com/office/officeart/2005/8/layout/hierarchy3"/>
+    <dgm:cxn modelId="{EAFCA6F9-7290-4EC9-B998-1CA5CA42CA42}" type="presParOf" srcId="{3460AB81-ED94-4672-A676-BA6E7DD8D9C0}" destId="{BA1D7344-30F8-4D53-B4B7-564FCE6BC877}" srcOrd="5" destOrd="0" presId="urn:microsoft.com/office/officeart/2005/8/layout/hierarchy3"/>
   </dgm:cxnLst>
   <dgm:bg/>
   <dgm:whole/>
@@ -1529,15 +1584,15 @@
       <dsp:cNvGrpSpPr/>
     </dsp:nvGrpSpPr>
     <dsp:grpSpPr/>
-    <dsp:sp modelId="{ED2B4EA9-3B9B-4A32-AF89-9283BA63749D}">
+    <dsp:sp modelId="{CDDAEC73-F084-451C-961A-3AA9663E7A39}">
       <dsp:nvSpPr>
         <dsp:cNvPr id="0" name=""/>
         <dsp:cNvSpPr/>
       </dsp:nvSpPr>
       <dsp:spPr>
         <a:xfrm>
-          <a:off x="0" y="416229"/>
-          <a:ext cx="1717113" cy="556434"/>
+          <a:off x="3405474" y="760"/>
+          <a:ext cx="1055609" cy="387747"/>
         </a:xfrm>
         <a:prstGeom prst="roundRect">
           <a:avLst>
@@ -1552,7 +1607,7 @@
             <a:alphaOff val="0"/>
           </a:schemeClr>
         </a:solidFill>
-        <a:ln w="12700" cap="flat" cmpd="sng" algn="ctr">
+        <a:ln w="19050" cap="flat" cmpd="sng" algn="ctr">
           <a:solidFill>
             <a:schemeClr val="lt1">
               <a:hueOff val="0"/>
@@ -1567,13 +1622,13 @@
         <a:effectLst/>
       </dsp:spPr>
       <dsp:style>
-        <a:lnRef idx="2">
+        <a:lnRef idx="3">
           <a:scrgbClr r="0" g="0" b="0"/>
         </a:lnRef>
         <a:fillRef idx="1">
           <a:scrgbClr r="0" g="0" b="0"/>
         </a:fillRef>
-        <a:effectRef idx="0">
+        <a:effectRef idx="1">
           <a:scrgbClr r="0" g="0" b="0"/>
         </a:effectRef>
         <a:fontRef idx="minor">
@@ -1581,7 +1636,7 @@
         </a:fontRef>
       </dsp:style>
       <dsp:txBody>
-        <a:bodyPr spcFirstLastPara="0" vert="horz" wrap="square" lIns="8890" tIns="8890" rIns="8890" bIns="8890" numCol="1" spcCol="1270" anchor="ctr" anchorCtr="0">
+        <a:bodyPr spcFirstLastPara="0" vert="horz" wrap="square" lIns="26670" tIns="17780" rIns="26670" bIns="17780" numCol="1" spcCol="1270" anchor="ctr" anchorCtr="0">
           <a:noAutofit/>
         </a:bodyPr>
         <a:lstStyle/>
@@ -1598,26 +1653,26 @@
             </a:spcAft>
           </a:pPr>
           <a:r>
-            <a:rPr lang="en-US" sz="1400" kern="1200" dirty="0" err="1" smtClean="0"/>
-            <a:t>PageOperation</a:t>
+            <a:rPr lang="en-US" altLang="zh-CN" sz="1400" kern="1200" dirty="0" err="1" smtClean="0"/>
+            <a:t>AuthoringInfo</a:t>
           </a:r>
           <a:endParaRPr lang="zh-CN" altLang="en-US" sz="1400" kern="1200" dirty="0"/>
         </a:p>
       </dsp:txBody>
       <dsp:txXfrm>
-        <a:off x="16297" y="432526"/>
-        <a:ext cx="1684519" cy="523840"/>
+        <a:off x="3416831" y="12117"/>
+        <a:ext cx="1032895" cy="365033"/>
       </dsp:txXfrm>
     </dsp:sp>
-    <dsp:sp modelId="{1AA980B6-AA4B-4F46-8522-C2170376429D}">
+    <dsp:sp modelId="{A62AE2AA-01B8-4016-A7A9-C2E19C3CF59B}">
       <dsp:nvSpPr>
         <dsp:cNvPr id="0" name=""/>
         <dsp:cNvSpPr/>
       </dsp:nvSpPr>
       <dsp:spPr>
-        <a:xfrm rot="875488">
-          <a:off x="1700232" y="793779"/>
-          <a:ext cx="1046760" cy="65039"/>
+        <a:xfrm>
+          <a:off x="3511035" y="388508"/>
+          <a:ext cx="1140012" cy="332997"/>
         </a:xfrm>
         <a:custGeom>
           <a:avLst/>
@@ -1628,10 +1683,13 @@
           <a:pathLst>
             <a:path>
               <a:moveTo>
-                <a:pt x="0" y="32519"/>
+                <a:pt x="0" y="0"/>
               </a:moveTo>
               <a:lnTo>
-                <a:pt x="1046760" y="32519"/>
+                <a:pt x="0" y="332997"/>
+              </a:lnTo>
+              <a:lnTo>
+                <a:pt x="1140012" y="332997"/>
               </a:lnTo>
             </a:path>
           </a:pathLst>
@@ -1664,40 +1722,16 @@
         </a:effectRef>
         <a:fontRef idx="minor"/>
       </dsp:style>
-      <dsp:txBody>
-        <a:bodyPr spcFirstLastPara="0" vert="horz" wrap="square" lIns="12700" tIns="0" rIns="12700" bIns="0" numCol="1" spcCol="1270" anchor="ctr" anchorCtr="0">
-          <a:noAutofit/>
-        </a:bodyPr>
-        <a:lstStyle/>
-        <a:p>
-          <a:pPr lvl="0" algn="ctr" defTabSz="177800">
-            <a:lnSpc>
-              <a:spcPct val="90000"/>
-            </a:lnSpc>
-            <a:spcBef>
-              <a:spcPct val="0"/>
-            </a:spcBef>
-            <a:spcAft>
-              <a:spcPct val="35000"/>
-            </a:spcAft>
-          </a:pPr>
-          <a:endParaRPr lang="zh-CN" altLang="en-US" sz="400" kern="1200"/>
-        </a:p>
-      </dsp:txBody>
-      <dsp:txXfrm>
-        <a:off x="2197443" y="800129"/>
-        <a:ext cx="52338" cy="52338"/>
-      </dsp:txXfrm>
     </dsp:sp>
-    <dsp:sp modelId="{172B63FC-B649-494D-9648-6C714A04D6E0}">
+    <dsp:sp modelId="{50699463-AF82-4A7E-A110-5BB13C5A06FB}">
       <dsp:nvSpPr>
         <dsp:cNvPr id="0" name=""/>
         <dsp:cNvSpPr/>
       </dsp:nvSpPr>
       <dsp:spPr>
         <a:xfrm>
-          <a:off x="2730111" y="664628"/>
-          <a:ext cx="1334231" cy="587044"/>
+          <a:off x="4651048" y="566348"/>
+          <a:ext cx="1473859" cy="310315"/>
         </a:xfrm>
         <a:prstGeom prst="roundRect">
           <a:avLst>
@@ -1705,7 +1739,8 @@
           </a:avLst>
         </a:prstGeom>
         <a:solidFill>
-          <a:schemeClr val="accent1">
+          <a:schemeClr val="lt1">
+            <a:alpha val="90000"/>
             <a:hueOff val="0"/>
             <a:satOff val="0"/>
             <a:lumOff val="0"/>
@@ -1714,7 +1749,7 @@
         </a:solidFill>
         <a:ln w="12700" cap="flat" cmpd="sng" algn="ctr">
           <a:solidFill>
-            <a:schemeClr val="lt1">
+            <a:schemeClr val="accent1">
               <a:hueOff val="0"/>
               <a:satOff val="0"/>
               <a:lumOff val="0"/>
@@ -1736,12 +1771,10 @@
         <a:effectRef idx="0">
           <a:scrgbClr r="0" g="0" b="0"/>
         </a:effectRef>
-        <a:fontRef idx="minor">
-          <a:schemeClr val="lt1"/>
-        </a:fontRef>
+        <a:fontRef idx="minor"/>
       </dsp:style>
       <dsp:txBody>
-        <a:bodyPr spcFirstLastPara="0" vert="horz" wrap="square" lIns="8890" tIns="8890" rIns="8890" bIns="8890" numCol="1" spcCol="1270" anchor="ctr" anchorCtr="0">
+        <a:bodyPr spcFirstLastPara="0" vert="horz" wrap="square" lIns="26670" tIns="17780" rIns="26670" bIns="17780" numCol="1" spcCol="1270" anchor="ctr" anchorCtr="0">
           <a:noAutofit/>
         </a:bodyPr>
         <a:lstStyle/>
@@ -1758,26 +1791,26 @@
             </a:spcAft>
           </a:pPr>
           <a:r>
-            <a:rPr lang="en-US" sz="1400" kern="1200" dirty="0" smtClean="0"/>
-            <a:t>dragging</a:t>
+            <a:rPr lang="en-US" altLang="zh-CN" sz="1400" kern="1200" dirty="0" err="1" smtClean="0"/>
+            <a:t>themeName</a:t>
           </a:r>
           <a:endParaRPr lang="zh-CN" altLang="en-US" sz="1400" kern="1200" dirty="0"/>
         </a:p>
       </dsp:txBody>
       <dsp:txXfrm>
-        <a:off x="2747305" y="681822"/>
-        <a:ext cx="1299843" cy="552656"/>
+        <a:off x="4660137" y="575437"/>
+        <a:ext cx="1455681" cy="292137"/>
       </dsp:txXfrm>
     </dsp:sp>
-    <dsp:sp modelId="{CB5D141A-F31D-4A09-84DF-4D1C0569F1A1}">
+    <dsp:sp modelId="{340A6C2E-585A-4A33-8E9E-3FFC1B2CB27E}">
       <dsp:nvSpPr>
         <dsp:cNvPr id="0" name=""/>
         <dsp:cNvSpPr/>
       </dsp:nvSpPr>
       <dsp:spPr>
-        <a:xfrm rot="2737026">
-          <a:off x="1505145" y="1165966"/>
-          <a:ext cx="1410530" cy="65039"/>
+        <a:xfrm>
+          <a:off x="3511035" y="388508"/>
+          <a:ext cx="3210962" cy="2383205"/>
         </a:xfrm>
         <a:custGeom>
           <a:avLst/>
@@ -1788,10 +1821,13 @@
           <a:pathLst>
             <a:path>
               <a:moveTo>
-                <a:pt x="0" y="32519"/>
+                <a:pt x="0" y="0"/>
               </a:moveTo>
               <a:lnTo>
-                <a:pt x="1410530" y="32519"/>
+                <a:pt x="0" y="2383205"/>
+              </a:lnTo>
+              <a:lnTo>
+                <a:pt x="3210962" y="2383205"/>
               </a:lnTo>
             </a:path>
           </a:pathLst>
@@ -1824,40 +1860,16 @@
         </a:effectRef>
         <a:fontRef idx="minor"/>
       </dsp:style>
-      <dsp:txBody>
-        <a:bodyPr spcFirstLastPara="0" vert="horz" wrap="square" lIns="12700" tIns="0" rIns="12700" bIns="0" numCol="1" spcCol="1270" anchor="ctr" anchorCtr="0">
-          <a:noAutofit/>
-        </a:bodyPr>
-        <a:lstStyle/>
-        <a:p>
-          <a:pPr lvl="0" algn="ctr" defTabSz="177800">
-            <a:lnSpc>
-              <a:spcPct val="90000"/>
-            </a:lnSpc>
-            <a:spcBef>
-              <a:spcPct val="0"/>
-            </a:spcBef>
-            <a:spcAft>
-              <a:spcPct val="35000"/>
-            </a:spcAft>
-          </a:pPr>
-          <a:endParaRPr lang="zh-CN" altLang="en-US" sz="400" kern="1200"/>
-        </a:p>
-      </dsp:txBody>
-      <dsp:txXfrm>
-        <a:off x="2175147" y="1163222"/>
-        <a:ext cx="70526" cy="70526"/>
-      </dsp:txXfrm>
     </dsp:sp>
-    <dsp:sp modelId="{03FCA5E5-27DB-4D4D-B1CA-8D680BF3DC4C}">
+    <dsp:sp modelId="{39B60F46-49AA-469E-AD56-A449C182117B}">
       <dsp:nvSpPr>
         <dsp:cNvPr id="0" name=""/>
         <dsp:cNvSpPr/>
       </dsp:nvSpPr>
       <dsp:spPr>
         <a:xfrm>
-          <a:off x="2703708" y="1427415"/>
-          <a:ext cx="1730819" cy="550220"/>
+          <a:off x="6721998" y="2148297"/>
+          <a:ext cx="2267071" cy="1246831"/>
         </a:xfrm>
         <a:prstGeom prst="roundRect">
           <a:avLst>
@@ -1865,7 +1877,8 @@
           </a:avLst>
         </a:prstGeom>
         <a:solidFill>
-          <a:schemeClr val="accent1">
+          <a:schemeClr val="lt1">
+            <a:alpha val="90000"/>
             <a:hueOff val="0"/>
             <a:satOff val="0"/>
             <a:lumOff val="0"/>
@@ -1874,7 +1887,7 @@
         </a:solidFill>
         <a:ln w="12700" cap="flat" cmpd="sng" algn="ctr">
           <a:solidFill>
-            <a:schemeClr val="lt1">
+            <a:schemeClr val="accent1">
               <a:hueOff val="0"/>
               <a:satOff val="0"/>
               <a:lumOff val="0"/>
@@ -1896,17 +1909,15 @@
         <a:effectRef idx="0">
           <a:scrgbClr r="0" g="0" b="0"/>
         </a:effectRef>
-        <a:fontRef idx="minor">
-          <a:schemeClr val="lt1"/>
-        </a:fontRef>
+        <a:fontRef idx="minor"/>
       </dsp:style>
       <dsp:txBody>
-        <a:bodyPr spcFirstLastPara="0" vert="horz" wrap="square" lIns="8890" tIns="8890" rIns="8890" bIns="8890" numCol="1" spcCol="1270" anchor="ctr" anchorCtr="0">
+        <a:bodyPr spcFirstLastPara="0" vert="horz" wrap="square" lIns="20955" tIns="13970" rIns="20955" bIns="13970" numCol="1" spcCol="1270" anchor="t" anchorCtr="0">
           <a:noAutofit/>
         </a:bodyPr>
         <a:lstStyle/>
         <a:p>
-          <a:pPr lvl="0" algn="ctr" defTabSz="622300">
+          <a:pPr lvl="0" algn="l" defTabSz="466725">
             <a:lnSpc>
               <a:spcPct val="90000"/>
             </a:lnSpc>
@@ -1918,26 +1929,140 @@
             </a:spcAft>
           </a:pPr>
           <a:r>
-            <a:rPr lang="en-US" altLang="zh-CN" sz="1400" kern="1200" dirty="0" smtClean="0"/>
-            <a:t>data</a:t>
+            <a:rPr lang="en-US" altLang="zh-CN" sz="1050" kern="1200" dirty="0" smtClean="0"/>
+            <a:t>Setting</a:t>
           </a:r>
-          <a:endParaRPr lang="zh-CN" altLang="en-US" sz="1400" kern="1200" dirty="0"/>
+          <a:endParaRPr lang="zh-CN" altLang="en-US" sz="1050" kern="1200" dirty="0"/>
+        </a:p>
+        <a:p>
+          <a:pPr marL="57150" lvl="1" indent="-57150" algn="l" defTabSz="466725">
+            <a:lnSpc>
+              <a:spcPct val="90000"/>
+            </a:lnSpc>
+            <a:spcBef>
+              <a:spcPct val="0"/>
+            </a:spcBef>
+            <a:spcAft>
+              <a:spcPct val="15000"/>
+            </a:spcAft>
+            <a:buChar char="••"/>
+          </a:pPr>
+          <a:r>
+            <a:rPr lang="en-US" altLang="zh-CN" sz="1050" kern="1200" dirty="0" smtClean="0"/>
+            <a:t>Width</a:t>
+          </a:r>
+          <a:endParaRPr lang="zh-CN" altLang="en-US" sz="1050" kern="1200" dirty="0"/>
+        </a:p>
+        <a:p>
+          <a:pPr marL="57150" lvl="1" indent="-57150" algn="l" defTabSz="466725">
+            <a:lnSpc>
+              <a:spcPct val="90000"/>
+            </a:lnSpc>
+            <a:spcBef>
+              <a:spcPct val="0"/>
+            </a:spcBef>
+            <a:spcAft>
+              <a:spcPct val="15000"/>
+            </a:spcAft>
+            <a:buChar char="••"/>
+          </a:pPr>
+          <a:r>
+            <a:rPr lang="en-US" altLang="zh-CN" sz="1050" kern="1200" dirty="0" smtClean="0"/>
+            <a:t>Height</a:t>
+          </a:r>
+          <a:endParaRPr lang="zh-CN" altLang="en-US" sz="1050" kern="1200" dirty="0"/>
+        </a:p>
+        <a:p>
+          <a:pPr marL="57150" lvl="1" indent="-57150" algn="l" defTabSz="466725">
+            <a:lnSpc>
+              <a:spcPct val="90000"/>
+            </a:lnSpc>
+            <a:spcBef>
+              <a:spcPct val="0"/>
+            </a:spcBef>
+            <a:spcAft>
+              <a:spcPct val="15000"/>
+            </a:spcAft>
+            <a:buChar char="••"/>
+          </a:pPr>
+          <a:r>
+            <a:rPr lang="en-US" altLang="zh-CN" sz="1050" kern="1200" dirty="0" err="1" smtClean="0"/>
+            <a:t>doubleScreen</a:t>
+          </a:r>
+          <a:endParaRPr lang="zh-CN" altLang="en-US" sz="1050" kern="1200" dirty="0"/>
+        </a:p>
+        <a:p>
+          <a:pPr marL="57150" lvl="1" indent="-57150" algn="l" defTabSz="466725">
+            <a:lnSpc>
+              <a:spcPct val="90000"/>
+            </a:lnSpc>
+            <a:spcBef>
+              <a:spcPct val="0"/>
+            </a:spcBef>
+            <a:spcAft>
+              <a:spcPct val="15000"/>
+            </a:spcAft>
+            <a:buChar char="••"/>
+          </a:pPr>
+          <a:r>
+            <a:rPr lang="en-US" altLang="zh-CN" sz="1050" kern="1200" dirty="0" err="1" smtClean="0"/>
+            <a:t>expandMode</a:t>
+          </a:r>
+          <a:endParaRPr lang="zh-CN" altLang="en-US" sz="1050" kern="1200" dirty="0"/>
+        </a:p>
+        <a:p>
+          <a:pPr marL="57150" lvl="1" indent="-57150" algn="l" defTabSz="466725">
+            <a:lnSpc>
+              <a:spcPct val="90000"/>
+            </a:lnSpc>
+            <a:spcBef>
+              <a:spcPct val="0"/>
+            </a:spcBef>
+            <a:spcAft>
+              <a:spcPct val="15000"/>
+            </a:spcAft>
+            <a:buChar char="••"/>
+          </a:pPr>
+          <a:r>
+            <a:rPr lang="en-US" altLang="zh-CN" sz="1050" kern="1200" dirty="0" err="1" smtClean="0"/>
+            <a:t>showHeader</a:t>
+          </a:r>
+          <a:endParaRPr lang="zh-CN" altLang="en-US" sz="1050" kern="1200" dirty="0"/>
+        </a:p>
+        <a:p>
+          <a:pPr marL="57150" lvl="1" indent="-57150" algn="l" defTabSz="466725">
+            <a:lnSpc>
+              <a:spcPct val="90000"/>
+            </a:lnSpc>
+            <a:spcBef>
+              <a:spcPct val="0"/>
+            </a:spcBef>
+            <a:spcAft>
+              <a:spcPct val="15000"/>
+            </a:spcAft>
+            <a:buChar char="••"/>
+          </a:pPr>
+          <a:r>
+            <a:rPr lang="en-US" altLang="zh-CN" sz="1050" kern="1200" dirty="0" err="1" smtClean="0"/>
+            <a:t>showFooter</a:t>
+          </a:r>
+          <a:endParaRPr lang="zh-CN" altLang="en-US" sz="1050" kern="1200" dirty="0"/>
         </a:p>
       </dsp:txBody>
       <dsp:txXfrm>
-        <a:off x="2719823" y="1443530"/>
-        <a:ext cx="1698589" cy="517990"/>
+        <a:off x="6758516" y="2184815"/>
+        <a:ext cx="2194035" cy="1173795"/>
       </dsp:txXfrm>
     </dsp:sp>
-    <dsp:sp modelId="{91DBEA2E-DE03-4C2D-BB9F-6C252C1B99E7}">
+    <dsp:sp modelId="{F1AA2C8B-F41F-4397-BA40-B578C066B7F7}">
       <dsp:nvSpPr>
         <dsp:cNvPr id="0" name=""/>
         <dsp:cNvSpPr/>
       </dsp:nvSpPr>
       <dsp:spPr>
-        <a:xfrm rot="18792571">
-          <a:off x="4207868" y="1146108"/>
-          <a:ext cx="1437591" cy="65039"/>
+        <a:xfrm>
+          <a:off x="3511035" y="388508"/>
+          <a:ext cx="1007876" cy="1238432"/>
         </a:xfrm>
         <a:custGeom>
           <a:avLst/>
@@ -1948,10 +2073,13 @@
           <a:pathLst>
             <a:path>
               <a:moveTo>
-                <a:pt x="0" y="32519"/>
+                <a:pt x="0" y="0"/>
               </a:moveTo>
               <a:lnTo>
-                <a:pt x="1437591" y="32519"/>
+                <a:pt x="0" y="1238432"/>
+              </a:lnTo>
+              <a:lnTo>
+                <a:pt x="1007876" y="1238432"/>
               </a:lnTo>
             </a:path>
           </a:pathLst>
@@ -1960,7 +2088,7 @@
         <a:ln w="12700" cap="flat" cmpd="sng" algn="ctr">
           <a:solidFill>
             <a:schemeClr val="accent1">
-              <a:shade val="80000"/>
+              <a:shade val="60000"/>
               <a:hueOff val="0"/>
               <a:satOff val="0"/>
               <a:lumOff val="0"/>
@@ -1984,40 +2112,16 @@
         </a:effectRef>
         <a:fontRef idx="minor"/>
       </dsp:style>
-      <dsp:txBody>
-        <a:bodyPr spcFirstLastPara="0" vert="horz" wrap="square" lIns="12700" tIns="0" rIns="12700" bIns="0" numCol="1" spcCol="1270" anchor="ctr" anchorCtr="0">
-          <a:noAutofit/>
-        </a:bodyPr>
-        <a:lstStyle/>
-        <a:p>
-          <a:pPr lvl="0" algn="ctr" defTabSz="177800">
-            <a:lnSpc>
-              <a:spcPct val="90000"/>
-            </a:lnSpc>
-            <a:spcBef>
-              <a:spcPct val="0"/>
-            </a:spcBef>
-            <a:spcAft>
-              <a:spcPct val="35000"/>
-            </a:spcAft>
-          </a:pPr>
-          <a:endParaRPr lang="zh-CN" altLang="en-US" sz="400" kern="1200"/>
-        </a:p>
-      </dsp:txBody>
-      <dsp:txXfrm>
-        <a:off x="4890724" y="1142688"/>
-        <a:ext cx="71879" cy="71879"/>
-      </dsp:txXfrm>
     </dsp:sp>
-    <dsp:sp modelId="{2DC86CA5-1F38-4873-995B-AFB64B5AD418}">
+    <dsp:sp modelId="{BA1D7344-30F8-4D53-B4B7-564FCE6BC877}">
       <dsp:nvSpPr>
         <dsp:cNvPr id="0" name=""/>
         <dsp:cNvSpPr/>
       </dsp:nvSpPr>
       <dsp:spPr>
         <a:xfrm>
-          <a:off x="5418800" y="415466"/>
-          <a:ext cx="2438462" cy="478528"/>
+          <a:off x="4518911" y="1085783"/>
+          <a:ext cx="1920469" cy="1082313"/>
         </a:xfrm>
         <a:prstGeom prst="roundRect">
           <a:avLst>
@@ -2025,7 +2129,8 @@
           </a:avLst>
         </a:prstGeom>
         <a:solidFill>
-          <a:schemeClr val="accent1">
+          <a:schemeClr val="lt1">
+            <a:alpha val="90000"/>
             <a:hueOff val="0"/>
             <a:satOff val="0"/>
             <a:lumOff val="0"/>
@@ -2034,7 +2139,7 @@
         </a:solidFill>
         <a:ln w="12700" cap="flat" cmpd="sng" algn="ctr">
           <a:solidFill>
-            <a:schemeClr val="lt1">
+            <a:schemeClr val="accent1">
               <a:hueOff val="0"/>
               <a:satOff val="0"/>
               <a:lumOff val="0"/>
@@ -2056,17 +2161,15 @@
         <a:effectRef idx="0">
           <a:scrgbClr r="0" g="0" b="0"/>
         </a:effectRef>
-        <a:fontRef idx="minor">
-          <a:schemeClr val="lt1"/>
-        </a:fontRef>
+        <a:fontRef idx="minor"/>
       </dsp:style>
       <dsp:txBody>
-        <a:bodyPr spcFirstLastPara="0" vert="horz" wrap="square" lIns="8890" tIns="8890" rIns="8890" bIns="8890" numCol="1" spcCol="1270" anchor="ctr" anchorCtr="0">
+        <a:bodyPr spcFirstLastPara="0" vert="horz" wrap="square" lIns="20955" tIns="13970" rIns="20955" bIns="13970" numCol="1" spcCol="1270" anchor="t" anchorCtr="0">
           <a:noAutofit/>
         </a:bodyPr>
         <a:lstStyle/>
         <a:p>
-          <a:pPr lvl="0" algn="ctr" defTabSz="622300">
+          <a:pPr lvl="0" algn="l" defTabSz="466725">
             <a:lnSpc>
               <a:spcPct val="90000"/>
             </a:lnSpc>
@@ -2078,79 +2181,13 @@
             </a:spcAft>
           </a:pPr>
           <a:r>
-            <a:rPr lang="en-US" sz="1400" kern="1200" dirty="0" err="1" smtClean="0"/>
-            <a:t>singleScreenWidgets</a:t>
+            <a:rPr lang="en-US" altLang="zh-CN" sz="1050" kern="1200" dirty="0" smtClean="0"/>
+            <a:t>data</a:t>
           </a:r>
-          <a:endParaRPr lang="zh-CN" altLang="en-US" sz="1400" kern="1200" dirty="0"/>
+          <a:endParaRPr lang="zh-CN" altLang="en-US" sz="1050" kern="1200" dirty="0"/>
         </a:p>
-      </dsp:txBody>
-      <dsp:txXfrm>
-        <a:off x="5432816" y="429482"/>
-        <a:ext cx="2410430" cy="450496"/>
-      </dsp:txXfrm>
-    </dsp:sp>
-    <dsp:sp modelId="{B9B92BA2-862C-49CE-810E-1904CA4B8929}">
-      <dsp:nvSpPr>
-        <dsp:cNvPr id="0" name=""/>
-        <dsp:cNvSpPr/>
-      </dsp:nvSpPr>
-      <dsp:spPr>
-        <a:xfrm rot="20360275">
-          <a:off x="4400696" y="1484415"/>
-          <a:ext cx="1051935" cy="65039"/>
-        </a:xfrm>
-        <a:custGeom>
-          <a:avLst/>
-          <a:gdLst/>
-          <a:ahLst/>
-          <a:cxnLst/>
-          <a:rect l="0" t="0" r="0" b="0"/>
-          <a:pathLst>
-            <a:path>
-              <a:moveTo>
-                <a:pt x="0" y="32519"/>
-              </a:moveTo>
-              <a:lnTo>
-                <a:pt x="1051935" y="32519"/>
-              </a:lnTo>
-            </a:path>
-          </a:pathLst>
-        </a:custGeom>
-        <a:noFill/>
-        <a:ln w="12700" cap="flat" cmpd="sng" algn="ctr">
-          <a:solidFill>
-            <a:schemeClr val="accent1">
-              <a:shade val="80000"/>
-              <a:hueOff val="0"/>
-              <a:satOff val="0"/>
-              <a:lumOff val="0"/>
-              <a:alphaOff val="0"/>
-            </a:schemeClr>
-          </a:solidFill>
-          <a:prstDash val="solid"/>
-          <a:miter lim="800000"/>
-        </a:ln>
-        <a:effectLst/>
-      </dsp:spPr>
-      <dsp:style>
-        <a:lnRef idx="2">
-          <a:scrgbClr r="0" g="0" b="0"/>
-        </a:lnRef>
-        <a:fillRef idx="0">
-          <a:scrgbClr r="0" g="0" b="0"/>
-        </a:fillRef>
-        <a:effectRef idx="0">
-          <a:scrgbClr r="0" g="0" b="0"/>
-        </a:effectRef>
-        <a:fontRef idx="minor"/>
-      </dsp:style>
-      <dsp:txBody>
-        <a:bodyPr spcFirstLastPara="0" vert="horz" wrap="square" lIns="12700" tIns="0" rIns="12700" bIns="0" numCol="1" spcCol="1270" anchor="ctr" anchorCtr="0">
-          <a:noAutofit/>
-        </a:bodyPr>
-        <a:lstStyle/>
         <a:p>
-          <a:pPr lvl="0" algn="ctr" defTabSz="177800">
+          <a:pPr marL="57150" lvl="1" indent="-57150" algn="l" defTabSz="466725">
             <a:lnSpc>
               <a:spcPct val="90000"/>
             </a:lnSpc>
@@ -2158,75 +2195,18 @@
               <a:spcPct val="0"/>
             </a:spcBef>
             <a:spcAft>
-              <a:spcPct val="35000"/>
+              <a:spcPct val="15000"/>
             </a:spcAft>
+            <a:buChar char="••"/>
           </a:pPr>
-          <a:endParaRPr lang="zh-CN" altLang="en-US" sz="400" kern="1200"/>
+          <a:r>
+            <a:rPr lang="en-US" sz="1050" kern="1200" dirty="0" err="1" smtClean="0"/>
+            <a:t>singleScreenWidgets</a:t>
+          </a:r>
+          <a:endParaRPr lang="zh-CN" altLang="en-US" sz="1050" kern="1200" dirty="0"/>
         </a:p>
-      </dsp:txBody>
-      <dsp:txXfrm>
-        <a:off x="4900366" y="1490636"/>
-        <a:ext cx="52596" cy="52596"/>
-      </dsp:txXfrm>
-    </dsp:sp>
-    <dsp:sp modelId="{7516B668-40C0-45D2-89AE-32C697DD5BAE}">
-      <dsp:nvSpPr>
-        <dsp:cNvPr id="0" name=""/>
-        <dsp:cNvSpPr/>
-      </dsp:nvSpPr>
-      <dsp:spPr>
-        <a:xfrm>
-          <a:off x="5418800" y="1078546"/>
-          <a:ext cx="2573996" cy="505596"/>
-        </a:xfrm>
-        <a:prstGeom prst="roundRect">
-          <a:avLst>
-            <a:gd name="adj" fmla="val 10000"/>
-          </a:avLst>
-        </a:prstGeom>
-        <a:solidFill>
-          <a:schemeClr val="accent1">
-            <a:hueOff val="0"/>
-            <a:satOff val="0"/>
-            <a:lumOff val="0"/>
-            <a:alphaOff val="0"/>
-          </a:schemeClr>
-        </a:solidFill>
-        <a:ln w="12700" cap="flat" cmpd="sng" algn="ctr">
-          <a:solidFill>
-            <a:schemeClr val="lt1">
-              <a:hueOff val="0"/>
-              <a:satOff val="0"/>
-              <a:lumOff val="0"/>
-              <a:alphaOff val="0"/>
-            </a:schemeClr>
-          </a:solidFill>
-          <a:prstDash val="solid"/>
-          <a:miter lim="800000"/>
-        </a:ln>
-        <a:effectLst/>
-      </dsp:spPr>
-      <dsp:style>
-        <a:lnRef idx="2">
-          <a:scrgbClr r="0" g="0" b="0"/>
-        </a:lnRef>
-        <a:fillRef idx="1">
-          <a:scrgbClr r="0" g="0" b="0"/>
-        </a:fillRef>
-        <a:effectRef idx="0">
-          <a:scrgbClr r="0" g="0" b="0"/>
-        </a:effectRef>
-        <a:fontRef idx="minor">
-          <a:schemeClr val="lt1"/>
-        </a:fontRef>
-      </dsp:style>
-      <dsp:txBody>
-        <a:bodyPr spcFirstLastPara="0" vert="horz" wrap="square" lIns="8890" tIns="8890" rIns="8890" bIns="8890" numCol="1" spcCol="1270" anchor="ctr" anchorCtr="0">
-          <a:noAutofit/>
-        </a:bodyPr>
-        <a:lstStyle/>
         <a:p>
-          <a:pPr lvl="0" algn="ctr" defTabSz="622300">
+          <a:pPr marL="57150" lvl="1" indent="-57150" algn="l" defTabSz="466725">
             <a:lnSpc>
               <a:spcPct val="90000"/>
             </a:lnSpc>
@@ -2234,83 +2214,18 @@
               <a:spcPct val="0"/>
             </a:spcBef>
             <a:spcAft>
-              <a:spcPct val="35000"/>
+              <a:spcPct val="15000"/>
             </a:spcAft>
+            <a:buChar char="••"/>
           </a:pPr>
           <a:r>
-            <a:rPr lang="en-US" sz="1400" kern="1200" dirty="0" err="1" smtClean="0"/>
+            <a:rPr lang="en-US" sz="1050" kern="1200" dirty="0" err="1" smtClean="0"/>
             <a:t>doubleScreenLeftWidgets</a:t>
           </a:r>
-          <a:endParaRPr lang="zh-CN" altLang="en-US" sz="1400" kern="1200" dirty="0"/>
+          <a:endParaRPr lang="zh-CN" altLang="en-US" sz="1050" kern="1200" dirty="0"/>
         </a:p>
-      </dsp:txBody>
-      <dsp:txXfrm>
-        <a:off x="5433608" y="1093354"/>
-        <a:ext cx="2544380" cy="475980"/>
-      </dsp:txXfrm>
-    </dsp:sp>
-    <dsp:sp modelId="{1E7C44FD-CD41-496F-B7DB-DAADD4DDECD9}">
-      <dsp:nvSpPr>
-        <dsp:cNvPr id="0" name=""/>
-        <dsp:cNvSpPr/>
-      </dsp:nvSpPr>
-      <dsp:spPr>
-        <a:xfrm rot="1097323">
-          <a:off x="4408346" y="1832657"/>
-          <a:ext cx="1036636" cy="65039"/>
-        </a:xfrm>
-        <a:custGeom>
-          <a:avLst/>
-          <a:gdLst/>
-          <a:ahLst/>
-          <a:cxnLst/>
-          <a:rect l="0" t="0" r="0" b="0"/>
-          <a:pathLst>
-            <a:path>
-              <a:moveTo>
-                <a:pt x="0" y="32519"/>
-              </a:moveTo>
-              <a:lnTo>
-                <a:pt x="1036636" y="32519"/>
-              </a:lnTo>
-            </a:path>
-          </a:pathLst>
-        </a:custGeom>
-        <a:noFill/>
-        <a:ln w="12700" cap="flat" cmpd="sng" algn="ctr">
-          <a:solidFill>
-            <a:schemeClr val="accent1">
-              <a:shade val="80000"/>
-              <a:hueOff val="0"/>
-              <a:satOff val="0"/>
-              <a:lumOff val="0"/>
-              <a:alphaOff val="0"/>
-            </a:schemeClr>
-          </a:solidFill>
-          <a:prstDash val="solid"/>
-          <a:miter lim="800000"/>
-        </a:ln>
-        <a:effectLst/>
-      </dsp:spPr>
-      <dsp:style>
-        <a:lnRef idx="2">
-          <a:scrgbClr r="0" g="0" b="0"/>
-        </a:lnRef>
-        <a:fillRef idx="0">
-          <a:scrgbClr r="0" g="0" b="0"/>
-        </a:fillRef>
-        <a:effectRef idx="0">
-          <a:scrgbClr r="0" g="0" b="0"/>
-        </a:effectRef>
-        <a:fontRef idx="minor"/>
-      </dsp:style>
-      <dsp:txBody>
-        <a:bodyPr spcFirstLastPara="0" vert="horz" wrap="square" lIns="12700" tIns="0" rIns="12700" bIns="0" numCol="1" spcCol="1270" anchor="ctr" anchorCtr="0">
-          <a:noAutofit/>
-        </a:bodyPr>
-        <a:lstStyle/>
         <a:p>
-          <a:pPr lvl="0" algn="ctr" defTabSz="177800">
+          <a:pPr marL="57150" lvl="1" indent="-57150" algn="l" defTabSz="466725">
             <a:lnSpc>
               <a:spcPct val="90000"/>
             </a:lnSpc>
@@ -2318,75 +2233,18 @@
               <a:spcPct val="0"/>
             </a:spcBef>
             <a:spcAft>
-              <a:spcPct val="35000"/>
+              <a:spcPct val="15000"/>
             </a:spcAft>
+            <a:buChar char="••"/>
           </a:pPr>
-          <a:endParaRPr lang="zh-CN" altLang="en-US" sz="400" kern="1200"/>
+          <a:r>
+            <a:rPr lang="en-US" sz="1050" kern="1200" dirty="0" err="1" smtClean="0"/>
+            <a:t>doubleScreenRightWidgets</a:t>
+          </a:r>
+          <a:endParaRPr lang="zh-CN" altLang="en-US" sz="1050" kern="1200" dirty="0"/>
         </a:p>
-      </dsp:txBody>
-      <dsp:txXfrm>
-        <a:off x="4900748" y="1839261"/>
-        <a:ext cx="51831" cy="51831"/>
-      </dsp:txXfrm>
-    </dsp:sp>
-    <dsp:sp modelId="{29204135-0A69-4085-BBBB-B81B959F19BC}">
-      <dsp:nvSpPr>
-        <dsp:cNvPr id="0" name=""/>
-        <dsp:cNvSpPr/>
-      </dsp:nvSpPr>
-      <dsp:spPr>
-        <a:xfrm>
-          <a:off x="5418800" y="1768693"/>
-          <a:ext cx="2622693" cy="518268"/>
-        </a:xfrm>
-        <a:prstGeom prst="roundRect">
-          <a:avLst>
-            <a:gd name="adj" fmla="val 10000"/>
-          </a:avLst>
-        </a:prstGeom>
-        <a:solidFill>
-          <a:schemeClr val="accent1">
-            <a:hueOff val="0"/>
-            <a:satOff val="0"/>
-            <a:lumOff val="0"/>
-            <a:alphaOff val="0"/>
-          </a:schemeClr>
-        </a:solidFill>
-        <a:ln w="12700" cap="flat" cmpd="sng" algn="ctr">
-          <a:solidFill>
-            <a:schemeClr val="lt1">
-              <a:hueOff val="0"/>
-              <a:satOff val="0"/>
-              <a:lumOff val="0"/>
-              <a:alphaOff val="0"/>
-            </a:schemeClr>
-          </a:solidFill>
-          <a:prstDash val="solid"/>
-          <a:miter lim="800000"/>
-        </a:ln>
-        <a:effectLst/>
-      </dsp:spPr>
-      <dsp:style>
-        <a:lnRef idx="2">
-          <a:scrgbClr r="0" g="0" b="0"/>
-        </a:lnRef>
-        <a:fillRef idx="1">
-          <a:scrgbClr r="0" g="0" b="0"/>
-        </a:fillRef>
-        <a:effectRef idx="0">
-          <a:scrgbClr r="0" g="0" b="0"/>
-        </a:effectRef>
-        <a:fontRef idx="minor">
-          <a:schemeClr val="lt1"/>
-        </a:fontRef>
-      </dsp:style>
-      <dsp:txBody>
-        <a:bodyPr spcFirstLastPara="0" vert="horz" wrap="square" lIns="8890" tIns="8890" rIns="8890" bIns="8890" numCol="1" spcCol="1270" anchor="ctr" anchorCtr="0">
-          <a:noAutofit/>
-        </a:bodyPr>
-        <a:lstStyle/>
         <a:p>
-          <a:pPr lvl="0" algn="ctr" defTabSz="622300">
+          <a:pPr marL="57150" lvl="1" indent="-57150" algn="l" defTabSz="466725">
             <a:lnSpc>
               <a:spcPct val="90000"/>
             </a:lnSpc>
@@ -2394,179 +2252,20 @@
               <a:spcPct val="0"/>
             </a:spcBef>
             <a:spcAft>
-              <a:spcPct val="35000"/>
+              <a:spcPct val="15000"/>
             </a:spcAft>
+            <a:buChar char="••"/>
           </a:pPr>
           <a:r>
-            <a:rPr lang="en-US" sz="1400" kern="1200" dirty="0" err="1" smtClean="0"/>
-            <a:t>doubleScreenRightWidgets</a:t>
+            <a:rPr lang="en-US" altLang="en-US" sz="1050" kern="1200" dirty="0" err="1" smtClean="0"/>
+            <a:t>widgetContents</a:t>
           </a:r>
-          <a:endParaRPr lang="zh-CN" altLang="en-US" sz="1400" kern="1200" dirty="0"/>
+          <a:endParaRPr lang="zh-CN" altLang="en-US" sz="1050" kern="1200" dirty="0"/>
         </a:p>
       </dsp:txBody>
       <dsp:txXfrm>
-        <a:off x="5433980" y="1783873"/>
-        <a:ext cx="2592333" cy="487908"/>
-      </dsp:txXfrm>
-    </dsp:sp>
-    <dsp:sp modelId="{27082BA8-564A-4A6C-AFA8-99299BC31D54}">
-      <dsp:nvSpPr>
-        <dsp:cNvPr id="0" name=""/>
-        <dsp:cNvSpPr/>
-      </dsp:nvSpPr>
-      <dsp:spPr>
-        <a:xfrm rot="2681707">
-          <a:off x="4232435" y="2161595"/>
-          <a:ext cx="1397881" cy="65039"/>
-        </a:xfrm>
-        <a:custGeom>
-          <a:avLst/>
-          <a:gdLst/>
-          <a:ahLst/>
-          <a:cxnLst/>
-          <a:rect l="0" t="0" r="0" b="0"/>
-          <a:pathLst>
-            <a:path>
-              <a:moveTo>
-                <a:pt x="0" y="32519"/>
-              </a:moveTo>
-              <a:lnTo>
-                <a:pt x="1397881" y="32519"/>
-              </a:lnTo>
-            </a:path>
-          </a:pathLst>
-        </a:custGeom>
-        <a:noFill/>
-        <a:ln w="12700" cap="flat" cmpd="sng" algn="ctr">
-          <a:solidFill>
-            <a:schemeClr val="accent1">
-              <a:shade val="80000"/>
-              <a:hueOff val="0"/>
-              <a:satOff val="0"/>
-              <a:lumOff val="0"/>
-              <a:alphaOff val="0"/>
-            </a:schemeClr>
-          </a:solidFill>
-          <a:prstDash val="solid"/>
-          <a:miter lim="800000"/>
-        </a:ln>
-        <a:effectLst/>
-      </dsp:spPr>
-      <dsp:style>
-        <a:lnRef idx="2">
-          <a:scrgbClr r="0" g="0" b="0"/>
-        </a:lnRef>
-        <a:fillRef idx="0">
-          <a:scrgbClr r="0" g="0" b="0"/>
-        </a:fillRef>
-        <a:effectRef idx="0">
-          <a:scrgbClr r="0" g="0" b="0"/>
-        </a:effectRef>
-        <a:fontRef idx="minor"/>
-      </dsp:style>
-      <dsp:txBody>
-        <a:bodyPr spcFirstLastPara="0" vert="horz" wrap="square" lIns="12700" tIns="0" rIns="12700" bIns="0" numCol="1" spcCol="1270" anchor="ctr" anchorCtr="0">
-          <a:noAutofit/>
-        </a:bodyPr>
-        <a:lstStyle/>
-        <a:p>
-          <a:pPr lvl="0" algn="ctr" defTabSz="177800">
-            <a:lnSpc>
-              <a:spcPct val="90000"/>
-            </a:lnSpc>
-            <a:spcBef>
-              <a:spcPct val="0"/>
-            </a:spcBef>
-            <a:spcAft>
-              <a:spcPct val="35000"/>
-            </a:spcAft>
-          </a:pPr>
-          <a:endParaRPr lang="zh-CN" altLang="en-US" sz="400" kern="1200"/>
-        </a:p>
-      </dsp:txBody>
-      <dsp:txXfrm>
-        <a:off x="4896429" y="2159167"/>
-        <a:ext cx="69894" cy="69894"/>
-      </dsp:txXfrm>
-    </dsp:sp>
-    <dsp:sp modelId="{01A0E27D-64CF-487D-9FCA-0FBE72F193D1}">
-      <dsp:nvSpPr>
-        <dsp:cNvPr id="0" name=""/>
-        <dsp:cNvSpPr/>
-      </dsp:nvSpPr>
-      <dsp:spPr>
-        <a:xfrm>
-          <a:off x="5428225" y="2426667"/>
-          <a:ext cx="2379504" cy="518072"/>
-        </a:xfrm>
-        <a:prstGeom prst="roundRect">
-          <a:avLst>
-            <a:gd name="adj" fmla="val 10000"/>
-          </a:avLst>
-        </a:prstGeom>
-        <a:solidFill>
-          <a:schemeClr val="accent1">
-            <a:hueOff val="0"/>
-            <a:satOff val="0"/>
-            <a:lumOff val="0"/>
-            <a:alphaOff val="0"/>
-          </a:schemeClr>
-        </a:solidFill>
-        <a:ln w="12700" cap="flat" cmpd="sng" algn="ctr">
-          <a:solidFill>
-            <a:schemeClr val="lt1">
-              <a:hueOff val="0"/>
-              <a:satOff val="0"/>
-              <a:lumOff val="0"/>
-              <a:alphaOff val="0"/>
-            </a:schemeClr>
-          </a:solidFill>
-          <a:prstDash val="solid"/>
-          <a:miter lim="800000"/>
-        </a:ln>
-        <a:effectLst/>
-      </dsp:spPr>
-      <dsp:style>
-        <a:lnRef idx="2">
-          <a:scrgbClr r="0" g="0" b="0"/>
-        </a:lnRef>
-        <a:fillRef idx="1">
-          <a:scrgbClr r="0" g="0" b="0"/>
-        </a:fillRef>
-        <a:effectRef idx="0">
-          <a:scrgbClr r="0" g="0" b="0"/>
-        </a:effectRef>
-        <a:fontRef idx="minor">
-          <a:schemeClr val="lt1"/>
-        </a:fontRef>
-      </dsp:style>
-      <dsp:txBody>
-        <a:bodyPr spcFirstLastPara="0" vert="horz" wrap="square" lIns="8890" tIns="8890" rIns="8890" bIns="8890" numCol="1" spcCol="1270" anchor="ctr" anchorCtr="0">
-          <a:noAutofit/>
-        </a:bodyPr>
-        <a:lstStyle/>
-        <a:p>
-          <a:pPr lvl="0" algn="ctr" defTabSz="622300">
-            <a:lnSpc>
-              <a:spcPct val="90000"/>
-            </a:lnSpc>
-            <a:spcBef>
-              <a:spcPct val="0"/>
-            </a:spcBef>
-            <a:spcAft>
-              <a:spcPct val="35000"/>
-            </a:spcAft>
-          </a:pPr>
-          <a:r>
-            <a:rPr lang="en-US" altLang="en-US" sz="1400" kern="1200" dirty="0" err="1" smtClean="0"/>
-            <a:t>widgetContents</a:t>
-          </a:r>
-          <a:endParaRPr lang="zh-CN" altLang="en-US" sz="1400" kern="1200" dirty="0"/>
-        </a:p>
-      </dsp:txBody>
-      <dsp:txXfrm>
-        <a:off x="5443399" y="2441841"/>
-        <a:ext cx="2349156" cy="487724"/>
+        <a:off x="4550611" y="1117483"/>
+        <a:ext cx="1857069" cy="1018913"/>
       </dsp:txXfrm>
     </dsp:sp>
   </dsp:spTree>
@@ -2574,17 +2273,26 @@
 </file>
 
 <file path=ppt/diagrams/layout1.xml><?xml version="1.0" encoding="utf-8"?>
-<dgm:layoutDef xmlns:dgm="http://schemas.openxmlformats.org/drawingml/2006/diagram" xmlns:a="http://schemas.openxmlformats.org/drawingml/2006/main" uniqueId="urn:microsoft.com/office/officeart/2005/8/layout/hierarchy2">
+<dgm:layoutDef xmlns:dgm="http://schemas.openxmlformats.org/drawingml/2006/diagram" xmlns:a="http://schemas.openxmlformats.org/drawingml/2006/main" uniqueId="urn:microsoft.com/office/officeart/2005/8/layout/hierarchy3">
   <dgm:title val=""/>
   <dgm:desc val=""/>
   <dgm:catLst>
-    <dgm:cat type="hierarchy" pri="5000"/>
+    <dgm:cat type="hierarchy" pri="7000"/>
+    <dgm:cat type="list" pri="23000"/>
+    <dgm:cat type="relationship" pri="15000"/>
+    <dgm:cat type="convert" pri="7000"/>
   </dgm:catLst>
   <dgm:sampData>
     <dgm:dataModel>
       <dgm:ptLst>
         <dgm:pt modelId="0" type="doc"/>
         <dgm:pt modelId="1">
+          <dgm:prSet phldr="1"/>
+        </dgm:pt>
+        <dgm:pt modelId="11">
+          <dgm:prSet phldr="1"/>
+        </dgm:pt>
+        <dgm:pt modelId="12">
           <dgm:prSet phldr="1"/>
         </dgm:pt>
         <dgm:pt modelId="2">
@@ -2596,20 +2304,14 @@
         <dgm:pt modelId="22">
           <dgm:prSet phldr="1"/>
         </dgm:pt>
-        <dgm:pt modelId="3">
-          <dgm:prSet phldr="1"/>
-        </dgm:pt>
-        <dgm:pt modelId="31">
-          <dgm:prSet phldr="1"/>
-        </dgm:pt>
       </dgm:ptLst>
       <dgm:cxnLst>
         <dgm:cxn modelId="4" srcId="0" destId="1" srcOrd="0" destOrd="0"/>
-        <dgm:cxn modelId="5" srcId="1" destId="2" srcOrd="0" destOrd="0"/>
-        <dgm:cxn modelId="6" srcId="1" destId="3" srcOrd="1" destOrd="0"/>
-        <dgm:cxn modelId="23" srcId="2" destId="21" srcOrd="0" destOrd="0"/>
-        <dgm:cxn modelId="24" srcId="2" destId="22" srcOrd="1" destOrd="0"/>
-        <dgm:cxn modelId="33" srcId="3" destId="31" srcOrd="0" destOrd="0"/>
+        <dgm:cxn modelId="5" srcId="1" destId="11" srcOrd="0" destOrd="0"/>
+        <dgm:cxn modelId="6" srcId="1" destId="12" srcOrd="1" destOrd="0"/>
+        <dgm:cxn modelId="7" srcId="0" destId="2" srcOrd="1" destOrd="0"/>
+        <dgm:cxn modelId="8" srcId="2" destId="21" srcOrd="0" destOrd="0"/>
+        <dgm:cxn modelId="9" srcId="2" destId="22" srcOrd="1" destOrd="0"/>
       </dgm:cxnLst>
       <dgm:bg/>
       <dgm:whole/>
@@ -2621,12 +2323,14 @@
         <dgm:pt modelId="0" type="doc"/>
         <dgm:pt modelId="1"/>
         <dgm:pt modelId="11"/>
-        <dgm:pt modelId="12"/>
+        <dgm:pt modelId="2"/>
+        <dgm:pt modelId="21"/>
       </dgm:ptLst>
       <dgm:cxnLst>
-        <dgm:cxn modelId="2" srcId="0" destId="1" srcOrd="0" destOrd="0"/>
+        <dgm:cxn modelId="4" srcId="0" destId="1" srcOrd="0" destOrd="0"/>
+        <dgm:cxn modelId="5" srcId="0" destId="2" srcOrd="1" destOrd="0"/>
         <dgm:cxn modelId="13" srcId="1" destId="11" srcOrd="0" destOrd="0"/>
-        <dgm:cxn modelId="14" srcId="1" destId="12" srcOrd="1" destOrd="0"/>
+        <dgm:cxn modelId="23" srcId="2" destId="21" srcOrd="0" destOrd="0"/>
       </dgm:cxnLst>
       <dgm:bg/>
       <dgm:whole/>
@@ -2637,21 +2341,23 @@
       <dgm:ptLst>
         <dgm:pt modelId="0" type="doc"/>
         <dgm:pt modelId="1"/>
+        <dgm:pt modelId="11"/>
         <dgm:pt modelId="2"/>
         <dgm:pt modelId="21"/>
-        <dgm:pt modelId="211"/>
         <dgm:pt modelId="3"/>
         <dgm:pt modelId="31"/>
-        <dgm:pt modelId="311"/>
+        <dgm:pt modelId="4"/>
+        <dgm:pt modelId="41"/>
       </dgm:ptLst>
       <dgm:cxnLst>
-        <dgm:cxn modelId="4" srcId="0" destId="1" srcOrd="0" destOrd="0"/>
-        <dgm:cxn modelId="5" srcId="1" destId="2" srcOrd="0" destOrd="0"/>
-        <dgm:cxn modelId="6" srcId="1" destId="3" srcOrd="1" destOrd="0"/>
+        <dgm:cxn modelId="5" srcId="0" destId="1" srcOrd="0" destOrd="0"/>
+        <dgm:cxn modelId="6" srcId="0" destId="2" srcOrd="1" destOrd="0"/>
+        <dgm:cxn modelId="7" srcId="0" destId="3" srcOrd="2" destOrd="0"/>
+        <dgm:cxn modelId="8" srcId="0" destId="4" srcOrd="3" destOrd="0"/>
+        <dgm:cxn modelId="13" srcId="1" destId="11" srcOrd="0" destOrd="0"/>
         <dgm:cxn modelId="23" srcId="2" destId="21" srcOrd="0" destOrd="0"/>
-        <dgm:cxn modelId="24" srcId="21" destId="211" srcOrd="0" destOrd="0"/>
         <dgm:cxn modelId="33" srcId="3" destId="31" srcOrd="0" destOrd="0"/>
-        <dgm:cxn modelId="34" srcId="31" destId="311" srcOrd="0" destOrd="0"/>
+        <dgm:cxn modelId="43" srcId="4" destId="41" srcOrd="0" destOrd="0"/>
       </dgm:cxnLst>
       <dgm:bg/>
       <dgm:whole/>
@@ -2663,19 +2369,17 @@
       <dgm:dir/>
       <dgm:animOne val="branch"/>
       <dgm:animLvl val="lvl"/>
-      <dgm:resizeHandles val="exact"/>
+      <dgm:resizeHandles/>
     </dgm:varLst>
     <dgm:choose name="Name0">
       <dgm:if name="Name1" func="var" arg="dir" op="equ" val="norm">
         <dgm:alg type="hierChild">
-          <dgm:param type="linDir" val="fromT"/>
-          <dgm:param type="chAlign" val="l"/>
+          <dgm:param type="linDir" val="fromL"/>
         </dgm:alg>
       </dgm:if>
       <dgm:else name="Name2">
         <dgm:alg type="hierChild">
-          <dgm:param type="linDir" val="fromT"/>
-          <dgm:param type="chAlign" val="r"/>
+          <dgm:param type="linDir" val="fromR"/>
         </dgm:alg>
       </dgm:else>
     </dgm:choose>
@@ -2684,30 +2388,29 @@
     </dgm:shape>
     <dgm:presOf/>
     <dgm:constrLst>
-      <dgm:constr type="h" for="des" ptType="node" refType="h"/>
-      <dgm:constr type="w" for="des" ptType="node" refType="h" refFor="des" refPtType="node" fact="2"/>
-      <dgm:constr type="sibSp" refType="h" refFor="des" refPtType="node" op="equ" fact="0.15"/>
-      <dgm:constr type="sibSp" for="des" forName="level2hierChild" refType="h" refFor="des" refPtType="node" op="equ" fact="0.15"/>
-      <dgm:constr type="sibSp" for="des" forName="level3hierChild" refType="h" refFor="des" refPtType="node" op="equ" fact="0.15"/>
-      <dgm:constr type="sp" for="des" forName="root1" refType="w" refFor="des" refPtType="node" fact="0.4"/>
-      <dgm:constr type="sp" for="des" forName="root2" refType="sp" refFor="des" refForName="root1" op="equ"/>
-      <dgm:constr type="primFontSz" for="des" ptType="node" op="equ" val="65"/>
-      <dgm:constr type="primFontSz" for="des" forName="connTx" op="equ" val="55"/>
-      <dgm:constr type="primFontSz" for="des" forName="connTx" refType="primFontSz" refFor="des" refPtType="node" op="lte" fact="0.8"/>
+      <dgm:constr type="primFontSz" for="des" forName="rootText" op="equ" val="65"/>
+      <dgm:constr type="primFontSz" for="des" forName="childText" op="equ" val="65"/>
+      <dgm:constr type="w" for="des" forName="rootComposite" refType="w"/>
+      <dgm:constr type="h" for="des" forName="rootComposite" refType="w" fact="0.5"/>
+      <dgm:constr type="w" for="des" forName="childText" refType="w" refFor="des" refForName="rootComposite" fact="0.8"/>
+      <dgm:constr type="h" for="des" forName="childText" refType="h" refFor="des" refForName="rootComposite"/>
+      <dgm:constr type="sibSp" refType="w" refFor="des" refForName="rootComposite" fact="0.25"/>
+      <dgm:constr type="sibSp" for="des" forName="childShape" refType="h" refFor="des" refForName="childText" fact="0.25"/>
+      <dgm:constr type="sp" for="des" forName="root" refType="h" refFor="des" refForName="childText" fact="0.25"/>
     </dgm:constrLst>
     <dgm:ruleLst/>
     <dgm:forEach name="Name3" axis="ch">
-      <dgm:forEach name="Name4" axis="self" ptType="node">
-        <dgm:layoutNode name="root1">
+      <dgm:forEach name="Name4" axis="self" ptType="node" cnt="1">
+        <dgm:layoutNode name="root">
           <dgm:choose name="Name5">
             <dgm:if name="Name6" func="var" arg="dir" op="equ" val="norm">
               <dgm:alg type="hierRoot">
-                <dgm:param type="hierAlign" val="lCtrCh"/>
+                <dgm:param type="hierAlign" val="tL"/>
               </dgm:alg>
             </dgm:if>
             <dgm:else name="Name7">
               <dgm:alg type="hierRoot">
-                <dgm:param type="hierAlign" val="rCtrCh"/>
+                <dgm:param type="hierAlign" val="tR"/>
               </dgm:alg>
             </dgm:else>
           </dgm:choose>
@@ -2715,68 +2418,106 @@
             <dgm:adjLst/>
           </dgm:shape>
           <dgm:presOf/>
-          <dgm:constrLst/>
+          <dgm:constrLst>
+            <dgm:constr type="alignOff" val="0.2"/>
+          </dgm:constrLst>
           <dgm:ruleLst/>
-          <dgm:layoutNode name="LevelOneTextNode" styleLbl="node0">
-            <dgm:varLst>
-              <dgm:chPref val="3"/>
-            </dgm:varLst>
-            <dgm:alg type="tx"/>
-            <dgm:shape xmlns:r="http://schemas.openxmlformats.org/officeDocument/2006/relationships" type="roundRect" r:blip="">
-              <dgm:adjLst>
-                <dgm:adj idx="1" val="0.1"/>
-              </dgm:adjLst>
+          <dgm:layoutNode name="rootComposite">
+            <dgm:alg type="composite"/>
+            <dgm:shape xmlns:r="http://schemas.openxmlformats.org/officeDocument/2006/relationships" r:blip="">
+              <dgm:adjLst/>
             </dgm:shape>
-            <dgm:presOf axis="self"/>
-            <dgm:constrLst>
-              <dgm:constr type="tMarg" refType="primFontSz" fact="0.05"/>
-              <dgm:constr type="bMarg" refType="primFontSz" fact="0.05"/>
-              <dgm:constr type="lMarg" refType="primFontSz" fact="0.05"/>
-              <dgm:constr type="rMarg" refType="primFontSz" fact="0.05"/>
-            </dgm:constrLst>
-            <dgm:ruleLst>
-              <dgm:rule type="primFontSz" val="5" fact="NaN" max="NaN"/>
-            </dgm:ruleLst>
-          </dgm:layoutNode>
-          <dgm:layoutNode name="level2hierChild">
+            <dgm:presOf axis="self" ptType="node" cnt="1"/>
             <dgm:choose name="Name8">
               <dgm:if name="Name9" func="var" arg="dir" op="equ" val="norm">
-                <dgm:alg type="hierChild">
-                  <dgm:param type="linDir" val="fromT"/>
-                  <dgm:param type="chAlign" val="l"/>
-                </dgm:alg>
+                <dgm:constrLst>
+                  <dgm:constr type="l" for="ch" forName="rootText"/>
+                  <dgm:constr type="t" for="ch" forName="rootText"/>
+                  <dgm:constr type="w" for="ch" forName="rootText" refType="w"/>
+                  <dgm:constr type="h" for="ch" forName="rootText" refType="h"/>
+                  <dgm:constr type="l" for="ch" forName="rootConnector"/>
+                  <dgm:constr type="t" for="ch" forName="rootConnector"/>
+                  <dgm:constr type="w" for="ch" forName="rootConnector" refType="w" refFor="ch" refForName="rootText" fact="0.2"/>
+                  <dgm:constr type="h" for="ch" forName="rootConnector" refType="h" refFor="ch" refForName="rootText"/>
+                </dgm:constrLst>
               </dgm:if>
               <dgm:else name="Name10">
-                <dgm:alg type="hierChild">
-                  <dgm:param type="linDir" val="fromT"/>
-                  <dgm:param type="chAlign" val="r"/>
-                </dgm:alg>
+                <dgm:constrLst>
+                  <dgm:constr type="l" for="ch" forName="rootText"/>
+                  <dgm:constr type="t" for="ch" forName="rootText"/>
+                  <dgm:constr type="w" for="ch" forName="rootText" refType="w"/>
+                  <dgm:constr type="h" for="ch" forName="rootText" refType="h"/>
+                  <dgm:constr type="r" for="ch" forName="rootConnector" refType="w"/>
+                  <dgm:constr type="t" for="ch" forName="rootConnector"/>
+                  <dgm:constr type="w" for="ch" forName="rootConnector" refType="w" refFor="ch" refForName="rootText" fact="0.2"/>
+                  <dgm:constr type="h" for="ch" forName="rootConnector" refType="h" refFor="ch" refForName="rootText"/>
+                </dgm:constrLst>
               </dgm:else>
             </dgm:choose>
+            <dgm:ruleLst/>
+            <dgm:layoutNode name="rootText" styleLbl="node1">
+              <dgm:alg type="tx"/>
+              <dgm:shape xmlns:r="http://schemas.openxmlformats.org/officeDocument/2006/relationships" type="roundRect" r:blip="">
+                <dgm:adjLst>
+                  <dgm:adj idx="1" val="0.1"/>
+                </dgm:adjLst>
+              </dgm:shape>
+              <dgm:presOf axis="self" ptType="node" cnt="1"/>
+              <dgm:constrLst>
+                <dgm:constr type="tMarg" refType="primFontSz" fact="0.1"/>
+                <dgm:constr type="bMarg" refType="primFontSz" fact="0.1"/>
+                <dgm:constr type="lMarg" refType="primFontSz" fact="0.15"/>
+                <dgm:constr type="rMarg" refType="primFontSz" fact="0.15"/>
+              </dgm:constrLst>
+              <dgm:ruleLst>
+                <dgm:rule type="primFontSz" val="5" fact="NaN" max="NaN"/>
+              </dgm:ruleLst>
+            </dgm:layoutNode>
+            <dgm:layoutNode name="rootConnector" moveWith="rootText">
+              <dgm:alg type="sp"/>
+              <dgm:shape xmlns:r="http://schemas.openxmlformats.org/officeDocument/2006/relationships" type="roundRect" r:blip="" hideGeom="1">
+                <dgm:adjLst>
+                  <dgm:adj idx="1" val="0.1"/>
+                </dgm:adjLst>
+              </dgm:shape>
+              <dgm:presOf axis="self" ptType="node" cnt="1"/>
+              <dgm:constrLst/>
+              <dgm:ruleLst/>
+            </dgm:layoutNode>
+          </dgm:layoutNode>
+          <dgm:layoutNode name="childShape">
+            <dgm:alg type="hierChild">
+              <dgm:param type="chAlign" val="l"/>
+              <dgm:param type="linDir" val="fromT"/>
+            </dgm:alg>
             <dgm:shape xmlns:r="http://schemas.openxmlformats.org/officeDocument/2006/relationships" r:blip="">
               <dgm:adjLst/>
             </dgm:shape>
             <dgm:presOf/>
             <dgm:constrLst/>
             <dgm:ruleLst/>
-            <dgm:forEach name="repeat" axis="ch">
-              <dgm:forEach name="Name11" axis="self" ptType="parTrans" cnt="1">
-                <dgm:layoutNode name="conn2-1">
-                  <dgm:choose name="Name12">
-                    <dgm:if name="Name13" func="var" arg="dir" op="equ" val="norm">
+            <dgm:forEach name="Name11" axis="ch">
+              <dgm:forEach name="Name12" axis="self" ptType="parTrans" cnt="1">
+                <dgm:layoutNode name="Name13">
+                  <dgm:choose name="Name14">
+                    <dgm:if name="Name15" func="var" arg="dir" op="equ" val="norm">
                       <dgm:alg type="conn">
                         <dgm:param type="dim" val="1D"/>
-                        <dgm:param type="begPts" val="midR"/>
+                        <dgm:param type="endSty" val="noArr"/>
+                        <dgm:param type="connRout" val="bend"/>
+                        <dgm:param type="srcNode" val="rootConnector"/>
+                        <dgm:param type="begPts" val="bCtr"/>
                         <dgm:param type="endPts" val="midL"/>
-                        <dgm:param type="endSty" val="noArr"/>
                       </dgm:alg>
                     </dgm:if>
-                    <dgm:else name="Name14">
+                    <dgm:else name="Name16">
                       <dgm:alg type="conn">
                         <dgm:param type="dim" val="1D"/>
-                        <dgm:param type="begPts" val="midL"/>
+                        <dgm:param type="endSty" val="noArr"/>
+                        <dgm:param type="connRout" val="bend"/>
+                        <dgm:param type="srcNode" val="rootConnector"/>
+                        <dgm:param type="begPts" val="bCtr"/>
                         <dgm:param type="endPts" val="midR"/>
-                        <dgm:param type="endSty" val="noArr"/>
                       </dgm:alg>
                     </dgm:else>
                   </dgm:choose>
@@ -2785,103 +2526,33 @@
                   </dgm:shape>
                   <dgm:presOf axis="self"/>
                   <dgm:constrLst>
-                    <dgm:constr type="w" val="1"/>
-                    <dgm:constr type="h" val="5"/>
-                    <dgm:constr type="connDist"/>
                     <dgm:constr type="begPad"/>
                     <dgm:constr type="endPad"/>
-                    <dgm:constr type="userA" for="ch" refType="connDist"/>
                   </dgm:constrLst>
                   <dgm:ruleLst/>
-                  <dgm:layoutNode name="connTx">
-                    <dgm:alg type="tx">
-                      <dgm:param type="autoTxRot" val="grav"/>
-                    </dgm:alg>
-                    <dgm:shape xmlns:r="http://schemas.openxmlformats.org/officeDocument/2006/relationships" type="rect" r:blip="" hideGeom="1">
-                      <dgm:adjLst/>
-                    </dgm:shape>
-                    <dgm:presOf axis="self"/>
-                    <dgm:constrLst>
-                      <dgm:constr type="userA"/>
-                      <dgm:constr type="w" refType="userA" fact="0.05"/>
-                      <dgm:constr type="h" refType="userA" fact="0.05"/>
-                      <dgm:constr type="lMarg" val="1"/>
-                      <dgm:constr type="rMarg" val="1"/>
-                      <dgm:constr type="tMarg"/>
-                      <dgm:constr type="bMarg"/>
-                    </dgm:constrLst>
-                    <dgm:ruleLst>
-                      <dgm:rule type="h" val="NaN" fact="0.25" max="NaN"/>
-                      <dgm:rule type="w" val="NaN" fact="0.8" max="NaN"/>
-                      <dgm:rule type="primFontSz" val="5" fact="NaN" max="NaN"/>
-                    </dgm:ruleLst>
-                  </dgm:layoutNode>
                 </dgm:layoutNode>
               </dgm:forEach>
-              <dgm:forEach name="Name15" axis="self" ptType="node">
-                <dgm:layoutNode name="root2">
-                  <dgm:choose name="Name16">
-                    <dgm:if name="Name17" func="var" arg="dir" op="equ" val="norm">
-                      <dgm:alg type="hierRoot">
-                        <dgm:param type="hierAlign" val="lCtrCh"/>
-                      </dgm:alg>
-                    </dgm:if>
-                    <dgm:else name="Name18">
-                      <dgm:alg type="hierRoot">
-                        <dgm:param type="hierAlign" val="rCtrCh"/>
-                      </dgm:alg>
-                    </dgm:else>
-                  </dgm:choose>
-                  <dgm:shape xmlns:r="http://schemas.openxmlformats.org/officeDocument/2006/relationships" r:blip="">
-                    <dgm:adjLst/>
+              <dgm:forEach name="Name17" axis="self" ptType="node">
+                <dgm:layoutNode name="childText" styleLbl="bgAcc1">
+                  <dgm:varLst>
+                    <dgm:bulletEnabled val="1"/>
+                  </dgm:varLst>
+                  <dgm:alg type="tx"/>
+                  <dgm:shape xmlns:r="http://schemas.openxmlformats.org/officeDocument/2006/relationships" type="roundRect" r:blip="">
+                    <dgm:adjLst>
+                      <dgm:adj idx="1" val="0.1"/>
+                    </dgm:adjLst>
                   </dgm:shape>
-                  <dgm:presOf/>
-                  <dgm:constrLst/>
-                  <dgm:ruleLst/>
-                  <dgm:layoutNode name="LevelTwoTextNode">
-                    <dgm:varLst>
-                      <dgm:chPref val="3"/>
-                    </dgm:varLst>
-                    <dgm:alg type="tx"/>
-                    <dgm:shape xmlns:r="http://schemas.openxmlformats.org/officeDocument/2006/relationships" type="roundRect" r:blip="">
-                      <dgm:adjLst>
-                        <dgm:adj idx="1" val="0.1"/>
-                      </dgm:adjLst>
-                    </dgm:shape>
-                    <dgm:presOf axis="self"/>
-                    <dgm:constrLst>
-                      <dgm:constr type="tMarg" refType="primFontSz" fact="0.05"/>
-                      <dgm:constr type="bMarg" refType="primFontSz" fact="0.05"/>
-                      <dgm:constr type="lMarg" refType="primFontSz" fact="0.05"/>
-                      <dgm:constr type="rMarg" refType="primFontSz" fact="0.05"/>
-                    </dgm:constrLst>
-                    <dgm:ruleLst>
-                      <dgm:rule type="primFontSz" val="5" fact="NaN" max="NaN"/>
-                    </dgm:ruleLst>
-                  </dgm:layoutNode>
-                  <dgm:layoutNode name="level3hierChild">
-                    <dgm:choose name="Name19">
-                      <dgm:if name="Name20" func="var" arg="dir" op="equ" val="norm">
-                        <dgm:alg type="hierChild">
-                          <dgm:param type="linDir" val="fromT"/>
-                          <dgm:param type="chAlign" val="l"/>
-                        </dgm:alg>
-                      </dgm:if>
-                      <dgm:else name="Name21">
-                        <dgm:alg type="hierChild">
-                          <dgm:param type="linDir" val="fromT"/>
-                          <dgm:param type="chAlign" val="r"/>
-                        </dgm:alg>
-                      </dgm:else>
-                    </dgm:choose>
-                    <dgm:shape xmlns:r="http://schemas.openxmlformats.org/officeDocument/2006/relationships" r:blip="">
-                      <dgm:adjLst/>
-                    </dgm:shape>
-                    <dgm:presOf/>
-                    <dgm:constrLst/>
-                    <dgm:ruleLst/>
-                    <dgm:forEach name="Name22" ref="repeat"/>
-                  </dgm:layoutNode>
+                  <dgm:presOf axis="self desOrSelf" ptType="node node" st="1 1" cnt="1 0"/>
+                  <dgm:constrLst>
+                    <dgm:constr type="tMarg" refType="primFontSz" fact="0.1"/>
+                    <dgm:constr type="bMarg" refType="primFontSz" fact="0.1"/>
+                    <dgm:constr type="lMarg" refType="primFontSz" fact="0.15"/>
+                    <dgm:constr type="rMarg" refType="primFontSz" fact="0.15"/>
+                  </dgm:constrLst>
+                  <dgm:ruleLst>
+                    <dgm:rule type="primFontSz" val="5" fact="NaN" max="NaN"/>
+                  </dgm:ruleLst>
                 </dgm:layoutNode>
               </dgm:forEach>
             </dgm:forEach>
@@ -2894,11 +2565,11 @@
 </file>
 
 <file path=ppt/diagrams/quickStyle1.xml><?xml version="1.0" encoding="utf-8"?>
-<dgm:styleDef xmlns:dgm="http://schemas.openxmlformats.org/drawingml/2006/diagram" xmlns:a="http://schemas.openxmlformats.org/drawingml/2006/main" uniqueId="urn:microsoft.com/office/officeart/2005/8/quickstyle/simple1">
+<dgm:styleDef xmlns:dgm="http://schemas.openxmlformats.org/drawingml/2006/diagram" xmlns:a="http://schemas.openxmlformats.org/drawingml/2006/main" uniqueId="urn:microsoft.com/office/officeart/2005/8/quickstyle/simple2">
   <dgm:title val=""/>
   <dgm:desc val=""/>
   <dgm:catLst>
-    <dgm:cat type="simple" pri="10100"/>
+    <dgm:cat type="simple" pri="10200"/>
   </dgm:catLst>
   <dgm:scene3d>
     <a:camera prst="orthographicFront"/>
@@ -2912,13 +2583,13 @@
     <dgm:sp3d/>
     <dgm:txPr/>
     <dgm:style>
-      <a:lnRef idx="2">
+      <a:lnRef idx="3">
         <a:scrgbClr r="0" g="0" b="0"/>
       </a:lnRef>
       <a:fillRef idx="1">
         <a:scrgbClr r="0" g="0" b="0"/>
       </a:fillRef>
-      <a:effectRef idx="0">
+      <a:effectRef idx="1">
         <a:scrgbClr r="0" g="0" b="0"/>
       </a:effectRef>
       <a:fontRef idx="minor">
@@ -2934,13 +2605,13 @@
     <dgm:sp3d/>
     <dgm:txPr/>
     <dgm:style>
-      <a:lnRef idx="2">
+      <a:lnRef idx="3">
         <a:scrgbClr r="0" g="0" b="0"/>
       </a:lnRef>
       <a:fillRef idx="1">
         <a:scrgbClr r="0" g="0" b="0"/>
       </a:fillRef>
-      <a:effectRef idx="0">
+      <a:effectRef idx="1">
         <a:scrgbClr r="0" g="0" b="0"/>
       </a:effectRef>
       <a:fontRef idx="minor">
@@ -2956,7 +2627,7 @@
     <dgm:sp3d/>
     <dgm:txPr/>
     <dgm:style>
-      <a:lnRef idx="2">
+      <a:lnRef idx="3">
         <a:scrgbClr r="0" g="0" b="0"/>
       </a:lnRef>
       <a:fillRef idx="1">
@@ -2984,7 +2655,7 @@
       <a:fillRef idx="1">
         <a:scrgbClr r="0" g="0" b="0"/>
       </a:fillRef>
-      <a:effectRef idx="0">
+      <a:effectRef idx="1">
         <a:scrgbClr r="0" g="0" b="0"/>
       </a:effectRef>
       <a:fontRef idx="minor">
@@ -3000,13 +2671,13 @@
     <dgm:sp3d/>
     <dgm:txPr/>
     <dgm:style>
-      <a:lnRef idx="2">
+      <a:lnRef idx="3">
         <a:scrgbClr r="0" g="0" b="0"/>
       </a:lnRef>
       <a:fillRef idx="1">
         <a:scrgbClr r="0" g="0" b="0"/>
       </a:fillRef>
-      <a:effectRef idx="0">
+      <a:effectRef idx="1">
         <a:scrgbClr r="0" g="0" b="0"/>
       </a:effectRef>
       <a:fontRef idx="minor">
@@ -3022,13 +2693,13 @@
     <dgm:sp3d/>
     <dgm:txPr/>
     <dgm:style>
-      <a:lnRef idx="2">
+      <a:lnRef idx="3">
         <a:scrgbClr r="0" g="0" b="0"/>
       </a:lnRef>
       <a:fillRef idx="1">
         <a:scrgbClr r="0" g="0" b="0"/>
       </a:fillRef>
-      <a:effectRef idx="0">
+      <a:effectRef idx="1">
         <a:scrgbClr r="0" g="0" b="0"/>
       </a:effectRef>
       <a:fontRef idx="minor">
@@ -3044,13 +2715,13 @@
     <dgm:sp3d/>
     <dgm:txPr/>
     <dgm:style>
-      <a:lnRef idx="2">
+      <a:lnRef idx="3">
         <a:scrgbClr r="0" g="0" b="0"/>
       </a:lnRef>
       <a:fillRef idx="1">
         <a:scrgbClr r="0" g="0" b="0"/>
       </a:fillRef>
-      <a:effectRef idx="0">
+      <a:effectRef idx="1">
         <a:scrgbClr r="0" g="0" b="0"/>
       </a:effectRef>
       <a:fontRef idx="minor">
@@ -3066,13 +2737,13 @@
     <dgm:sp3d/>
     <dgm:txPr/>
     <dgm:style>
-      <a:lnRef idx="2">
+      <a:lnRef idx="3">
         <a:scrgbClr r="0" g="0" b="0"/>
       </a:lnRef>
       <a:fillRef idx="1">
         <a:scrgbClr r="0" g="0" b="0"/>
       </a:fillRef>
-      <a:effectRef idx="0">
+      <a:effectRef idx="1">
         <a:scrgbClr r="0" g="0" b="0"/>
       </a:effectRef>
       <a:fontRef idx="minor">
@@ -3088,13 +2759,13 @@
     <dgm:sp3d/>
     <dgm:txPr/>
     <dgm:style>
-      <a:lnRef idx="2">
+      <a:lnRef idx="3">
         <a:scrgbClr r="0" g="0" b="0"/>
       </a:lnRef>
       <a:fillRef idx="1">
         <a:scrgbClr r="0" g="0" b="0"/>
       </a:fillRef>
-      <a:effectRef idx="0">
+      <a:effectRef idx="1">
         <a:scrgbClr r="0" g="0" b="0"/>
       </a:effectRef>
       <a:fontRef idx="minor"/>
@@ -3108,13 +2779,13 @@
     <dgm:sp3d/>
     <dgm:txPr/>
     <dgm:style>
-      <a:lnRef idx="2">
+      <a:lnRef idx="3">
         <a:scrgbClr r="0" g="0" b="0"/>
       </a:lnRef>
       <a:fillRef idx="1">
         <a:scrgbClr r="0" g="0" b="0"/>
       </a:fillRef>
-      <a:effectRef idx="0">
+      <a:effectRef idx="1">
         <a:scrgbClr r="0" g="0" b="0"/>
       </a:effectRef>
       <a:fontRef idx="minor"/>
@@ -3128,13 +2799,13 @@
     <dgm:sp3d/>
     <dgm:txPr/>
     <dgm:style>
-      <a:lnRef idx="2">
+      <a:lnRef idx="3">
         <a:scrgbClr r="0" g="0" b="0"/>
       </a:lnRef>
       <a:fillRef idx="1">
         <a:scrgbClr r="0" g="0" b="0"/>
       </a:fillRef>
-      <a:effectRef idx="0">
+      <a:effectRef idx="1">
         <a:scrgbClr r="0" g="0" b="0"/>
       </a:effectRef>
       <a:fontRef idx="minor"/>
@@ -3154,7 +2825,7 @@
       <a:fillRef idx="1">
         <a:scrgbClr r="0" g="0" b="0"/>
       </a:fillRef>
-      <a:effectRef idx="0">
+      <a:effectRef idx="1">
         <a:scrgbClr r="0" g="0" b="0"/>
       </a:effectRef>
       <a:fontRef idx="minor">
@@ -3176,7 +2847,7 @@
       <a:fillRef idx="1">
         <a:scrgbClr r="0" g="0" b="0"/>
       </a:fillRef>
-      <a:effectRef idx="0">
+      <a:effectRef idx="1">
         <a:scrgbClr r="0" g="0" b="0"/>
       </a:effectRef>
       <a:fontRef idx="minor">
@@ -3198,7 +2869,7 @@
       <a:fillRef idx="1">
         <a:scrgbClr r="0" g="0" b="0"/>
       </a:fillRef>
-      <a:effectRef idx="0">
+      <a:effectRef idx="1">
         <a:scrgbClr r="0" g="0" b="0"/>
       </a:effectRef>
       <a:fontRef idx="minor">
@@ -3240,7 +2911,7 @@
       <a:fillRef idx="1">
         <a:scrgbClr r="0" g="0" b="0"/>
       </a:fillRef>
-      <a:effectRef idx="0">
+      <a:effectRef idx="1">
         <a:scrgbClr r="0" g="0" b="0"/>
       </a:effectRef>
       <a:fontRef idx="minor"/>
@@ -3254,13 +2925,13 @@
     <dgm:sp3d/>
     <dgm:txPr/>
     <dgm:style>
-      <a:lnRef idx="2">
+      <a:lnRef idx="3">
         <a:scrgbClr r="0" g="0" b="0"/>
       </a:lnRef>
       <a:fillRef idx="1">
         <a:scrgbClr r="0" g="0" b="0"/>
       </a:fillRef>
-      <a:effectRef idx="0">
+      <a:effectRef idx="1">
         <a:scrgbClr r="0" g="0" b="0"/>
       </a:effectRef>
       <a:fontRef idx="minor">
@@ -3276,13 +2947,13 @@
     <dgm:sp3d/>
     <dgm:txPr/>
     <dgm:style>
-      <a:lnRef idx="2">
+      <a:lnRef idx="3">
         <a:scrgbClr r="0" g="0" b="0"/>
       </a:lnRef>
       <a:fillRef idx="1">
         <a:scrgbClr r="0" g="0" b="0"/>
       </a:fillRef>
-      <a:effectRef idx="0">
+      <a:effectRef idx="1">
         <a:scrgbClr r="0" g="0" b="0"/>
       </a:effectRef>
       <a:fontRef idx="minor">
@@ -3298,13 +2969,13 @@
     <dgm:sp3d/>
     <dgm:txPr/>
     <dgm:style>
-      <a:lnRef idx="2">
+      <a:lnRef idx="3">
         <a:scrgbClr r="0" g="0" b="0"/>
       </a:lnRef>
       <a:fillRef idx="1">
         <a:scrgbClr r="0" g="0" b="0"/>
       </a:fillRef>
-      <a:effectRef idx="0">
+      <a:effectRef idx="1">
         <a:scrgbClr r="0" g="0" b="0"/>
       </a:effectRef>
       <a:fontRef idx="minor">
@@ -3320,13 +2991,13 @@
     <dgm:sp3d/>
     <dgm:txPr/>
     <dgm:style>
-      <a:lnRef idx="2">
+      <a:lnRef idx="3">
         <a:scrgbClr r="0" g="0" b="0"/>
       </a:lnRef>
       <a:fillRef idx="1">
         <a:scrgbClr r="0" g="0" b="0"/>
       </a:fillRef>
-      <a:effectRef idx="0">
+      <a:effectRef idx="1">
         <a:scrgbClr r="0" g="0" b="0"/>
       </a:effectRef>
       <a:fontRef idx="minor">
@@ -3342,13 +3013,13 @@
     <dgm:sp3d/>
     <dgm:txPr/>
     <dgm:style>
-      <a:lnRef idx="2">
+      <a:lnRef idx="3">
         <a:scrgbClr r="0" g="0" b="0"/>
       </a:lnRef>
       <a:fillRef idx="1">
         <a:scrgbClr r="0" g="0" b="0"/>
       </a:fillRef>
-      <a:effectRef idx="0">
+      <a:effectRef idx="1">
         <a:scrgbClr r="0" g="0" b="0"/>
       </a:effectRef>
       <a:fontRef idx="minor">
@@ -3364,13 +3035,13 @@
     <dgm:sp3d/>
     <dgm:txPr/>
     <dgm:style>
-      <a:lnRef idx="2">
+      <a:lnRef idx="3">
         <a:scrgbClr r="0" g="0" b="0"/>
       </a:lnRef>
       <a:fillRef idx="1">
         <a:scrgbClr r="0" g="0" b="0"/>
       </a:fillRef>
-      <a:effectRef idx="0">
+      <a:effectRef idx="1">
         <a:scrgbClr r="0" g="0" b="0"/>
       </a:effectRef>
       <a:fontRef idx="minor">
@@ -3386,13 +3057,13 @@
     <dgm:sp3d/>
     <dgm:txPr/>
     <dgm:style>
-      <a:lnRef idx="2">
+      <a:lnRef idx="3">
         <a:scrgbClr r="0" g="0" b="0"/>
       </a:lnRef>
       <a:fillRef idx="1">
         <a:scrgbClr r="0" g="0" b="0"/>
       </a:fillRef>
-      <a:effectRef idx="0">
+      <a:effectRef idx="1">
         <a:scrgbClr r="0" g="0" b="0"/>
       </a:effectRef>
       <a:fontRef idx="minor">
@@ -3408,13 +3079,13 @@
     <dgm:sp3d/>
     <dgm:txPr/>
     <dgm:style>
-      <a:lnRef idx="2">
+      <a:lnRef idx="3">
         <a:scrgbClr r="0" g="0" b="0"/>
       </a:lnRef>
       <a:fillRef idx="1">
         <a:scrgbClr r="0" g="0" b="0"/>
       </a:fillRef>
-      <a:effectRef idx="0">
+      <a:effectRef idx="1">
         <a:scrgbClr r="0" g="0" b="0"/>
       </a:effectRef>
       <a:fontRef idx="minor">
@@ -3430,13 +3101,13 @@
     <dgm:sp3d/>
     <dgm:txPr/>
     <dgm:style>
-      <a:lnRef idx="2">
+      <a:lnRef idx="3">
         <a:scrgbClr r="0" g="0" b="0"/>
       </a:lnRef>
       <a:fillRef idx="1">
         <a:scrgbClr r="0" g="0" b="0"/>
       </a:fillRef>
-      <a:effectRef idx="0">
+      <a:effectRef idx="1">
         <a:scrgbClr r="0" g="0" b="0"/>
       </a:effectRef>
       <a:fontRef idx="minor">
@@ -3892,13 +3563,13 @@
     <dgm:sp3d/>
     <dgm:txPr/>
     <dgm:style>
-      <a:lnRef idx="2">
+      <a:lnRef idx="3">
         <a:scrgbClr r="0" g="0" b="0"/>
       </a:lnRef>
       <a:fillRef idx="1">
         <a:scrgbClr r="0" g="0" b="0"/>
       </a:fillRef>
-      <a:effectRef idx="0">
+      <a:effectRef idx="1">
         <a:scrgbClr r="0" g="0" b="0"/>
       </a:effectRef>
       <a:fontRef idx="minor"/>
@@ -4058,7 +3729,7 @@
           <a:p>
             <a:fld id="{C2505B22-9FD8-4356-A0AB-8C46EF77DAF8}" type="datetimeFigureOut">
               <a:rPr lang="zh-CN" altLang="en-US" smtClean="0"/>
-              <a:t>2016/3/16</a:t>
+              <a:t>2016/3/17</a:t>
             </a:fld>
             <a:endParaRPr lang="zh-CN" altLang="en-US"/>
           </a:p>
@@ -4228,7 +3899,7 @@
           <a:p>
             <a:fld id="{C2505B22-9FD8-4356-A0AB-8C46EF77DAF8}" type="datetimeFigureOut">
               <a:rPr lang="zh-CN" altLang="en-US" smtClean="0"/>
-              <a:t>2016/3/16</a:t>
+              <a:t>2016/3/17</a:t>
             </a:fld>
             <a:endParaRPr lang="zh-CN" altLang="en-US"/>
           </a:p>
@@ -4408,7 +4079,7 @@
           <a:p>
             <a:fld id="{C2505B22-9FD8-4356-A0AB-8C46EF77DAF8}" type="datetimeFigureOut">
               <a:rPr lang="zh-CN" altLang="en-US" smtClean="0"/>
-              <a:t>2016/3/16</a:t>
+              <a:t>2016/3/17</a:t>
             </a:fld>
             <a:endParaRPr lang="zh-CN" altLang="en-US"/>
           </a:p>
@@ -4578,7 +4249,7 @@
           <a:p>
             <a:fld id="{C2505B22-9FD8-4356-A0AB-8C46EF77DAF8}" type="datetimeFigureOut">
               <a:rPr lang="zh-CN" altLang="en-US" smtClean="0"/>
-              <a:t>2016/3/16</a:t>
+              <a:t>2016/3/17</a:t>
             </a:fld>
             <a:endParaRPr lang="zh-CN" altLang="en-US"/>
           </a:p>
@@ -4824,7 +4495,7 @@
           <a:p>
             <a:fld id="{C2505B22-9FD8-4356-A0AB-8C46EF77DAF8}" type="datetimeFigureOut">
               <a:rPr lang="zh-CN" altLang="en-US" smtClean="0"/>
-              <a:t>2016/3/16</a:t>
+              <a:t>2016/3/17</a:t>
             </a:fld>
             <a:endParaRPr lang="zh-CN" altLang="en-US"/>
           </a:p>
@@ -5056,7 +4727,7 @@
           <a:p>
             <a:fld id="{C2505B22-9FD8-4356-A0AB-8C46EF77DAF8}" type="datetimeFigureOut">
               <a:rPr lang="zh-CN" altLang="en-US" smtClean="0"/>
-              <a:t>2016/3/16</a:t>
+              <a:t>2016/3/17</a:t>
             </a:fld>
             <a:endParaRPr lang="zh-CN" altLang="en-US"/>
           </a:p>
@@ -5423,7 +5094,7 @@
           <a:p>
             <a:fld id="{C2505B22-9FD8-4356-A0AB-8C46EF77DAF8}" type="datetimeFigureOut">
               <a:rPr lang="zh-CN" altLang="en-US" smtClean="0"/>
-              <a:t>2016/3/16</a:t>
+              <a:t>2016/3/17</a:t>
             </a:fld>
             <a:endParaRPr lang="zh-CN" altLang="en-US"/>
           </a:p>
@@ -5541,7 +5212,7 @@
           <a:p>
             <a:fld id="{C2505B22-9FD8-4356-A0AB-8C46EF77DAF8}" type="datetimeFigureOut">
               <a:rPr lang="zh-CN" altLang="en-US" smtClean="0"/>
-              <a:t>2016/3/16</a:t>
+              <a:t>2016/3/17</a:t>
             </a:fld>
             <a:endParaRPr lang="zh-CN" altLang="en-US"/>
           </a:p>
@@ -5636,7 +5307,7 @@
           <a:p>
             <a:fld id="{C2505B22-9FD8-4356-A0AB-8C46EF77DAF8}" type="datetimeFigureOut">
               <a:rPr lang="zh-CN" altLang="en-US" smtClean="0"/>
-              <a:t>2016/3/16</a:t>
+              <a:t>2016/3/17</a:t>
             </a:fld>
             <a:endParaRPr lang="zh-CN" altLang="en-US"/>
           </a:p>
@@ -5913,7 +5584,7 @@
           <a:p>
             <a:fld id="{C2505B22-9FD8-4356-A0AB-8C46EF77DAF8}" type="datetimeFigureOut">
               <a:rPr lang="zh-CN" altLang="en-US" smtClean="0"/>
-              <a:t>2016/3/16</a:t>
+              <a:t>2016/3/17</a:t>
             </a:fld>
             <a:endParaRPr lang="zh-CN" altLang="en-US"/>
           </a:p>
@@ -6166,7 +5837,7 @@
           <a:p>
             <a:fld id="{C2505B22-9FD8-4356-A0AB-8C46EF77DAF8}" type="datetimeFigureOut">
               <a:rPr lang="zh-CN" altLang="en-US" smtClean="0"/>
-              <a:t>2016/3/16</a:t>
+              <a:t>2016/3/17</a:t>
             </a:fld>
             <a:endParaRPr lang="zh-CN" altLang="en-US"/>
           </a:p>
@@ -6379,7 +6050,7 @@
           <a:p>
             <a:fld id="{C2505B22-9FD8-4356-A0AB-8C46EF77DAF8}" type="datetimeFigureOut">
               <a:rPr lang="zh-CN" altLang="en-US" smtClean="0"/>
-              <a:t>2016/3/16</a:t>
+              <a:t>2016/3/17</a:t>
             </a:fld>
             <a:endParaRPr lang="zh-CN" altLang="en-US"/>
           </a:p>
@@ -11069,14 +10740,14 @@
           <p:nvPr>
             <p:extLst>
               <p:ext uri="{D42A27DB-BD31-4B8C-83A1-F6EECF244321}">
-                <p14:modId xmlns:p14="http://schemas.microsoft.com/office/powerpoint/2010/main" val="3583937388"/>
+                <p14:modId xmlns:p14="http://schemas.microsoft.com/office/powerpoint/2010/main" val="241103891"/>
               </p:ext>
             </p:extLst>
           </p:nvPr>
         </p:nvGraphicFramePr>
         <p:xfrm>
           <a:off x="891177" y="1263533"/>
-          <a:ext cx="8043817" cy="3405052"/>
+          <a:ext cx="9289143" cy="3405052"/>
         </p:xfrm>
         <a:graphic>
           <a:graphicData uri="http://schemas.openxmlformats.org/drawingml/2006/diagram">
@@ -11092,7 +10763,7 @@
         </p:nvSpPr>
         <p:spPr>
           <a:xfrm>
-            <a:off x="1062446" y="4371703"/>
+            <a:off x="1036321" y="4772416"/>
             <a:ext cx="7297783" cy="646331"/>
           </a:xfrm>
           <a:prstGeom prst="rect">
@@ -11127,7 +10798,7 @@
         </p:nvSpPr>
         <p:spPr bwMode="auto">
           <a:xfrm>
-            <a:off x="1193074" y="4729298"/>
+            <a:off x="1105988" y="5121847"/>
             <a:ext cx="10528663" cy="292388"/>
           </a:xfrm>
           <a:prstGeom prst="rect">
@@ -11198,7 +10869,33 @@
                 <a:effectLst/>
                 <a:latin typeface="Consolas" panose="020B0609020204030204" pitchFamily="49" charset="0"/>
               </a:rPr>
-              <a:t>module.exports = PageOperation;</a:t>
+              <a:t>module.exports = </a:t>
+            </a:r>
+            <a:r>
+              <a:rPr kumimoji="0" lang="en-US" altLang="zh-CN" sz="1300" b="0" i="0" u="none" strike="noStrike" cap="none" normalizeH="0" baseline="0" dirty="0" err="1" smtClean="0">
+                <a:ln>
+                  <a:noFill/>
+                </a:ln>
+                <a:solidFill>
+                  <a:srgbClr val="000000"/>
+                </a:solidFill>
+                <a:effectLst/>
+                <a:latin typeface="Consolas" panose="020B0609020204030204" pitchFamily="49" charset="0"/>
+              </a:rPr>
+              <a:t>AuthoringInfo</a:t>
+            </a:r>
+            <a:r>
+              <a:rPr kumimoji="0" lang="zh-CN" altLang="zh-CN" sz="1300" b="0" i="0" u="none" strike="noStrike" cap="none" normalizeH="0" baseline="0" dirty="0" smtClean="0">
+                <a:ln>
+                  <a:noFill/>
+                </a:ln>
+                <a:solidFill>
+                  <a:srgbClr val="000000"/>
+                </a:solidFill>
+                <a:effectLst/>
+                <a:latin typeface="Consolas" panose="020B0609020204030204" pitchFamily="49" charset="0"/>
+              </a:rPr>
+              <a:t>;</a:t>
             </a:r>
             <a:endParaRPr kumimoji="0" lang="zh-CN" altLang="zh-CN" sz="1800" b="0" i="0" u="none" strike="noStrike" cap="none" normalizeH="0" baseline="0" dirty="0" smtClean="0">
               <a:ln>
@@ -11223,8 +10920,8 @@
         </p:nvSpPr>
         <p:spPr bwMode="auto">
           <a:xfrm>
-            <a:off x="1062446" y="5632715"/>
-            <a:ext cx="4479111" cy="292388"/>
+            <a:off x="1036321" y="6033428"/>
+            <a:ext cx="4387740" cy="292388"/>
           </a:xfrm>
           <a:prstGeom prst="rect">
             <a:avLst/>
@@ -11297,6 +10994,19 @@
               <a:t>var </a:t>
             </a:r>
             <a:r>
+              <a:rPr kumimoji="0" lang="en-US" altLang="zh-CN" sz="1300" i="0" u="none" strike="noStrike" cap="none" normalizeH="0" baseline="0" dirty="0" err="1" smtClean="0">
+                <a:ln>
+                  <a:noFill/>
+                </a:ln>
+                <a:solidFill>
+                  <a:srgbClr val="000000"/>
+                </a:solidFill>
+                <a:effectLst/>
+                <a:latin typeface="Consolas" panose="020B0609020204030204" pitchFamily="49" charset="0"/>
+              </a:rPr>
+              <a:t>AuthoringInfo</a:t>
+            </a:r>
+            <a:r>
               <a:rPr kumimoji="0" lang="zh-CN" altLang="zh-CN" sz="1300" i="0" u="none" strike="noStrike" cap="none" normalizeH="0" baseline="0" dirty="0" smtClean="0">
                 <a:ln>
                   <a:noFill/>
@@ -11307,7 +11017,7 @@
                 <a:effectLst/>
                 <a:latin typeface="Consolas" panose="020B0609020204030204" pitchFamily="49" charset="0"/>
               </a:rPr>
-              <a:t>PageOperation = require(</a:t>
+              <a:t>= require(</a:t>
             </a:r>
             <a:r>
               <a:rPr kumimoji="0" lang="zh-CN" altLang="zh-CN" sz="1300" i="0" u="none" strike="noStrike" cap="none" normalizeH="0" baseline="0" dirty="0" smtClean="0">
@@ -11320,7 +11030,33 @@
                 <a:effectLst/>
                 <a:latin typeface="Consolas" panose="020B0609020204030204" pitchFamily="49" charset="0"/>
               </a:rPr>
-              <a:t>"./PageOperation"</a:t>
+              <a:t>"./</a:t>
+            </a:r>
+            <a:r>
+              <a:rPr kumimoji="0" lang="en-US" altLang="zh-CN" sz="1300" i="0" u="none" strike="noStrike" cap="none" normalizeH="0" baseline="0" dirty="0" err="1" smtClean="0">
+                <a:ln>
+                  <a:noFill/>
+                </a:ln>
+                <a:solidFill>
+                  <a:srgbClr val="008000"/>
+                </a:solidFill>
+                <a:effectLst/>
+                <a:latin typeface="Consolas" panose="020B0609020204030204" pitchFamily="49" charset="0"/>
+              </a:rPr>
+              <a:t>AuthoringInfo</a:t>
+            </a:r>
+            <a:r>
+              <a:rPr kumimoji="0" lang="zh-CN" altLang="zh-CN" sz="1300" i="0" u="none" strike="noStrike" cap="none" normalizeH="0" baseline="0" dirty="0" smtClean="0">
+                <a:ln>
+                  <a:noFill/>
+                </a:ln>
+                <a:solidFill>
+                  <a:srgbClr val="008000"/>
+                </a:solidFill>
+                <a:effectLst/>
+                <a:latin typeface="Consolas" panose="020B0609020204030204" pitchFamily="49" charset="0"/>
+              </a:rPr>
+              <a:t>"</a:t>
             </a:r>
             <a:r>
               <a:rPr kumimoji="0" lang="zh-CN" altLang="zh-CN" sz="1300" i="0" u="none" strike="noStrike" cap="none" normalizeH="0" baseline="0" dirty="0" smtClean="0">
@@ -11356,7 +11092,7 @@
         </p:nvSpPr>
         <p:spPr>
           <a:xfrm>
-            <a:off x="1062446" y="5199017"/>
+            <a:off x="1036321" y="5599730"/>
             <a:ext cx="1532708" cy="369332"/>
           </a:xfrm>
           <a:prstGeom prst="rect">
